--- a/AVANT-PROJET/PrésentationAvantProjet.pptx
+++ b/AVANT-PROJET/PrésentationAvantProjet.pptx
@@ -4,9 +4,16 @@
   <p:sldMasterIdLst>
     <p:sldMasterId id="2147483648" r:id="rId1"/>
   </p:sldMasterIdLst>
+  <p:notesMasterIdLst>
+    <p:notesMasterId r:id="rId8"/>
+  </p:notesMasterIdLst>
   <p:sldIdLst>
     <p:sldId id="256" r:id="rId2"/>
     <p:sldId id="257" r:id="rId3"/>
+    <p:sldId id="258" r:id="rId4"/>
+    <p:sldId id="259" r:id="rId5"/>
+    <p:sldId id="260" r:id="rId6"/>
+    <p:sldId id="261" r:id="rId7"/>
   </p:sldIdLst>
   <p:sldSz cx="12192000" cy="6858000"/>
   <p:notesSz cx="6858000" cy="9144000"/>
@@ -108,6 +115,2979 @@
 </p:presentation>
 </file>
 
+<file path=ppt/diagrams/colors1.xml><?xml version="1.0" encoding="utf-8"?>
+<dgm:colorsDef xmlns:dgm="http://schemas.openxmlformats.org/drawingml/2006/diagram" xmlns:a="http://schemas.openxmlformats.org/drawingml/2006/main" uniqueId="urn:microsoft.com/office/officeart/2005/8/colors/accent1_2">
+  <dgm:title val=""/>
+  <dgm:desc val=""/>
+  <dgm:catLst>
+    <dgm:cat type="accent1" pri="11200"/>
+  </dgm:catLst>
+  <dgm:styleLbl name="node0">
+    <dgm:fillClrLst meth="repeat">
+      <a:schemeClr val="accent1"/>
+    </dgm:fillClrLst>
+    <dgm:linClrLst meth="repeat">
+      <a:schemeClr val="lt1"/>
+    </dgm:linClrLst>
+    <dgm:effectClrLst/>
+    <dgm:txLinClrLst/>
+    <dgm:txFillClrLst/>
+    <dgm:txEffectClrLst/>
+  </dgm:styleLbl>
+  <dgm:styleLbl name="alignNode1">
+    <dgm:fillClrLst meth="repeat">
+      <a:schemeClr val="accent1"/>
+    </dgm:fillClrLst>
+    <dgm:linClrLst meth="repeat">
+      <a:schemeClr val="accent1"/>
+    </dgm:linClrLst>
+    <dgm:effectClrLst/>
+    <dgm:txLinClrLst/>
+    <dgm:txFillClrLst/>
+    <dgm:txEffectClrLst/>
+  </dgm:styleLbl>
+  <dgm:styleLbl name="node1">
+    <dgm:fillClrLst meth="repeat">
+      <a:schemeClr val="accent1"/>
+    </dgm:fillClrLst>
+    <dgm:linClrLst meth="repeat">
+      <a:schemeClr val="lt1"/>
+    </dgm:linClrLst>
+    <dgm:effectClrLst/>
+    <dgm:txLinClrLst/>
+    <dgm:txFillClrLst/>
+    <dgm:txEffectClrLst/>
+  </dgm:styleLbl>
+  <dgm:styleLbl name="lnNode1">
+    <dgm:fillClrLst meth="repeat">
+      <a:schemeClr val="accent1"/>
+    </dgm:fillClrLst>
+    <dgm:linClrLst meth="repeat">
+      <a:schemeClr val="lt1"/>
+    </dgm:linClrLst>
+    <dgm:effectClrLst/>
+    <dgm:txLinClrLst/>
+    <dgm:txFillClrLst/>
+    <dgm:txEffectClrLst/>
+  </dgm:styleLbl>
+  <dgm:styleLbl name="vennNode1">
+    <dgm:fillClrLst meth="repeat">
+      <a:schemeClr val="accent1">
+        <a:alpha val="50000"/>
+      </a:schemeClr>
+    </dgm:fillClrLst>
+    <dgm:linClrLst meth="repeat">
+      <a:schemeClr val="lt1"/>
+    </dgm:linClrLst>
+    <dgm:effectClrLst/>
+    <dgm:txLinClrLst/>
+    <dgm:txFillClrLst/>
+    <dgm:txEffectClrLst/>
+  </dgm:styleLbl>
+  <dgm:styleLbl name="node2">
+    <dgm:fillClrLst meth="repeat">
+      <a:schemeClr val="accent1"/>
+    </dgm:fillClrLst>
+    <dgm:linClrLst meth="repeat">
+      <a:schemeClr val="lt1"/>
+    </dgm:linClrLst>
+    <dgm:effectClrLst/>
+    <dgm:txLinClrLst/>
+    <dgm:txFillClrLst/>
+    <dgm:txEffectClrLst/>
+  </dgm:styleLbl>
+  <dgm:styleLbl name="node3">
+    <dgm:fillClrLst meth="repeat">
+      <a:schemeClr val="accent1"/>
+    </dgm:fillClrLst>
+    <dgm:linClrLst meth="repeat">
+      <a:schemeClr val="lt1"/>
+    </dgm:linClrLst>
+    <dgm:effectClrLst/>
+    <dgm:txLinClrLst/>
+    <dgm:txFillClrLst/>
+    <dgm:txEffectClrLst/>
+  </dgm:styleLbl>
+  <dgm:styleLbl name="node4">
+    <dgm:fillClrLst meth="repeat">
+      <a:schemeClr val="accent1"/>
+    </dgm:fillClrLst>
+    <dgm:linClrLst meth="repeat">
+      <a:schemeClr val="lt1"/>
+    </dgm:linClrLst>
+    <dgm:effectClrLst/>
+    <dgm:txLinClrLst/>
+    <dgm:txFillClrLst/>
+    <dgm:txEffectClrLst/>
+  </dgm:styleLbl>
+  <dgm:styleLbl name="fgImgPlace1">
+    <dgm:fillClrLst meth="repeat">
+      <a:schemeClr val="accent1">
+        <a:tint val="50000"/>
+      </a:schemeClr>
+    </dgm:fillClrLst>
+    <dgm:linClrLst meth="repeat">
+      <a:schemeClr val="lt1"/>
+    </dgm:linClrLst>
+    <dgm:effectClrLst/>
+    <dgm:txLinClrLst/>
+    <dgm:txFillClrLst meth="repeat">
+      <a:schemeClr val="lt1"/>
+    </dgm:txFillClrLst>
+    <dgm:txEffectClrLst/>
+  </dgm:styleLbl>
+  <dgm:styleLbl name="alignImgPlace1">
+    <dgm:fillClrLst meth="repeat">
+      <a:schemeClr val="accent1">
+        <a:tint val="50000"/>
+      </a:schemeClr>
+    </dgm:fillClrLst>
+    <dgm:linClrLst meth="repeat">
+      <a:schemeClr val="lt1"/>
+    </dgm:linClrLst>
+    <dgm:effectClrLst/>
+    <dgm:txLinClrLst/>
+    <dgm:txFillClrLst meth="repeat">
+      <a:schemeClr val="lt1"/>
+    </dgm:txFillClrLst>
+    <dgm:txEffectClrLst/>
+  </dgm:styleLbl>
+  <dgm:styleLbl name="bgImgPlace1">
+    <dgm:fillClrLst meth="repeat">
+      <a:schemeClr val="accent1">
+        <a:tint val="50000"/>
+      </a:schemeClr>
+    </dgm:fillClrLst>
+    <dgm:linClrLst meth="repeat">
+      <a:schemeClr val="lt1"/>
+    </dgm:linClrLst>
+    <dgm:effectClrLst/>
+    <dgm:txLinClrLst/>
+    <dgm:txFillClrLst meth="repeat">
+      <a:schemeClr val="lt1"/>
+    </dgm:txFillClrLst>
+    <dgm:txEffectClrLst/>
+  </dgm:styleLbl>
+  <dgm:styleLbl name="sibTrans2D1">
+    <dgm:fillClrLst meth="repeat">
+      <a:schemeClr val="accent1">
+        <a:tint val="60000"/>
+      </a:schemeClr>
+    </dgm:fillClrLst>
+    <dgm:linClrLst meth="repeat">
+      <a:schemeClr val="accent1">
+        <a:tint val="60000"/>
+      </a:schemeClr>
+    </dgm:linClrLst>
+    <dgm:effectClrLst/>
+    <dgm:txLinClrLst/>
+    <dgm:txFillClrLst/>
+    <dgm:txEffectClrLst/>
+  </dgm:styleLbl>
+  <dgm:styleLbl name="fgSibTrans2D1">
+    <dgm:fillClrLst meth="repeat">
+      <a:schemeClr val="accent1">
+        <a:tint val="60000"/>
+      </a:schemeClr>
+    </dgm:fillClrLst>
+    <dgm:linClrLst meth="repeat">
+      <a:schemeClr val="accent1">
+        <a:tint val="60000"/>
+      </a:schemeClr>
+    </dgm:linClrLst>
+    <dgm:effectClrLst/>
+    <dgm:txLinClrLst/>
+    <dgm:txFillClrLst/>
+    <dgm:txEffectClrLst/>
+  </dgm:styleLbl>
+  <dgm:styleLbl name="bgSibTrans2D1">
+    <dgm:fillClrLst meth="repeat">
+      <a:schemeClr val="accent1">
+        <a:tint val="60000"/>
+      </a:schemeClr>
+    </dgm:fillClrLst>
+    <dgm:linClrLst meth="repeat">
+      <a:schemeClr val="accent1">
+        <a:tint val="60000"/>
+      </a:schemeClr>
+    </dgm:linClrLst>
+    <dgm:effectClrLst/>
+    <dgm:txLinClrLst/>
+    <dgm:txFillClrLst/>
+    <dgm:txEffectClrLst/>
+  </dgm:styleLbl>
+  <dgm:styleLbl name="sibTrans1D1">
+    <dgm:fillClrLst meth="repeat">
+      <a:schemeClr val="accent1"/>
+    </dgm:fillClrLst>
+    <dgm:linClrLst meth="repeat">
+      <a:schemeClr val="accent1"/>
+    </dgm:linClrLst>
+    <dgm:effectClrLst/>
+    <dgm:txLinClrLst/>
+    <dgm:txFillClrLst meth="repeat">
+      <a:schemeClr val="tx1"/>
+    </dgm:txFillClrLst>
+    <dgm:txEffectClrLst/>
+  </dgm:styleLbl>
+  <dgm:styleLbl name="callout">
+    <dgm:fillClrLst meth="repeat">
+      <a:schemeClr val="accent1"/>
+    </dgm:fillClrLst>
+    <dgm:linClrLst meth="repeat">
+      <a:schemeClr val="accent1">
+        <a:tint val="50000"/>
+      </a:schemeClr>
+    </dgm:linClrLst>
+    <dgm:effectClrLst/>
+    <dgm:txLinClrLst/>
+    <dgm:txFillClrLst meth="repeat">
+      <a:schemeClr val="tx1"/>
+    </dgm:txFillClrLst>
+    <dgm:txEffectClrLst/>
+  </dgm:styleLbl>
+  <dgm:styleLbl name="asst0">
+    <dgm:fillClrLst meth="repeat">
+      <a:schemeClr val="accent1"/>
+    </dgm:fillClrLst>
+    <dgm:linClrLst meth="repeat">
+      <a:schemeClr val="lt1"/>
+    </dgm:linClrLst>
+    <dgm:effectClrLst/>
+    <dgm:txLinClrLst/>
+    <dgm:txFillClrLst/>
+    <dgm:txEffectClrLst/>
+  </dgm:styleLbl>
+  <dgm:styleLbl name="asst1">
+    <dgm:fillClrLst meth="repeat">
+      <a:schemeClr val="accent1"/>
+    </dgm:fillClrLst>
+    <dgm:linClrLst meth="repeat">
+      <a:schemeClr val="lt1"/>
+    </dgm:linClrLst>
+    <dgm:effectClrLst/>
+    <dgm:txLinClrLst/>
+    <dgm:txFillClrLst/>
+    <dgm:txEffectClrLst/>
+  </dgm:styleLbl>
+  <dgm:styleLbl name="asst2">
+    <dgm:fillClrLst meth="repeat">
+      <a:schemeClr val="accent1"/>
+    </dgm:fillClrLst>
+    <dgm:linClrLst meth="repeat">
+      <a:schemeClr val="lt1"/>
+    </dgm:linClrLst>
+    <dgm:effectClrLst/>
+    <dgm:txLinClrLst/>
+    <dgm:txFillClrLst/>
+    <dgm:txEffectClrLst/>
+  </dgm:styleLbl>
+  <dgm:styleLbl name="asst3">
+    <dgm:fillClrLst meth="repeat">
+      <a:schemeClr val="accent1"/>
+    </dgm:fillClrLst>
+    <dgm:linClrLst meth="repeat">
+      <a:schemeClr val="lt1"/>
+    </dgm:linClrLst>
+    <dgm:effectClrLst/>
+    <dgm:txLinClrLst/>
+    <dgm:txFillClrLst/>
+    <dgm:txEffectClrLst/>
+  </dgm:styleLbl>
+  <dgm:styleLbl name="asst4">
+    <dgm:fillClrLst meth="repeat">
+      <a:schemeClr val="accent1"/>
+    </dgm:fillClrLst>
+    <dgm:linClrLst meth="repeat">
+      <a:schemeClr val="lt1"/>
+    </dgm:linClrLst>
+    <dgm:effectClrLst/>
+    <dgm:txLinClrLst/>
+    <dgm:txFillClrLst/>
+    <dgm:txEffectClrLst/>
+  </dgm:styleLbl>
+  <dgm:styleLbl name="parChTrans2D1">
+    <dgm:fillClrLst meth="repeat">
+      <a:schemeClr val="accent1">
+        <a:tint val="60000"/>
+      </a:schemeClr>
+    </dgm:fillClrLst>
+    <dgm:linClrLst meth="repeat">
+      <a:schemeClr val="accent1">
+        <a:tint val="60000"/>
+      </a:schemeClr>
+    </dgm:linClrLst>
+    <dgm:effectClrLst/>
+    <dgm:txLinClrLst/>
+    <dgm:txFillClrLst meth="repeat">
+      <a:schemeClr val="lt1"/>
+    </dgm:txFillClrLst>
+    <dgm:txEffectClrLst/>
+  </dgm:styleLbl>
+  <dgm:styleLbl name="parChTrans2D2">
+    <dgm:fillClrLst meth="repeat">
+      <a:schemeClr val="accent1"/>
+    </dgm:fillClrLst>
+    <dgm:linClrLst meth="repeat">
+      <a:schemeClr val="accent1"/>
+    </dgm:linClrLst>
+    <dgm:effectClrLst/>
+    <dgm:txLinClrLst/>
+    <dgm:txFillClrLst meth="repeat">
+      <a:schemeClr val="lt1"/>
+    </dgm:txFillClrLst>
+    <dgm:txEffectClrLst/>
+  </dgm:styleLbl>
+  <dgm:styleLbl name="parChTrans2D3">
+    <dgm:fillClrLst meth="repeat">
+      <a:schemeClr val="accent1"/>
+    </dgm:fillClrLst>
+    <dgm:linClrLst meth="repeat">
+      <a:schemeClr val="accent1"/>
+    </dgm:linClrLst>
+    <dgm:effectClrLst/>
+    <dgm:txLinClrLst/>
+    <dgm:txFillClrLst meth="repeat">
+      <a:schemeClr val="lt1"/>
+    </dgm:txFillClrLst>
+    <dgm:txEffectClrLst/>
+  </dgm:styleLbl>
+  <dgm:styleLbl name="parChTrans2D4">
+    <dgm:fillClrLst meth="repeat">
+      <a:schemeClr val="accent1"/>
+    </dgm:fillClrLst>
+    <dgm:linClrLst meth="repeat">
+      <a:schemeClr val="accent1"/>
+    </dgm:linClrLst>
+    <dgm:effectClrLst/>
+    <dgm:txLinClrLst/>
+    <dgm:txFillClrLst meth="repeat">
+      <a:schemeClr val="lt1"/>
+    </dgm:txFillClrLst>
+    <dgm:txEffectClrLst/>
+  </dgm:styleLbl>
+  <dgm:styleLbl name="parChTrans1D1">
+    <dgm:fillClrLst meth="repeat">
+      <a:schemeClr val="accent1"/>
+    </dgm:fillClrLst>
+    <dgm:linClrLst meth="repeat">
+      <a:schemeClr val="accent1">
+        <a:shade val="60000"/>
+      </a:schemeClr>
+    </dgm:linClrLst>
+    <dgm:effectClrLst/>
+    <dgm:txLinClrLst/>
+    <dgm:txFillClrLst meth="repeat">
+      <a:schemeClr val="tx1"/>
+    </dgm:txFillClrLst>
+    <dgm:txEffectClrLst/>
+  </dgm:styleLbl>
+  <dgm:styleLbl name="parChTrans1D2">
+    <dgm:fillClrLst meth="repeat">
+      <a:schemeClr val="accent1"/>
+    </dgm:fillClrLst>
+    <dgm:linClrLst meth="repeat">
+      <a:schemeClr val="accent1">
+        <a:shade val="60000"/>
+      </a:schemeClr>
+    </dgm:linClrLst>
+    <dgm:effectClrLst/>
+    <dgm:txLinClrLst/>
+    <dgm:txFillClrLst meth="repeat">
+      <a:schemeClr val="tx1"/>
+    </dgm:txFillClrLst>
+    <dgm:txEffectClrLst/>
+  </dgm:styleLbl>
+  <dgm:styleLbl name="parChTrans1D3">
+    <dgm:fillClrLst meth="repeat">
+      <a:schemeClr val="accent1"/>
+    </dgm:fillClrLst>
+    <dgm:linClrLst meth="repeat">
+      <a:schemeClr val="accent1">
+        <a:shade val="80000"/>
+      </a:schemeClr>
+    </dgm:linClrLst>
+    <dgm:effectClrLst/>
+    <dgm:txLinClrLst/>
+    <dgm:txFillClrLst meth="repeat">
+      <a:schemeClr val="tx1"/>
+    </dgm:txFillClrLst>
+    <dgm:txEffectClrLst/>
+  </dgm:styleLbl>
+  <dgm:styleLbl name="parChTrans1D4">
+    <dgm:fillClrLst meth="repeat">
+      <a:schemeClr val="accent1"/>
+    </dgm:fillClrLst>
+    <dgm:linClrLst meth="repeat">
+      <a:schemeClr val="accent1">
+        <a:shade val="80000"/>
+      </a:schemeClr>
+    </dgm:linClrLst>
+    <dgm:effectClrLst/>
+    <dgm:txLinClrLst/>
+    <dgm:txFillClrLst meth="repeat">
+      <a:schemeClr val="tx1"/>
+    </dgm:txFillClrLst>
+    <dgm:txEffectClrLst/>
+  </dgm:styleLbl>
+  <dgm:styleLbl name="fgAcc1">
+    <dgm:fillClrLst meth="repeat">
+      <a:schemeClr val="lt1">
+        <a:alpha val="90000"/>
+      </a:schemeClr>
+    </dgm:fillClrLst>
+    <dgm:linClrLst meth="repeat">
+      <a:schemeClr val="accent1"/>
+    </dgm:linClrLst>
+    <dgm:effectClrLst/>
+    <dgm:txLinClrLst/>
+    <dgm:txFillClrLst meth="repeat">
+      <a:schemeClr val="dk1"/>
+    </dgm:txFillClrLst>
+    <dgm:txEffectClrLst/>
+  </dgm:styleLbl>
+  <dgm:styleLbl name="conFgAcc1">
+    <dgm:fillClrLst meth="repeat">
+      <a:schemeClr val="lt1">
+        <a:alpha val="90000"/>
+      </a:schemeClr>
+    </dgm:fillClrLst>
+    <dgm:linClrLst meth="repeat">
+      <a:schemeClr val="accent1"/>
+    </dgm:linClrLst>
+    <dgm:effectClrLst/>
+    <dgm:txLinClrLst/>
+    <dgm:txFillClrLst meth="repeat">
+      <a:schemeClr val="dk1"/>
+    </dgm:txFillClrLst>
+    <dgm:txEffectClrLst/>
+  </dgm:styleLbl>
+  <dgm:styleLbl name="alignAcc1">
+    <dgm:fillClrLst meth="repeat">
+      <a:schemeClr val="lt1">
+        <a:alpha val="90000"/>
+      </a:schemeClr>
+    </dgm:fillClrLst>
+    <dgm:linClrLst meth="repeat">
+      <a:schemeClr val="accent1"/>
+    </dgm:linClrLst>
+    <dgm:effectClrLst/>
+    <dgm:txLinClrLst/>
+    <dgm:txFillClrLst meth="repeat">
+      <a:schemeClr val="dk1"/>
+    </dgm:txFillClrLst>
+    <dgm:txEffectClrLst/>
+  </dgm:styleLbl>
+  <dgm:styleLbl name="trAlignAcc1">
+    <dgm:fillClrLst meth="repeat">
+      <a:schemeClr val="lt1">
+        <a:alpha val="40000"/>
+      </a:schemeClr>
+    </dgm:fillClrLst>
+    <dgm:linClrLst meth="repeat">
+      <a:schemeClr val="accent1"/>
+    </dgm:linClrLst>
+    <dgm:effectClrLst/>
+    <dgm:txLinClrLst/>
+    <dgm:txFillClrLst meth="repeat">
+      <a:schemeClr val="dk1"/>
+    </dgm:txFillClrLst>
+    <dgm:txEffectClrLst/>
+  </dgm:styleLbl>
+  <dgm:styleLbl name="bgAcc1">
+    <dgm:fillClrLst meth="repeat">
+      <a:schemeClr val="lt1">
+        <a:alpha val="90000"/>
+      </a:schemeClr>
+    </dgm:fillClrLst>
+    <dgm:linClrLst meth="repeat">
+      <a:schemeClr val="accent1"/>
+    </dgm:linClrLst>
+    <dgm:effectClrLst/>
+    <dgm:txLinClrLst/>
+    <dgm:txFillClrLst meth="repeat">
+      <a:schemeClr val="dk1"/>
+    </dgm:txFillClrLst>
+    <dgm:txEffectClrLst/>
+  </dgm:styleLbl>
+  <dgm:styleLbl name="solidFgAcc1">
+    <dgm:fillClrLst meth="repeat">
+      <a:schemeClr val="lt1"/>
+    </dgm:fillClrLst>
+    <dgm:linClrLst meth="repeat">
+      <a:schemeClr val="accent1"/>
+    </dgm:linClrLst>
+    <dgm:effectClrLst/>
+    <dgm:txLinClrLst/>
+    <dgm:txFillClrLst meth="repeat">
+      <a:schemeClr val="dk1"/>
+    </dgm:txFillClrLst>
+    <dgm:txEffectClrLst/>
+  </dgm:styleLbl>
+  <dgm:styleLbl name="solidAlignAcc1">
+    <dgm:fillClrLst meth="repeat">
+      <a:schemeClr val="lt1"/>
+    </dgm:fillClrLst>
+    <dgm:linClrLst meth="repeat">
+      <a:schemeClr val="accent1"/>
+    </dgm:linClrLst>
+    <dgm:effectClrLst/>
+    <dgm:txLinClrLst/>
+    <dgm:txFillClrLst meth="repeat">
+      <a:schemeClr val="dk1"/>
+    </dgm:txFillClrLst>
+    <dgm:txEffectClrLst/>
+  </dgm:styleLbl>
+  <dgm:styleLbl name="solidBgAcc1">
+    <dgm:fillClrLst meth="repeat">
+      <a:schemeClr val="lt1"/>
+    </dgm:fillClrLst>
+    <dgm:linClrLst meth="repeat">
+      <a:schemeClr val="accent1"/>
+    </dgm:linClrLst>
+    <dgm:effectClrLst/>
+    <dgm:txLinClrLst/>
+    <dgm:txFillClrLst meth="repeat">
+      <a:schemeClr val="dk1"/>
+    </dgm:txFillClrLst>
+    <dgm:txEffectClrLst/>
+  </dgm:styleLbl>
+  <dgm:styleLbl name="fgAccFollowNode1">
+    <dgm:fillClrLst meth="repeat">
+      <a:schemeClr val="accent1">
+        <a:alpha val="90000"/>
+        <a:tint val="40000"/>
+      </a:schemeClr>
+    </dgm:fillClrLst>
+    <dgm:linClrLst meth="repeat">
+      <a:schemeClr val="accent1">
+        <a:alpha val="90000"/>
+        <a:tint val="40000"/>
+      </a:schemeClr>
+    </dgm:linClrLst>
+    <dgm:effectClrLst/>
+    <dgm:txLinClrLst/>
+    <dgm:txFillClrLst meth="repeat">
+      <a:schemeClr val="dk1"/>
+    </dgm:txFillClrLst>
+    <dgm:txEffectClrLst/>
+  </dgm:styleLbl>
+  <dgm:styleLbl name="alignAccFollowNode1">
+    <dgm:fillClrLst meth="repeat">
+      <a:schemeClr val="accent1">
+        <a:alpha val="90000"/>
+        <a:tint val="40000"/>
+      </a:schemeClr>
+    </dgm:fillClrLst>
+    <dgm:linClrLst meth="repeat">
+      <a:schemeClr val="accent1">
+        <a:alpha val="90000"/>
+        <a:tint val="40000"/>
+      </a:schemeClr>
+    </dgm:linClrLst>
+    <dgm:effectClrLst/>
+    <dgm:txLinClrLst/>
+    <dgm:txFillClrLst meth="repeat">
+      <a:schemeClr val="dk1"/>
+    </dgm:txFillClrLst>
+    <dgm:txEffectClrLst/>
+  </dgm:styleLbl>
+  <dgm:styleLbl name="bgAccFollowNode1">
+    <dgm:fillClrLst meth="repeat">
+      <a:schemeClr val="accent1">
+        <a:alpha val="90000"/>
+        <a:tint val="40000"/>
+      </a:schemeClr>
+    </dgm:fillClrLst>
+    <dgm:linClrLst meth="repeat">
+      <a:schemeClr val="accent1">
+        <a:alpha val="90000"/>
+        <a:tint val="40000"/>
+      </a:schemeClr>
+    </dgm:linClrLst>
+    <dgm:effectClrLst/>
+    <dgm:txLinClrLst/>
+    <dgm:txFillClrLst meth="repeat">
+      <a:schemeClr val="dk1"/>
+    </dgm:txFillClrLst>
+    <dgm:txEffectClrLst/>
+  </dgm:styleLbl>
+  <dgm:styleLbl name="fgAcc0">
+    <dgm:fillClrLst meth="repeat">
+      <a:schemeClr val="lt1">
+        <a:alpha val="90000"/>
+      </a:schemeClr>
+    </dgm:fillClrLst>
+    <dgm:linClrLst meth="repeat">
+      <a:schemeClr val="accent1"/>
+    </dgm:linClrLst>
+    <dgm:effectClrLst/>
+    <dgm:txLinClrLst/>
+    <dgm:txFillClrLst meth="repeat">
+      <a:schemeClr val="dk1"/>
+    </dgm:txFillClrLst>
+    <dgm:txEffectClrLst/>
+  </dgm:styleLbl>
+  <dgm:styleLbl name="fgAcc2">
+    <dgm:fillClrLst meth="repeat">
+      <a:schemeClr val="lt1">
+        <a:alpha val="90000"/>
+      </a:schemeClr>
+    </dgm:fillClrLst>
+    <dgm:linClrLst meth="repeat">
+      <a:schemeClr val="accent1"/>
+    </dgm:linClrLst>
+    <dgm:effectClrLst/>
+    <dgm:txLinClrLst/>
+    <dgm:txFillClrLst meth="repeat">
+      <a:schemeClr val="dk1"/>
+    </dgm:txFillClrLst>
+    <dgm:txEffectClrLst/>
+  </dgm:styleLbl>
+  <dgm:styleLbl name="fgAcc3">
+    <dgm:fillClrLst meth="repeat">
+      <a:schemeClr val="lt1">
+        <a:alpha val="90000"/>
+      </a:schemeClr>
+    </dgm:fillClrLst>
+    <dgm:linClrLst meth="repeat">
+      <a:schemeClr val="accent1"/>
+    </dgm:linClrLst>
+    <dgm:effectClrLst/>
+    <dgm:txLinClrLst/>
+    <dgm:txFillClrLst meth="repeat">
+      <a:schemeClr val="dk1"/>
+    </dgm:txFillClrLst>
+    <dgm:txEffectClrLst/>
+  </dgm:styleLbl>
+  <dgm:styleLbl name="fgAcc4">
+    <dgm:fillClrLst meth="repeat">
+      <a:schemeClr val="lt1">
+        <a:alpha val="90000"/>
+      </a:schemeClr>
+    </dgm:fillClrLst>
+    <dgm:linClrLst meth="repeat">
+      <a:schemeClr val="accent1"/>
+    </dgm:linClrLst>
+    <dgm:effectClrLst/>
+    <dgm:txLinClrLst/>
+    <dgm:txFillClrLst meth="repeat">
+      <a:schemeClr val="dk1"/>
+    </dgm:txFillClrLst>
+    <dgm:txEffectClrLst/>
+  </dgm:styleLbl>
+  <dgm:styleLbl name="bgShp">
+    <dgm:fillClrLst meth="repeat">
+      <a:schemeClr val="accent1">
+        <a:tint val="40000"/>
+      </a:schemeClr>
+    </dgm:fillClrLst>
+    <dgm:linClrLst meth="repeat">
+      <a:schemeClr val="accent1"/>
+    </dgm:linClrLst>
+    <dgm:effectClrLst/>
+    <dgm:txLinClrLst/>
+    <dgm:txFillClrLst meth="repeat">
+      <a:schemeClr val="dk1"/>
+    </dgm:txFillClrLst>
+    <dgm:txEffectClrLst/>
+  </dgm:styleLbl>
+  <dgm:styleLbl name="dkBgShp">
+    <dgm:fillClrLst meth="repeat">
+      <a:schemeClr val="accent1">
+        <a:shade val="80000"/>
+      </a:schemeClr>
+    </dgm:fillClrLst>
+    <dgm:linClrLst meth="repeat">
+      <a:schemeClr val="accent1"/>
+    </dgm:linClrLst>
+    <dgm:effectClrLst/>
+    <dgm:txLinClrLst/>
+    <dgm:txFillClrLst meth="repeat">
+      <a:schemeClr val="lt1"/>
+    </dgm:txFillClrLst>
+    <dgm:txEffectClrLst/>
+  </dgm:styleLbl>
+  <dgm:styleLbl name="trBgShp">
+    <dgm:fillClrLst meth="repeat">
+      <a:schemeClr val="accent1">
+        <a:tint val="50000"/>
+        <a:alpha val="40000"/>
+      </a:schemeClr>
+    </dgm:fillClrLst>
+    <dgm:linClrLst meth="repeat">
+      <a:schemeClr val="accent1"/>
+    </dgm:linClrLst>
+    <dgm:effectClrLst/>
+    <dgm:txLinClrLst/>
+    <dgm:txFillClrLst meth="repeat">
+      <a:schemeClr val="lt1"/>
+    </dgm:txFillClrLst>
+    <dgm:txEffectClrLst/>
+  </dgm:styleLbl>
+  <dgm:styleLbl name="fgShp">
+    <dgm:fillClrLst meth="repeat">
+      <a:schemeClr val="accent1">
+        <a:tint val="60000"/>
+      </a:schemeClr>
+    </dgm:fillClrLst>
+    <dgm:linClrLst meth="repeat">
+      <a:schemeClr val="lt1"/>
+    </dgm:linClrLst>
+    <dgm:effectClrLst/>
+    <dgm:txLinClrLst/>
+    <dgm:txFillClrLst meth="repeat">
+      <a:schemeClr val="dk1"/>
+    </dgm:txFillClrLst>
+    <dgm:txEffectClrLst/>
+  </dgm:styleLbl>
+  <dgm:styleLbl name="revTx">
+    <dgm:fillClrLst meth="repeat">
+      <a:schemeClr val="lt1">
+        <a:alpha val="0"/>
+      </a:schemeClr>
+    </dgm:fillClrLst>
+    <dgm:linClrLst meth="repeat">
+      <a:schemeClr val="dk1">
+        <a:alpha val="0"/>
+      </a:schemeClr>
+    </dgm:linClrLst>
+    <dgm:effectClrLst/>
+    <dgm:txLinClrLst/>
+    <dgm:txFillClrLst meth="repeat">
+      <a:schemeClr val="tx1"/>
+    </dgm:txFillClrLst>
+    <dgm:txEffectClrLst/>
+  </dgm:styleLbl>
+</dgm:colorsDef>
+</file>
+
+<file path=ppt/diagrams/data1.xml><?xml version="1.0" encoding="utf-8"?>
+<dgm:dataModel xmlns:dgm="http://schemas.openxmlformats.org/drawingml/2006/diagram" xmlns:a="http://schemas.openxmlformats.org/drawingml/2006/main">
+  <dgm:ptLst>
+    <dgm:pt modelId="{B1F2FE45-7264-4A45-8A22-49DDA82E6C40}" type="doc">
+      <dgm:prSet loTypeId="urn:microsoft.com/office/officeart/2005/8/layout/vList2" loCatId="list" qsTypeId="urn:microsoft.com/office/officeart/2005/8/quickstyle/simple1" qsCatId="simple" csTypeId="urn:microsoft.com/office/officeart/2005/8/colors/accent1_2" csCatId="accent1" phldr="1"/>
+      <dgm:spPr/>
+      <dgm:t>
+        <a:bodyPr/>
+        <a:lstStyle/>
+        <a:p>
+          <a:endParaRPr lang="en-US"/>
+        </a:p>
+      </dgm:t>
+    </dgm:pt>
+    <dgm:pt modelId="{E489D5AC-7B66-493C-A07B-DC228DB2E7F6}">
+      <dgm:prSet/>
+      <dgm:spPr/>
+      <dgm:t>
+        <a:bodyPr/>
+        <a:lstStyle/>
+        <a:p>
+          <a:r>
+            <a:rPr lang="fr-FR" dirty="0"/>
+            <a:t>I. C’est quoi </a:t>
+          </a:r>
+          <a:r>
+            <a:rPr lang="fr-FR" dirty="0" err="1"/>
+            <a:t>NavConnect</a:t>
+          </a:r>
+          <a:r>
+            <a:rPr lang="fr-FR" dirty="0"/>
+            <a:t> ?</a:t>
+          </a:r>
+          <a:endParaRPr lang="en-US" dirty="0"/>
+        </a:p>
+      </dgm:t>
+    </dgm:pt>
+    <dgm:pt modelId="{0033A369-CBD6-45C2-8187-A8420BFE557F}" type="parTrans" cxnId="{59284D9B-9A49-44C4-9294-DB4D66A0BD66}">
+      <dgm:prSet/>
+      <dgm:spPr/>
+      <dgm:t>
+        <a:bodyPr/>
+        <a:lstStyle/>
+        <a:p>
+          <a:endParaRPr lang="en-US"/>
+        </a:p>
+      </dgm:t>
+    </dgm:pt>
+    <dgm:pt modelId="{B7A58403-F91D-474C-B1ED-A5FC073CE814}" type="sibTrans" cxnId="{59284D9B-9A49-44C4-9294-DB4D66A0BD66}">
+      <dgm:prSet/>
+      <dgm:spPr/>
+      <dgm:t>
+        <a:bodyPr/>
+        <a:lstStyle/>
+        <a:p>
+          <a:endParaRPr lang="en-US"/>
+        </a:p>
+      </dgm:t>
+    </dgm:pt>
+    <dgm:pt modelId="{0F7A9DBE-E7A8-408A-8F62-BA1D1B423D96}">
+      <dgm:prSet/>
+      <dgm:spPr/>
+      <dgm:t>
+        <a:bodyPr/>
+        <a:lstStyle/>
+        <a:p>
+          <a:r>
+            <a:rPr lang="fr-FR" dirty="0"/>
+            <a:t>II. Présentation du SWOT</a:t>
+          </a:r>
+          <a:endParaRPr lang="en-US" dirty="0"/>
+        </a:p>
+      </dgm:t>
+    </dgm:pt>
+    <dgm:pt modelId="{171F5BF0-9958-4879-8FD5-66F402E8C399}" type="parTrans" cxnId="{42FEDC4A-05C8-4903-A552-75DC472CF087}">
+      <dgm:prSet/>
+      <dgm:spPr/>
+      <dgm:t>
+        <a:bodyPr/>
+        <a:lstStyle/>
+        <a:p>
+          <a:endParaRPr lang="en-US"/>
+        </a:p>
+      </dgm:t>
+    </dgm:pt>
+    <dgm:pt modelId="{70CA4F6A-E727-4733-A468-F9E322EBFEA6}" type="sibTrans" cxnId="{42FEDC4A-05C8-4903-A552-75DC472CF087}">
+      <dgm:prSet/>
+      <dgm:spPr/>
+      <dgm:t>
+        <a:bodyPr/>
+        <a:lstStyle/>
+        <a:p>
+          <a:endParaRPr lang="en-US"/>
+        </a:p>
+      </dgm:t>
+    </dgm:pt>
+    <dgm:pt modelId="{37C79047-7960-4F14-8429-1A6351003642}">
+      <dgm:prSet/>
+      <dgm:spPr/>
+      <dgm:t>
+        <a:bodyPr/>
+        <a:lstStyle/>
+        <a:p>
+          <a:r>
+            <a:rPr lang="fr-FR" dirty="0"/>
+            <a:t>III. Présentation du SMART</a:t>
+          </a:r>
+          <a:endParaRPr lang="en-US" dirty="0"/>
+        </a:p>
+      </dgm:t>
+    </dgm:pt>
+    <dgm:pt modelId="{9FA10A9E-A6E0-487F-B082-6ED8774C88C6}" type="parTrans" cxnId="{2B0EBC0E-05CD-4135-BBF0-1DAA358781FF}">
+      <dgm:prSet/>
+      <dgm:spPr/>
+      <dgm:t>
+        <a:bodyPr/>
+        <a:lstStyle/>
+        <a:p>
+          <a:endParaRPr lang="en-US"/>
+        </a:p>
+      </dgm:t>
+    </dgm:pt>
+    <dgm:pt modelId="{61DCD53D-B298-4928-98A0-DA93E8DD4F90}" type="sibTrans" cxnId="{2B0EBC0E-05CD-4135-BBF0-1DAA358781FF}">
+      <dgm:prSet/>
+      <dgm:spPr/>
+      <dgm:t>
+        <a:bodyPr/>
+        <a:lstStyle/>
+        <a:p>
+          <a:endParaRPr lang="en-US"/>
+        </a:p>
+      </dgm:t>
+    </dgm:pt>
+    <dgm:pt modelId="{15C36091-1AB2-452F-8947-A1219372CAF1}">
+      <dgm:prSet/>
+      <dgm:spPr/>
+      <dgm:t>
+        <a:bodyPr/>
+        <a:lstStyle/>
+        <a:p>
+          <a:r>
+            <a:rPr lang="fr-FR" dirty="0"/>
+            <a:t>IV. Présentation du QUINTILIEN</a:t>
+          </a:r>
+          <a:endParaRPr lang="en-US" dirty="0"/>
+        </a:p>
+      </dgm:t>
+    </dgm:pt>
+    <dgm:pt modelId="{66B7747F-1588-4086-8009-9D56CD175D4E}" type="parTrans" cxnId="{DC543C7A-23DA-4DB7-B8BF-5CAE7F1E3503}">
+      <dgm:prSet/>
+      <dgm:spPr/>
+      <dgm:t>
+        <a:bodyPr/>
+        <a:lstStyle/>
+        <a:p>
+          <a:endParaRPr lang="en-US"/>
+        </a:p>
+      </dgm:t>
+    </dgm:pt>
+    <dgm:pt modelId="{1366DDFD-37AC-4025-85B1-0F2144E40DC0}" type="sibTrans" cxnId="{DC543C7A-23DA-4DB7-B8BF-5CAE7F1E3503}">
+      <dgm:prSet/>
+      <dgm:spPr/>
+      <dgm:t>
+        <a:bodyPr/>
+        <a:lstStyle/>
+        <a:p>
+          <a:endParaRPr lang="en-US"/>
+        </a:p>
+      </dgm:t>
+    </dgm:pt>
+    <dgm:pt modelId="{B414E46A-080F-2146-9FAD-C7241BAC1B9C}" type="pres">
+      <dgm:prSet presAssocID="{B1F2FE45-7264-4A45-8A22-49DDA82E6C40}" presName="linear" presStyleCnt="0">
+        <dgm:presLayoutVars>
+          <dgm:animLvl val="lvl"/>
+          <dgm:resizeHandles val="exact"/>
+        </dgm:presLayoutVars>
+      </dgm:prSet>
+      <dgm:spPr/>
+    </dgm:pt>
+    <dgm:pt modelId="{EA1A3945-51F7-354D-A4E6-42A7DB224CDE}" type="pres">
+      <dgm:prSet presAssocID="{E489D5AC-7B66-493C-A07B-DC228DB2E7F6}" presName="parentText" presStyleLbl="node1" presStyleIdx="0" presStyleCnt="4">
+        <dgm:presLayoutVars>
+          <dgm:chMax val="0"/>
+          <dgm:bulletEnabled val="1"/>
+        </dgm:presLayoutVars>
+      </dgm:prSet>
+      <dgm:spPr/>
+    </dgm:pt>
+    <dgm:pt modelId="{92E494D1-3111-D14B-B05F-7B9AA902BA38}" type="pres">
+      <dgm:prSet presAssocID="{B7A58403-F91D-474C-B1ED-A5FC073CE814}" presName="spacer" presStyleCnt="0"/>
+      <dgm:spPr/>
+    </dgm:pt>
+    <dgm:pt modelId="{E33C7529-B317-CF4A-9A67-1178073A9479}" type="pres">
+      <dgm:prSet presAssocID="{0F7A9DBE-E7A8-408A-8F62-BA1D1B423D96}" presName="parentText" presStyleLbl="node1" presStyleIdx="1" presStyleCnt="4">
+        <dgm:presLayoutVars>
+          <dgm:chMax val="0"/>
+          <dgm:bulletEnabled val="1"/>
+        </dgm:presLayoutVars>
+      </dgm:prSet>
+      <dgm:spPr/>
+    </dgm:pt>
+    <dgm:pt modelId="{CADFA5B0-531F-EF49-9A18-2AE8812FDD37}" type="pres">
+      <dgm:prSet presAssocID="{70CA4F6A-E727-4733-A468-F9E322EBFEA6}" presName="spacer" presStyleCnt="0"/>
+      <dgm:spPr/>
+    </dgm:pt>
+    <dgm:pt modelId="{AF472B5C-0849-2C4D-B789-7C443E74A1A5}" type="pres">
+      <dgm:prSet presAssocID="{37C79047-7960-4F14-8429-1A6351003642}" presName="parentText" presStyleLbl="node1" presStyleIdx="2" presStyleCnt="4">
+        <dgm:presLayoutVars>
+          <dgm:chMax val="0"/>
+          <dgm:bulletEnabled val="1"/>
+        </dgm:presLayoutVars>
+      </dgm:prSet>
+      <dgm:spPr/>
+    </dgm:pt>
+    <dgm:pt modelId="{0E956D69-E24A-A74E-B96F-533D6503BDA1}" type="pres">
+      <dgm:prSet presAssocID="{61DCD53D-B298-4928-98A0-DA93E8DD4F90}" presName="spacer" presStyleCnt="0"/>
+      <dgm:spPr/>
+    </dgm:pt>
+    <dgm:pt modelId="{584D5366-2E09-DD4C-B3D9-D2FFBBB4D0C4}" type="pres">
+      <dgm:prSet presAssocID="{15C36091-1AB2-452F-8947-A1219372CAF1}" presName="parentText" presStyleLbl="node1" presStyleIdx="3" presStyleCnt="4">
+        <dgm:presLayoutVars>
+          <dgm:chMax val="0"/>
+          <dgm:bulletEnabled val="1"/>
+        </dgm:presLayoutVars>
+      </dgm:prSet>
+      <dgm:spPr/>
+    </dgm:pt>
+  </dgm:ptLst>
+  <dgm:cxnLst>
+    <dgm:cxn modelId="{2B0EBC0E-05CD-4135-BBF0-1DAA358781FF}" srcId="{B1F2FE45-7264-4A45-8A22-49DDA82E6C40}" destId="{37C79047-7960-4F14-8429-1A6351003642}" srcOrd="2" destOrd="0" parTransId="{9FA10A9E-A6E0-487F-B082-6ED8774C88C6}" sibTransId="{61DCD53D-B298-4928-98A0-DA93E8DD4F90}"/>
+    <dgm:cxn modelId="{42FEDC4A-05C8-4903-A552-75DC472CF087}" srcId="{B1F2FE45-7264-4A45-8A22-49DDA82E6C40}" destId="{0F7A9DBE-E7A8-408A-8F62-BA1D1B423D96}" srcOrd="1" destOrd="0" parTransId="{171F5BF0-9958-4879-8FD5-66F402E8C399}" sibTransId="{70CA4F6A-E727-4733-A468-F9E322EBFEA6}"/>
+    <dgm:cxn modelId="{DC543C7A-23DA-4DB7-B8BF-5CAE7F1E3503}" srcId="{B1F2FE45-7264-4A45-8A22-49DDA82E6C40}" destId="{15C36091-1AB2-452F-8947-A1219372CAF1}" srcOrd="3" destOrd="0" parTransId="{66B7747F-1588-4086-8009-9D56CD175D4E}" sibTransId="{1366DDFD-37AC-4025-85B1-0F2144E40DC0}"/>
+    <dgm:cxn modelId="{A170478E-84C2-2347-B68A-50C2BB2F1DDE}" type="presOf" srcId="{37C79047-7960-4F14-8429-1A6351003642}" destId="{AF472B5C-0849-2C4D-B789-7C443E74A1A5}" srcOrd="0" destOrd="0" presId="urn:microsoft.com/office/officeart/2005/8/layout/vList2"/>
+    <dgm:cxn modelId="{59284D9B-9A49-44C4-9294-DB4D66A0BD66}" srcId="{B1F2FE45-7264-4A45-8A22-49DDA82E6C40}" destId="{E489D5AC-7B66-493C-A07B-DC228DB2E7F6}" srcOrd="0" destOrd="0" parTransId="{0033A369-CBD6-45C2-8187-A8420BFE557F}" sibTransId="{B7A58403-F91D-474C-B1ED-A5FC073CE814}"/>
+    <dgm:cxn modelId="{BCD031CF-055F-5B41-A254-6EF1C59EBBC0}" type="presOf" srcId="{15C36091-1AB2-452F-8947-A1219372CAF1}" destId="{584D5366-2E09-DD4C-B3D9-D2FFBBB4D0C4}" srcOrd="0" destOrd="0" presId="urn:microsoft.com/office/officeart/2005/8/layout/vList2"/>
+    <dgm:cxn modelId="{3BE28AE6-6C2C-BD4B-B981-19D2E84678AA}" type="presOf" srcId="{E489D5AC-7B66-493C-A07B-DC228DB2E7F6}" destId="{EA1A3945-51F7-354D-A4E6-42A7DB224CDE}" srcOrd="0" destOrd="0" presId="urn:microsoft.com/office/officeart/2005/8/layout/vList2"/>
+    <dgm:cxn modelId="{85AECFF6-4E2D-D247-B91C-6E70164B6EF6}" type="presOf" srcId="{0F7A9DBE-E7A8-408A-8F62-BA1D1B423D96}" destId="{E33C7529-B317-CF4A-9A67-1178073A9479}" srcOrd="0" destOrd="0" presId="urn:microsoft.com/office/officeart/2005/8/layout/vList2"/>
+    <dgm:cxn modelId="{9D1527F7-32D6-DE49-9DD0-245071F7939B}" type="presOf" srcId="{B1F2FE45-7264-4A45-8A22-49DDA82E6C40}" destId="{B414E46A-080F-2146-9FAD-C7241BAC1B9C}" srcOrd="0" destOrd="0" presId="urn:microsoft.com/office/officeart/2005/8/layout/vList2"/>
+    <dgm:cxn modelId="{D5918D4F-813D-0C49-8344-66B43D3D9300}" type="presParOf" srcId="{B414E46A-080F-2146-9FAD-C7241BAC1B9C}" destId="{EA1A3945-51F7-354D-A4E6-42A7DB224CDE}" srcOrd="0" destOrd="0" presId="urn:microsoft.com/office/officeart/2005/8/layout/vList2"/>
+    <dgm:cxn modelId="{AE84A580-B152-4B49-812C-8F236D424B51}" type="presParOf" srcId="{B414E46A-080F-2146-9FAD-C7241BAC1B9C}" destId="{92E494D1-3111-D14B-B05F-7B9AA902BA38}" srcOrd="1" destOrd="0" presId="urn:microsoft.com/office/officeart/2005/8/layout/vList2"/>
+    <dgm:cxn modelId="{F3011384-939F-5F4E-BF14-E3EB9F54C91D}" type="presParOf" srcId="{B414E46A-080F-2146-9FAD-C7241BAC1B9C}" destId="{E33C7529-B317-CF4A-9A67-1178073A9479}" srcOrd="2" destOrd="0" presId="urn:microsoft.com/office/officeart/2005/8/layout/vList2"/>
+    <dgm:cxn modelId="{45DEFF46-AC40-EE4E-844A-C91C360ED6C5}" type="presParOf" srcId="{B414E46A-080F-2146-9FAD-C7241BAC1B9C}" destId="{CADFA5B0-531F-EF49-9A18-2AE8812FDD37}" srcOrd="3" destOrd="0" presId="urn:microsoft.com/office/officeart/2005/8/layout/vList2"/>
+    <dgm:cxn modelId="{7F4D1808-55B4-8646-BF3C-2FEDA9A37739}" type="presParOf" srcId="{B414E46A-080F-2146-9FAD-C7241BAC1B9C}" destId="{AF472B5C-0849-2C4D-B789-7C443E74A1A5}" srcOrd="4" destOrd="0" presId="urn:microsoft.com/office/officeart/2005/8/layout/vList2"/>
+    <dgm:cxn modelId="{D8FCCA6A-5156-8849-BDE5-FB923363245B}" type="presParOf" srcId="{B414E46A-080F-2146-9FAD-C7241BAC1B9C}" destId="{0E956D69-E24A-A74E-B96F-533D6503BDA1}" srcOrd="5" destOrd="0" presId="urn:microsoft.com/office/officeart/2005/8/layout/vList2"/>
+    <dgm:cxn modelId="{A2854C4C-9076-0547-BF72-4C1074AF7C62}" type="presParOf" srcId="{B414E46A-080F-2146-9FAD-C7241BAC1B9C}" destId="{584D5366-2E09-DD4C-B3D9-D2FFBBB4D0C4}" srcOrd="6" destOrd="0" presId="urn:microsoft.com/office/officeart/2005/8/layout/vList2"/>
+  </dgm:cxnLst>
+  <dgm:bg/>
+  <dgm:whole/>
+  <dgm:extLst>
+    <a:ext uri="http://schemas.microsoft.com/office/drawing/2008/diagram">
+      <dsp:dataModelExt xmlns:dsp="http://schemas.microsoft.com/office/drawing/2008/diagram" relId="rId6" minVer="http://schemas.openxmlformats.org/drawingml/2006/diagram"/>
+    </a:ext>
+  </dgm:extLst>
+</dgm:dataModel>
+</file>
+
+<file path=ppt/diagrams/drawing1.xml><?xml version="1.0" encoding="utf-8"?>
+<dsp:drawing xmlns:dgm="http://schemas.openxmlformats.org/drawingml/2006/diagram" xmlns:dsp="http://schemas.microsoft.com/office/drawing/2008/diagram" xmlns:a="http://schemas.openxmlformats.org/drawingml/2006/main">
+  <dsp:spTree>
+    <dsp:nvGrpSpPr>
+      <dsp:cNvPr id="0" name=""/>
+      <dsp:cNvGrpSpPr/>
+    </dsp:nvGrpSpPr>
+    <dsp:grpSpPr/>
+    <dsp:sp modelId="{EA1A3945-51F7-354D-A4E6-42A7DB224CDE}">
+      <dsp:nvSpPr>
+        <dsp:cNvPr id="0" name=""/>
+        <dsp:cNvSpPr/>
+      </dsp:nvSpPr>
+      <dsp:spPr>
+        <a:xfrm>
+          <a:off x="0" y="37268"/>
+          <a:ext cx="10515600" cy="982800"/>
+        </a:xfrm>
+        <a:prstGeom prst="roundRect">
+          <a:avLst/>
+        </a:prstGeom>
+        <a:solidFill>
+          <a:schemeClr val="accent1">
+            <a:hueOff val="0"/>
+            <a:satOff val="0"/>
+            <a:lumOff val="0"/>
+            <a:alphaOff val="0"/>
+          </a:schemeClr>
+        </a:solidFill>
+        <a:ln w="19050" cap="flat" cmpd="sng" algn="ctr">
+          <a:solidFill>
+            <a:schemeClr val="lt1">
+              <a:hueOff val="0"/>
+              <a:satOff val="0"/>
+              <a:lumOff val="0"/>
+              <a:alphaOff val="0"/>
+            </a:schemeClr>
+          </a:solidFill>
+          <a:prstDash val="solid"/>
+          <a:miter lim="800000"/>
+        </a:ln>
+        <a:effectLst/>
+      </dsp:spPr>
+      <dsp:style>
+        <a:lnRef idx="2">
+          <a:scrgbClr r="0" g="0" b="0"/>
+        </a:lnRef>
+        <a:fillRef idx="1">
+          <a:scrgbClr r="0" g="0" b="0"/>
+        </a:fillRef>
+        <a:effectRef idx="0">
+          <a:scrgbClr r="0" g="0" b="0"/>
+        </a:effectRef>
+        <a:fontRef idx="minor">
+          <a:schemeClr val="lt1"/>
+        </a:fontRef>
+      </dsp:style>
+      <dsp:txBody>
+        <a:bodyPr spcFirstLastPara="0" vert="horz" wrap="square" lIns="152400" tIns="152400" rIns="152400" bIns="152400" numCol="1" spcCol="1270" anchor="ctr" anchorCtr="0">
+          <a:noAutofit/>
+        </a:bodyPr>
+        <a:lstStyle/>
+        <a:p>
+          <a:pPr marL="0" lvl="0" indent="0" algn="l" defTabSz="1778000">
+            <a:lnSpc>
+              <a:spcPct val="90000"/>
+            </a:lnSpc>
+            <a:spcBef>
+              <a:spcPct val="0"/>
+            </a:spcBef>
+            <a:spcAft>
+              <a:spcPct val="35000"/>
+            </a:spcAft>
+            <a:buNone/>
+          </a:pPr>
+          <a:r>
+            <a:rPr lang="fr-FR" sz="4000" kern="1200" dirty="0"/>
+            <a:t>I. C’est quoi </a:t>
+          </a:r>
+          <a:r>
+            <a:rPr lang="fr-FR" sz="4000" kern="1200" dirty="0" err="1"/>
+            <a:t>NavConnect</a:t>
+          </a:r>
+          <a:r>
+            <a:rPr lang="fr-FR" sz="4000" kern="1200" dirty="0"/>
+            <a:t> ?</a:t>
+          </a:r>
+          <a:endParaRPr lang="en-US" sz="4000" kern="1200" dirty="0"/>
+        </a:p>
+      </dsp:txBody>
+      <dsp:txXfrm>
+        <a:off x="47976" y="85244"/>
+        <a:ext cx="10419648" cy="886848"/>
+      </dsp:txXfrm>
+    </dsp:sp>
+    <dsp:sp modelId="{E33C7529-B317-CF4A-9A67-1178073A9479}">
+      <dsp:nvSpPr>
+        <dsp:cNvPr id="0" name=""/>
+        <dsp:cNvSpPr/>
+      </dsp:nvSpPr>
+      <dsp:spPr>
+        <a:xfrm>
+          <a:off x="0" y="1135269"/>
+          <a:ext cx="10515600" cy="982800"/>
+        </a:xfrm>
+        <a:prstGeom prst="roundRect">
+          <a:avLst/>
+        </a:prstGeom>
+        <a:solidFill>
+          <a:schemeClr val="accent1">
+            <a:hueOff val="0"/>
+            <a:satOff val="0"/>
+            <a:lumOff val="0"/>
+            <a:alphaOff val="0"/>
+          </a:schemeClr>
+        </a:solidFill>
+        <a:ln w="19050" cap="flat" cmpd="sng" algn="ctr">
+          <a:solidFill>
+            <a:schemeClr val="lt1">
+              <a:hueOff val="0"/>
+              <a:satOff val="0"/>
+              <a:lumOff val="0"/>
+              <a:alphaOff val="0"/>
+            </a:schemeClr>
+          </a:solidFill>
+          <a:prstDash val="solid"/>
+          <a:miter lim="800000"/>
+        </a:ln>
+        <a:effectLst/>
+      </dsp:spPr>
+      <dsp:style>
+        <a:lnRef idx="2">
+          <a:scrgbClr r="0" g="0" b="0"/>
+        </a:lnRef>
+        <a:fillRef idx="1">
+          <a:scrgbClr r="0" g="0" b="0"/>
+        </a:fillRef>
+        <a:effectRef idx="0">
+          <a:scrgbClr r="0" g="0" b="0"/>
+        </a:effectRef>
+        <a:fontRef idx="minor">
+          <a:schemeClr val="lt1"/>
+        </a:fontRef>
+      </dsp:style>
+      <dsp:txBody>
+        <a:bodyPr spcFirstLastPara="0" vert="horz" wrap="square" lIns="152400" tIns="152400" rIns="152400" bIns="152400" numCol="1" spcCol="1270" anchor="ctr" anchorCtr="0">
+          <a:noAutofit/>
+        </a:bodyPr>
+        <a:lstStyle/>
+        <a:p>
+          <a:pPr marL="0" lvl="0" indent="0" algn="l" defTabSz="1778000">
+            <a:lnSpc>
+              <a:spcPct val="90000"/>
+            </a:lnSpc>
+            <a:spcBef>
+              <a:spcPct val="0"/>
+            </a:spcBef>
+            <a:spcAft>
+              <a:spcPct val="35000"/>
+            </a:spcAft>
+            <a:buNone/>
+          </a:pPr>
+          <a:r>
+            <a:rPr lang="fr-FR" sz="4000" kern="1200" dirty="0"/>
+            <a:t>II. Présentation du SWOT</a:t>
+          </a:r>
+          <a:endParaRPr lang="en-US" sz="4000" kern="1200" dirty="0"/>
+        </a:p>
+      </dsp:txBody>
+      <dsp:txXfrm>
+        <a:off x="47976" y="1183245"/>
+        <a:ext cx="10419648" cy="886848"/>
+      </dsp:txXfrm>
+    </dsp:sp>
+    <dsp:sp modelId="{AF472B5C-0849-2C4D-B789-7C443E74A1A5}">
+      <dsp:nvSpPr>
+        <dsp:cNvPr id="0" name=""/>
+        <dsp:cNvSpPr/>
+      </dsp:nvSpPr>
+      <dsp:spPr>
+        <a:xfrm>
+          <a:off x="0" y="2233269"/>
+          <a:ext cx="10515600" cy="982800"/>
+        </a:xfrm>
+        <a:prstGeom prst="roundRect">
+          <a:avLst/>
+        </a:prstGeom>
+        <a:solidFill>
+          <a:schemeClr val="accent1">
+            <a:hueOff val="0"/>
+            <a:satOff val="0"/>
+            <a:lumOff val="0"/>
+            <a:alphaOff val="0"/>
+          </a:schemeClr>
+        </a:solidFill>
+        <a:ln w="19050" cap="flat" cmpd="sng" algn="ctr">
+          <a:solidFill>
+            <a:schemeClr val="lt1">
+              <a:hueOff val="0"/>
+              <a:satOff val="0"/>
+              <a:lumOff val="0"/>
+              <a:alphaOff val="0"/>
+            </a:schemeClr>
+          </a:solidFill>
+          <a:prstDash val="solid"/>
+          <a:miter lim="800000"/>
+        </a:ln>
+        <a:effectLst/>
+      </dsp:spPr>
+      <dsp:style>
+        <a:lnRef idx="2">
+          <a:scrgbClr r="0" g="0" b="0"/>
+        </a:lnRef>
+        <a:fillRef idx="1">
+          <a:scrgbClr r="0" g="0" b="0"/>
+        </a:fillRef>
+        <a:effectRef idx="0">
+          <a:scrgbClr r="0" g="0" b="0"/>
+        </a:effectRef>
+        <a:fontRef idx="minor">
+          <a:schemeClr val="lt1"/>
+        </a:fontRef>
+      </dsp:style>
+      <dsp:txBody>
+        <a:bodyPr spcFirstLastPara="0" vert="horz" wrap="square" lIns="152400" tIns="152400" rIns="152400" bIns="152400" numCol="1" spcCol="1270" anchor="ctr" anchorCtr="0">
+          <a:noAutofit/>
+        </a:bodyPr>
+        <a:lstStyle/>
+        <a:p>
+          <a:pPr marL="0" lvl="0" indent="0" algn="l" defTabSz="1778000">
+            <a:lnSpc>
+              <a:spcPct val="90000"/>
+            </a:lnSpc>
+            <a:spcBef>
+              <a:spcPct val="0"/>
+            </a:spcBef>
+            <a:spcAft>
+              <a:spcPct val="35000"/>
+            </a:spcAft>
+            <a:buNone/>
+          </a:pPr>
+          <a:r>
+            <a:rPr lang="fr-FR" sz="4000" kern="1200" dirty="0"/>
+            <a:t>III. Présentation du SMART</a:t>
+          </a:r>
+          <a:endParaRPr lang="en-US" sz="4000" kern="1200" dirty="0"/>
+        </a:p>
+      </dsp:txBody>
+      <dsp:txXfrm>
+        <a:off x="47976" y="2281245"/>
+        <a:ext cx="10419648" cy="886848"/>
+      </dsp:txXfrm>
+    </dsp:sp>
+    <dsp:sp modelId="{584D5366-2E09-DD4C-B3D9-D2FFBBB4D0C4}">
+      <dsp:nvSpPr>
+        <dsp:cNvPr id="0" name=""/>
+        <dsp:cNvSpPr/>
+      </dsp:nvSpPr>
+      <dsp:spPr>
+        <a:xfrm>
+          <a:off x="0" y="3331269"/>
+          <a:ext cx="10515600" cy="982800"/>
+        </a:xfrm>
+        <a:prstGeom prst="roundRect">
+          <a:avLst/>
+        </a:prstGeom>
+        <a:solidFill>
+          <a:schemeClr val="accent1">
+            <a:hueOff val="0"/>
+            <a:satOff val="0"/>
+            <a:lumOff val="0"/>
+            <a:alphaOff val="0"/>
+          </a:schemeClr>
+        </a:solidFill>
+        <a:ln w="19050" cap="flat" cmpd="sng" algn="ctr">
+          <a:solidFill>
+            <a:schemeClr val="lt1">
+              <a:hueOff val="0"/>
+              <a:satOff val="0"/>
+              <a:lumOff val="0"/>
+              <a:alphaOff val="0"/>
+            </a:schemeClr>
+          </a:solidFill>
+          <a:prstDash val="solid"/>
+          <a:miter lim="800000"/>
+        </a:ln>
+        <a:effectLst/>
+      </dsp:spPr>
+      <dsp:style>
+        <a:lnRef idx="2">
+          <a:scrgbClr r="0" g="0" b="0"/>
+        </a:lnRef>
+        <a:fillRef idx="1">
+          <a:scrgbClr r="0" g="0" b="0"/>
+        </a:fillRef>
+        <a:effectRef idx="0">
+          <a:scrgbClr r="0" g="0" b="0"/>
+        </a:effectRef>
+        <a:fontRef idx="minor">
+          <a:schemeClr val="lt1"/>
+        </a:fontRef>
+      </dsp:style>
+      <dsp:txBody>
+        <a:bodyPr spcFirstLastPara="0" vert="horz" wrap="square" lIns="152400" tIns="152400" rIns="152400" bIns="152400" numCol="1" spcCol="1270" anchor="ctr" anchorCtr="0">
+          <a:noAutofit/>
+        </a:bodyPr>
+        <a:lstStyle/>
+        <a:p>
+          <a:pPr marL="0" lvl="0" indent="0" algn="l" defTabSz="1778000">
+            <a:lnSpc>
+              <a:spcPct val="90000"/>
+            </a:lnSpc>
+            <a:spcBef>
+              <a:spcPct val="0"/>
+            </a:spcBef>
+            <a:spcAft>
+              <a:spcPct val="35000"/>
+            </a:spcAft>
+            <a:buNone/>
+          </a:pPr>
+          <a:r>
+            <a:rPr lang="fr-FR" sz="4000" kern="1200" dirty="0"/>
+            <a:t>IV. Présentation du QUINTILIEN</a:t>
+          </a:r>
+          <a:endParaRPr lang="en-US" sz="4000" kern="1200" dirty="0"/>
+        </a:p>
+      </dsp:txBody>
+      <dsp:txXfrm>
+        <a:off x="47976" y="3379245"/>
+        <a:ext cx="10419648" cy="886848"/>
+      </dsp:txXfrm>
+    </dsp:sp>
+  </dsp:spTree>
+</dsp:drawing>
+</file>
+
+<file path=ppt/diagrams/layout1.xml><?xml version="1.0" encoding="utf-8"?>
+<dgm:layoutDef xmlns:dgm="http://schemas.openxmlformats.org/drawingml/2006/diagram" xmlns:a="http://schemas.openxmlformats.org/drawingml/2006/main" uniqueId="urn:microsoft.com/office/officeart/2005/8/layout/vList2">
+  <dgm:title val=""/>
+  <dgm:desc val=""/>
+  <dgm:catLst>
+    <dgm:cat type="list" pri="3000"/>
+    <dgm:cat type="convert" pri="1000"/>
+  </dgm:catLst>
+  <dgm:sampData>
+    <dgm:dataModel>
+      <dgm:ptLst>
+        <dgm:pt modelId="0" type="doc"/>
+        <dgm:pt modelId="1">
+          <dgm:prSet phldr="1"/>
+        </dgm:pt>
+        <dgm:pt modelId="11">
+          <dgm:prSet phldr="1"/>
+        </dgm:pt>
+        <dgm:pt modelId="2">
+          <dgm:prSet phldr="1"/>
+        </dgm:pt>
+        <dgm:pt modelId="21">
+          <dgm:prSet phldr="1"/>
+        </dgm:pt>
+      </dgm:ptLst>
+      <dgm:cxnLst>
+        <dgm:cxn modelId="4" srcId="0" destId="1" srcOrd="0" destOrd="0"/>
+        <dgm:cxn modelId="5" srcId="0" destId="2" srcOrd="1" destOrd="0"/>
+        <dgm:cxn modelId="12" srcId="1" destId="11" srcOrd="0" destOrd="0"/>
+        <dgm:cxn modelId="23" srcId="2" destId="21" srcOrd="0" destOrd="0"/>
+      </dgm:cxnLst>
+      <dgm:bg/>
+      <dgm:whole/>
+    </dgm:dataModel>
+  </dgm:sampData>
+  <dgm:styleData>
+    <dgm:dataModel>
+      <dgm:ptLst>
+        <dgm:pt modelId="0" type="doc"/>
+        <dgm:pt modelId="1"/>
+        <dgm:pt modelId="2"/>
+      </dgm:ptLst>
+      <dgm:cxnLst>
+        <dgm:cxn modelId="3" srcId="0" destId="1" srcOrd="0" destOrd="0"/>
+        <dgm:cxn modelId="4" srcId="0" destId="2" srcOrd="1" destOrd="0"/>
+      </dgm:cxnLst>
+      <dgm:bg/>
+      <dgm:whole/>
+    </dgm:dataModel>
+  </dgm:styleData>
+  <dgm:clrData>
+    <dgm:dataModel>
+      <dgm:ptLst>
+        <dgm:pt modelId="0" type="doc"/>
+        <dgm:pt modelId="1"/>
+        <dgm:pt modelId="2"/>
+        <dgm:pt modelId="3"/>
+        <dgm:pt modelId="4"/>
+      </dgm:ptLst>
+      <dgm:cxnLst>
+        <dgm:cxn modelId="5" srcId="0" destId="1" srcOrd="0" destOrd="0"/>
+        <dgm:cxn modelId="6" srcId="0" destId="2" srcOrd="1" destOrd="0"/>
+        <dgm:cxn modelId="7" srcId="0" destId="3" srcOrd="2" destOrd="0"/>
+        <dgm:cxn modelId="8" srcId="0" destId="4" srcOrd="3" destOrd="0"/>
+      </dgm:cxnLst>
+      <dgm:bg/>
+      <dgm:whole/>
+    </dgm:dataModel>
+  </dgm:clrData>
+  <dgm:layoutNode name="linear">
+    <dgm:varLst>
+      <dgm:animLvl val="lvl"/>
+      <dgm:resizeHandles val="exact"/>
+    </dgm:varLst>
+    <dgm:alg type="lin">
+      <dgm:param type="linDir" val="fromT"/>
+      <dgm:param type="vertAlign" val="mid"/>
+    </dgm:alg>
+    <dgm:shape xmlns:r="http://schemas.openxmlformats.org/officeDocument/2006/relationships" r:blip="">
+      <dgm:adjLst/>
+    </dgm:shape>
+    <dgm:presOf/>
+    <dgm:constrLst>
+      <dgm:constr type="w" for="ch" forName="parentText" refType="w"/>
+      <dgm:constr type="h" for="ch" forName="parentText" refType="primFontSz" refFor="ch" refForName="parentText" fact="0.52"/>
+      <dgm:constr type="w" for="ch" forName="childText" refType="w"/>
+      <dgm:constr type="h" for="ch" forName="childText" refType="primFontSz" refFor="ch" refForName="parentText" fact="0.46"/>
+      <dgm:constr type="h" for="ch" forName="parentText" op="equ"/>
+      <dgm:constr type="primFontSz" for="ch" forName="parentText" op="equ" val="65"/>
+      <dgm:constr type="primFontSz" for="ch" forName="childText" refType="primFontSz" refFor="ch" refForName="parentText" op="equ"/>
+      <dgm:constr type="h" for="ch" forName="spacer" refType="primFontSz" refFor="ch" refForName="parentText" fact="0.08"/>
+    </dgm:constrLst>
+    <dgm:ruleLst>
+      <dgm:rule type="primFontSz" for="ch" forName="parentText" val="5" fact="NaN" max="NaN"/>
+    </dgm:ruleLst>
+    <dgm:forEach name="Name0" axis="ch" ptType="node">
+      <dgm:layoutNode name="parentText" styleLbl="node1">
+        <dgm:varLst>
+          <dgm:chMax val="0"/>
+          <dgm:bulletEnabled val="1"/>
+        </dgm:varLst>
+        <dgm:alg type="tx">
+          <dgm:param type="parTxLTRAlign" val="l"/>
+          <dgm:param type="parTxRTLAlign" val="r"/>
+        </dgm:alg>
+        <dgm:shape xmlns:r="http://schemas.openxmlformats.org/officeDocument/2006/relationships" type="roundRect" r:blip="">
+          <dgm:adjLst/>
+        </dgm:shape>
+        <dgm:presOf axis="self"/>
+        <dgm:constrLst>
+          <dgm:constr type="tMarg" refType="primFontSz" fact="0.3"/>
+          <dgm:constr type="bMarg" refType="primFontSz" fact="0.3"/>
+          <dgm:constr type="lMarg" refType="primFontSz" fact="0.3"/>
+          <dgm:constr type="rMarg" refType="primFontSz" fact="0.3"/>
+        </dgm:constrLst>
+        <dgm:ruleLst>
+          <dgm:rule type="h" val="INF" fact="NaN" max="NaN"/>
+        </dgm:ruleLst>
+      </dgm:layoutNode>
+      <dgm:choose name="Name1">
+        <dgm:if name="Name2" axis="ch" ptType="node" func="cnt" op="gte" val="1">
+          <dgm:layoutNode name="childText" styleLbl="revTx">
+            <dgm:varLst>
+              <dgm:bulletEnabled val="1"/>
+            </dgm:varLst>
+            <dgm:alg type="tx">
+              <dgm:param type="stBulletLvl" val="1"/>
+              <dgm:param type="lnSpAfChP" val="20"/>
+            </dgm:alg>
+            <dgm:shape xmlns:r="http://schemas.openxmlformats.org/officeDocument/2006/relationships" type="rect" r:blip="">
+              <dgm:adjLst/>
+            </dgm:shape>
+            <dgm:presOf axis="des" ptType="node"/>
+            <dgm:constrLst>
+              <dgm:constr type="tMarg" refType="primFontSz" fact="0.1"/>
+              <dgm:constr type="bMarg" refType="primFontSz" fact="0.1"/>
+              <dgm:constr type="lMarg" refType="w" fact="0.09"/>
+            </dgm:constrLst>
+            <dgm:ruleLst>
+              <dgm:rule type="h" val="INF" fact="NaN" max="NaN"/>
+            </dgm:ruleLst>
+          </dgm:layoutNode>
+        </dgm:if>
+        <dgm:else name="Name3">
+          <dgm:choose name="Name4">
+            <dgm:if name="Name5" axis="par ch" ptType="doc node" func="cnt" op="gte" val="2">
+              <dgm:forEach name="Name6" axis="followSib" ptType="sibTrans" cnt="1">
+                <dgm:layoutNode name="spacer">
+                  <dgm:alg type="sp"/>
+                  <dgm:shape xmlns:r="http://schemas.openxmlformats.org/officeDocument/2006/relationships" r:blip="">
+                    <dgm:adjLst/>
+                  </dgm:shape>
+                  <dgm:presOf/>
+                  <dgm:constrLst/>
+                  <dgm:ruleLst/>
+                </dgm:layoutNode>
+              </dgm:forEach>
+            </dgm:if>
+            <dgm:else name="Name7"/>
+          </dgm:choose>
+        </dgm:else>
+      </dgm:choose>
+    </dgm:forEach>
+  </dgm:layoutNode>
+</dgm:layoutDef>
+</file>
+
+<file path=ppt/diagrams/quickStyle1.xml><?xml version="1.0" encoding="utf-8"?>
+<dgm:styleDef xmlns:dgm="http://schemas.openxmlformats.org/drawingml/2006/diagram" xmlns:a="http://schemas.openxmlformats.org/drawingml/2006/main" uniqueId="urn:microsoft.com/office/officeart/2005/8/quickstyle/simple1">
+  <dgm:title val=""/>
+  <dgm:desc val=""/>
+  <dgm:catLst>
+    <dgm:cat type="simple" pri="10100"/>
+  </dgm:catLst>
+  <dgm:scene3d>
+    <a:camera prst="orthographicFront"/>
+    <a:lightRig rig="threePt" dir="t"/>
+  </dgm:scene3d>
+  <dgm:styleLbl name="node0">
+    <dgm:scene3d>
+      <a:camera prst="orthographicFront"/>
+      <a:lightRig rig="threePt" dir="t"/>
+    </dgm:scene3d>
+    <dgm:sp3d/>
+    <dgm:txPr/>
+    <dgm:style>
+      <a:lnRef idx="2">
+        <a:scrgbClr r="0" g="0" b="0"/>
+      </a:lnRef>
+      <a:fillRef idx="1">
+        <a:scrgbClr r="0" g="0" b="0"/>
+      </a:fillRef>
+      <a:effectRef idx="0">
+        <a:scrgbClr r="0" g="0" b="0"/>
+      </a:effectRef>
+      <a:fontRef idx="minor">
+        <a:schemeClr val="lt1"/>
+      </a:fontRef>
+    </dgm:style>
+  </dgm:styleLbl>
+  <dgm:styleLbl name="lnNode1">
+    <dgm:scene3d>
+      <a:camera prst="orthographicFront"/>
+      <a:lightRig rig="threePt" dir="t"/>
+    </dgm:scene3d>
+    <dgm:sp3d/>
+    <dgm:txPr/>
+    <dgm:style>
+      <a:lnRef idx="2">
+        <a:scrgbClr r="0" g="0" b="0"/>
+      </a:lnRef>
+      <a:fillRef idx="1">
+        <a:scrgbClr r="0" g="0" b="0"/>
+      </a:fillRef>
+      <a:effectRef idx="0">
+        <a:scrgbClr r="0" g="0" b="0"/>
+      </a:effectRef>
+      <a:fontRef idx="minor">
+        <a:schemeClr val="lt1"/>
+      </a:fontRef>
+    </dgm:style>
+  </dgm:styleLbl>
+  <dgm:styleLbl name="vennNode1">
+    <dgm:scene3d>
+      <a:camera prst="orthographicFront"/>
+      <a:lightRig rig="threePt" dir="t"/>
+    </dgm:scene3d>
+    <dgm:sp3d/>
+    <dgm:txPr/>
+    <dgm:style>
+      <a:lnRef idx="2">
+        <a:scrgbClr r="0" g="0" b="0"/>
+      </a:lnRef>
+      <a:fillRef idx="1">
+        <a:scrgbClr r="0" g="0" b="0"/>
+      </a:fillRef>
+      <a:effectRef idx="0">
+        <a:scrgbClr r="0" g="0" b="0"/>
+      </a:effectRef>
+      <a:fontRef idx="minor">
+        <a:schemeClr val="tx1"/>
+      </a:fontRef>
+    </dgm:style>
+  </dgm:styleLbl>
+  <dgm:styleLbl name="alignNode1">
+    <dgm:scene3d>
+      <a:camera prst="orthographicFront"/>
+      <a:lightRig rig="threePt" dir="t"/>
+    </dgm:scene3d>
+    <dgm:sp3d/>
+    <dgm:txPr/>
+    <dgm:style>
+      <a:lnRef idx="2">
+        <a:scrgbClr r="0" g="0" b="0"/>
+      </a:lnRef>
+      <a:fillRef idx="1">
+        <a:scrgbClr r="0" g="0" b="0"/>
+      </a:fillRef>
+      <a:effectRef idx="0">
+        <a:scrgbClr r="0" g="0" b="0"/>
+      </a:effectRef>
+      <a:fontRef idx="minor">
+        <a:schemeClr val="lt1"/>
+      </a:fontRef>
+    </dgm:style>
+  </dgm:styleLbl>
+  <dgm:styleLbl name="node1">
+    <dgm:scene3d>
+      <a:camera prst="orthographicFront"/>
+      <a:lightRig rig="threePt" dir="t"/>
+    </dgm:scene3d>
+    <dgm:sp3d/>
+    <dgm:txPr/>
+    <dgm:style>
+      <a:lnRef idx="2">
+        <a:scrgbClr r="0" g="0" b="0"/>
+      </a:lnRef>
+      <a:fillRef idx="1">
+        <a:scrgbClr r="0" g="0" b="0"/>
+      </a:fillRef>
+      <a:effectRef idx="0">
+        <a:scrgbClr r="0" g="0" b="0"/>
+      </a:effectRef>
+      <a:fontRef idx="minor">
+        <a:schemeClr val="lt1"/>
+      </a:fontRef>
+    </dgm:style>
+  </dgm:styleLbl>
+  <dgm:styleLbl name="node2">
+    <dgm:scene3d>
+      <a:camera prst="orthographicFront"/>
+      <a:lightRig rig="threePt" dir="t"/>
+    </dgm:scene3d>
+    <dgm:sp3d/>
+    <dgm:txPr/>
+    <dgm:style>
+      <a:lnRef idx="2">
+        <a:scrgbClr r="0" g="0" b="0"/>
+      </a:lnRef>
+      <a:fillRef idx="1">
+        <a:scrgbClr r="0" g="0" b="0"/>
+      </a:fillRef>
+      <a:effectRef idx="0">
+        <a:scrgbClr r="0" g="0" b="0"/>
+      </a:effectRef>
+      <a:fontRef idx="minor">
+        <a:schemeClr val="lt1"/>
+      </a:fontRef>
+    </dgm:style>
+  </dgm:styleLbl>
+  <dgm:styleLbl name="node3">
+    <dgm:scene3d>
+      <a:camera prst="orthographicFront"/>
+      <a:lightRig rig="threePt" dir="t"/>
+    </dgm:scene3d>
+    <dgm:sp3d/>
+    <dgm:txPr/>
+    <dgm:style>
+      <a:lnRef idx="2">
+        <a:scrgbClr r="0" g="0" b="0"/>
+      </a:lnRef>
+      <a:fillRef idx="1">
+        <a:scrgbClr r="0" g="0" b="0"/>
+      </a:fillRef>
+      <a:effectRef idx="0">
+        <a:scrgbClr r="0" g="0" b="0"/>
+      </a:effectRef>
+      <a:fontRef idx="minor">
+        <a:schemeClr val="lt1"/>
+      </a:fontRef>
+    </dgm:style>
+  </dgm:styleLbl>
+  <dgm:styleLbl name="node4">
+    <dgm:scene3d>
+      <a:camera prst="orthographicFront"/>
+      <a:lightRig rig="threePt" dir="t"/>
+    </dgm:scene3d>
+    <dgm:sp3d/>
+    <dgm:txPr/>
+    <dgm:style>
+      <a:lnRef idx="2">
+        <a:scrgbClr r="0" g="0" b="0"/>
+      </a:lnRef>
+      <a:fillRef idx="1">
+        <a:scrgbClr r="0" g="0" b="0"/>
+      </a:fillRef>
+      <a:effectRef idx="0">
+        <a:scrgbClr r="0" g="0" b="0"/>
+      </a:effectRef>
+      <a:fontRef idx="minor">
+        <a:schemeClr val="lt1"/>
+      </a:fontRef>
+    </dgm:style>
+  </dgm:styleLbl>
+  <dgm:styleLbl name="fgImgPlace1">
+    <dgm:scene3d>
+      <a:camera prst="orthographicFront"/>
+      <a:lightRig rig="threePt" dir="t"/>
+    </dgm:scene3d>
+    <dgm:sp3d/>
+    <dgm:txPr/>
+    <dgm:style>
+      <a:lnRef idx="2">
+        <a:scrgbClr r="0" g="0" b="0"/>
+      </a:lnRef>
+      <a:fillRef idx="1">
+        <a:scrgbClr r="0" g="0" b="0"/>
+      </a:fillRef>
+      <a:effectRef idx="0">
+        <a:scrgbClr r="0" g="0" b="0"/>
+      </a:effectRef>
+      <a:fontRef idx="minor"/>
+    </dgm:style>
+  </dgm:styleLbl>
+  <dgm:styleLbl name="alignImgPlace1">
+    <dgm:scene3d>
+      <a:camera prst="orthographicFront"/>
+      <a:lightRig rig="threePt" dir="t"/>
+    </dgm:scene3d>
+    <dgm:sp3d/>
+    <dgm:txPr/>
+    <dgm:style>
+      <a:lnRef idx="2">
+        <a:scrgbClr r="0" g="0" b="0"/>
+      </a:lnRef>
+      <a:fillRef idx="1">
+        <a:scrgbClr r="0" g="0" b="0"/>
+      </a:fillRef>
+      <a:effectRef idx="0">
+        <a:scrgbClr r="0" g="0" b="0"/>
+      </a:effectRef>
+      <a:fontRef idx="minor"/>
+    </dgm:style>
+  </dgm:styleLbl>
+  <dgm:styleLbl name="bgImgPlace1">
+    <dgm:scene3d>
+      <a:camera prst="orthographicFront"/>
+      <a:lightRig rig="threePt" dir="t"/>
+    </dgm:scene3d>
+    <dgm:sp3d/>
+    <dgm:txPr/>
+    <dgm:style>
+      <a:lnRef idx="2">
+        <a:scrgbClr r="0" g="0" b="0"/>
+      </a:lnRef>
+      <a:fillRef idx="1">
+        <a:scrgbClr r="0" g="0" b="0"/>
+      </a:fillRef>
+      <a:effectRef idx="0">
+        <a:scrgbClr r="0" g="0" b="0"/>
+      </a:effectRef>
+      <a:fontRef idx="minor"/>
+    </dgm:style>
+  </dgm:styleLbl>
+  <dgm:styleLbl name="sibTrans2D1">
+    <dgm:scene3d>
+      <a:camera prst="orthographicFront"/>
+      <a:lightRig rig="threePt" dir="t"/>
+    </dgm:scene3d>
+    <dgm:sp3d/>
+    <dgm:txPr/>
+    <dgm:style>
+      <a:lnRef idx="0">
+        <a:scrgbClr r="0" g="0" b="0"/>
+      </a:lnRef>
+      <a:fillRef idx="1">
+        <a:scrgbClr r="0" g="0" b="0"/>
+      </a:fillRef>
+      <a:effectRef idx="0">
+        <a:scrgbClr r="0" g="0" b="0"/>
+      </a:effectRef>
+      <a:fontRef idx="minor">
+        <a:schemeClr val="lt1"/>
+      </a:fontRef>
+    </dgm:style>
+  </dgm:styleLbl>
+  <dgm:styleLbl name="fgSibTrans2D1">
+    <dgm:scene3d>
+      <a:camera prst="orthographicFront"/>
+      <a:lightRig rig="threePt" dir="t"/>
+    </dgm:scene3d>
+    <dgm:sp3d/>
+    <dgm:txPr/>
+    <dgm:style>
+      <a:lnRef idx="0">
+        <a:scrgbClr r="0" g="0" b="0"/>
+      </a:lnRef>
+      <a:fillRef idx="1">
+        <a:scrgbClr r="0" g="0" b="0"/>
+      </a:fillRef>
+      <a:effectRef idx="0">
+        <a:scrgbClr r="0" g="0" b="0"/>
+      </a:effectRef>
+      <a:fontRef idx="minor">
+        <a:schemeClr val="lt1"/>
+      </a:fontRef>
+    </dgm:style>
+  </dgm:styleLbl>
+  <dgm:styleLbl name="bgSibTrans2D1">
+    <dgm:scene3d>
+      <a:camera prst="orthographicFront"/>
+      <a:lightRig rig="threePt" dir="t"/>
+    </dgm:scene3d>
+    <dgm:sp3d/>
+    <dgm:txPr/>
+    <dgm:style>
+      <a:lnRef idx="0">
+        <a:scrgbClr r="0" g="0" b="0"/>
+      </a:lnRef>
+      <a:fillRef idx="1">
+        <a:scrgbClr r="0" g="0" b="0"/>
+      </a:fillRef>
+      <a:effectRef idx="0">
+        <a:scrgbClr r="0" g="0" b="0"/>
+      </a:effectRef>
+      <a:fontRef idx="minor">
+        <a:schemeClr val="lt1"/>
+      </a:fontRef>
+    </dgm:style>
+  </dgm:styleLbl>
+  <dgm:styleLbl name="sibTrans1D1">
+    <dgm:scene3d>
+      <a:camera prst="orthographicFront"/>
+      <a:lightRig rig="threePt" dir="t"/>
+    </dgm:scene3d>
+    <dgm:sp3d/>
+    <dgm:txPr/>
+    <dgm:style>
+      <a:lnRef idx="1">
+        <a:scrgbClr r="0" g="0" b="0"/>
+      </a:lnRef>
+      <a:fillRef idx="0">
+        <a:scrgbClr r="0" g="0" b="0"/>
+      </a:fillRef>
+      <a:effectRef idx="0">
+        <a:scrgbClr r="0" g="0" b="0"/>
+      </a:effectRef>
+      <a:fontRef idx="minor"/>
+    </dgm:style>
+  </dgm:styleLbl>
+  <dgm:styleLbl name="callout">
+    <dgm:scene3d>
+      <a:camera prst="orthographicFront"/>
+      <a:lightRig rig="threePt" dir="t"/>
+    </dgm:scene3d>
+    <dgm:sp3d/>
+    <dgm:txPr/>
+    <dgm:style>
+      <a:lnRef idx="2">
+        <a:scrgbClr r="0" g="0" b="0"/>
+      </a:lnRef>
+      <a:fillRef idx="1">
+        <a:scrgbClr r="0" g="0" b="0"/>
+      </a:fillRef>
+      <a:effectRef idx="0">
+        <a:scrgbClr r="0" g="0" b="0"/>
+      </a:effectRef>
+      <a:fontRef idx="minor"/>
+    </dgm:style>
+  </dgm:styleLbl>
+  <dgm:styleLbl name="asst0">
+    <dgm:scene3d>
+      <a:camera prst="orthographicFront"/>
+      <a:lightRig rig="threePt" dir="t"/>
+    </dgm:scene3d>
+    <dgm:sp3d/>
+    <dgm:txPr/>
+    <dgm:style>
+      <a:lnRef idx="2">
+        <a:scrgbClr r="0" g="0" b="0"/>
+      </a:lnRef>
+      <a:fillRef idx="1">
+        <a:scrgbClr r="0" g="0" b="0"/>
+      </a:fillRef>
+      <a:effectRef idx="0">
+        <a:scrgbClr r="0" g="0" b="0"/>
+      </a:effectRef>
+      <a:fontRef idx="minor">
+        <a:schemeClr val="lt1"/>
+      </a:fontRef>
+    </dgm:style>
+  </dgm:styleLbl>
+  <dgm:styleLbl name="asst1">
+    <dgm:scene3d>
+      <a:camera prst="orthographicFront"/>
+      <a:lightRig rig="threePt" dir="t"/>
+    </dgm:scene3d>
+    <dgm:sp3d/>
+    <dgm:txPr/>
+    <dgm:style>
+      <a:lnRef idx="2">
+        <a:scrgbClr r="0" g="0" b="0"/>
+      </a:lnRef>
+      <a:fillRef idx="1">
+        <a:scrgbClr r="0" g="0" b="0"/>
+      </a:fillRef>
+      <a:effectRef idx="0">
+        <a:scrgbClr r="0" g="0" b="0"/>
+      </a:effectRef>
+      <a:fontRef idx="minor">
+        <a:schemeClr val="lt1"/>
+      </a:fontRef>
+    </dgm:style>
+  </dgm:styleLbl>
+  <dgm:styleLbl name="asst2">
+    <dgm:scene3d>
+      <a:camera prst="orthographicFront"/>
+      <a:lightRig rig="threePt" dir="t"/>
+    </dgm:scene3d>
+    <dgm:sp3d/>
+    <dgm:txPr/>
+    <dgm:style>
+      <a:lnRef idx="2">
+        <a:scrgbClr r="0" g="0" b="0"/>
+      </a:lnRef>
+      <a:fillRef idx="1">
+        <a:scrgbClr r="0" g="0" b="0"/>
+      </a:fillRef>
+      <a:effectRef idx="0">
+        <a:scrgbClr r="0" g="0" b="0"/>
+      </a:effectRef>
+      <a:fontRef idx="minor">
+        <a:schemeClr val="lt1"/>
+      </a:fontRef>
+    </dgm:style>
+  </dgm:styleLbl>
+  <dgm:styleLbl name="asst3">
+    <dgm:scene3d>
+      <a:camera prst="orthographicFront"/>
+      <a:lightRig rig="threePt" dir="t"/>
+    </dgm:scene3d>
+    <dgm:sp3d/>
+    <dgm:txPr/>
+    <dgm:style>
+      <a:lnRef idx="2">
+        <a:scrgbClr r="0" g="0" b="0"/>
+      </a:lnRef>
+      <a:fillRef idx="1">
+        <a:scrgbClr r="0" g="0" b="0"/>
+      </a:fillRef>
+      <a:effectRef idx="0">
+        <a:scrgbClr r="0" g="0" b="0"/>
+      </a:effectRef>
+      <a:fontRef idx="minor">
+        <a:schemeClr val="lt1"/>
+      </a:fontRef>
+    </dgm:style>
+  </dgm:styleLbl>
+  <dgm:styleLbl name="asst4">
+    <dgm:scene3d>
+      <a:camera prst="orthographicFront"/>
+      <a:lightRig rig="threePt" dir="t"/>
+    </dgm:scene3d>
+    <dgm:sp3d/>
+    <dgm:txPr/>
+    <dgm:style>
+      <a:lnRef idx="2">
+        <a:scrgbClr r="0" g="0" b="0"/>
+      </a:lnRef>
+      <a:fillRef idx="1">
+        <a:scrgbClr r="0" g="0" b="0"/>
+      </a:fillRef>
+      <a:effectRef idx="0">
+        <a:scrgbClr r="0" g="0" b="0"/>
+      </a:effectRef>
+      <a:fontRef idx="minor">
+        <a:schemeClr val="lt1"/>
+      </a:fontRef>
+    </dgm:style>
+  </dgm:styleLbl>
+  <dgm:styleLbl name="parChTrans2D1">
+    <dgm:scene3d>
+      <a:camera prst="orthographicFront"/>
+      <a:lightRig rig="threePt" dir="t"/>
+    </dgm:scene3d>
+    <dgm:sp3d/>
+    <dgm:txPr/>
+    <dgm:style>
+      <a:lnRef idx="2">
+        <a:scrgbClr r="0" g="0" b="0"/>
+      </a:lnRef>
+      <a:fillRef idx="1">
+        <a:scrgbClr r="0" g="0" b="0"/>
+      </a:fillRef>
+      <a:effectRef idx="0">
+        <a:scrgbClr r="0" g="0" b="0"/>
+      </a:effectRef>
+      <a:fontRef idx="minor">
+        <a:schemeClr val="lt1"/>
+      </a:fontRef>
+    </dgm:style>
+  </dgm:styleLbl>
+  <dgm:styleLbl name="parChTrans2D2">
+    <dgm:scene3d>
+      <a:camera prst="orthographicFront"/>
+      <a:lightRig rig="threePt" dir="t"/>
+    </dgm:scene3d>
+    <dgm:sp3d/>
+    <dgm:txPr/>
+    <dgm:style>
+      <a:lnRef idx="2">
+        <a:scrgbClr r="0" g="0" b="0"/>
+      </a:lnRef>
+      <a:fillRef idx="1">
+        <a:scrgbClr r="0" g="0" b="0"/>
+      </a:fillRef>
+      <a:effectRef idx="0">
+        <a:scrgbClr r="0" g="0" b="0"/>
+      </a:effectRef>
+      <a:fontRef idx="minor">
+        <a:schemeClr val="lt1"/>
+      </a:fontRef>
+    </dgm:style>
+  </dgm:styleLbl>
+  <dgm:styleLbl name="parChTrans2D3">
+    <dgm:scene3d>
+      <a:camera prst="orthographicFront"/>
+      <a:lightRig rig="threePt" dir="t"/>
+    </dgm:scene3d>
+    <dgm:sp3d/>
+    <dgm:txPr/>
+    <dgm:style>
+      <a:lnRef idx="2">
+        <a:scrgbClr r="0" g="0" b="0"/>
+      </a:lnRef>
+      <a:fillRef idx="1">
+        <a:scrgbClr r="0" g="0" b="0"/>
+      </a:fillRef>
+      <a:effectRef idx="0">
+        <a:scrgbClr r="0" g="0" b="0"/>
+      </a:effectRef>
+      <a:fontRef idx="minor">
+        <a:schemeClr val="lt1"/>
+      </a:fontRef>
+    </dgm:style>
+  </dgm:styleLbl>
+  <dgm:styleLbl name="parChTrans2D4">
+    <dgm:scene3d>
+      <a:camera prst="orthographicFront"/>
+      <a:lightRig rig="threePt" dir="t"/>
+    </dgm:scene3d>
+    <dgm:sp3d/>
+    <dgm:txPr/>
+    <dgm:style>
+      <a:lnRef idx="2">
+        <a:scrgbClr r="0" g="0" b="0"/>
+      </a:lnRef>
+      <a:fillRef idx="1">
+        <a:scrgbClr r="0" g="0" b="0"/>
+      </a:fillRef>
+      <a:effectRef idx="0">
+        <a:scrgbClr r="0" g="0" b="0"/>
+      </a:effectRef>
+      <a:fontRef idx="minor">
+        <a:schemeClr val="lt1"/>
+      </a:fontRef>
+    </dgm:style>
+  </dgm:styleLbl>
+  <dgm:styleLbl name="parChTrans1D1">
+    <dgm:scene3d>
+      <a:camera prst="orthographicFront"/>
+      <a:lightRig rig="threePt" dir="t"/>
+    </dgm:scene3d>
+    <dgm:sp3d/>
+    <dgm:txPr/>
+    <dgm:style>
+      <a:lnRef idx="2">
+        <a:scrgbClr r="0" g="0" b="0"/>
+      </a:lnRef>
+      <a:fillRef idx="0">
+        <a:scrgbClr r="0" g="0" b="0"/>
+      </a:fillRef>
+      <a:effectRef idx="0">
+        <a:scrgbClr r="0" g="0" b="0"/>
+      </a:effectRef>
+      <a:fontRef idx="minor"/>
+    </dgm:style>
+  </dgm:styleLbl>
+  <dgm:styleLbl name="parChTrans1D2">
+    <dgm:scene3d>
+      <a:camera prst="orthographicFront"/>
+      <a:lightRig rig="threePt" dir="t"/>
+    </dgm:scene3d>
+    <dgm:sp3d/>
+    <dgm:txPr/>
+    <dgm:style>
+      <a:lnRef idx="2">
+        <a:scrgbClr r="0" g="0" b="0"/>
+      </a:lnRef>
+      <a:fillRef idx="0">
+        <a:scrgbClr r="0" g="0" b="0"/>
+      </a:fillRef>
+      <a:effectRef idx="0">
+        <a:scrgbClr r="0" g="0" b="0"/>
+      </a:effectRef>
+      <a:fontRef idx="minor"/>
+    </dgm:style>
+  </dgm:styleLbl>
+  <dgm:styleLbl name="parChTrans1D3">
+    <dgm:scene3d>
+      <a:camera prst="orthographicFront"/>
+      <a:lightRig rig="threePt" dir="t"/>
+    </dgm:scene3d>
+    <dgm:sp3d/>
+    <dgm:txPr/>
+    <dgm:style>
+      <a:lnRef idx="2">
+        <a:scrgbClr r="0" g="0" b="0"/>
+      </a:lnRef>
+      <a:fillRef idx="0">
+        <a:scrgbClr r="0" g="0" b="0"/>
+      </a:fillRef>
+      <a:effectRef idx="0">
+        <a:scrgbClr r="0" g="0" b="0"/>
+      </a:effectRef>
+      <a:fontRef idx="minor"/>
+    </dgm:style>
+  </dgm:styleLbl>
+  <dgm:styleLbl name="parChTrans1D4">
+    <dgm:scene3d>
+      <a:camera prst="orthographicFront"/>
+      <a:lightRig rig="threePt" dir="t"/>
+    </dgm:scene3d>
+    <dgm:sp3d/>
+    <dgm:txPr/>
+    <dgm:style>
+      <a:lnRef idx="2">
+        <a:scrgbClr r="0" g="0" b="0"/>
+      </a:lnRef>
+      <a:fillRef idx="0">
+        <a:scrgbClr r="0" g="0" b="0"/>
+      </a:fillRef>
+      <a:effectRef idx="0">
+        <a:scrgbClr r="0" g="0" b="0"/>
+      </a:effectRef>
+      <a:fontRef idx="minor"/>
+    </dgm:style>
+  </dgm:styleLbl>
+  <dgm:styleLbl name="fgAcc1">
+    <dgm:scene3d>
+      <a:camera prst="orthographicFront"/>
+      <a:lightRig rig="threePt" dir="t"/>
+    </dgm:scene3d>
+    <dgm:sp3d/>
+    <dgm:txPr/>
+    <dgm:style>
+      <a:lnRef idx="2">
+        <a:scrgbClr r="0" g="0" b="0"/>
+      </a:lnRef>
+      <a:fillRef idx="1">
+        <a:scrgbClr r="0" g="0" b="0"/>
+      </a:fillRef>
+      <a:effectRef idx="0">
+        <a:scrgbClr r="0" g="0" b="0"/>
+      </a:effectRef>
+      <a:fontRef idx="minor"/>
+    </dgm:style>
+  </dgm:styleLbl>
+  <dgm:styleLbl name="conFgAcc1">
+    <dgm:scene3d>
+      <a:camera prst="orthographicFront"/>
+      <a:lightRig rig="threePt" dir="t"/>
+    </dgm:scene3d>
+    <dgm:sp3d/>
+    <dgm:txPr/>
+    <dgm:style>
+      <a:lnRef idx="2">
+        <a:scrgbClr r="0" g="0" b="0"/>
+      </a:lnRef>
+      <a:fillRef idx="1">
+        <a:scrgbClr r="0" g="0" b="0"/>
+      </a:fillRef>
+      <a:effectRef idx="0">
+        <a:scrgbClr r="0" g="0" b="0"/>
+      </a:effectRef>
+      <a:fontRef idx="minor"/>
+    </dgm:style>
+  </dgm:styleLbl>
+  <dgm:styleLbl name="alignAcc1">
+    <dgm:scene3d>
+      <a:camera prst="orthographicFront"/>
+      <a:lightRig rig="threePt" dir="t"/>
+    </dgm:scene3d>
+    <dgm:sp3d/>
+    <dgm:txPr/>
+    <dgm:style>
+      <a:lnRef idx="2">
+        <a:scrgbClr r="0" g="0" b="0"/>
+      </a:lnRef>
+      <a:fillRef idx="1">
+        <a:scrgbClr r="0" g="0" b="0"/>
+      </a:fillRef>
+      <a:effectRef idx="0">
+        <a:scrgbClr r="0" g="0" b="0"/>
+      </a:effectRef>
+      <a:fontRef idx="minor"/>
+    </dgm:style>
+  </dgm:styleLbl>
+  <dgm:styleLbl name="trAlignAcc1">
+    <dgm:scene3d>
+      <a:camera prst="orthographicFront"/>
+      <a:lightRig rig="threePt" dir="t"/>
+    </dgm:scene3d>
+    <dgm:sp3d/>
+    <dgm:txPr/>
+    <dgm:style>
+      <a:lnRef idx="1">
+        <a:scrgbClr r="0" g="0" b="0"/>
+      </a:lnRef>
+      <a:fillRef idx="1">
+        <a:scrgbClr r="0" g="0" b="0"/>
+      </a:fillRef>
+      <a:effectRef idx="0">
+        <a:scrgbClr r="0" g="0" b="0"/>
+      </a:effectRef>
+      <a:fontRef idx="minor"/>
+    </dgm:style>
+  </dgm:styleLbl>
+  <dgm:styleLbl name="bgAcc1">
+    <dgm:scene3d>
+      <a:camera prst="orthographicFront"/>
+      <a:lightRig rig="threePt" dir="t"/>
+    </dgm:scene3d>
+    <dgm:sp3d/>
+    <dgm:txPr/>
+    <dgm:style>
+      <a:lnRef idx="2">
+        <a:scrgbClr r="0" g="0" b="0"/>
+      </a:lnRef>
+      <a:fillRef idx="1">
+        <a:scrgbClr r="0" g="0" b="0"/>
+      </a:fillRef>
+      <a:effectRef idx="0">
+        <a:scrgbClr r="0" g="0" b="0"/>
+      </a:effectRef>
+      <a:fontRef idx="minor"/>
+    </dgm:style>
+  </dgm:styleLbl>
+  <dgm:styleLbl name="solidFgAcc1">
+    <dgm:scene3d>
+      <a:camera prst="orthographicFront"/>
+      <a:lightRig rig="threePt" dir="t"/>
+    </dgm:scene3d>
+    <dgm:sp3d/>
+    <dgm:txPr/>
+    <dgm:style>
+      <a:lnRef idx="2">
+        <a:scrgbClr r="0" g="0" b="0"/>
+      </a:lnRef>
+      <a:fillRef idx="1">
+        <a:scrgbClr r="0" g="0" b="0"/>
+      </a:fillRef>
+      <a:effectRef idx="0">
+        <a:scrgbClr r="0" g="0" b="0"/>
+      </a:effectRef>
+      <a:fontRef idx="minor"/>
+    </dgm:style>
+  </dgm:styleLbl>
+  <dgm:styleLbl name="solidAlignAcc1">
+    <dgm:scene3d>
+      <a:camera prst="orthographicFront"/>
+      <a:lightRig rig="threePt" dir="t"/>
+    </dgm:scene3d>
+    <dgm:sp3d/>
+    <dgm:txPr/>
+    <dgm:style>
+      <a:lnRef idx="2">
+        <a:scrgbClr r="0" g="0" b="0"/>
+      </a:lnRef>
+      <a:fillRef idx="1">
+        <a:scrgbClr r="0" g="0" b="0"/>
+      </a:fillRef>
+      <a:effectRef idx="0">
+        <a:scrgbClr r="0" g="0" b="0"/>
+      </a:effectRef>
+      <a:fontRef idx="minor"/>
+    </dgm:style>
+  </dgm:styleLbl>
+  <dgm:styleLbl name="solidBgAcc1">
+    <dgm:scene3d>
+      <a:camera prst="orthographicFront"/>
+      <a:lightRig rig="threePt" dir="t"/>
+    </dgm:scene3d>
+    <dgm:sp3d/>
+    <dgm:txPr/>
+    <dgm:style>
+      <a:lnRef idx="2">
+        <a:scrgbClr r="0" g="0" b="0"/>
+      </a:lnRef>
+      <a:fillRef idx="1">
+        <a:scrgbClr r="0" g="0" b="0"/>
+      </a:fillRef>
+      <a:effectRef idx="0">
+        <a:scrgbClr r="0" g="0" b="0"/>
+      </a:effectRef>
+      <a:fontRef idx="minor"/>
+    </dgm:style>
+  </dgm:styleLbl>
+  <dgm:styleLbl name="fgAccFollowNode1">
+    <dgm:scene3d>
+      <a:camera prst="orthographicFront"/>
+      <a:lightRig rig="threePt" dir="t"/>
+    </dgm:scene3d>
+    <dgm:sp3d/>
+    <dgm:txPr/>
+    <dgm:style>
+      <a:lnRef idx="2">
+        <a:scrgbClr r="0" g="0" b="0"/>
+      </a:lnRef>
+      <a:fillRef idx="1">
+        <a:scrgbClr r="0" g="0" b="0"/>
+      </a:fillRef>
+      <a:effectRef idx="0">
+        <a:scrgbClr r="0" g="0" b="0"/>
+      </a:effectRef>
+      <a:fontRef idx="minor"/>
+    </dgm:style>
+  </dgm:styleLbl>
+  <dgm:styleLbl name="alignAccFollowNode1">
+    <dgm:scene3d>
+      <a:camera prst="orthographicFront"/>
+      <a:lightRig rig="threePt" dir="t"/>
+    </dgm:scene3d>
+    <dgm:sp3d/>
+    <dgm:txPr/>
+    <dgm:style>
+      <a:lnRef idx="2">
+        <a:scrgbClr r="0" g="0" b="0"/>
+      </a:lnRef>
+      <a:fillRef idx="1">
+        <a:scrgbClr r="0" g="0" b="0"/>
+      </a:fillRef>
+      <a:effectRef idx="0">
+        <a:scrgbClr r="0" g="0" b="0"/>
+      </a:effectRef>
+      <a:fontRef idx="minor"/>
+    </dgm:style>
+  </dgm:styleLbl>
+  <dgm:styleLbl name="bgAccFollowNode1">
+    <dgm:scene3d>
+      <a:camera prst="orthographicFront"/>
+      <a:lightRig rig="threePt" dir="t"/>
+    </dgm:scene3d>
+    <dgm:sp3d/>
+    <dgm:txPr/>
+    <dgm:style>
+      <a:lnRef idx="2">
+        <a:scrgbClr r="0" g="0" b="0"/>
+      </a:lnRef>
+      <a:fillRef idx="1">
+        <a:scrgbClr r="0" g="0" b="0"/>
+      </a:fillRef>
+      <a:effectRef idx="0">
+        <a:scrgbClr r="0" g="0" b="0"/>
+      </a:effectRef>
+      <a:fontRef idx="minor"/>
+    </dgm:style>
+  </dgm:styleLbl>
+  <dgm:styleLbl name="fgAcc0">
+    <dgm:scene3d>
+      <a:camera prst="orthographicFront"/>
+      <a:lightRig rig="threePt" dir="t"/>
+    </dgm:scene3d>
+    <dgm:sp3d/>
+    <dgm:txPr/>
+    <dgm:style>
+      <a:lnRef idx="2">
+        <a:scrgbClr r="0" g="0" b="0"/>
+      </a:lnRef>
+      <a:fillRef idx="1">
+        <a:scrgbClr r="0" g="0" b="0"/>
+      </a:fillRef>
+      <a:effectRef idx="0">
+        <a:scrgbClr r="0" g="0" b="0"/>
+      </a:effectRef>
+      <a:fontRef idx="minor"/>
+    </dgm:style>
+  </dgm:styleLbl>
+  <dgm:styleLbl name="fgAcc2">
+    <dgm:scene3d>
+      <a:camera prst="orthographicFront"/>
+      <a:lightRig rig="threePt" dir="t"/>
+    </dgm:scene3d>
+    <dgm:sp3d/>
+    <dgm:txPr/>
+    <dgm:style>
+      <a:lnRef idx="2">
+        <a:scrgbClr r="0" g="0" b="0"/>
+      </a:lnRef>
+      <a:fillRef idx="1">
+        <a:scrgbClr r="0" g="0" b="0"/>
+      </a:fillRef>
+      <a:effectRef idx="0">
+        <a:scrgbClr r="0" g="0" b="0"/>
+      </a:effectRef>
+      <a:fontRef idx="minor"/>
+    </dgm:style>
+  </dgm:styleLbl>
+  <dgm:styleLbl name="fgAcc3">
+    <dgm:scene3d>
+      <a:camera prst="orthographicFront"/>
+      <a:lightRig rig="threePt" dir="t"/>
+    </dgm:scene3d>
+    <dgm:sp3d/>
+    <dgm:txPr/>
+    <dgm:style>
+      <a:lnRef idx="2">
+        <a:scrgbClr r="0" g="0" b="0"/>
+      </a:lnRef>
+      <a:fillRef idx="1">
+        <a:scrgbClr r="0" g="0" b="0"/>
+      </a:fillRef>
+      <a:effectRef idx="0">
+        <a:scrgbClr r="0" g="0" b="0"/>
+      </a:effectRef>
+      <a:fontRef idx="minor"/>
+    </dgm:style>
+  </dgm:styleLbl>
+  <dgm:styleLbl name="fgAcc4">
+    <dgm:scene3d>
+      <a:camera prst="orthographicFront"/>
+      <a:lightRig rig="threePt" dir="t"/>
+    </dgm:scene3d>
+    <dgm:sp3d/>
+    <dgm:txPr/>
+    <dgm:style>
+      <a:lnRef idx="2">
+        <a:scrgbClr r="0" g="0" b="0"/>
+      </a:lnRef>
+      <a:fillRef idx="1">
+        <a:scrgbClr r="0" g="0" b="0"/>
+      </a:fillRef>
+      <a:effectRef idx="0">
+        <a:scrgbClr r="0" g="0" b="0"/>
+      </a:effectRef>
+      <a:fontRef idx="minor"/>
+    </dgm:style>
+  </dgm:styleLbl>
+  <dgm:styleLbl name="bgShp">
+    <dgm:scene3d>
+      <a:camera prst="orthographicFront"/>
+      <a:lightRig rig="threePt" dir="t"/>
+    </dgm:scene3d>
+    <dgm:sp3d/>
+    <dgm:txPr/>
+    <dgm:style>
+      <a:lnRef idx="0">
+        <a:scrgbClr r="0" g="0" b="0"/>
+      </a:lnRef>
+      <a:fillRef idx="1">
+        <a:scrgbClr r="0" g="0" b="0"/>
+      </a:fillRef>
+      <a:effectRef idx="0">
+        <a:scrgbClr r="0" g="0" b="0"/>
+      </a:effectRef>
+      <a:fontRef idx="minor"/>
+    </dgm:style>
+  </dgm:styleLbl>
+  <dgm:styleLbl name="dkBgShp">
+    <dgm:scene3d>
+      <a:camera prst="orthographicFront"/>
+      <a:lightRig rig="threePt" dir="t"/>
+    </dgm:scene3d>
+    <dgm:sp3d/>
+    <dgm:txPr/>
+    <dgm:style>
+      <a:lnRef idx="0">
+        <a:scrgbClr r="0" g="0" b="0"/>
+      </a:lnRef>
+      <a:fillRef idx="1">
+        <a:scrgbClr r="0" g="0" b="0"/>
+      </a:fillRef>
+      <a:effectRef idx="0">
+        <a:scrgbClr r="0" g="0" b="0"/>
+      </a:effectRef>
+      <a:fontRef idx="minor"/>
+    </dgm:style>
+  </dgm:styleLbl>
+  <dgm:styleLbl name="trBgShp">
+    <dgm:scene3d>
+      <a:camera prst="orthographicFront"/>
+      <a:lightRig rig="threePt" dir="t"/>
+    </dgm:scene3d>
+    <dgm:sp3d/>
+    <dgm:txPr/>
+    <dgm:style>
+      <a:lnRef idx="0">
+        <a:scrgbClr r="0" g="0" b="0"/>
+      </a:lnRef>
+      <a:fillRef idx="1">
+        <a:scrgbClr r="0" g="0" b="0"/>
+      </a:fillRef>
+      <a:effectRef idx="0">
+        <a:scrgbClr r="0" g="0" b="0"/>
+      </a:effectRef>
+      <a:fontRef idx="minor"/>
+    </dgm:style>
+  </dgm:styleLbl>
+  <dgm:styleLbl name="fgShp">
+    <dgm:scene3d>
+      <a:camera prst="orthographicFront"/>
+      <a:lightRig rig="threePt" dir="t"/>
+    </dgm:scene3d>
+    <dgm:sp3d/>
+    <dgm:txPr/>
+    <dgm:style>
+      <a:lnRef idx="2">
+        <a:scrgbClr r="0" g="0" b="0"/>
+      </a:lnRef>
+      <a:fillRef idx="1">
+        <a:scrgbClr r="0" g="0" b="0"/>
+      </a:fillRef>
+      <a:effectRef idx="0">
+        <a:scrgbClr r="0" g="0" b="0"/>
+      </a:effectRef>
+      <a:fontRef idx="minor"/>
+    </dgm:style>
+  </dgm:styleLbl>
+  <dgm:styleLbl name="revTx">
+    <dgm:scene3d>
+      <a:camera prst="orthographicFront"/>
+      <a:lightRig rig="threePt" dir="t"/>
+    </dgm:scene3d>
+    <dgm:sp3d/>
+    <dgm:txPr/>
+    <dgm:style>
+      <a:lnRef idx="0">
+        <a:scrgbClr r="0" g="0" b="0"/>
+      </a:lnRef>
+      <a:fillRef idx="0">
+        <a:scrgbClr r="0" g="0" b="0"/>
+      </a:fillRef>
+      <a:effectRef idx="0">
+        <a:scrgbClr r="0" g="0" b="0"/>
+      </a:effectRef>
+      <a:fontRef idx="minor"/>
+    </dgm:style>
+  </dgm:styleLbl>
+</dgm:styleDef>
+</file>
+
+<file path=ppt/notesMasters/notesMaster1.xml><?xml version="1.0" encoding="utf-8"?>
+<p:notesMaster xmlns:a="http://schemas.openxmlformats.org/drawingml/2006/main" xmlns:r="http://schemas.openxmlformats.org/officeDocument/2006/relationships" xmlns:p="http://schemas.openxmlformats.org/presentationml/2006/main">
+  <p:cSld>
+    <p:bg>
+      <p:bgRef idx="1001">
+        <a:schemeClr val="bg1"/>
+      </p:bgRef>
+    </p:bg>
+    <p:spTree>
+      <p:nvGrpSpPr>
+        <p:cNvPr id="1" name=""/>
+        <p:cNvGrpSpPr/>
+        <p:nvPr/>
+      </p:nvGrpSpPr>
+      <p:grpSpPr>
+        <a:xfrm>
+          <a:off x="0" y="0"/>
+          <a:ext cx="0" cy="0"/>
+          <a:chOff x="0" y="0"/>
+          <a:chExt cx="0" cy="0"/>
+        </a:xfrm>
+      </p:grpSpPr>
+      <p:sp>
+        <p:nvSpPr>
+          <p:cNvPr id="2" name="Espace réservé de l'en-tête 1"/>
+          <p:cNvSpPr>
+            <a:spLocks noGrp="1"/>
+          </p:cNvSpPr>
+          <p:nvPr>
+            <p:ph type="hdr" sz="quarter"/>
+          </p:nvPr>
+        </p:nvSpPr>
+        <p:spPr>
+          <a:xfrm>
+            <a:off x="0" y="0"/>
+            <a:ext cx="2971800" cy="458788"/>
+          </a:xfrm>
+          <a:prstGeom prst="rect">
+            <a:avLst/>
+          </a:prstGeom>
+        </p:spPr>
+        <p:txBody>
+          <a:bodyPr vert="horz" lIns="91440" tIns="45720" rIns="91440" bIns="45720" rtlCol="0"/>
+          <a:lstStyle>
+            <a:lvl1pPr algn="l">
+              <a:defRPr sz="1200"/>
+            </a:lvl1pPr>
+          </a:lstStyle>
+          <a:p>
+            <a:endParaRPr lang="fr-FR"/>
+          </a:p>
+        </p:txBody>
+      </p:sp>
+      <p:sp>
+        <p:nvSpPr>
+          <p:cNvPr id="3" name="Espace réservé de la date 2"/>
+          <p:cNvSpPr>
+            <a:spLocks noGrp="1"/>
+          </p:cNvSpPr>
+          <p:nvPr>
+            <p:ph type="dt" idx="1"/>
+          </p:nvPr>
+        </p:nvSpPr>
+        <p:spPr>
+          <a:xfrm>
+            <a:off x="3884613" y="0"/>
+            <a:ext cx="2971800" cy="458788"/>
+          </a:xfrm>
+          <a:prstGeom prst="rect">
+            <a:avLst/>
+          </a:prstGeom>
+        </p:spPr>
+        <p:txBody>
+          <a:bodyPr vert="horz" lIns="91440" tIns="45720" rIns="91440" bIns="45720" rtlCol="0"/>
+          <a:lstStyle>
+            <a:lvl1pPr algn="r">
+              <a:defRPr sz="1200"/>
+            </a:lvl1pPr>
+          </a:lstStyle>
+          <a:p>
+            <a:fld id="{396732D2-A960-8D41-B4D4-34EE00E05655}" type="datetimeFigureOut">
+              <a:rPr lang="fr-FR" smtClean="0"/>
+              <a:t>12/03/2024</a:t>
+            </a:fld>
+            <a:endParaRPr lang="fr-FR"/>
+          </a:p>
+        </p:txBody>
+      </p:sp>
+      <p:sp>
+        <p:nvSpPr>
+          <p:cNvPr id="4" name="Espace réservé de l'image des diapositives 3"/>
+          <p:cNvSpPr>
+            <a:spLocks noGrp="1" noRot="1" noChangeAspect="1"/>
+          </p:cNvSpPr>
+          <p:nvPr>
+            <p:ph type="sldImg" idx="2"/>
+          </p:nvPr>
+        </p:nvSpPr>
+        <p:spPr>
+          <a:xfrm>
+            <a:off x="685800" y="1143000"/>
+            <a:ext cx="5486400" cy="3086100"/>
+          </a:xfrm>
+          <a:prstGeom prst="rect">
+            <a:avLst/>
+          </a:prstGeom>
+          <a:noFill/>
+          <a:ln w="12700">
+            <a:solidFill>
+              <a:prstClr val="black"/>
+            </a:solidFill>
+          </a:ln>
+        </p:spPr>
+        <p:txBody>
+          <a:bodyPr vert="horz" lIns="91440" tIns="45720" rIns="91440" bIns="45720" rtlCol="0" anchor="ctr"/>
+          <a:lstStyle/>
+          <a:p>
+            <a:endParaRPr lang="fr-FR"/>
+          </a:p>
+        </p:txBody>
+      </p:sp>
+      <p:sp>
+        <p:nvSpPr>
+          <p:cNvPr id="5" name="Espace réservé des notes 4"/>
+          <p:cNvSpPr>
+            <a:spLocks noGrp="1"/>
+          </p:cNvSpPr>
+          <p:nvPr>
+            <p:ph type="body" sz="quarter" idx="3"/>
+          </p:nvPr>
+        </p:nvSpPr>
+        <p:spPr>
+          <a:xfrm>
+            <a:off x="685800" y="4400550"/>
+            <a:ext cx="5486400" cy="3600450"/>
+          </a:xfrm>
+          <a:prstGeom prst="rect">
+            <a:avLst/>
+          </a:prstGeom>
+        </p:spPr>
+        <p:txBody>
+          <a:bodyPr vert="horz" lIns="91440" tIns="45720" rIns="91440" bIns="45720" rtlCol="0"/>
+          <a:lstStyle/>
+          <a:p>
+            <a:pPr lvl="0"/>
+            <a:r>
+              <a:rPr lang="fr-FR"/>
+              <a:t>Cliquez pour modifier les styles du texte du masque</a:t>
+            </a:r>
+          </a:p>
+          <a:p>
+            <a:pPr lvl="1"/>
+            <a:r>
+              <a:rPr lang="fr-FR"/>
+              <a:t>Deuxième niveau</a:t>
+            </a:r>
+          </a:p>
+          <a:p>
+            <a:pPr lvl="2"/>
+            <a:r>
+              <a:rPr lang="fr-FR"/>
+              <a:t>Troisième niveau</a:t>
+            </a:r>
+          </a:p>
+          <a:p>
+            <a:pPr lvl="3"/>
+            <a:r>
+              <a:rPr lang="fr-FR"/>
+              <a:t>Quatrième niveau</a:t>
+            </a:r>
+          </a:p>
+          <a:p>
+            <a:pPr lvl="4"/>
+            <a:r>
+              <a:rPr lang="fr-FR"/>
+              <a:t>Cinquième niveau</a:t>
+            </a:r>
+          </a:p>
+        </p:txBody>
+      </p:sp>
+      <p:sp>
+        <p:nvSpPr>
+          <p:cNvPr id="6" name="Espace réservé du pied de page 5"/>
+          <p:cNvSpPr>
+            <a:spLocks noGrp="1"/>
+          </p:cNvSpPr>
+          <p:nvPr>
+            <p:ph type="ftr" sz="quarter" idx="4"/>
+          </p:nvPr>
+        </p:nvSpPr>
+        <p:spPr>
+          <a:xfrm>
+            <a:off x="0" y="8685213"/>
+            <a:ext cx="2971800" cy="458787"/>
+          </a:xfrm>
+          <a:prstGeom prst="rect">
+            <a:avLst/>
+          </a:prstGeom>
+        </p:spPr>
+        <p:txBody>
+          <a:bodyPr vert="horz" lIns="91440" tIns="45720" rIns="91440" bIns="45720" rtlCol="0" anchor="b"/>
+          <a:lstStyle>
+            <a:lvl1pPr algn="l">
+              <a:defRPr sz="1200"/>
+            </a:lvl1pPr>
+          </a:lstStyle>
+          <a:p>
+            <a:endParaRPr lang="fr-FR"/>
+          </a:p>
+        </p:txBody>
+      </p:sp>
+      <p:sp>
+        <p:nvSpPr>
+          <p:cNvPr id="7" name="Espace réservé du numéro de diapositive 6"/>
+          <p:cNvSpPr>
+            <a:spLocks noGrp="1"/>
+          </p:cNvSpPr>
+          <p:nvPr>
+            <p:ph type="sldNum" sz="quarter" idx="5"/>
+          </p:nvPr>
+        </p:nvSpPr>
+        <p:spPr>
+          <a:xfrm>
+            <a:off x="3884613" y="8685213"/>
+            <a:ext cx="2971800" cy="458787"/>
+          </a:xfrm>
+          <a:prstGeom prst="rect">
+            <a:avLst/>
+          </a:prstGeom>
+        </p:spPr>
+        <p:txBody>
+          <a:bodyPr vert="horz" lIns="91440" tIns="45720" rIns="91440" bIns="45720" rtlCol="0" anchor="b"/>
+          <a:lstStyle>
+            <a:lvl1pPr algn="r">
+              <a:defRPr sz="1200"/>
+            </a:lvl1pPr>
+          </a:lstStyle>
+          <a:p>
+            <a:fld id="{498FD4CA-1774-AD4D-B8BE-A6D9AC294D8C}" type="slidenum">
+              <a:rPr lang="fr-FR" smtClean="0"/>
+              <a:t>‹N°›</a:t>
+            </a:fld>
+            <a:endParaRPr lang="fr-FR"/>
+          </a:p>
+        </p:txBody>
+      </p:sp>
+    </p:spTree>
+    <p:extLst>
+      <p:ext uri="{BB962C8B-B14F-4D97-AF65-F5344CB8AC3E}">
+        <p14:creationId xmlns:p14="http://schemas.microsoft.com/office/powerpoint/2010/main" val="540747457"/>
+      </p:ext>
+    </p:extLst>
+  </p:cSld>
+  <p:clrMap bg1="lt1" tx1="dk1" bg2="lt2" tx2="dk2" accent1="accent1" accent2="accent2" accent3="accent3" accent4="accent4" accent5="accent5" accent6="accent6" hlink="hlink" folHlink="folHlink"/>
+  <p:notesStyle>
+    <a:lvl1pPr marL="0" algn="l" defTabSz="914400" rtl="0" eaLnBrk="1" latinLnBrk="0" hangingPunct="1">
+      <a:defRPr sz="1200" kern="1200">
+        <a:solidFill>
+          <a:schemeClr val="tx1"/>
+        </a:solidFill>
+        <a:latin typeface="+mn-lt"/>
+        <a:ea typeface="+mn-ea"/>
+        <a:cs typeface="+mn-cs"/>
+      </a:defRPr>
+    </a:lvl1pPr>
+    <a:lvl2pPr marL="457200" algn="l" defTabSz="914400" rtl="0" eaLnBrk="1" latinLnBrk="0" hangingPunct="1">
+      <a:defRPr sz="1200" kern="1200">
+        <a:solidFill>
+          <a:schemeClr val="tx1"/>
+        </a:solidFill>
+        <a:latin typeface="+mn-lt"/>
+        <a:ea typeface="+mn-ea"/>
+        <a:cs typeface="+mn-cs"/>
+      </a:defRPr>
+    </a:lvl2pPr>
+    <a:lvl3pPr marL="914400" algn="l" defTabSz="914400" rtl="0" eaLnBrk="1" latinLnBrk="0" hangingPunct="1">
+      <a:defRPr sz="1200" kern="1200">
+        <a:solidFill>
+          <a:schemeClr val="tx1"/>
+        </a:solidFill>
+        <a:latin typeface="+mn-lt"/>
+        <a:ea typeface="+mn-ea"/>
+        <a:cs typeface="+mn-cs"/>
+      </a:defRPr>
+    </a:lvl3pPr>
+    <a:lvl4pPr marL="1371600" algn="l" defTabSz="914400" rtl="0" eaLnBrk="1" latinLnBrk="0" hangingPunct="1">
+      <a:defRPr sz="1200" kern="1200">
+        <a:solidFill>
+          <a:schemeClr val="tx1"/>
+        </a:solidFill>
+        <a:latin typeface="+mn-lt"/>
+        <a:ea typeface="+mn-ea"/>
+        <a:cs typeface="+mn-cs"/>
+      </a:defRPr>
+    </a:lvl4pPr>
+    <a:lvl5pPr marL="1828800" algn="l" defTabSz="914400" rtl="0" eaLnBrk="1" latinLnBrk="0" hangingPunct="1">
+      <a:defRPr sz="1200" kern="1200">
+        <a:solidFill>
+          <a:schemeClr val="tx1"/>
+        </a:solidFill>
+        <a:latin typeface="+mn-lt"/>
+        <a:ea typeface="+mn-ea"/>
+        <a:cs typeface="+mn-cs"/>
+      </a:defRPr>
+    </a:lvl5pPr>
+    <a:lvl6pPr marL="2286000" algn="l" defTabSz="914400" rtl="0" eaLnBrk="1" latinLnBrk="0" hangingPunct="1">
+      <a:defRPr sz="1200" kern="1200">
+        <a:solidFill>
+          <a:schemeClr val="tx1"/>
+        </a:solidFill>
+        <a:latin typeface="+mn-lt"/>
+        <a:ea typeface="+mn-ea"/>
+        <a:cs typeface="+mn-cs"/>
+      </a:defRPr>
+    </a:lvl6pPr>
+    <a:lvl7pPr marL="2743200" algn="l" defTabSz="914400" rtl="0" eaLnBrk="1" latinLnBrk="0" hangingPunct="1">
+      <a:defRPr sz="1200" kern="1200">
+        <a:solidFill>
+          <a:schemeClr val="tx1"/>
+        </a:solidFill>
+        <a:latin typeface="+mn-lt"/>
+        <a:ea typeface="+mn-ea"/>
+        <a:cs typeface="+mn-cs"/>
+      </a:defRPr>
+    </a:lvl7pPr>
+    <a:lvl8pPr marL="3200400" algn="l" defTabSz="914400" rtl="0" eaLnBrk="1" latinLnBrk="0" hangingPunct="1">
+      <a:defRPr sz="1200" kern="1200">
+        <a:solidFill>
+          <a:schemeClr val="tx1"/>
+        </a:solidFill>
+        <a:latin typeface="+mn-lt"/>
+        <a:ea typeface="+mn-ea"/>
+        <a:cs typeface="+mn-cs"/>
+      </a:defRPr>
+    </a:lvl8pPr>
+    <a:lvl9pPr marL="3657600" algn="l" defTabSz="914400" rtl="0" eaLnBrk="1" latinLnBrk="0" hangingPunct="1">
+      <a:defRPr sz="1200" kern="1200">
+        <a:solidFill>
+          <a:schemeClr val="tx1"/>
+        </a:solidFill>
+        <a:latin typeface="+mn-lt"/>
+        <a:ea typeface="+mn-ea"/>
+        <a:cs typeface="+mn-cs"/>
+      </a:defRPr>
+    </a:lvl9pPr>
+  </p:notesStyle>
+</p:notesMaster>
+</file>
+
+<file path=ppt/notesSlides/notesSlide1.xml><?xml version="1.0" encoding="utf-8"?>
+<p:notes xmlns:a="http://schemas.openxmlformats.org/drawingml/2006/main" xmlns:r="http://schemas.openxmlformats.org/officeDocument/2006/relationships" xmlns:p="http://schemas.openxmlformats.org/presentationml/2006/main">
+  <p:cSld>
+    <p:spTree>
+      <p:nvGrpSpPr>
+        <p:cNvPr id="1" name=""/>
+        <p:cNvGrpSpPr/>
+        <p:nvPr/>
+      </p:nvGrpSpPr>
+      <p:grpSpPr>
+        <a:xfrm>
+          <a:off x="0" y="0"/>
+          <a:ext cx="0" cy="0"/>
+          <a:chOff x="0" y="0"/>
+          <a:chExt cx="0" cy="0"/>
+        </a:xfrm>
+      </p:grpSpPr>
+      <p:sp>
+        <p:nvSpPr>
+          <p:cNvPr id="2" name="Espace réservé de l'image des diapositives 1"/>
+          <p:cNvSpPr>
+            <a:spLocks noGrp="1" noRot="1" noChangeAspect="1"/>
+          </p:cNvSpPr>
+          <p:nvPr>
+            <p:ph type="sldImg"/>
+          </p:nvPr>
+        </p:nvSpPr>
+        <p:spPr/>
+      </p:sp>
+      <p:sp>
+        <p:nvSpPr>
+          <p:cNvPr id="3" name="Espace réservé des notes 2"/>
+          <p:cNvSpPr>
+            <a:spLocks noGrp="1"/>
+          </p:cNvSpPr>
+          <p:nvPr>
+            <p:ph type="body" idx="1"/>
+          </p:nvPr>
+        </p:nvSpPr>
+        <p:spPr/>
+        <p:txBody>
+          <a:bodyPr/>
+          <a:lstStyle/>
+          <a:p>
+            <a:endParaRPr lang="fr-FR" dirty="0"/>
+          </a:p>
+        </p:txBody>
+      </p:sp>
+      <p:sp>
+        <p:nvSpPr>
+          <p:cNvPr id="4" name="Espace réservé du numéro de diapositive 3"/>
+          <p:cNvSpPr>
+            <a:spLocks noGrp="1"/>
+          </p:cNvSpPr>
+          <p:nvPr>
+            <p:ph type="sldNum" sz="quarter" idx="5"/>
+          </p:nvPr>
+        </p:nvSpPr>
+        <p:spPr/>
+        <p:txBody>
+          <a:bodyPr/>
+          <a:lstStyle/>
+          <a:p>
+            <a:fld id="{498FD4CA-1774-AD4D-B8BE-A6D9AC294D8C}" type="slidenum">
+              <a:rPr lang="fr-FR" smtClean="0"/>
+              <a:t>3</a:t>
+            </a:fld>
+            <a:endParaRPr lang="fr-FR"/>
+          </a:p>
+        </p:txBody>
+      </p:sp>
+    </p:spTree>
+    <p:extLst>
+      <p:ext uri="{BB962C8B-B14F-4D97-AF65-F5344CB8AC3E}">
+        <p14:creationId xmlns:p14="http://schemas.microsoft.com/office/powerpoint/2010/main" val="3340971354"/>
+      </p:ext>
+    </p:extLst>
+  </p:cSld>
+  <p:clrMapOvr>
+    <a:masterClrMapping/>
+  </p:clrMapOvr>
+</p:notes>
+</file>
+
 <file path=ppt/slideLayouts/slideLayout1.xml><?xml version="1.0" encoding="utf-8"?>
 <p:sldLayout xmlns:a="http://schemas.openxmlformats.org/drawingml/2006/main" xmlns:r="http://schemas.openxmlformats.org/officeDocument/2006/relationships" xmlns:p="http://schemas.openxmlformats.org/presentationml/2006/main" type="title" preserve="1">
   <p:cSld name="Diapositive de titre">
@@ -253,7 +3233,7 @@
           <a:bodyPr/>
           <a:lstStyle/>
           <a:p>
-            <a:fld id="{4CDD3D04-D3F3-644F-847E-FAEEF7A6F804}" type="datetimeFigureOut">
+            <a:fld id="{83BBB925-0357-7C42-BC19-92EA8206C694}" type="datetime1">
               <a:rPr lang="fr-FR" smtClean="0"/>
               <a:t>12/03/2024</a:t>
             </a:fld>
@@ -282,7 +3262,10 @@
           <a:bodyPr/>
           <a:lstStyle/>
           <a:p>
-            <a:endParaRPr lang="fr-FR"/>
+            <a:r>
+              <a:rPr lang="fr-FR"/>
+              <a:t>Projet Intégrateur L2NEC</a:t>
+            </a:r>
           </a:p>
         </p:txBody>
       </p:sp>
@@ -451,7 +3434,7 @@
           <a:bodyPr/>
           <a:lstStyle/>
           <a:p>
-            <a:fld id="{4CDD3D04-D3F3-644F-847E-FAEEF7A6F804}" type="datetimeFigureOut">
+            <a:fld id="{FBAE193A-1F38-8649-9FC0-E0C761FCA719}" type="datetime1">
               <a:rPr lang="fr-FR" smtClean="0"/>
               <a:t>12/03/2024</a:t>
             </a:fld>
@@ -480,7 +3463,10 @@
           <a:bodyPr/>
           <a:lstStyle/>
           <a:p>
-            <a:endParaRPr lang="fr-FR"/>
+            <a:r>
+              <a:rPr lang="fr-FR"/>
+              <a:t>Projet Intégrateur L2NEC</a:t>
+            </a:r>
           </a:p>
         </p:txBody>
       </p:sp>
@@ -659,7 +3645,7 @@
           <a:bodyPr/>
           <a:lstStyle/>
           <a:p>
-            <a:fld id="{4CDD3D04-D3F3-644F-847E-FAEEF7A6F804}" type="datetimeFigureOut">
+            <a:fld id="{EBA184A2-50D2-FA4D-99C1-6CA6B3AAFE85}" type="datetime1">
               <a:rPr lang="fr-FR" smtClean="0"/>
               <a:t>12/03/2024</a:t>
             </a:fld>
@@ -688,7 +3674,10 @@
           <a:bodyPr/>
           <a:lstStyle/>
           <a:p>
-            <a:endParaRPr lang="fr-FR"/>
+            <a:r>
+              <a:rPr lang="fr-FR"/>
+              <a:t>Projet Intégrateur L2NEC</a:t>
+            </a:r>
           </a:p>
         </p:txBody>
       </p:sp>
@@ -857,7 +3846,7 @@
           <a:bodyPr/>
           <a:lstStyle/>
           <a:p>
-            <a:fld id="{4CDD3D04-D3F3-644F-847E-FAEEF7A6F804}" type="datetimeFigureOut">
+            <a:fld id="{318832A5-9581-684F-A9B5-0849972E2F0B}" type="datetime1">
               <a:rPr lang="fr-FR" smtClean="0"/>
               <a:t>12/03/2024</a:t>
             </a:fld>
@@ -886,7 +3875,10 @@
           <a:bodyPr/>
           <a:lstStyle/>
           <a:p>
-            <a:endParaRPr lang="fr-FR"/>
+            <a:r>
+              <a:rPr lang="fr-FR"/>
+              <a:t>Projet Intégrateur L2NEC</a:t>
+            </a:r>
           </a:p>
         </p:txBody>
       </p:sp>
@@ -1132,7 +4124,7 @@
           <a:bodyPr/>
           <a:lstStyle/>
           <a:p>
-            <a:fld id="{4CDD3D04-D3F3-644F-847E-FAEEF7A6F804}" type="datetimeFigureOut">
+            <a:fld id="{8333DD57-D154-5443-B083-C5E90EDAF09A}" type="datetime1">
               <a:rPr lang="fr-FR" smtClean="0"/>
               <a:t>12/03/2024</a:t>
             </a:fld>
@@ -1161,7 +4153,10 @@
           <a:bodyPr/>
           <a:lstStyle/>
           <a:p>
-            <a:endParaRPr lang="fr-FR"/>
+            <a:r>
+              <a:rPr lang="fr-FR"/>
+              <a:t>Projet Intégrateur L2NEC</a:t>
+            </a:r>
           </a:p>
         </p:txBody>
       </p:sp>
@@ -1397,7 +4392,7 @@
           <a:bodyPr/>
           <a:lstStyle/>
           <a:p>
-            <a:fld id="{4CDD3D04-D3F3-644F-847E-FAEEF7A6F804}" type="datetimeFigureOut">
+            <a:fld id="{966F7442-F5B9-6F49-B900-C95FDBD58208}" type="datetime1">
               <a:rPr lang="fr-FR" smtClean="0"/>
               <a:t>12/03/2024</a:t>
             </a:fld>
@@ -1426,7 +4421,10 @@
           <a:bodyPr/>
           <a:lstStyle/>
           <a:p>
-            <a:endParaRPr lang="fr-FR"/>
+            <a:r>
+              <a:rPr lang="fr-FR"/>
+              <a:t>Projet Intégrateur L2NEC</a:t>
+            </a:r>
           </a:p>
         </p:txBody>
       </p:sp>
@@ -1809,7 +4807,7 @@
           <a:bodyPr/>
           <a:lstStyle/>
           <a:p>
-            <a:fld id="{4CDD3D04-D3F3-644F-847E-FAEEF7A6F804}" type="datetimeFigureOut">
+            <a:fld id="{AA4F6EE9-0153-0244-A982-12E5E0968490}" type="datetime1">
               <a:rPr lang="fr-FR" smtClean="0"/>
               <a:t>12/03/2024</a:t>
             </a:fld>
@@ -1838,7 +4836,10 @@
           <a:bodyPr/>
           <a:lstStyle/>
           <a:p>
-            <a:endParaRPr lang="fr-FR"/>
+            <a:r>
+              <a:rPr lang="fr-FR"/>
+              <a:t>Projet Intégrateur L2NEC</a:t>
+            </a:r>
           </a:p>
         </p:txBody>
       </p:sp>
@@ -1950,7 +4951,7 @@
           <a:bodyPr/>
           <a:lstStyle/>
           <a:p>
-            <a:fld id="{4CDD3D04-D3F3-644F-847E-FAEEF7A6F804}" type="datetimeFigureOut">
+            <a:fld id="{CCB655AA-9D30-FB4F-9B9C-54245ED12204}" type="datetime1">
               <a:rPr lang="fr-FR" smtClean="0"/>
               <a:t>12/03/2024</a:t>
             </a:fld>
@@ -1979,7 +4980,10 @@
           <a:bodyPr/>
           <a:lstStyle/>
           <a:p>
-            <a:endParaRPr lang="fr-FR"/>
+            <a:r>
+              <a:rPr lang="fr-FR"/>
+              <a:t>Projet Intégrateur L2NEC</a:t>
+            </a:r>
           </a:p>
         </p:txBody>
       </p:sp>
@@ -2063,7 +5067,7 @@
           <a:bodyPr/>
           <a:lstStyle/>
           <a:p>
-            <a:fld id="{4CDD3D04-D3F3-644F-847E-FAEEF7A6F804}" type="datetimeFigureOut">
+            <a:fld id="{8F2D3CCA-8988-524B-BCF7-2335CC0A01FF}" type="datetime1">
               <a:rPr lang="fr-FR" smtClean="0"/>
               <a:t>12/03/2024</a:t>
             </a:fld>
@@ -2092,7 +5096,10 @@
           <a:bodyPr/>
           <a:lstStyle/>
           <a:p>
-            <a:endParaRPr lang="fr-FR"/>
+            <a:r>
+              <a:rPr lang="fr-FR"/>
+              <a:t>Projet Intégrateur L2NEC</a:t>
+            </a:r>
           </a:p>
         </p:txBody>
       </p:sp>
@@ -2374,7 +5381,7 @@
           <a:bodyPr/>
           <a:lstStyle/>
           <a:p>
-            <a:fld id="{4CDD3D04-D3F3-644F-847E-FAEEF7A6F804}" type="datetimeFigureOut">
+            <a:fld id="{1D9EBCCF-DCFD-7843-A324-7573BAB161B6}" type="datetime1">
               <a:rPr lang="fr-FR" smtClean="0"/>
               <a:t>12/03/2024</a:t>
             </a:fld>
@@ -2403,7 +5410,10 @@
           <a:bodyPr/>
           <a:lstStyle/>
           <a:p>
-            <a:endParaRPr lang="fr-FR"/>
+            <a:r>
+              <a:rPr lang="fr-FR"/>
+              <a:t>Projet Intégrateur L2NEC</a:t>
+            </a:r>
           </a:p>
         </p:txBody>
       </p:sp>
@@ -2662,7 +5672,7 @@
           <a:bodyPr/>
           <a:lstStyle/>
           <a:p>
-            <a:fld id="{4CDD3D04-D3F3-644F-847E-FAEEF7A6F804}" type="datetimeFigureOut">
+            <a:fld id="{C1D65440-EA86-EE41-B0F2-C6FB46256D29}" type="datetime1">
               <a:rPr lang="fr-FR" smtClean="0"/>
               <a:t>12/03/2024</a:t>
             </a:fld>
@@ -2691,7 +5701,10 @@
           <a:bodyPr/>
           <a:lstStyle/>
           <a:p>
-            <a:endParaRPr lang="fr-FR"/>
+            <a:r>
+              <a:rPr lang="fr-FR"/>
+              <a:t>Projet Intégrateur L2NEC</a:t>
+            </a:r>
           </a:p>
         </p:txBody>
       </p:sp>
@@ -2903,7 +5916,7 @@
             </a:lvl1pPr>
           </a:lstStyle>
           <a:p>
-            <a:fld id="{4CDD3D04-D3F3-644F-847E-FAEEF7A6F804}" type="datetimeFigureOut">
+            <a:fld id="{6432950A-CB6D-5C41-8D80-8037A3573A8E}" type="datetime1">
               <a:rPr lang="fr-FR" smtClean="0"/>
               <a:t>12/03/2024</a:t>
             </a:fld>
@@ -2950,7 +5963,10 @@
             </a:lvl1pPr>
           </a:lstStyle>
           <a:p>
-            <a:endParaRPr lang="fr-FR"/>
+            <a:r>
+              <a:rPr lang="fr-FR"/>
+              <a:t>Projet Intégrateur L2NEC</a:t>
+            </a:r>
           </a:p>
         </p:txBody>
       </p:sp>
@@ -3022,6 +6038,7 @@
     <p:sldLayoutId id="2147483658" r:id="rId10"/>
     <p:sldLayoutId id="2147483659" r:id="rId11"/>
   </p:sldLayoutIdLst>
+  <p:hf hdr="0" dt="0"/>
   <p:txStyles>
     <p:titleStyle>
       <a:lvl1pPr algn="l" defTabSz="914400" rtl="0" eaLnBrk="1" latinLnBrk="0" hangingPunct="1">
@@ -3308,6 +6325,14 @@
 <file path=ppt/slides/slide1.xml><?xml version="1.0" encoding="utf-8"?>
 <p:sld xmlns:a="http://schemas.openxmlformats.org/drawingml/2006/main" xmlns:r="http://schemas.openxmlformats.org/officeDocument/2006/relationships" xmlns:p="http://schemas.openxmlformats.org/presentationml/2006/main">
   <p:cSld>
+    <p:bg>
+      <p:bgPr>
+        <a:solidFill>
+          <a:schemeClr val="bg1"/>
+        </a:solidFill>
+        <a:effectLst/>
+      </p:bgPr>
+    </p:bg>
     <p:spTree>
       <p:nvGrpSpPr>
         <p:cNvPr id="1" name=""/>
@@ -3322,6 +6347,281 @@
           <a:chExt cx="0" cy="0"/>
         </a:xfrm>
       </p:grpSpPr>
+      <p:sp useBgFill="1">
+        <p:nvSpPr>
+          <p:cNvPr id="16" name="Rectangle 15">
+            <a:extLst>
+              <a:ext uri="{FF2B5EF4-FFF2-40B4-BE49-F238E27FC236}">
+                <a16:creationId xmlns:a16="http://schemas.microsoft.com/office/drawing/2014/main" id="{D5B339F4-93B9-4E04-9721-143AD6782EA9}"/>
+              </a:ext>
+              <a:ext uri="{C183D7F6-B498-43B3-948B-1728B52AA6E4}">
+                <adec:decorative xmlns:adec="http://schemas.microsoft.com/office/drawing/2017/decorative" val="1"/>
+              </a:ext>
+            </a:extLst>
+          </p:cNvPr>
+          <p:cNvSpPr>
+            <a:spLocks noGrp="1" noRot="1" noChangeAspect="1" noMove="1" noResize="1" noEditPoints="1" noAdjustHandles="1" noChangeArrowheads="1" noChangeShapeType="1" noTextEdit="1"/>
+          </p:cNvSpPr>
+          <p:nvPr>
+            <p:extLst>
+              <p:ext uri="{386F3935-93C4-4BCD-93E2-E3B085C9AB24}">
+                <p16:designElem xmlns:p16="http://schemas.microsoft.com/office/powerpoint/2015/main" val="1"/>
+              </p:ext>
+            </p:extLst>
+          </p:nvPr>
+        </p:nvSpPr>
+        <p:spPr>
+          <a:xfrm>
+            <a:off x="0" y="0"/>
+            <a:ext cx="12191999" cy="6857365"/>
+          </a:xfrm>
+          <a:prstGeom prst="rect">
+            <a:avLst/>
+          </a:prstGeom>
+          <a:ln>
+            <a:noFill/>
+          </a:ln>
+        </p:spPr>
+        <p:style>
+          <a:lnRef idx="2">
+            <a:schemeClr val="accent1">
+              <a:shade val="50000"/>
+            </a:schemeClr>
+          </a:lnRef>
+          <a:fillRef idx="1">
+            <a:schemeClr val="accent1"/>
+          </a:fillRef>
+          <a:effectRef idx="0">
+            <a:schemeClr val="accent1"/>
+          </a:effectRef>
+          <a:fontRef idx="minor">
+            <a:schemeClr val="lt1"/>
+          </a:fontRef>
+        </p:style>
+        <p:txBody>
+          <a:bodyPr rtlCol="0" anchor="ctr"/>
+          <a:lstStyle/>
+          <a:p>
+            <a:pPr algn="ctr"/>
+            <a:endParaRPr lang="en-US"/>
+          </a:p>
+        </p:txBody>
+      </p:sp>
+      <p:grpSp>
+        <p:nvGrpSpPr>
+          <p:cNvPr id="17" name="Group 9">
+            <a:extLst>
+              <a:ext uri="{FF2B5EF4-FFF2-40B4-BE49-F238E27FC236}">
+                <a16:creationId xmlns:a16="http://schemas.microsoft.com/office/drawing/2014/main" id="{8734DDD3-F723-4DD3-8ABE-EC0B2AC87D74}"/>
+              </a:ext>
+              <a:ext uri="{C183D7F6-B498-43B3-948B-1728B52AA6E4}">
+                <adec:decorative xmlns:adec="http://schemas.microsoft.com/office/drawing/2017/decorative" val="1"/>
+              </a:ext>
+            </a:extLst>
+          </p:cNvPr>
+          <p:cNvGrpSpPr>
+            <a:grpSpLocks noGrp="1" noUngrp="1" noRot="1" noChangeAspect="1" noMove="1" noResize="1"/>
+          </p:cNvGrpSpPr>
+          <p:nvPr>
+            <p:extLst>
+              <p:ext uri="{386F3935-93C4-4BCD-93E2-E3B085C9AB24}">
+                <p16:designElem xmlns:p16="http://schemas.microsoft.com/office/powerpoint/2015/main" val="1"/>
+              </p:ext>
+            </p:extLst>
+          </p:nvPr>
+        </p:nvGrpSpPr>
+        <p:grpSpPr>
+          <a:xfrm>
+            <a:off x="2522324" y="0"/>
+            <a:ext cx="7147352" cy="5777808"/>
+            <a:chOff x="329184" y="1"/>
+            <a:chExt cx="524256" cy="5777808"/>
+          </a:xfrm>
+        </p:grpSpPr>
+        <p:cxnSp>
+          <p:nvCxnSpPr>
+            <p:cNvPr id="11" name="Straight Connector 10">
+              <a:extLst>
+                <a:ext uri="{FF2B5EF4-FFF2-40B4-BE49-F238E27FC236}">
+                  <a16:creationId xmlns:a16="http://schemas.microsoft.com/office/drawing/2014/main" id="{F7C8EA93-3210-4C62-99E9-153C275E3A87}"/>
+                </a:ext>
+                <a:ext uri="{C183D7F6-B498-43B3-948B-1728B52AA6E4}">
+                  <adec:decorative xmlns:adec="http://schemas.microsoft.com/office/drawing/2017/decorative" val="1"/>
+                </a:ext>
+              </a:extLst>
+            </p:cNvPr>
+            <p:cNvCxnSpPr>
+              <a:cxnSpLocks/>
+            </p:cNvCxnSpPr>
+            <p:nvPr>
+              <p:extLst>
+                <p:ext uri="{386F3935-93C4-4BCD-93E2-E3B085C9AB24}">
+                  <p16:designElem xmlns:p16="http://schemas.microsoft.com/office/powerpoint/2015/main" val="1"/>
+                </p:ext>
+              </p:extLst>
+            </p:nvPr>
+          </p:nvCxnSpPr>
+          <p:spPr>
+            <a:xfrm flipH="1">
+              <a:off x="329184" y="5777809"/>
+              <a:ext cx="523824" cy="0"/>
+            </a:xfrm>
+            <a:prstGeom prst="line">
+              <a:avLst/>
+            </a:prstGeom>
+            <a:ln w="152400">
+              <a:solidFill>
+                <a:schemeClr val="accent4"/>
+              </a:solidFill>
+            </a:ln>
+          </p:spPr>
+          <p:style>
+            <a:lnRef idx="1">
+              <a:schemeClr val="accent1"/>
+            </a:lnRef>
+            <a:fillRef idx="0">
+              <a:schemeClr val="accent1"/>
+            </a:fillRef>
+            <a:effectRef idx="0">
+              <a:schemeClr val="accent1"/>
+            </a:effectRef>
+            <a:fontRef idx="minor">
+              <a:schemeClr val="tx1"/>
+            </a:fontRef>
+          </p:style>
+        </p:cxnSp>
+        <p:sp>
+          <p:nvSpPr>
+            <p:cNvPr id="18" name="Rectangle 17">
+              <a:extLst>
+                <a:ext uri="{FF2B5EF4-FFF2-40B4-BE49-F238E27FC236}">
+                  <a16:creationId xmlns:a16="http://schemas.microsoft.com/office/drawing/2014/main" id="{5EB7D2A2-F448-44D4-938C-DC84CBCB3B1E}"/>
+                </a:ext>
+                <a:ext uri="{C183D7F6-B498-43B3-948B-1728B52AA6E4}">
+                  <adec:decorative xmlns:adec="http://schemas.microsoft.com/office/drawing/2017/decorative" val="1"/>
+                </a:ext>
+              </a:extLst>
+            </p:cNvPr>
+            <p:cNvSpPr/>
+            <p:nvPr>
+              <p:extLst>
+                <p:ext uri="{386F3935-93C4-4BCD-93E2-E3B085C9AB24}">
+                  <p16:designElem xmlns:p16="http://schemas.microsoft.com/office/powerpoint/2015/main" val="1"/>
+                </p:ext>
+              </p:extLst>
+            </p:nvPr>
+          </p:nvSpPr>
+          <p:spPr>
+            <a:xfrm>
+              <a:off x="329184" y="1"/>
+              <a:ext cx="524256" cy="5532119"/>
+            </a:xfrm>
+            <a:prstGeom prst="rect">
+              <a:avLst/>
+            </a:prstGeom>
+            <a:solidFill>
+              <a:schemeClr val="accent4"/>
+            </a:solidFill>
+            <a:ln>
+              <a:noFill/>
+            </a:ln>
+          </p:spPr>
+          <p:style>
+            <a:lnRef idx="2">
+              <a:schemeClr val="accent1">
+                <a:shade val="50000"/>
+              </a:schemeClr>
+            </a:lnRef>
+            <a:fillRef idx="1">
+              <a:schemeClr val="accent1"/>
+            </a:fillRef>
+            <a:effectRef idx="0">
+              <a:schemeClr val="accent1"/>
+            </a:effectRef>
+            <a:fontRef idx="minor">
+              <a:schemeClr val="lt1"/>
+            </a:fontRef>
+          </p:style>
+          <p:txBody>
+            <a:bodyPr rtlCol="0" anchor="ctr"/>
+            <a:lstStyle/>
+            <a:p>
+              <a:pPr algn="ctr"/>
+              <a:endParaRPr lang="en-US" dirty="0"/>
+            </a:p>
+          </p:txBody>
+        </p:sp>
+      </p:grpSp>
+      <p:sp>
+        <p:nvSpPr>
+          <p:cNvPr id="19" name="Rectangle 18">
+            <a:extLst>
+              <a:ext uri="{FF2B5EF4-FFF2-40B4-BE49-F238E27FC236}">
+                <a16:creationId xmlns:a16="http://schemas.microsoft.com/office/drawing/2014/main" id="{871AEA07-1E14-44B4-8E55-64EF049CD66F}"/>
+              </a:ext>
+              <a:ext uri="{C183D7F6-B498-43B3-948B-1728B52AA6E4}">
+                <adec:decorative xmlns:adec="http://schemas.microsoft.com/office/drawing/2017/decorative" val="1"/>
+              </a:ext>
+            </a:extLst>
+          </p:cNvPr>
+          <p:cNvSpPr>
+            <a:spLocks noGrp="1" noRot="1" noChangeAspect="1" noMove="1" noResize="1" noEditPoints="1" noAdjustHandles="1" noChangeArrowheads="1" noChangeShapeType="1" noTextEdit="1"/>
+          </p:cNvSpPr>
+          <p:nvPr>
+            <p:extLst>
+              <p:ext uri="{386F3935-93C4-4BCD-93E2-E3B085C9AB24}">
+                <p16:designElem xmlns:p16="http://schemas.microsoft.com/office/powerpoint/2015/main" val="1"/>
+              </p:ext>
+            </p:extLst>
+          </p:nvPr>
+        </p:nvSpPr>
+        <p:spPr>
+          <a:xfrm>
+            <a:off x="596464" y="551961"/>
+            <a:ext cx="10999072" cy="5325139"/>
+          </a:xfrm>
+          <a:prstGeom prst="rect">
+            <a:avLst/>
+          </a:prstGeom>
+          <a:solidFill>
+            <a:schemeClr val="bg1"/>
+          </a:solidFill>
+          <a:ln>
+            <a:noFill/>
+          </a:ln>
+          <a:effectLst>
+            <a:outerShdw blurRad="139700" dist="127000" dir="5400000" algn="t" rotWithShape="0">
+              <a:prstClr val="black">
+                <a:alpha val="15000"/>
+              </a:prstClr>
+            </a:outerShdw>
+          </a:effectLst>
+        </p:spPr>
+        <p:style>
+          <a:lnRef idx="2">
+            <a:schemeClr val="accent1">
+              <a:shade val="50000"/>
+            </a:schemeClr>
+          </a:lnRef>
+          <a:fillRef idx="1">
+            <a:schemeClr val="accent1"/>
+          </a:fillRef>
+          <a:effectRef idx="0">
+            <a:schemeClr val="accent1"/>
+          </a:effectRef>
+          <a:fontRef idx="minor">
+            <a:schemeClr val="lt1"/>
+          </a:fontRef>
+        </p:style>
+        <p:txBody>
+          <a:bodyPr rtlCol="0" anchor="ctr"/>
+          <a:lstStyle/>
+          <a:p>
+            <a:pPr algn="ctr"/>
+            <a:endParaRPr lang="en-US"/>
+          </a:p>
+        </p:txBody>
+      </p:sp>
       <p:sp>
         <p:nvSpPr>
           <p:cNvPr id="2" name="Titre 1">
@@ -3336,6 +6636,85 @@
           </p:cNvSpPr>
           <p:nvPr>
             <p:ph type="ctrTitle"/>
+          </p:nvPr>
+        </p:nvSpPr>
+        <p:spPr>
+          <a:xfrm>
+            <a:off x="1524000" y="1231961"/>
+            <a:ext cx="9144000" cy="2387600"/>
+          </a:xfrm>
+        </p:spPr>
+        <p:txBody>
+          <a:bodyPr>
+            <a:normAutofit/>
+          </a:bodyPr>
+          <a:lstStyle/>
+          <a:p>
+            <a:r>
+              <a:rPr lang="fr-FR" dirty="0" err="1"/>
+              <a:t>NavConnect</a:t>
+            </a:r>
+            <a:endParaRPr lang="fr-FR" dirty="0"/>
+          </a:p>
+        </p:txBody>
+      </p:sp>
+      <p:sp>
+        <p:nvSpPr>
+          <p:cNvPr id="3" name="Sous-titre 2">
+            <a:extLst>
+              <a:ext uri="{FF2B5EF4-FFF2-40B4-BE49-F238E27FC236}">
+                <a16:creationId xmlns:a16="http://schemas.microsoft.com/office/drawing/2014/main" id="{926E6EBE-58AD-2781-4483-731C5FCBFFF2}"/>
+              </a:ext>
+            </a:extLst>
+          </p:cNvPr>
+          <p:cNvSpPr>
+            <a:spLocks noGrp="1"/>
+          </p:cNvSpPr>
+          <p:nvPr>
+            <p:ph type="subTitle" idx="1"/>
+          </p:nvPr>
+        </p:nvSpPr>
+        <p:spPr>
+          <a:xfrm>
+            <a:off x="1524000" y="3803712"/>
+            <a:ext cx="9144000" cy="1563686"/>
+          </a:xfrm>
+        </p:spPr>
+        <p:txBody>
+          <a:bodyPr>
+            <a:normAutofit/>
+          </a:bodyPr>
+          <a:lstStyle/>
+          <a:p>
+            <a:r>
+              <a:rPr lang="fr-FR" dirty="0"/>
+              <a:t>Réalisé par : PICIURA </a:t>
+            </a:r>
+            <a:r>
+              <a:rPr lang="fr-FR" dirty="0" err="1"/>
+              <a:t>Ander</a:t>
+            </a:r>
+            <a:r>
+              <a:rPr lang="fr-FR" dirty="0"/>
+              <a:t>, PEYRE Arthur, SAMBARREY Adrien et DAVID Thomas</a:t>
+            </a:r>
+          </a:p>
+        </p:txBody>
+      </p:sp>
+      <p:sp>
+        <p:nvSpPr>
+          <p:cNvPr id="4" name="Espace réservé du numéro de diapositive 3">
+            <a:extLst>
+              <a:ext uri="{FF2B5EF4-FFF2-40B4-BE49-F238E27FC236}">
+                <a16:creationId xmlns:a16="http://schemas.microsoft.com/office/drawing/2014/main" id="{4079BBB6-1245-9B3F-0202-B3E34F45EE03}"/>
+              </a:ext>
+            </a:extLst>
+          </p:cNvPr>
+          <p:cNvSpPr>
+            <a:spLocks noGrp="1"/>
+          </p:cNvSpPr>
+          <p:nvPr>
+            <p:ph type="sldNum" sz="quarter" idx="12"/>
           </p:nvPr>
         </p:nvSpPr>
         <p:spPr/>
@@ -3343,28 +6722,28 @@
           <a:bodyPr/>
           <a:lstStyle/>
           <a:p>
-            <a:r>
-              <a:rPr lang="fr-FR" dirty="0" err="1"/>
-              <a:t>NavConnect</a:t>
-            </a:r>
-            <a:endParaRPr lang="fr-FR" dirty="0"/>
-          </a:p>
-        </p:txBody>
-      </p:sp>
-      <p:sp>
-        <p:nvSpPr>
-          <p:cNvPr id="3" name="Sous-titre 2">
-            <a:extLst>
-              <a:ext uri="{FF2B5EF4-FFF2-40B4-BE49-F238E27FC236}">
-                <a16:creationId xmlns:a16="http://schemas.microsoft.com/office/drawing/2014/main" id="{926E6EBE-58AD-2781-4483-731C5FCBFFF2}"/>
-              </a:ext>
-            </a:extLst>
-          </p:cNvPr>
-          <p:cNvSpPr>
-            <a:spLocks noGrp="1"/>
-          </p:cNvSpPr>
-          <p:nvPr>
-            <p:ph type="subTitle" idx="1"/>
+            <a:fld id="{915BF9B4-2D6F-7943-B02D-01F59FFE0C5F}" type="slidenum">
+              <a:rPr lang="fr-FR" smtClean="0"/>
+              <a:t>1</a:t>
+            </a:fld>
+            <a:endParaRPr lang="fr-FR"/>
+          </a:p>
+        </p:txBody>
+      </p:sp>
+      <p:sp>
+        <p:nvSpPr>
+          <p:cNvPr id="5" name="Espace réservé du pied de page 4">
+            <a:extLst>
+              <a:ext uri="{FF2B5EF4-FFF2-40B4-BE49-F238E27FC236}">
+                <a16:creationId xmlns:a16="http://schemas.microsoft.com/office/drawing/2014/main" id="{894C6068-59E6-34B7-6C71-3DF334D14B78}"/>
+              </a:ext>
+            </a:extLst>
+          </p:cNvPr>
+          <p:cNvSpPr>
+            <a:spLocks noGrp="1"/>
+          </p:cNvSpPr>
+          <p:nvPr>
+            <p:ph type="ftr" sz="quarter" idx="11"/>
           </p:nvPr>
         </p:nvSpPr>
         <p:spPr/>
@@ -3372,7 +6751,10 @@
           <a:bodyPr/>
           <a:lstStyle/>
           <a:p>
-            <a:endParaRPr lang="fr-FR"/>
+            <a:r>
+              <a:rPr lang="fr-FR"/>
+              <a:t>Projet Intégrateur L2NEC</a:t>
+            </a:r>
           </a:p>
         </p:txBody>
       </p:sp>
@@ -3435,20 +6817,51 @@
           </a:p>
         </p:txBody>
       </p:sp>
-      <p:sp>
-        <p:nvSpPr>
-          <p:cNvPr id="3" name="Espace réservé du contenu 2">
-            <a:extLst>
-              <a:ext uri="{FF2B5EF4-FFF2-40B4-BE49-F238E27FC236}">
-                <a16:creationId xmlns:a16="http://schemas.microsoft.com/office/drawing/2014/main" id="{6DB4B02F-BD6B-6E5B-6BB7-6CB71527A1A2}"/>
-              </a:ext>
-            </a:extLst>
-          </p:cNvPr>
-          <p:cNvSpPr>
-            <a:spLocks noGrp="1"/>
-          </p:cNvSpPr>
+      <p:graphicFrame>
+        <p:nvGraphicFramePr>
+          <p:cNvPr id="5" name="Espace réservé du contenu 2">
+            <a:extLst>
+              <a:ext uri="{FF2B5EF4-FFF2-40B4-BE49-F238E27FC236}">
+                <a16:creationId xmlns:a16="http://schemas.microsoft.com/office/drawing/2014/main" id="{F95AFFFF-3301-342D-D37E-7930267564B5}"/>
+              </a:ext>
+            </a:extLst>
+          </p:cNvPr>
+          <p:cNvGraphicFramePr>
+            <a:graphicFrameLocks noGrp="1"/>
+          </p:cNvGraphicFramePr>
           <p:nvPr>
             <p:ph idx="1"/>
+            <p:extLst>
+              <p:ext uri="{D42A27DB-BD31-4B8C-83A1-F6EECF244321}">
+                <p14:modId xmlns:p14="http://schemas.microsoft.com/office/powerpoint/2010/main" val="3750247459"/>
+              </p:ext>
+            </p:extLst>
+          </p:nvPr>
+        </p:nvGraphicFramePr>
+        <p:xfrm>
+          <a:off x="838200" y="1825625"/>
+          <a:ext cx="10515600" cy="4351338"/>
+        </p:xfrm>
+        <a:graphic>
+          <a:graphicData uri="http://schemas.openxmlformats.org/drawingml/2006/diagram">
+            <dgm:relIds xmlns:dgm="http://schemas.openxmlformats.org/drawingml/2006/diagram" xmlns:r="http://schemas.openxmlformats.org/officeDocument/2006/relationships" r:dm="rId2" r:lo="rId3" r:qs="rId4" r:cs="rId5"/>
+          </a:graphicData>
+        </a:graphic>
+      </p:graphicFrame>
+      <p:sp>
+        <p:nvSpPr>
+          <p:cNvPr id="4" name="Espace réservé du numéro de diapositive 3">
+            <a:extLst>
+              <a:ext uri="{FF2B5EF4-FFF2-40B4-BE49-F238E27FC236}">
+                <a16:creationId xmlns:a16="http://schemas.microsoft.com/office/drawing/2014/main" id="{F9DB084C-A383-4C37-B8E6-2B634B7FE8B8}"/>
+              </a:ext>
+            </a:extLst>
+          </p:cNvPr>
+          <p:cNvSpPr>
+            <a:spLocks noGrp="1"/>
+          </p:cNvSpPr>
+          <p:nvPr>
+            <p:ph type="sldNum" sz="quarter" idx="12"/>
           </p:nvPr>
         </p:nvSpPr>
         <p:spPr/>
@@ -3456,53 +6869,39 @@
           <a:bodyPr/>
           <a:lstStyle/>
           <a:p>
-            <a:pPr marL="571500" indent="-571500">
-              <a:buFont typeface="+mj-lt"/>
-              <a:buAutoNum type="romanUcPeriod"/>
-            </a:pPr>
-            <a:r>
-              <a:rPr lang="fr-FR" dirty="0"/>
-              <a:t>C’est quoi </a:t>
-            </a:r>
-            <a:r>
-              <a:rPr lang="fr-FR" dirty="0" err="1"/>
-              <a:t>NavConnect</a:t>
-            </a:r>
-            <a:r>
-              <a:rPr lang="fr-FR" dirty="0"/>
-              <a:t> ?</a:t>
-            </a:r>
-          </a:p>
-          <a:p>
-            <a:pPr marL="571500" indent="-571500">
-              <a:buFont typeface="+mj-lt"/>
-              <a:buAutoNum type="romanUcPeriod"/>
-            </a:pPr>
-            <a:r>
-              <a:rPr lang="fr-FR" dirty="0"/>
-              <a:t>Présentation du SWOT</a:t>
-            </a:r>
-          </a:p>
-          <a:p>
-            <a:pPr marL="571500" indent="-571500">
-              <a:buFont typeface="+mj-lt"/>
-              <a:buAutoNum type="romanUcPeriod"/>
-            </a:pPr>
-            <a:r>
-              <a:rPr lang="fr-FR" dirty="0"/>
-              <a:t>Présentation du SMART</a:t>
-            </a:r>
-          </a:p>
-          <a:p>
-            <a:pPr marL="571500" indent="-571500">
-              <a:buFont typeface="+mj-lt"/>
-              <a:buAutoNum type="romanUcPeriod"/>
-            </a:pPr>
+            <a:fld id="{915BF9B4-2D6F-7943-B02D-01F59FFE0C5F}" type="slidenum">
+              <a:rPr lang="fr-FR" smtClean="0"/>
+              <a:t>2</a:t>
+            </a:fld>
+            <a:endParaRPr lang="fr-FR"/>
+          </a:p>
+        </p:txBody>
+      </p:sp>
+      <p:sp>
+        <p:nvSpPr>
+          <p:cNvPr id="6" name="Espace réservé du pied de page 5">
+            <a:extLst>
+              <a:ext uri="{FF2B5EF4-FFF2-40B4-BE49-F238E27FC236}">
+                <a16:creationId xmlns:a16="http://schemas.microsoft.com/office/drawing/2014/main" id="{3F045807-379B-D33A-3C84-F677A9C8FBAF}"/>
+              </a:ext>
+            </a:extLst>
+          </p:cNvPr>
+          <p:cNvSpPr>
+            <a:spLocks noGrp="1"/>
+          </p:cNvSpPr>
+          <p:nvPr>
+            <p:ph type="ftr" sz="quarter" idx="11"/>
+          </p:nvPr>
+        </p:nvSpPr>
+        <p:spPr/>
+        <p:txBody>
+          <a:bodyPr/>
+          <a:lstStyle/>
+          <a:p>
             <a:r>
               <a:rPr lang="fr-FR"/>
-              <a:t>Présentation du QUINTILIEN</a:t>
-            </a:r>
-            <a:endParaRPr lang="fr-FR" dirty="0"/>
+              <a:t>Projet Intégrateur L2NEC</a:t>
+            </a:r>
           </a:p>
         </p:txBody>
       </p:sp>
@@ -3510,6 +6909,1421 @@
     <p:extLst>
       <p:ext uri="{BB962C8B-B14F-4D97-AF65-F5344CB8AC3E}">
         <p14:creationId xmlns:p14="http://schemas.microsoft.com/office/powerpoint/2010/main" val="3630368844"/>
+      </p:ext>
+    </p:extLst>
+  </p:cSld>
+  <p:clrMapOvr>
+    <a:masterClrMapping/>
+  </p:clrMapOvr>
+</p:sld>
+</file>
+
+<file path=ppt/slides/slide3.xml><?xml version="1.0" encoding="utf-8"?>
+<p:sld xmlns:a="http://schemas.openxmlformats.org/drawingml/2006/main" xmlns:r="http://schemas.openxmlformats.org/officeDocument/2006/relationships" xmlns:p="http://schemas.openxmlformats.org/presentationml/2006/main">
+  <p:cSld>
+    <p:bg>
+      <p:bgPr>
+        <a:solidFill>
+          <a:schemeClr val="bg1"/>
+        </a:solidFill>
+        <a:effectLst/>
+      </p:bgPr>
+    </p:bg>
+    <p:spTree>
+      <p:nvGrpSpPr>
+        <p:cNvPr id="1" name=""/>
+        <p:cNvGrpSpPr/>
+        <p:nvPr/>
+      </p:nvGrpSpPr>
+      <p:grpSpPr>
+        <a:xfrm>
+          <a:off x="0" y="0"/>
+          <a:ext cx="0" cy="0"/>
+          <a:chOff x="0" y="0"/>
+          <a:chExt cx="0" cy="0"/>
+        </a:xfrm>
+      </p:grpSpPr>
+      <p:sp useBgFill="1">
+        <p:nvSpPr>
+          <p:cNvPr id="12" name="Rectangle 11">
+            <a:extLst>
+              <a:ext uri="{FF2B5EF4-FFF2-40B4-BE49-F238E27FC236}">
+                <a16:creationId xmlns:a16="http://schemas.microsoft.com/office/drawing/2014/main" id="{327D73B4-9F5C-4A64-A179-51B9500CB8B5}"/>
+              </a:ext>
+              <a:ext uri="{C183D7F6-B498-43B3-948B-1728B52AA6E4}">
+                <adec:decorative xmlns:adec="http://schemas.microsoft.com/office/drawing/2017/decorative" val="1"/>
+              </a:ext>
+            </a:extLst>
+          </p:cNvPr>
+          <p:cNvSpPr>
+            <a:spLocks noGrp="1" noRot="1" noChangeAspect="1" noMove="1" noResize="1" noEditPoints="1" noAdjustHandles="1" noChangeArrowheads="1" noChangeShapeType="1" noTextEdit="1"/>
+          </p:cNvSpPr>
+          <p:nvPr>
+            <p:extLst>
+              <p:ext uri="{386F3935-93C4-4BCD-93E2-E3B085C9AB24}">
+                <p16:designElem xmlns:p16="http://schemas.microsoft.com/office/powerpoint/2015/main" val="1"/>
+              </p:ext>
+            </p:extLst>
+          </p:nvPr>
+        </p:nvSpPr>
+        <p:spPr>
+          <a:xfrm>
+            <a:off x="0" y="0"/>
+            <a:ext cx="12192000" cy="6858000"/>
+          </a:xfrm>
+          <a:prstGeom prst="rect">
+            <a:avLst/>
+          </a:prstGeom>
+          <a:ln>
+            <a:noFill/>
+          </a:ln>
+        </p:spPr>
+        <p:style>
+          <a:lnRef idx="2">
+            <a:schemeClr val="accent1">
+              <a:shade val="50000"/>
+            </a:schemeClr>
+          </a:lnRef>
+          <a:fillRef idx="1">
+            <a:schemeClr val="accent1"/>
+          </a:fillRef>
+          <a:effectRef idx="0">
+            <a:schemeClr val="accent1"/>
+          </a:effectRef>
+          <a:fontRef idx="minor">
+            <a:schemeClr val="lt1"/>
+          </a:fontRef>
+        </p:style>
+        <p:txBody>
+          <a:bodyPr rtlCol="0" anchor="ctr"/>
+          <a:lstStyle/>
+          <a:p>
+            <a:pPr algn="ctr"/>
+            <a:endParaRPr lang="en-US" dirty="0"/>
+          </a:p>
+        </p:txBody>
+      </p:sp>
+      <p:sp>
+        <p:nvSpPr>
+          <p:cNvPr id="2" name="Titre 1">
+            <a:extLst>
+              <a:ext uri="{FF2B5EF4-FFF2-40B4-BE49-F238E27FC236}">
+                <a16:creationId xmlns:a16="http://schemas.microsoft.com/office/drawing/2014/main" id="{1C6DB798-068B-2B08-B5CE-BCB403893D64}"/>
+              </a:ext>
+            </a:extLst>
+          </p:cNvPr>
+          <p:cNvSpPr>
+            <a:spLocks noGrp="1"/>
+          </p:cNvSpPr>
+          <p:nvPr>
+            <p:ph type="title"/>
+          </p:nvPr>
+        </p:nvSpPr>
+        <p:spPr>
+          <a:xfrm>
+            <a:off x="6657715" y="467271"/>
+            <a:ext cx="4195674" cy="2052522"/>
+          </a:xfrm>
+        </p:spPr>
+        <p:txBody>
+          <a:bodyPr vert="horz" lIns="91440" tIns="45720" rIns="91440" bIns="45720" rtlCol="0" anchor="b">
+            <a:normAutofit/>
+          </a:bodyPr>
+          <a:lstStyle/>
+          <a:p>
+            <a:r>
+              <a:rPr lang="en-US" sz="4000" dirty="0"/>
+              <a:t>I.</a:t>
+            </a:r>
+            <a:r>
+              <a:rPr lang="fr-FR" sz="4000" dirty="0"/>
+              <a:t> C’est quoi </a:t>
+            </a:r>
+            <a:r>
+              <a:rPr lang="fr-FR" sz="4000" dirty="0" err="1"/>
+              <a:t>NavConnect</a:t>
+            </a:r>
+            <a:r>
+              <a:rPr lang="fr-FR" sz="4000" dirty="0"/>
+              <a:t> ?</a:t>
+            </a:r>
+            <a:endParaRPr lang="en-US" sz="5600" dirty="0"/>
+          </a:p>
+        </p:txBody>
+      </p:sp>
+      <p:sp>
+        <p:nvSpPr>
+          <p:cNvPr id="14" name="Oval 13">
+            <a:extLst>
+              <a:ext uri="{FF2B5EF4-FFF2-40B4-BE49-F238E27FC236}">
+                <a16:creationId xmlns:a16="http://schemas.microsoft.com/office/drawing/2014/main" id="{C1F06963-6374-4B48-844F-071A9BAAAE02}"/>
+              </a:ext>
+              <a:ext uri="{C183D7F6-B498-43B3-948B-1728B52AA6E4}">
+                <adec:decorative xmlns:adec="http://schemas.microsoft.com/office/drawing/2017/decorative" val="1"/>
+              </a:ext>
+            </a:extLst>
+          </p:cNvPr>
+          <p:cNvSpPr>
+            <a:spLocks noGrp="1" noRot="1" noChangeAspect="1" noMove="1" noResize="1" noEditPoints="1" noAdjustHandles="1" noChangeArrowheads="1" noChangeShapeType="1" noTextEdit="1"/>
+          </p:cNvSpPr>
+          <p:nvPr>
+            <p:extLst>
+              <p:ext uri="{386F3935-93C4-4BCD-93E2-E3B085C9AB24}">
+                <p16:designElem xmlns:p16="http://schemas.microsoft.com/office/powerpoint/2015/main" val="1"/>
+              </p:ext>
+            </p:extLst>
+          </p:nvPr>
+        </p:nvSpPr>
+        <p:spPr>
+          <a:xfrm>
+            <a:off x="322965" y="554152"/>
+            <a:ext cx="5742189" cy="5742189"/>
+          </a:xfrm>
+          <a:prstGeom prst="ellipse">
+            <a:avLst/>
+          </a:prstGeom>
+          <a:gradFill flip="none" rotWithShape="1">
+            <a:gsLst>
+              <a:gs pos="0">
+                <a:schemeClr val="accent1"/>
+              </a:gs>
+              <a:gs pos="100000">
+                <a:schemeClr val="accent2"/>
+              </a:gs>
+            </a:gsLst>
+            <a:lin ang="2700000" scaled="1"/>
+            <a:tileRect/>
+          </a:gradFill>
+          <a:ln>
+            <a:noFill/>
+          </a:ln>
+        </p:spPr>
+        <p:style>
+          <a:lnRef idx="2">
+            <a:schemeClr val="accent1">
+              <a:shade val="50000"/>
+            </a:schemeClr>
+          </a:lnRef>
+          <a:fillRef idx="1">
+            <a:schemeClr val="accent1"/>
+          </a:fillRef>
+          <a:effectRef idx="0">
+            <a:schemeClr val="accent1"/>
+          </a:effectRef>
+          <a:fontRef idx="minor">
+            <a:schemeClr val="lt1"/>
+          </a:fontRef>
+        </p:style>
+        <p:txBody>
+          <a:bodyPr rtlCol="0" anchor="ctr"/>
+          <a:lstStyle/>
+          <a:p>
+            <a:pPr algn="ctr"/>
+            <a:endParaRPr lang="en-US"/>
+          </a:p>
+        </p:txBody>
+      </p:sp>
+      <p:pic>
+        <p:nvPicPr>
+          <p:cNvPr id="7" name="Espace réservé du contenu 6" descr="Une image contenant logo, Graphique, Police, symbole&#10;&#10;Description générée automatiquement">
+            <a:extLst>
+              <a:ext uri="{FF2B5EF4-FFF2-40B4-BE49-F238E27FC236}">
+                <a16:creationId xmlns:a16="http://schemas.microsoft.com/office/drawing/2014/main" id="{F0C69D46-D4A6-9B19-5102-61F1FFE5FF1C}"/>
+              </a:ext>
+            </a:extLst>
+          </p:cNvPr>
+          <p:cNvPicPr>
+            <a:picLocks noGrp="1" noChangeAspect="1"/>
+          </p:cNvPicPr>
+          <p:nvPr>
+            <p:ph sz="half" idx="1"/>
+          </p:nvPr>
+        </p:nvPicPr>
+        <p:blipFill rotWithShape="1">
+          <a:blip r:embed="rId3"/>
+          <a:srcRect r="-3" b="-3"/>
+          <a:stretch/>
+        </p:blipFill>
+        <p:spPr>
+          <a:xfrm>
+            <a:off x="505418" y="554151"/>
+            <a:ext cx="5742189" cy="5742189"/>
+          </a:xfrm>
+          <a:custGeom>
+            <a:avLst/>
+            <a:gdLst/>
+            <a:ahLst/>
+            <a:cxnLst/>
+            <a:rect l="l" t="t" r="r" b="b"/>
+            <a:pathLst>
+              <a:path w="1838528" h="1838528">
+                <a:moveTo>
+                  <a:pt x="919264" y="0"/>
+                </a:moveTo>
+                <a:cubicBezTo>
+                  <a:pt x="1426959" y="0"/>
+                  <a:pt x="1838528" y="411569"/>
+                  <a:pt x="1838528" y="919264"/>
+                </a:cubicBezTo>
+                <a:cubicBezTo>
+                  <a:pt x="1838528" y="1426959"/>
+                  <a:pt x="1426959" y="1838528"/>
+                  <a:pt x="919264" y="1838528"/>
+                </a:cubicBezTo>
+                <a:cubicBezTo>
+                  <a:pt x="411569" y="1838528"/>
+                  <a:pt x="0" y="1426959"/>
+                  <a:pt x="0" y="919264"/>
+                </a:cubicBezTo>
+                <a:cubicBezTo>
+                  <a:pt x="0" y="411569"/>
+                  <a:pt x="411569" y="0"/>
+                  <a:pt x="919264" y="0"/>
+                </a:cubicBezTo>
+                <a:close/>
+              </a:path>
+            </a:pathLst>
+          </a:custGeom>
+        </p:spPr>
+      </p:pic>
+      <p:sp>
+        <p:nvSpPr>
+          <p:cNvPr id="16" name="!!plus graphic">
+            <a:extLst>
+              <a:ext uri="{FF2B5EF4-FFF2-40B4-BE49-F238E27FC236}">
+                <a16:creationId xmlns:a16="http://schemas.microsoft.com/office/drawing/2014/main" id="{6CB927A4-E432-4310-9CD5-E89FF5063179}"/>
+              </a:ext>
+              <a:ext uri="{C183D7F6-B498-43B3-948B-1728B52AA6E4}">
+                <adec:decorative xmlns:adec="http://schemas.microsoft.com/office/drawing/2017/decorative" val="1"/>
+              </a:ext>
+            </a:extLst>
+          </p:cNvPr>
+          <p:cNvSpPr>
+            <a:spLocks noGrp="1" noRot="1" noChangeAspect="1" noMove="1" noResize="1" noEditPoints="1" noAdjustHandles="1" noChangeArrowheads="1" noChangeShapeType="1" noTextEdit="1"/>
+          </p:cNvSpPr>
+          <p:nvPr>
+            <p:extLst>
+              <p:ext uri="{386F3935-93C4-4BCD-93E2-E3B085C9AB24}">
+                <p16:designElem xmlns:p16="http://schemas.microsoft.com/office/powerpoint/2015/main" val="1"/>
+              </p:ext>
+            </p:extLst>
+          </p:nvPr>
+        </p:nvSpPr>
+        <p:spPr>
+          <a:xfrm>
+            <a:off x="1004956" y="703679"/>
+            <a:ext cx="171515" cy="171515"/>
+          </a:xfrm>
+          <a:custGeom>
+            <a:avLst/>
+            <a:gdLst>
+              <a:gd name="connsiteX0" fmla="*/ 159874 w 171515"/>
+              <a:gd name="connsiteY0" fmla="*/ 74116 h 171515"/>
+              <a:gd name="connsiteX1" fmla="*/ 97399 w 171515"/>
+              <a:gd name="connsiteY1" fmla="*/ 74116 h 171515"/>
+              <a:gd name="connsiteX2" fmla="*/ 97399 w 171515"/>
+              <a:gd name="connsiteY2" fmla="*/ 11641 h 171515"/>
+              <a:gd name="connsiteX3" fmla="*/ 85758 w 171515"/>
+              <a:gd name="connsiteY3" fmla="*/ 0 h 171515"/>
+              <a:gd name="connsiteX4" fmla="*/ 74116 w 171515"/>
+              <a:gd name="connsiteY4" fmla="*/ 11641 h 171515"/>
+              <a:gd name="connsiteX5" fmla="*/ 74116 w 171515"/>
+              <a:gd name="connsiteY5" fmla="*/ 74116 h 171515"/>
+              <a:gd name="connsiteX6" fmla="*/ 11641 w 171515"/>
+              <a:gd name="connsiteY6" fmla="*/ 74116 h 171515"/>
+              <a:gd name="connsiteX7" fmla="*/ 0 w 171515"/>
+              <a:gd name="connsiteY7" fmla="*/ 85758 h 171515"/>
+              <a:gd name="connsiteX8" fmla="*/ 11641 w 171515"/>
+              <a:gd name="connsiteY8" fmla="*/ 97399 h 171515"/>
+              <a:gd name="connsiteX9" fmla="*/ 74116 w 171515"/>
+              <a:gd name="connsiteY9" fmla="*/ 97399 h 171515"/>
+              <a:gd name="connsiteX10" fmla="*/ 74116 w 171515"/>
+              <a:gd name="connsiteY10" fmla="*/ 159874 h 171515"/>
+              <a:gd name="connsiteX11" fmla="*/ 85758 w 171515"/>
+              <a:gd name="connsiteY11" fmla="*/ 171515 h 171515"/>
+              <a:gd name="connsiteX12" fmla="*/ 97399 w 171515"/>
+              <a:gd name="connsiteY12" fmla="*/ 159874 h 171515"/>
+              <a:gd name="connsiteX13" fmla="*/ 97399 w 171515"/>
+              <a:gd name="connsiteY13" fmla="*/ 97399 h 171515"/>
+              <a:gd name="connsiteX14" fmla="*/ 159874 w 171515"/>
+              <a:gd name="connsiteY14" fmla="*/ 97399 h 171515"/>
+              <a:gd name="connsiteX15" fmla="*/ 171515 w 171515"/>
+              <a:gd name="connsiteY15" fmla="*/ 85758 h 171515"/>
+              <a:gd name="connsiteX16" fmla="*/ 159874 w 171515"/>
+              <a:gd name="connsiteY16" fmla="*/ 74116 h 171515"/>
+            </a:gdLst>
+            <a:ahLst/>
+            <a:cxnLst>
+              <a:cxn ang="0">
+                <a:pos x="connsiteX0" y="connsiteY0"/>
+              </a:cxn>
+              <a:cxn ang="0">
+                <a:pos x="connsiteX1" y="connsiteY1"/>
+              </a:cxn>
+              <a:cxn ang="0">
+                <a:pos x="connsiteX2" y="connsiteY2"/>
+              </a:cxn>
+              <a:cxn ang="0">
+                <a:pos x="connsiteX3" y="connsiteY3"/>
+              </a:cxn>
+              <a:cxn ang="0">
+                <a:pos x="connsiteX4" y="connsiteY4"/>
+              </a:cxn>
+              <a:cxn ang="0">
+                <a:pos x="connsiteX5" y="connsiteY5"/>
+              </a:cxn>
+              <a:cxn ang="0">
+                <a:pos x="connsiteX6" y="connsiteY6"/>
+              </a:cxn>
+              <a:cxn ang="0">
+                <a:pos x="connsiteX7" y="connsiteY7"/>
+              </a:cxn>
+              <a:cxn ang="0">
+                <a:pos x="connsiteX8" y="connsiteY8"/>
+              </a:cxn>
+              <a:cxn ang="0">
+                <a:pos x="connsiteX9" y="connsiteY9"/>
+              </a:cxn>
+              <a:cxn ang="0">
+                <a:pos x="connsiteX10" y="connsiteY10"/>
+              </a:cxn>
+              <a:cxn ang="0">
+                <a:pos x="connsiteX11" y="connsiteY11"/>
+              </a:cxn>
+              <a:cxn ang="0">
+                <a:pos x="connsiteX12" y="connsiteY12"/>
+              </a:cxn>
+              <a:cxn ang="0">
+                <a:pos x="connsiteX13" y="connsiteY13"/>
+              </a:cxn>
+              <a:cxn ang="0">
+                <a:pos x="connsiteX14" y="connsiteY14"/>
+              </a:cxn>
+              <a:cxn ang="0">
+                <a:pos x="connsiteX15" y="connsiteY15"/>
+              </a:cxn>
+              <a:cxn ang="0">
+                <a:pos x="connsiteX16" y="connsiteY16"/>
+              </a:cxn>
+            </a:cxnLst>
+            <a:rect l="l" t="t" r="r" b="b"/>
+            <a:pathLst>
+              <a:path w="171515" h="171515">
+                <a:moveTo>
+                  <a:pt x="159874" y="74116"/>
+                </a:moveTo>
+                <a:lnTo>
+                  <a:pt x="97399" y="74116"/>
+                </a:lnTo>
+                <a:lnTo>
+                  <a:pt x="97399" y="11641"/>
+                </a:lnTo>
+                <a:cubicBezTo>
+                  <a:pt x="97399" y="5212"/>
+                  <a:pt x="92187" y="0"/>
+                  <a:pt x="85758" y="0"/>
+                </a:cubicBezTo>
+                <a:cubicBezTo>
+                  <a:pt x="79328" y="0"/>
+                  <a:pt x="74116" y="5212"/>
+                  <a:pt x="74116" y="11641"/>
+                </a:cubicBezTo>
+                <a:lnTo>
+                  <a:pt x="74116" y="74116"/>
+                </a:lnTo>
+                <a:lnTo>
+                  <a:pt x="11641" y="74116"/>
+                </a:lnTo>
+                <a:cubicBezTo>
+                  <a:pt x="5212" y="74116"/>
+                  <a:pt x="0" y="79328"/>
+                  <a:pt x="0" y="85758"/>
+                </a:cubicBezTo>
+                <a:cubicBezTo>
+                  <a:pt x="0" y="92187"/>
+                  <a:pt x="5212" y="97399"/>
+                  <a:pt x="11641" y="97399"/>
+                </a:cubicBezTo>
+                <a:lnTo>
+                  <a:pt x="74116" y="97399"/>
+                </a:lnTo>
+                <a:lnTo>
+                  <a:pt x="74116" y="159874"/>
+                </a:lnTo>
+                <a:cubicBezTo>
+                  <a:pt x="74116" y="166303"/>
+                  <a:pt x="79328" y="171515"/>
+                  <a:pt x="85758" y="171515"/>
+                </a:cubicBezTo>
+                <a:cubicBezTo>
+                  <a:pt x="92187" y="171515"/>
+                  <a:pt x="97399" y="166303"/>
+                  <a:pt x="97399" y="159874"/>
+                </a:cubicBezTo>
+                <a:lnTo>
+                  <a:pt x="97399" y="97399"/>
+                </a:lnTo>
+                <a:lnTo>
+                  <a:pt x="159874" y="97399"/>
+                </a:lnTo>
+                <a:cubicBezTo>
+                  <a:pt x="166303" y="97399"/>
+                  <a:pt x="171515" y="92187"/>
+                  <a:pt x="171515" y="85758"/>
+                </a:cubicBezTo>
+                <a:cubicBezTo>
+                  <a:pt x="171515" y="79328"/>
+                  <a:pt x="166303" y="74116"/>
+                  <a:pt x="159874" y="74116"/>
+                </a:cubicBezTo>
+                <a:close/>
+              </a:path>
+            </a:pathLst>
+          </a:custGeom>
+          <a:solidFill>
+            <a:schemeClr val="accent1"/>
+          </a:solidFill>
+          <a:ln w="776" cap="flat">
+            <a:noFill/>
+            <a:prstDash val="solid"/>
+            <a:miter/>
+          </a:ln>
+        </p:spPr>
+        <p:txBody>
+          <a:bodyPr rtlCol="0" anchor="ctr"/>
+          <a:lstStyle/>
+          <a:p>
+            <a:endParaRPr lang="en-US"/>
+          </a:p>
+        </p:txBody>
+      </p:sp>
+      <p:sp>
+        <p:nvSpPr>
+          <p:cNvPr id="18" name="!!circle graphic">
+            <a:extLst>
+              <a:ext uri="{FF2B5EF4-FFF2-40B4-BE49-F238E27FC236}">
+                <a16:creationId xmlns:a16="http://schemas.microsoft.com/office/drawing/2014/main" id="{1453BF6C-B012-48B7-B4E8-6D7AC7C27D02}"/>
+              </a:ext>
+              <a:ext uri="{C183D7F6-B498-43B3-948B-1728B52AA6E4}">
+                <adec:decorative xmlns:adec="http://schemas.microsoft.com/office/drawing/2017/decorative" val="1"/>
+              </a:ext>
+            </a:extLst>
+          </p:cNvPr>
+          <p:cNvSpPr>
+            <a:spLocks noGrp="1" noRot="1" noChangeAspect="1" noMove="1" noResize="1" noEditPoints="1" noAdjustHandles="1" noChangeArrowheads="1" noChangeShapeType="1" noTextEdit="1"/>
+          </p:cNvSpPr>
+          <p:nvPr>
+            <p:extLst>
+              <p:ext uri="{386F3935-93C4-4BCD-93E2-E3B085C9AB24}">
+                <p16:designElem xmlns:p16="http://schemas.microsoft.com/office/powerpoint/2015/main" val="1"/>
+              </p:ext>
+            </p:extLst>
+          </p:nvPr>
+        </p:nvSpPr>
+        <p:spPr>
+          <a:xfrm>
+            <a:off x="422753" y="1562696"/>
+            <a:ext cx="157545" cy="157545"/>
+          </a:xfrm>
+          <a:custGeom>
+            <a:avLst/>
+            <a:gdLst>
+              <a:gd name="connsiteX0" fmla="*/ 78773 w 157545"/>
+              <a:gd name="connsiteY0" fmla="*/ 23283 h 157545"/>
+              <a:gd name="connsiteX1" fmla="*/ 134262 w 157545"/>
+              <a:gd name="connsiteY1" fmla="*/ 78773 h 157545"/>
+              <a:gd name="connsiteX2" fmla="*/ 78773 w 157545"/>
+              <a:gd name="connsiteY2" fmla="*/ 134262 h 157545"/>
+              <a:gd name="connsiteX3" fmla="*/ 23283 w 157545"/>
+              <a:gd name="connsiteY3" fmla="*/ 78773 h 157545"/>
+              <a:gd name="connsiteX4" fmla="*/ 78773 w 157545"/>
+              <a:gd name="connsiteY4" fmla="*/ 23283 h 157545"/>
+              <a:gd name="connsiteX5" fmla="*/ 78773 w 157545"/>
+              <a:gd name="connsiteY5" fmla="*/ 0 h 157545"/>
+              <a:gd name="connsiteX6" fmla="*/ 0 w 157545"/>
+              <a:gd name="connsiteY6" fmla="*/ 78773 h 157545"/>
+              <a:gd name="connsiteX7" fmla="*/ 78773 w 157545"/>
+              <a:gd name="connsiteY7" fmla="*/ 157545 h 157545"/>
+              <a:gd name="connsiteX8" fmla="*/ 157545 w 157545"/>
+              <a:gd name="connsiteY8" fmla="*/ 78773 h 157545"/>
+              <a:gd name="connsiteX9" fmla="*/ 78773 w 157545"/>
+              <a:gd name="connsiteY9" fmla="*/ 0 h 157545"/>
+            </a:gdLst>
+            <a:ahLst/>
+            <a:cxnLst>
+              <a:cxn ang="0">
+                <a:pos x="connsiteX0" y="connsiteY0"/>
+              </a:cxn>
+              <a:cxn ang="0">
+                <a:pos x="connsiteX1" y="connsiteY1"/>
+              </a:cxn>
+              <a:cxn ang="0">
+                <a:pos x="connsiteX2" y="connsiteY2"/>
+              </a:cxn>
+              <a:cxn ang="0">
+                <a:pos x="connsiteX3" y="connsiteY3"/>
+              </a:cxn>
+              <a:cxn ang="0">
+                <a:pos x="connsiteX4" y="connsiteY4"/>
+              </a:cxn>
+              <a:cxn ang="0">
+                <a:pos x="connsiteX5" y="connsiteY5"/>
+              </a:cxn>
+              <a:cxn ang="0">
+                <a:pos x="connsiteX6" y="connsiteY6"/>
+              </a:cxn>
+              <a:cxn ang="0">
+                <a:pos x="connsiteX7" y="connsiteY7"/>
+              </a:cxn>
+              <a:cxn ang="0">
+                <a:pos x="connsiteX8" y="connsiteY8"/>
+              </a:cxn>
+              <a:cxn ang="0">
+                <a:pos x="connsiteX9" y="connsiteY9"/>
+              </a:cxn>
+            </a:cxnLst>
+            <a:rect l="l" t="t" r="r" b="b"/>
+            <a:pathLst>
+              <a:path w="157545" h="157545">
+                <a:moveTo>
+                  <a:pt x="78773" y="23283"/>
+                </a:moveTo>
+                <a:cubicBezTo>
+                  <a:pt x="109419" y="23283"/>
+                  <a:pt x="134262" y="48126"/>
+                  <a:pt x="134262" y="78773"/>
+                </a:cubicBezTo>
+                <a:cubicBezTo>
+                  <a:pt x="134262" y="109419"/>
+                  <a:pt x="109419" y="134262"/>
+                  <a:pt x="78773" y="134262"/>
+                </a:cubicBezTo>
+                <a:cubicBezTo>
+                  <a:pt x="48126" y="134262"/>
+                  <a:pt x="23283" y="109419"/>
+                  <a:pt x="23283" y="78773"/>
+                </a:cubicBezTo>
+                <a:cubicBezTo>
+                  <a:pt x="23312" y="48139"/>
+                  <a:pt x="48139" y="23312"/>
+                  <a:pt x="78773" y="23283"/>
+                </a:cubicBezTo>
+                <a:moveTo>
+                  <a:pt x="78773" y="0"/>
+                </a:moveTo>
+                <a:cubicBezTo>
+                  <a:pt x="35268" y="0"/>
+                  <a:pt x="0" y="35268"/>
+                  <a:pt x="0" y="78773"/>
+                </a:cubicBezTo>
+                <a:cubicBezTo>
+                  <a:pt x="0" y="122277"/>
+                  <a:pt x="35268" y="157545"/>
+                  <a:pt x="78773" y="157545"/>
+                </a:cubicBezTo>
+                <a:cubicBezTo>
+                  <a:pt x="122277" y="157545"/>
+                  <a:pt x="157545" y="122277"/>
+                  <a:pt x="157545" y="78773"/>
+                </a:cubicBezTo>
+                <a:cubicBezTo>
+                  <a:pt x="157545" y="35268"/>
+                  <a:pt x="122277" y="0"/>
+                  <a:pt x="78773" y="0"/>
+                </a:cubicBezTo>
+                <a:close/>
+              </a:path>
+            </a:pathLst>
+          </a:custGeom>
+          <a:solidFill>
+            <a:schemeClr val="accent1"/>
+          </a:solidFill>
+          <a:ln w="751" cap="flat">
+            <a:noFill/>
+            <a:prstDash val="solid"/>
+            <a:miter/>
+          </a:ln>
+        </p:spPr>
+        <p:txBody>
+          <a:bodyPr rtlCol="0" anchor="ctr"/>
+          <a:lstStyle/>
+          <a:p>
+            <a:endParaRPr lang="en-US"/>
+          </a:p>
+        </p:txBody>
+      </p:sp>
+      <p:sp>
+        <p:nvSpPr>
+          <p:cNvPr id="5" name="Espace réservé du contenu 4">
+            <a:extLst>
+              <a:ext uri="{FF2B5EF4-FFF2-40B4-BE49-F238E27FC236}">
+                <a16:creationId xmlns:a16="http://schemas.microsoft.com/office/drawing/2014/main" id="{C7BDA553-55FD-C465-B476-7ECA4A25F273}"/>
+              </a:ext>
+            </a:extLst>
+          </p:cNvPr>
+          <p:cNvSpPr>
+            <a:spLocks noGrp="1"/>
+          </p:cNvSpPr>
+          <p:nvPr>
+            <p:ph sz="half" idx="2"/>
+          </p:nvPr>
+        </p:nvSpPr>
+        <p:spPr>
+          <a:xfrm>
+            <a:off x="6657715" y="2990818"/>
+            <a:ext cx="4195673" cy="2913872"/>
+          </a:xfrm>
+        </p:spPr>
+        <p:txBody>
+          <a:bodyPr vert="horz" lIns="91440" tIns="45720" rIns="91440" bIns="45720" rtlCol="0" anchor="t">
+            <a:normAutofit/>
+          </a:bodyPr>
+          <a:lstStyle/>
+          <a:p>
+            <a:endParaRPr lang="en-US" sz="2000">
+              <a:solidFill>
+                <a:schemeClr val="tx1">
+                  <a:alpha val="80000"/>
+                </a:schemeClr>
+              </a:solidFill>
+            </a:endParaRPr>
+          </a:p>
+        </p:txBody>
+      </p:sp>
+      <p:sp>
+        <p:nvSpPr>
+          <p:cNvPr id="20" name="!!dot graphic">
+            <a:extLst>
+              <a:ext uri="{FF2B5EF4-FFF2-40B4-BE49-F238E27FC236}">
+                <a16:creationId xmlns:a16="http://schemas.microsoft.com/office/drawing/2014/main" id="{E3020543-B24B-4EC4-8FFC-8DD88EEA91A8}"/>
+              </a:ext>
+              <a:ext uri="{C183D7F6-B498-43B3-948B-1728B52AA6E4}">
+                <adec:decorative xmlns:adec="http://schemas.microsoft.com/office/drawing/2017/decorative" val="1"/>
+              </a:ext>
+            </a:extLst>
+          </p:cNvPr>
+          <p:cNvSpPr>
+            <a:spLocks noGrp="1" noRot="1" noChangeAspect="1" noMove="1" noResize="1" noEditPoints="1" noAdjustHandles="1" noChangeArrowheads="1" noChangeShapeType="1" noTextEdit="1"/>
+          </p:cNvSpPr>
+          <p:nvPr>
+            <p:extLst>
+              <p:ext uri="{386F3935-93C4-4BCD-93E2-E3B085C9AB24}">
+                <p16:designElem xmlns:p16="http://schemas.microsoft.com/office/powerpoint/2015/main" val="1"/>
+              </p:ext>
+            </p:extLst>
+          </p:nvPr>
+        </p:nvSpPr>
+        <p:spPr>
+          <a:xfrm>
+            <a:off x="5454149" y="5775082"/>
+            <a:ext cx="112426" cy="112426"/>
+          </a:xfrm>
+          <a:custGeom>
+            <a:avLst/>
+            <a:gdLst>
+              <a:gd name="connsiteX0" fmla="*/ 112426 w 112426"/>
+              <a:gd name="connsiteY0" fmla="*/ 56213 h 112426"/>
+              <a:gd name="connsiteX1" fmla="*/ 56213 w 112426"/>
+              <a:gd name="connsiteY1" fmla="*/ 112426 h 112426"/>
+              <a:gd name="connsiteX2" fmla="*/ 0 w 112426"/>
+              <a:gd name="connsiteY2" fmla="*/ 56213 h 112426"/>
+              <a:gd name="connsiteX3" fmla="*/ 56213 w 112426"/>
+              <a:gd name="connsiteY3" fmla="*/ 0 h 112426"/>
+              <a:gd name="connsiteX4" fmla="*/ 112426 w 112426"/>
+              <a:gd name="connsiteY4" fmla="*/ 56213 h 112426"/>
+            </a:gdLst>
+            <a:ahLst/>
+            <a:cxnLst>
+              <a:cxn ang="0">
+                <a:pos x="connsiteX0" y="connsiteY0"/>
+              </a:cxn>
+              <a:cxn ang="0">
+                <a:pos x="connsiteX1" y="connsiteY1"/>
+              </a:cxn>
+              <a:cxn ang="0">
+                <a:pos x="connsiteX2" y="connsiteY2"/>
+              </a:cxn>
+              <a:cxn ang="0">
+                <a:pos x="connsiteX3" y="connsiteY3"/>
+              </a:cxn>
+              <a:cxn ang="0">
+                <a:pos x="connsiteX4" y="connsiteY4"/>
+              </a:cxn>
+            </a:cxnLst>
+            <a:rect l="l" t="t" r="r" b="b"/>
+            <a:pathLst>
+              <a:path w="112426" h="112426">
+                <a:moveTo>
+                  <a:pt x="112426" y="56213"/>
+                </a:moveTo>
+                <a:cubicBezTo>
+                  <a:pt x="112426" y="87259"/>
+                  <a:pt x="87259" y="112426"/>
+                  <a:pt x="56213" y="112426"/>
+                </a:cubicBezTo>
+                <a:cubicBezTo>
+                  <a:pt x="25167" y="112426"/>
+                  <a:pt x="0" y="87259"/>
+                  <a:pt x="0" y="56213"/>
+                </a:cubicBezTo>
+                <a:cubicBezTo>
+                  <a:pt x="0" y="25167"/>
+                  <a:pt x="25167" y="0"/>
+                  <a:pt x="56213" y="0"/>
+                </a:cubicBezTo>
+                <a:cubicBezTo>
+                  <a:pt x="87259" y="0"/>
+                  <a:pt x="112426" y="25167"/>
+                  <a:pt x="112426" y="56213"/>
+                </a:cubicBezTo>
+                <a:close/>
+              </a:path>
+            </a:pathLst>
+          </a:custGeom>
+          <a:solidFill>
+            <a:schemeClr val="accent1"/>
+          </a:solidFill>
+          <a:ln w="516" cap="flat">
+            <a:noFill/>
+            <a:prstDash val="solid"/>
+            <a:miter/>
+          </a:ln>
+        </p:spPr>
+        <p:txBody>
+          <a:bodyPr rtlCol="0" anchor="ctr"/>
+          <a:lstStyle/>
+          <a:p>
+            <a:endParaRPr lang="en-US"/>
+          </a:p>
+        </p:txBody>
+      </p:sp>
+      <p:cxnSp>
+        <p:nvCxnSpPr>
+          <p:cNvPr id="22" name="!!Straight Connector">
+            <a:extLst>
+              <a:ext uri="{FF2B5EF4-FFF2-40B4-BE49-F238E27FC236}">
+                <a16:creationId xmlns:a16="http://schemas.microsoft.com/office/drawing/2014/main" id="{C49DA8F6-BCC1-4447-B54C-57856834B94B}"/>
+              </a:ext>
+              <a:ext uri="{C183D7F6-B498-43B3-948B-1728B52AA6E4}">
+                <adec:decorative xmlns:adec="http://schemas.microsoft.com/office/drawing/2017/decorative" val="1"/>
+              </a:ext>
+            </a:extLst>
+          </p:cNvPr>
+          <p:cNvCxnSpPr>
+            <a:cxnSpLocks noGrp="1" noRot="1" noChangeAspect="1" noMove="1" noResize="1" noEditPoints="1" noAdjustHandles="1" noChangeArrowheads="1" noChangeShapeType="1"/>
+          </p:cNvCxnSpPr>
+          <p:nvPr>
+            <p:extLst>
+              <p:ext uri="{386F3935-93C4-4BCD-93E2-E3B085C9AB24}">
+                <p16:designElem xmlns:p16="http://schemas.microsoft.com/office/powerpoint/2015/main" val="1"/>
+              </p:ext>
+            </p:extLst>
+          </p:nvPr>
+        </p:nvCxnSpPr>
+        <p:spPr>
+          <a:xfrm>
+            <a:off x="11586162" y="3619272"/>
+            <a:ext cx="0" cy="3238728"/>
+          </a:xfrm>
+          <a:prstGeom prst="line">
+            <a:avLst/>
+          </a:prstGeom>
+          <a:ln w="25400" cap="sq">
+            <a:gradFill flip="none" rotWithShape="1">
+              <a:gsLst>
+                <a:gs pos="0">
+                  <a:schemeClr val="accent1"/>
+                </a:gs>
+                <a:gs pos="100000">
+                  <a:schemeClr val="accent2"/>
+                </a:gs>
+              </a:gsLst>
+              <a:lin ang="16200000" scaled="1"/>
+              <a:tileRect/>
+            </a:gradFill>
+            <a:bevel/>
+          </a:ln>
+        </p:spPr>
+        <p:style>
+          <a:lnRef idx="1">
+            <a:schemeClr val="accent1"/>
+          </a:lnRef>
+          <a:fillRef idx="0">
+            <a:schemeClr val="accent1"/>
+          </a:fillRef>
+          <a:effectRef idx="0">
+            <a:schemeClr val="accent1"/>
+          </a:effectRef>
+          <a:fontRef idx="minor">
+            <a:schemeClr val="tx1"/>
+          </a:fontRef>
+        </p:style>
+      </p:cxnSp>
+      <p:sp>
+        <p:nvSpPr>
+          <p:cNvPr id="9" name="Espace réservé du numéro de diapositive 8">
+            <a:extLst>
+              <a:ext uri="{FF2B5EF4-FFF2-40B4-BE49-F238E27FC236}">
+                <a16:creationId xmlns:a16="http://schemas.microsoft.com/office/drawing/2014/main" id="{2526FE5F-CB05-1436-57E0-D4F8132F45DB}"/>
+              </a:ext>
+            </a:extLst>
+          </p:cNvPr>
+          <p:cNvSpPr>
+            <a:spLocks noGrp="1"/>
+          </p:cNvSpPr>
+          <p:nvPr>
+            <p:ph type="sldNum" sz="quarter" idx="12"/>
+          </p:nvPr>
+        </p:nvSpPr>
+        <p:spPr/>
+        <p:txBody>
+          <a:bodyPr/>
+          <a:lstStyle/>
+          <a:p>
+            <a:fld id="{915BF9B4-2D6F-7943-B02D-01F59FFE0C5F}" type="slidenum">
+              <a:rPr lang="fr-FR" smtClean="0"/>
+              <a:t>3</a:t>
+            </a:fld>
+            <a:endParaRPr lang="fr-FR"/>
+          </a:p>
+        </p:txBody>
+      </p:sp>
+      <p:sp>
+        <p:nvSpPr>
+          <p:cNvPr id="10" name="Espace réservé du pied de page 9">
+            <a:extLst>
+              <a:ext uri="{FF2B5EF4-FFF2-40B4-BE49-F238E27FC236}">
+                <a16:creationId xmlns:a16="http://schemas.microsoft.com/office/drawing/2014/main" id="{64D9F32C-6348-8C02-F055-4F7BE8E4350A}"/>
+              </a:ext>
+            </a:extLst>
+          </p:cNvPr>
+          <p:cNvSpPr>
+            <a:spLocks noGrp="1"/>
+          </p:cNvSpPr>
+          <p:nvPr>
+            <p:ph type="ftr" sz="quarter" idx="11"/>
+          </p:nvPr>
+        </p:nvSpPr>
+        <p:spPr/>
+        <p:txBody>
+          <a:bodyPr/>
+          <a:lstStyle/>
+          <a:p>
+            <a:r>
+              <a:rPr lang="fr-FR"/>
+              <a:t>Projet Intégrateur L2NEC</a:t>
+            </a:r>
+          </a:p>
+        </p:txBody>
+      </p:sp>
+    </p:spTree>
+    <p:extLst>
+      <p:ext uri="{BB962C8B-B14F-4D97-AF65-F5344CB8AC3E}">
+        <p14:creationId xmlns:p14="http://schemas.microsoft.com/office/powerpoint/2010/main" val="525352487"/>
+      </p:ext>
+    </p:extLst>
+  </p:cSld>
+  <p:clrMapOvr>
+    <a:masterClrMapping/>
+  </p:clrMapOvr>
+</p:sld>
+</file>
+
+<file path=ppt/slides/slide4.xml><?xml version="1.0" encoding="utf-8"?>
+<p:sld xmlns:a="http://schemas.openxmlformats.org/drawingml/2006/main" xmlns:r="http://schemas.openxmlformats.org/officeDocument/2006/relationships" xmlns:p="http://schemas.openxmlformats.org/presentationml/2006/main">
+  <p:cSld>
+    <p:spTree>
+      <p:nvGrpSpPr>
+        <p:cNvPr id="1" name=""/>
+        <p:cNvGrpSpPr/>
+        <p:nvPr/>
+      </p:nvGrpSpPr>
+      <p:grpSpPr>
+        <a:xfrm>
+          <a:off x="0" y="0"/>
+          <a:ext cx="0" cy="0"/>
+          <a:chOff x="0" y="0"/>
+          <a:chExt cx="0" cy="0"/>
+        </a:xfrm>
+      </p:grpSpPr>
+      <p:sp>
+        <p:nvSpPr>
+          <p:cNvPr id="2" name="Titre 1">
+            <a:extLst>
+              <a:ext uri="{FF2B5EF4-FFF2-40B4-BE49-F238E27FC236}">
+                <a16:creationId xmlns:a16="http://schemas.microsoft.com/office/drawing/2014/main" id="{810D9C59-70AD-E690-EF96-60E22365136C}"/>
+              </a:ext>
+            </a:extLst>
+          </p:cNvPr>
+          <p:cNvSpPr>
+            <a:spLocks noGrp="1"/>
+          </p:cNvSpPr>
+          <p:nvPr>
+            <p:ph type="title"/>
+          </p:nvPr>
+        </p:nvSpPr>
+        <p:spPr/>
+        <p:txBody>
+          <a:bodyPr>
+            <a:normAutofit/>
+          </a:bodyPr>
+          <a:lstStyle/>
+          <a:p>
+            <a:pPr algn="ctr"/>
+            <a:r>
+              <a:rPr lang="fr-FR" sz="4000" dirty="0"/>
+              <a:t>II. Présentation du SWOT</a:t>
+            </a:r>
+          </a:p>
+        </p:txBody>
+      </p:sp>
+      <p:sp>
+        <p:nvSpPr>
+          <p:cNvPr id="3" name="Espace réservé du contenu 2">
+            <a:extLst>
+              <a:ext uri="{FF2B5EF4-FFF2-40B4-BE49-F238E27FC236}">
+                <a16:creationId xmlns:a16="http://schemas.microsoft.com/office/drawing/2014/main" id="{2551A646-CBF6-7C2F-129A-2D78A954C0F3}"/>
+              </a:ext>
+            </a:extLst>
+          </p:cNvPr>
+          <p:cNvSpPr>
+            <a:spLocks noGrp="1"/>
+          </p:cNvSpPr>
+          <p:nvPr>
+            <p:ph sz="half" idx="1"/>
+          </p:nvPr>
+        </p:nvSpPr>
+        <p:spPr/>
+        <p:txBody>
+          <a:bodyPr/>
+          <a:lstStyle/>
+          <a:p>
+            <a:endParaRPr lang="fr-FR"/>
+          </a:p>
+        </p:txBody>
+      </p:sp>
+      <p:sp>
+        <p:nvSpPr>
+          <p:cNvPr id="4" name="Espace réservé du contenu 3">
+            <a:extLst>
+              <a:ext uri="{FF2B5EF4-FFF2-40B4-BE49-F238E27FC236}">
+                <a16:creationId xmlns:a16="http://schemas.microsoft.com/office/drawing/2014/main" id="{3CC7F8AF-7F4C-8231-8F6F-EBA019F9F50D}"/>
+              </a:ext>
+            </a:extLst>
+          </p:cNvPr>
+          <p:cNvSpPr>
+            <a:spLocks noGrp="1"/>
+          </p:cNvSpPr>
+          <p:nvPr>
+            <p:ph sz="half" idx="2"/>
+          </p:nvPr>
+        </p:nvSpPr>
+        <p:spPr/>
+        <p:txBody>
+          <a:bodyPr/>
+          <a:lstStyle/>
+          <a:p>
+            <a:endParaRPr lang="fr-FR"/>
+          </a:p>
+        </p:txBody>
+      </p:sp>
+      <p:sp>
+        <p:nvSpPr>
+          <p:cNvPr id="5" name="Espace réservé du pied de page 4">
+            <a:extLst>
+              <a:ext uri="{FF2B5EF4-FFF2-40B4-BE49-F238E27FC236}">
+                <a16:creationId xmlns:a16="http://schemas.microsoft.com/office/drawing/2014/main" id="{D00131F4-2543-86FE-AFA5-17D1323C3B9F}"/>
+              </a:ext>
+            </a:extLst>
+          </p:cNvPr>
+          <p:cNvSpPr>
+            <a:spLocks noGrp="1"/>
+          </p:cNvSpPr>
+          <p:nvPr>
+            <p:ph type="ftr" sz="quarter" idx="11"/>
+          </p:nvPr>
+        </p:nvSpPr>
+        <p:spPr/>
+        <p:txBody>
+          <a:bodyPr/>
+          <a:lstStyle/>
+          <a:p>
+            <a:r>
+              <a:rPr lang="fr-FR"/>
+              <a:t>Projet Intégrateur L2NEC</a:t>
+            </a:r>
+          </a:p>
+        </p:txBody>
+      </p:sp>
+      <p:sp>
+        <p:nvSpPr>
+          <p:cNvPr id="6" name="Espace réservé du numéro de diapositive 5">
+            <a:extLst>
+              <a:ext uri="{FF2B5EF4-FFF2-40B4-BE49-F238E27FC236}">
+                <a16:creationId xmlns:a16="http://schemas.microsoft.com/office/drawing/2014/main" id="{07B6C1E1-34DC-4318-F259-B482859DC76B}"/>
+              </a:ext>
+            </a:extLst>
+          </p:cNvPr>
+          <p:cNvSpPr>
+            <a:spLocks noGrp="1"/>
+          </p:cNvSpPr>
+          <p:nvPr>
+            <p:ph type="sldNum" sz="quarter" idx="12"/>
+          </p:nvPr>
+        </p:nvSpPr>
+        <p:spPr/>
+        <p:txBody>
+          <a:bodyPr/>
+          <a:lstStyle/>
+          <a:p>
+            <a:fld id="{915BF9B4-2D6F-7943-B02D-01F59FFE0C5F}" type="slidenum">
+              <a:rPr lang="fr-FR" smtClean="0"/>
+              <a:t>4</a:t>
+            </a:fld>
+            <a:endParaRPr lang="fr-FR"/>
+          </a:p>
+        </p:txBody>
+      </p:sp>
+    </p:spTree>
+    <p:extLst>
+      <p:ext uri="{BB962C8B-B14F-4D97-AF65-F5344CB8AC3E}">
+        <p14:creationId xmlns:p14="http://schemas.microsoft.com/office/powerpoint/2010/main" val="3335535787"/>
+      </p:ext>
+    </p:extLst>
+  </p:cSld>
+  <p:clrMapOvr>
+    <a:masterClrMapping/>
+  </p:clrMapOvr>
+</p:sld>
+</file>
+
+<file path=ppt/slides/slide5.xml><?xml version="1.0" encoding="utf-8"?>
+<p:sld xmlns:a="http://schemas.openxmlformats.org/drawingml/2006/main" xmlns:r="http://schemas.openxmlformats.org/officeDocument/2006/relationships" xmlns:p="http://schemas.openxmlformats.org/presentationml/2006/main">
+  <p:cSld>
+    <p:spTree>
+      <p:nvGrpSpPr>
+        <p:cNvPr id="1" name=""/>
+        <p:cNvGrpSpPr/>
+        <p:nvPr/>
+      </p:nvGrpSpPr>
+      <p:grpSpPr>
+        <a:xfrm>
+          <a:off x="0" y="0"/>
+          <a:ext cx="0" cy="0"/>
+          <a:chOff x="0" y="0"/>
+          <a:chExt cx="0" cy="0"/>
+        </a:xfrm>
+      </p:grpSpPr>
+      <p:sp>
+        <p:nvSpPr>
+          <p:cNvPr id="2" name="Titre 1">
+            <a:extLst>
+              <a:ext uri="{FF2B5EF4-FFF2-40B4-BE49-F238E27FC236}">
+                <a16:creationId xmlns:a16="http://schemas.microsoft.com/office/drawing/2014/main" id="{3798D31B-8A2B-484A-B671-74CEC737514B}"/>
+              </a:ext>
+            </a:extLst>
+          </p:cNvPr>
+          <p:cNvSpPr>
+            <a:spLocks noGrp="1"/>
+          </p:cNvSpPr>
+          <p:nvPr>
+            <p:ph type="title"/>
+          </p:nvPr>
+        </p:nvSpPr>
+        <p:spPr/>
+        <p:txBody>
+          <a:bodyPr>
+            <a:normAutofit/>
+          </a:bodyPr>
+          <a:lstStyle/>
+          <a:p>
+            <a:pPr algn="ctr"/>
+            <a:r>
+              <a:rPr lang="fr-FR" sz="4000" dirty="0"/>
+              <a:t>III. Présentation du SMART</a:t>
+            </a:r>
+          </a:p>
+        </p:txBody>
+      </p:sp>
+      <p:sp>
+        <p:nvSpPr>
+          <p:cNvPr id="3" name="Espace réservé du contenu 2">
+            <a:extLst>
+              <a:ext uri="{FF2B5EF4-FFF2-40B4-BE49-F238E27FC236}">
+                <a16:creationId xmlns:a16="http://schemas.microsoft.com/office/drawing/2014/main" id="{6FCC2CF2-F62F-E695-5F52-C92C05F736B6}"/>
+              </a:ext>
+            </a:extLst>
+          </p:cNvPr>
+          <p:cNvSpPr>
+            <a:spLocks noGrp="1"/>
+          </p:cNvSpPr>
+          <p:nvPr>
+            <p:ph sz="half" idx="1"/>
+          </p:nvPr>
+        </p:nvSpPr>
+        <p:spPr/>
+        <p:txBody>
+          <a:bodyPr/>
+          <a:lstStyle/>
+          <a:p>
+            <a:endParaRPr lang="fr-FR"/>
+          </a:p>
+        </p:txBody>
+      </p:sp>
+      <p:sp>
+        <p:nvSpPr>
+          <p:cNvPr id="4" name="Espace réservé du contenu 3">
+            <a:extLst>
+              <a:ext uri="{FF2B5EF4-FFF2-40B4-BE49-F238E27FC236}">
+                <a16:creationId xmlns:a16="http://schemas.microsoft.com/office/drawing/2014/main" id="{82F96B8B-D3AC-418E-4550-2B022787B8E6}"/>
+              </a:ext>
+            </a:extLst>
+          </p:cNvPr>
+          <p:cNvSpPr>
+            <a:spLocks noGrp="1"/>
+          </p:cNvSpPr>
+          <p:nvPr>
+            <p:ph sz="half" idx="2"/>
+          </p:nvPr>
+        </p:nvSpPr>
+        <p:spPr/>
+        <p:txBody>
+          <a:bodyPr/>
+          <a:lstStyle/>
+          <a:p>
+            <a:endParaRPr lang="fr-FR"/>
+          </a:p>
+        </p:txBody>
+      </p:sp>
+      <p:sp>
+        <p:nvSpPr>
+          <p:cNvPr id="5" name="Espace réservé du pied de page 4">
+            <a:extLst>
+              <a:ext uri="{FF2B5EF4-FFF2-40B4-BE49-F238E27FC236}">
+                <a16:creationId xmlns:a16="http://schemas.microsoft.com/office/drawing/2014/main" id="{B69304DF-C98E-3D7E-99B5-6A84E9113153}"/>
+              </a:ext>
+            </a:extLst>
+          </p:cNvPr>
+          <p:cNvSpPr>
+            <a:spLocks noGrp="1"/>
+          </p:cNvSpPr>
+          <p:nvPr>
+            <p:ph type="ftr" sz="quarter" idx="11"/>
+          </p:nvPr>
+        </p:nvSpPr>
+        <p:spPr/>
+        <p:txBody>
+          <a:bodyPr/>
+          <a:lstStyle/>
+          <a:p>
+            <a:r>
+              <a:rPr lang="fr-FR"/>
+              <a:t>Projet Intégrateur L2NEC</a:t>
+            </a:r>
+          </a:p>
+        </p:txBody>
+      </p:sp>
+      <p:sp>
+        <p:nvSpPr>
+          <p:cNvPr id="6" name="Espace réservé du numéro de diapositive 5">
+            <a:extLst>
+              <a:ext uri="{FF2B5EF4-FFF2-40B4-BE49-F238E27FC236}">
+                <a16:creationId xmlns:a16="http://schemas.microsoft.com/office/drawing/2014/main" id="{50726264-7068-28E1-8571-4089DEE7E2C5}"/>
+              </a:ext>
+            </a:extLst>
+          </p:cNvPr>
+          <p:cNvSpPr>
+            <a:spLocks noGrp="1"/>
+          </p:cNvSpPr>
+          <p:nvPr>
+            <p:ph type="sldNum" sz="quarter" idx="12"/>
+          </p:nvPr>
+        </p:nvSpPr>
+        <p:spPr/>
+        <p:txBody>
+          <a:bodyPr/>
+          <a:lstStyle/>
+          <a:p>
+            <a:fld id="{915BF9B4-2D6F-7943-B02D-01F59FFE0C5F}" type="slidenum">
+              <a:rPr lang="fr-FR" smtClean="0"/>
+              <a:t>5</a:t>
+            </a:fld>
+            <a:endParaRPr lang="fr-FR"/>
+          </a:p>
+        </p:txBody>
+      </p:sp>
+    </p:spTree>
+    <p:extLst>
+      <p:ext uri="{BB962C8B-B14F-4D97-AF65-F5344CB8AC3E}">
+        <p14:creationId xmlns:p14="http://schemas.microsoft.com/office/powerpoint/2010/main" val="607430230"/>
+      </p:ext>
+    </p:extLst>
+  </p:cSld>
+  <p:clrMapOvr>
+    <a:masterClrMapping/>
+  </p:clrMapOvr>
+</p:sld>
+</file>
+
+<file path=ppt/slides/slide6.xml><?xml version="1.0" encoding="utf-8"?>
+<p:sld xmlns:a="http://schemas.openxmlformats.org/drawingml/2006/main" xmlns:r="http://schemas.openxmlformats.org/officeDocument/2006/relationships" xmlns:p="http://schemas.openxmlformats.org/presentationml/2006/main">
+  <p:cSld>
+    <p:spTree>
+      <p:nvGrpSpPr>
+        <p:cNvPr id="1" name=""/>
+        <p:cNvGrpSpPr/>
+        <p:nvPr/>
+      </p:nvGrpSpPr>
+      <p:grpSpPr>
+        <a:xfrm>
+          <a:off x="0" y="0"/>
+          <a:ext cx="0" cy="0"/>
+          <a:chOff x="0" y="0"/>
+          <a:chExt cx="0" cy="0"/>
+        </a:xfrm>
+      </p:grpSpPr>
+      <p:sp>
+        <p:nvSpPr>
+          <p:cNvPr id="2" name="Titre 1">
+            <a:extLst>
+              <a:ext uri="{FF2B5EF4-FFF2-40B4-BE49-F238E27FC236}">
+                <a16:creationId xmlns:a16="http://schemas.microsoft.com/office/drawing/2014/main" id="{2AEF988E-03ED-203D-A2B1-E6D0277BCFED}"/>
+              </a:ext>
+            </a:extLst>
+          </p:cNvPr>
+          <p:cNvSpPr>
+            <a:spLocks noGrp="1"/>
+          </p:cNvSpPr>
+          <p:nvPr>
+            <p:ph type="title"/>
+          </p:nvPr>
+        </p:nvSpPr>
+        <p:spPr/>
+        <p:txBody>
+          <a:bodyPr>
+            <a:normAutofit/>
+          </a:bodyPr>
+          <a:lstStyle/>
+          <a:p>
+            <a:pPr algn="ctr"/>
+            <a:r>
+              <a:rPr lang="fr-FR" sz="4000" dirty="0"/>
+              <a:t>IV. Présentation du QUINTILIEN</a:t>
+            </a:r>
+          </a:p>
+        </p:txBody>
+      </p:sp>
+      <p:sp>
+        <p:nvSpPr>
+          <p:cNvPr id="3" name="Espace réservé du contenu 2">
+            <a:extLst>
+              <a:ext uri="{FF2B5EF4-FFF2-40B4-BE49-F238E27FC236}">
+                <a16:creationId xmlns:a16="http://schemas.microsoft.com/office/drawing/2014/main" id="{5171616F-A5CB-4DA4-F820-BEC7ABAD6D3E}"/>
+              </a:ext>
+            </a:extLst>
+          </p:cNvPr>
+          <p:cNvSpPr>
+            <a:spLocks noGrp="1"/>
+          </p:cNvSpPr>
+          <p:nvPr>
+            <p:ph sz="half" idx="1"/>
+          </p:nvPr>
+        </p:nvSpPr>
+        <p:spPr/>
+        <p:txBody>
+          <a:bodyPr/>
+          <a:lstStyle/>
+          <a:p>
+            <a:endParaRPr lang="fr-FR"/>
+          </a:p>
+        </p:txBody>
+      </p:sp>
+      <p:sp>
+        <p:nvSpPr>
+          <p:cNvPr id="4" name="Espace réservé du contenu 3">
+            <a:extLst>
+              <a:ext uri="{FF2B5EF4-FFF2-40B4-BE49-F238E27FC236}">
+                <a16:creationId xmlns:a16="http://schemas.microsoft.com/office/drawing/2014/main" id="{BEB25578-69DE-BB71-7B13-66ED0E8627B8}"/>
+              </a:ext>
+            </a:extLst>
+          </p:cNvPr>
+          <p:cNvSpPr>
+            <a:spLocks noGrp="1"/>
+          </p:cNvSpPr>
+          <p:nvPr>
+            <p:ph sz="half" idx="2"/>
+          </p:nvPr>
+        </p:nvSpPr>
+        <p:spPr/>
+        <p:txBody>
+          <a:bodyPr/>
+          <a:lstStyle/>
+          <a:p>
+            <a:endParaRPr lang="fr-FR"/>
+          </a:p>
+        </p:txBody>
+      </p:sp>
+      <p:sp>
+        <p:nvSpPr>
+          <p:cNvPr id="5" name="Espace réservé du pied de page 4">
+            <a:extLst>
+              <a:ext uri="{FF2B5EF4-FFF2-40B4-BE49-F238E27FC236}">
+                <a16:creationId xmlns:a16="http://schemas.microsoft.com/office/drawing/2014/main" id="{2D908748-EAFA-6705-763E-67505F094D79}"/>
+              </a:ext>
+            </a:extLst>
+          </p:cNvPr>
+          <p:cNvSpPr>
+            <a:spLocks noGrp="1"/>
+          </p:cNvSpPr>
+          <p:nvPr>
+            <p:ph type="ftr" sz="quarter" idx="11"/>
+          </p:nvPr>
+        </p:nvSpPr>
+        <p:spPr/>
+        <p:txBody>
+          <a:bodyPr/>
+          <a:lstStyle/>
+          <a:p>
+            <a:r>
+              <a:rPr lang="fr-FR"/>
+              <a:t>Projet Intégrateur L2NEC</a:t>
+            </a:r>
+          </a:p>
+        </p:txBody>
+      </p:sp>
+      <p:sp>
+        <p:nvSpPr>
+          <p:cNvPr id="6" name="Espace réservé du numéro de diapositive 5">
+            <a:extLst>
+              <a:ext uri="{FF2B5EF4-FFF2-40B4-BE49-F238E27FC236}">
+                <a16:creationId xmlns:a16="http://schemas.microsoft.com/office/drawing/2014/main" id="{EC2E1A56-6DD0-E48E-D864-2167282DCDC8}"/>
+              </a:ext>
+            </a:extLst>
+          </p:cNvPr>
+          <p:cNvSpPr>
+            <a:spLocks noGrp="1"/>
+          </p:cNvSpPr>
+          <p:nvPr>
+            <p:ph type="sldNum" sz="quarter" idx="12"/>
+          </p:nvPr>
+        </p:nvSpPr>
+        <p:spPr/>
+        <p:txBody>
+          <a:bodyPr/>
+          <a:lstStyle/>
+          <a:p>
+            <a:fld id="{915BF9B4-2D6F-7943-B02D-01F59FFE0C5F}" type="slidenum">
+              <a:rPr lang="fr-FR" smtClean="0"/>
+              <a:t>6</a:t>
+            </a:fld>
+            <a:endParaRPr lang="fr-FR"/>
+          </a:p>
+        </p:txBody>
+      </p:sp>
+    </p:spTree>
+    <p:extLst>
+      <p:ext uri="{BB962C8B-B14F-4D97-AF65-F5344CB8AC3E}">
+        <p14:creationId xmlns:p14="http://schemas.microsoft.com/office/powerpoint/2010/main" val="3893676218"/>
       </p:ext>
     </p:extLst>
   </p:cSld>
@@ -3832,4 +8646,319 @@
     </a:ext>
   </a:extLst>
 </a:theme>
+</file>
+
+<file path=ppt/theme/theme2.xml><?xml version="1.0" encoding="utf-8"?>
+<a:theme xmlns:a="http://schemas.openxmlformats.org/drawingml/2006/main" name="Thème Office">
+  <a:themeElements>
+    <a:clrScheme name="Office">
+      <a:dk1>
+        <a:sysClr val="windowText" lastClr="000000"/>
+      </a:dk1>
+      <a:lt1>
+        <a:sysClr val="window" lastClr="FFFFFF"/>
+      </a:lt1>
+      <a:dk2>
+        <a:srgbClr val="0E2841"/>
+      </a:dk2>
+      <a:lt2>
+        <a:srgbClr val="E8E8E8"/>
+      </a:lt2>
+      <a:accent1>
+        <a:srgbClr val="156082"/>
+      </a:accent1>
+      <a:accent2>
+        <a:srgbClr val="E97132"/>
+      </a:accent2>
+      <a:accent3>
+        <a:srgbClr val="196B24"/>
+      </a:accent3>
+      <a:accent4>
+        <a:srgbClr val="0F9ED5"/>
+      </a:accent4>
+      <a:accent5>
+        <a:srgbClr val="A02B93"/>
+      </a:accent5>
+      <a:accent6>
+        <a:srgbClr val="4EA72E"/>
+      </a:accent6>
+      <a:hlink>
+        <a:srgbClr val="467886"/>
+      </a:hlink>
+      <a:folHlink>
+        <a:srgbClr val="96607D"/>
+      </a:folHlink>
+    </a:clrScheme>
+    <a:fontScheme name="Office">
+      <a:majorFont>
+        <a:latin typeface="Aptos Display" panose="02110004020202020204"/>
+        <a:ea typeface=""/>
+        <a:cs typeface=""/>
+        <a:font script="Jpan" typeface="游ゴシック Light"/>
+        <a:font script="Hang" typeface="맑은 고딕"/>
+        <a:font script="Hans" typeface="等线 Light"/>
+        <a:font script="Hant" typeface="新細明體"/>
+        <a:font script="Arab" typeface="Times New Roman"/>
+        <a:font script="Hebr" typeface="Times New Roman"/>
+        <a:font script="Thai" typeface="Angsana New"/>
+        <a:font script="Ethi" typeface="Nyala"/>
+        <a:font script="Beng" typeface="Vrinda"/>
+        <a:font script="Gujr" typeface="Shruti"/>
+        <a:font script="Khmr" typeface="MoolBoran"/>
+        <a:font script="Knda" typeface="Tunga"/>
+        <a:font script="Guru" typeface="Raavi"/>
+        <a:font script="Cans" typeface="Euphemia"/>
+        <a:font script="Cher" typeface="Plantagenet Cherokee"/>
+        <a:font script="Yiii" typeface="Microsoft Yi Baiti"/>
+        <a:font script="Tibt" typeface="Microsoft Himalaya"/>
+        <a:font script="Thaa" typeface="MV Boli"/>
+        <a:font script="Deva" typeface="Mangal"/>
+        <a:font script="Telu" typeface="Gautami"/>
+        <a:font script="Taml" typeface="Latha"/>
+        <a:font script="Syrc" typeface="Estrangelo Edessa"/>
+        <a:font script="Orya" typeface="Kalinga"/>
+        <a:font script="Mlym" typeface="Kartika"/>
+        <a:font script="Laoo" typeface="DokChampa"/>
+        <a:font script="Sinh" typeface="Iskoola Pota"/>
+        <a:font script="Mong" typeface="Mongolian Baiti"/>
+        <a:font script="Viet" typeface="Times New Roman"/>
+        <a:font script="Uigh" typeface="Microsoft Uighur"/>
+        <a:font script="Geor" typeface="Sylfaen"/>
+        <a:font script="Armn" typeface="Arial"/>
+        <a:font script="Bugi" typeface="Leelawadee UI"/>
+        <a:font script="Bopo" typeface="Microsoft JhengHei"/>
+        <a:font script="Java" typeface="Javanese Text"/>
+        <a:font script="Lisu" typeface="Segoe UI"/>
+        <a:font script="Mymr" typeface="Myanmar Text"/>
+        <a:font script="Nkoo" typeface="Ebrima"/>
+        <a:font script="Olck" typeface="Nirmala UI"/>
+        <a:font script="Osma" typeface="Ebrima"/>
+        <a:font script="Phag" typeface="Phagspa"/>
+        <a:font script="Syrn" typeface="Estrangelo Edessa"/>
+        <a:font script="Syrj" typeface="Estrangelo Edessa"/>
+        <a:font script="Syre" typeface="Estrangelo Edessa"/>
+        <a:font script="Sora" typeface="Nirmala UI"/>
+        <a:font script="Tale" typeface="Microsoft Tai Le"/>
+        <a:font script="Talu" typeface="Microsoft New Tai Lue"/>
+        <a:font script="Tfng" typeface="Ebrima"/>
+      </a:majorFont>
+      <a:minorFont>
+        <a:latin typeface="Aptos" panose="02110004020202020204"/>
+        <a:ea typeface=""/>
+        <a:cs typeface=""/>
+        <a:font script="Jpan" typeface="游ゴシック"/>
+        <a:font script="Hang" typeface="맑은 고딕"/>
+        <a:font script="Hans" typeface="等线"/>
+        <a:font script="Hant" typeface="新細明體"/>
+        <a:font script="Arab" typeface="Arial"/>
+        <a:font script="Hebr" typeface="Arial"/>
+        <a:font script="Thai" typeface="Cordia New"/>
+        <a:font script="Ethi" typeface="Nyala"/>
+        <a:font script="Beng" typeface="Vrinda"/>
+        <a:font script="Gujr" typeface="Shruti"/>
+        <a:font script="Khmr" typeface="DaunPenh"/>
+        <a:font script="Knda" typeface="Tunga"/>
+        <a:font script="Guru" typeface="Raavi"/>
+        <a:font script="Cans" typeface="Euphemia"/>
+        <a:font script="Cher" typeface="Plantagenet Cherokee"/>
+        <a:font script="Yiii" typeface="Microsoft Yi Baiti"/>
+        <a:font script="Tibt" typeface="Microsoft Himalaya"/>
+        <a:font script="Thaa" typeface="MV Boli"/>
+        <a:font script="Deva" typeface="Mangal"/>
+        <a:font script="Telu" typeface="Gautami"/>
+        <a:font script="Taml" typeface="Latha"/>
+        <a:font script="Syrc" typeface="Estrangelo Edessa"/>
+        <a:font script="Orya" typeface="Kalinga"/>
+        <a:font script="Mlym" typeface="Kartika"/>
+        <a:font script="Laoo" typeface="DokChampa"/>
+        <a:font script="Sinh" typeface="Iskoola Pota"/>
+        <a:font script="Mong" typeface="Mongolian Baiti"/>
+        <a:font script="Viet" typeface="Arial"/>
+        <a:font script="Uigh" typeface="Microsoft Uighur"/>
+        <a:font script="Geor" typeface="Sylfaen"/>
+        <a:font script="Armn" typeface="Arial"/>
+        <a:font script="Bugi" typeface="Leelawadee UI"/>
+        <a:font script="Bopo" typeface="Microsoft JhengHei"/>
+        <a:font script="Java" typeface="Javanese Text"/>
+        <a:font script="Lisu" typeface="Segoe UI"/>
+        <a:font script="Mymr" typeface="Myanmar Text"/>
+        <a:font script="Nkoo" typeface="Ebrima"/>
+        <a:font script="Olck" typeface="Nirmala UI"/>
+        <a:font script="Osma" typeface="Ebrima"/>
+        <a:font script="Phag" typeface="Phagspa"/>
+        <a:font script="Syrn" typeface="Estrangelo Edessa"/>
+        <a:font script="Syrj" typeface="Estrangelo Edessa"/>
+        <a:font script="Syre" typeface="Estrangelo Edessa"/>
+        <a:font script="Sora" typeface="Nirmala UI"/>
+        <a:font script="Tale" typeface="Microsoft Tai Le"/>
+        <a:font script="Talu" typeface="Microsoft New Tai Lue"/>
+        <a:font script="Tfng" typeface="Ebrima"/>
+      </a:minorFont>
+    </a:fontScheme>
+    <a:fmtScheme name="Office">
+      <a:fillStyleLst>
+        <a:solidFill>
+          <a:schemeClr val="phClr"/>
+        </a:solidFill>
+        <a:gradFill rotWithShape="1">
+          <a:gsLst>
+            <a:gs pos="0">
+              <a:schemeClr val="phClr">
+                <a:lumMod val="110000"/>
+                <a:satMod val="105000"/>
+                <a:tint val="67000"/>
+              </a:schemeClr>
+            </a:gs>
+            <a:gs pos="50000">
+              <a:schemeClr val="phClr">
+                <a:lumMod val="105000"/>
+                <a:satMod val="103000"/>
+                <a:tint val="73000"/>
+              </a:schemeClr>
+            </a:gs>
+            <a:gs pos="100000">
+              <a:schemeClr val="phClr">
+                <a:lumMod val="105000"/>
+                <a:satMod val="109000"/>
+                <a:tint val="81000"/>
+              </a:schemeClr>
+            </a:gs>
+          </a:gsLst>
+          <a:lin ang="5400000" scaled="0"/>
+        </a:gradFill>
+        <a:gradFill rotWithShape="1">
+          <a:gsLst>
+            <a:gs pos="0">
+              <a:schemeClr val="phClr">
+                <a:satMod val="103000"/>
+                <a:lumMod val="102000"/>
+                <a:tint val="94000"/>
+              </a:schemeClr>
+            </a:gs>
+            <a:gs pos="50000">
+              <a:schemeClr val="phClr">
+                <a:satMod val="110000"/>
+                <a:lumMod val="100000"/>
+                <a:shade val="100000"/>
+              </a:schemeClr>
+            </a:gs>
+            <a:gs pos="100000">
+              <a:schemeClr val="phClr">
+                <a:lumMod val="99000"/>
+                <a:satMod val="120000"/>
+                <a:shade val="78000"/>
+              </a:schemeClr>
+            </a:gs>
+          </a:gsLst>
+          <a:lin ang="5400000" scaled="0"/>
+        </a:gradFill>
+      </a:fillStyleLst>
+      <a:lnStyleLst>
+        <a:ln w="12700" cap="flat" cmpd="sng" algn="ctr">
+          <a:solidFill>
+            <a:schemeClr val="phClr"/>
+          </a:solidFill>
+          <a:prstDash val="solid"/>
+          <a:miter lim="800000"/>
+        </a:ln>
+        <a:ln w="19050" cap="flat" cmpd="sng" algn="ctr">
+          <a:solidFill>
+            <a:schemeClr val="phClr"/>
+          </a:solidFill>
+          <a:prstDash val="solid"/>
+          <a:miter lim="800000"/>
+        </a:ln>
+        <a:ln w="25400" cap="flat" cmpd="sng" algn="ctr">
+          <a:solidFill>
+            <a:schemeClr val="phClr"/>
+          </a:solidFill>
+          <a:prstDash val="solid"/>
+          <a:miter lim="800000"/>
+        </a:ln>
+      </a:lnStyleLst>
+      <a:effectStyleLst>
+        <a:effectStyle>
+          <a:effectLst/>
+        </a:effectStyle>
+        <a:effectStyle>
+          <a:effectLst/>
+        </a:effectStyle>
+        <a:effectStyle>
+          <a:effectLst>
+            <a:outerShdw blurRad="57150" dist="19050" dir="5400000" algn="ctr" rotWithShape="0">
+              <a:srgbClr val="000000">
+                <a:alpha val="63000"/>
+              </a:srgbClr>
+            </a:outerShdw>
+          </a:effectLst>
+        </a:effectStyle>
+      </a:effectStyleLst>
+      <a:bgFillStyleLst>
+        <a:solidFill>
+          <a:schemeClr val="phClr"/>
+        </a:solidFill>
+        <a:solidFill>
+          <a:schemeClr val="phClr">
+            <a:tint val="95000"/>
+            <a:satMod val="170000"/>
+          </a:schemeClr>
+        </a:solidFill>
+        <a:gradFill rotWithShape="1">
+          <a:gsLst>
+            <a:gs pos="0">
+              <a:schemeClr val="phClr">
+                <a:tint val="93000"/>
+                <a:satMod val="150000"/>
+                <a:shade val="98000"/>
+                <a:lumMod val="102000"/>
+              </a:schemeClr>
+            </a:gs>
+            <a:gs pos="50000">
+              <a:schemeClr val="phClr">
+                <a:tint val="98000"/>
+                <a:satMod val="130000"/>
+                <a:shade val="90000"/>
+                <a:lumMod val="103000"/>
+              </a:schemeClr>
+            </a:gs>
+            <a:gs pos="100000">
+              <a:schemeClr val="phClr">
+                <a:shade val="63000"/>
+                <a:satMod val="120000"/>
+              </a:schemeClr>
+            </a:gs>
+          </a:gsLst>
+          <a:lin ang="5400000" scaled="0"/>
+        </a:gradFill>
+      </a:bgFillStyleLst>
+    </a:fmtScheme>
+  </a:themeElements>
+  <a:objectDefaults>
+    <a:lnDef>
+      <a:spPr/>
+      <a:bodyPr/>
+      <a:lstStyle/>
+      <a:style>
+        <a:lnRef idx="2">
+          <a:schemeClr val="accent1"/>
+        </a:lnRef>
+        <a:fillRef idx="0">
+          <a:schemeClr val="accent1"/>
+        </a:fillRef>
+        <a:effectRef idx="1">
+          <a:schemeClr val="accent1"/>
+        </a:effectRef>
+        <a:fontRef idx="minor">
+          <a:schemeClr val="tx1"/>
+        </a:fontRef>
+      </a:style>
+    </a:lnDef>
+  </a:objectDefaults>
+  <a:extraClrSchemeLst/>
+  <a:extLst>
+    <a:ext uri="{05A4C25C-085E-4340-85A3-A5531E510DB2}">
+      <thm15:themeFamily xmlns:thm15="http://schemas.microsoft.com/office/thememl/2012/main" name="Office Theme" id="{2E142A2C-CD16-42D6-873A-C26D2A0506FA}" vid="{1BDDFF52-6CD6-40A5-AB3C-68EB2F1E4D0A}"/>
+    </a:ext>
+  </a:extLst>
+</a:theme>
 </file>
--- a/AVANT-PROJET/PrésentationAvantProjet.pptx
+++ b/AVANT-PROJET/PrésentationAvantProjet.pptx
@@ -5,7 +5,7 @@
     <p:sldMasterId id="2147483648" r:id="rId1"/>
   </p:sldMasterIdLst>
   <p:notesMasterIdLst>
-    <p:notesMasterId r:id="rId8"/>
+    <p:notesMasterId r:id="rId9"/>
   </p:notesMasterIdLst>
   <p:sldIdLst>
     <p:sldId id="256" r:id="rId2"/>
@@ -14,6 +14,7 @@
     <p:sldId id="259" r:id="rId5"/>
     <p:sldId id="260" r:id="rId6"/>
     <p:sldId id="261" r:id="rId7"/>
+    <p:sldId id="262" r:id="rId8"/>
   </p:sldIdLst>
   <p:sldSz cx="12192000" cy="6858000"/>
   <p:notesSz cx="6858000" cy="9144000"/>
@@ -8168,6 +8169,14 @@
 <file path=ppt/slides/slide6.xml><?xml version="1.0" encoding="utf-8"?>
 <p:sld xmlns:a="http://schemas.openxmlformats.org/drawingml/2006/main" xmlns:r="http://schemas.openxmlformats.org/officeDocument/2006/relationships" xmlns:p="http://schemas.openxmlformats.org/presentationml/2006/main">
   <p:cSld>
+    <p:bg>
+      <p:bgPr>
+        <a:solidFill>
+          <a:schemeClr val="bg1"/>
+        </a:solidFill>
+        <a:effectLst/>
+      </p:bgPr>
+    </p:bg>
     <p:spTree>
       <p:nvGrpSpPr>
         <p:cNvPr id="1" name=""/>
@@ -8184,6 +8193,69 @@
       </p:grpSpPr>
       <p:sp>
         <p:nvSpPr>
+          <p:cNvPr id="16" name="Flowchart: Document 15">
+            <a:extLst>
+              <a:ext uri="{FF2B5EF4-FFF2-40B4-BE49-F238E27FC236}">
+                <a16:creationId xmlns:a16="http://schemas.microsoft.com/office/drawing/2014/main" id="{D12DDE76-C203-4047-9998-63900085B5E8}"/>
+              </a:ext>
+              <a:ext uri="{C183D7F6-B498-43B3-948B-1728B52AA6E4}">
+                <adec:decorative xmlns:adec="http://schemas.microsoft.com/office/drawing/2017/decorative" val="1"/>
+              </a:ext>
+            </a:extLst>
+          </p:cNvPr>
+          <p:cNvSpPr>
+            <a:spLocks noGrp="1" noRot="1" noChangeAspect="1" noMove="1" noResize="1" noEditPoints="1" noAdjustHandles="1" noChangeArrowheads="1" noChangeShapeType="1" noTextEdit="1"/>
+          </p:cNvSpPr>
+          <p:nvPr>
+            <p:extLst>
+              <p:ext uri="{386F3935-93C4-4BCD-93E2-E3B085C9AB24}">
+                <p16:designElem xmlns:p16="http://schemas.microsoft.com/office/powerpoint/2015/main" val="1"/>
+              </p:ext>
+            </p:extLst>
+          </p:nvPr>
+        </p:nvSpPr>
+        <p:spPr>
+          <a:xfrm>
+            <a:off x="638175" y="0"/>
+            <a:ext cx="3248025" cy="3400426"/>
+          </a:xfrm>
+          <a:prstGeom prst="flowChartDocument">
+            <a:avLst/>
+          </a:prstGeom>
+          <a:solidFill>
+            <a:schemeClr val="accent1"/>
+          </a:solidFill>
+          <a:ln>
+            <a:noFill/>
+          </a:ln>
+        </p:spPr>
+        <p:style>
+          <a:lnRef idx="2">
+            <a:schemeClr val="accent1">
+              <a:shade val="50000"/>
+            </a:schemeClr>
+          </a:lnRef>
+          <a:fillRef idx="1">
+            <a:schemeClr val="accent1"/>
+          </a:fillRef>
+          <a:effectRef idx="0">
+            <a:schemeClr val="accent1"/>
+          </a:effectRef>
+          <a:fontRef idx="minor">
+            <a:schemeClr val="lt1"/>
+          </a:fontRef>
+        </p:style>
+        <p:txBody>
+          <a:bodyPr rtlCol="0" anchor="ctr"/>
+          <a:lstStyle/>
+          <a:p>
+            <a:pPr algn="ctr"/>
+            <a:endParaRPr lang="en-US"/>
+          </a:p>
+        </p:txBody>
+      </p:sp>
+      <p:sp>
+        <p:nvSpPr>
           <p:cNvPr id="2" name="Titre 1">
             <a:extLst>
               <a:ext uri="{FF2B5EF4-FFF2-40B4-BE49-F238E27FC236}">
@@ -8198,125 +8270,170 @@
             <p:ph type="title"/>
           </p:nvPr>
         </p:nvSpPr>
-        <p:spPr/>
-        <p:txBody>
-          <a:bodyPr>
+        <p:spPr>
+          <a:xfrm>
+            <a:off x="838200" y="171162"/>
+            <a:ext cx="2840182" cy="2371148"/>
+          </a:xfrm>
+        </p:spPr>
+        <p:txBody>
+          <a:bodyPr vert="horz" lIns="91440" tIns="45720" rIns="91440" bIns="45720" rtlCol="0" anchor="ctr">
             <a:normAutofit/>
           </a:bodyPr>
           <a:lstStyle/>
           <a:p>
-            <a:pPr algn="ctr"/>
-            <a:r>
-              <a:rPr lang="fr-FR" sz="4000" dirty="0"/>
+            <a:r>
+              <a:rPr lang="en-US" sz="3200" kern="1200">
+                <a:solidFill>
+                  <a:srgbClr val="FFFFFF"/>
+                </a:solidFill>
+                <a:latin typeface="+mj-lt"/>
+                <a:ea typeface="+mj-ea"/>
+                <a:cs typeface="+mj-cs"/>
+              </a:rPr>
               <a:t>IV. Présentation du QUINTILIEN</a:t>
             </a:r>
           </a:p>
         </p:txBody>
       </p:sp>
-      <p:sp>
-        <p:nvSpPr>
-          <p:cNvPr id="3" name="Espace réservé du contenu 2">
-            <a:extLst>
-              <a:ext uri="{FF2B5EF4-FFF2-40B4-BE49-F238E27FC236}">
-                <a16:creationId xmlns:a16="http://schemas.microsoft.com/office/drawing/2014/main" id="{5171616F-A5CB-4DA4-F820-BEC7ABAD6D3E}"/>
-              </a:ext>
-            </a:extLst>
-          </p:cNvPr>
-          <p:cNvSpPr>
-            <a:spLocks noGrp="1"/>
-          </p:cNvSpPr>
-          <p:nvPr>
-            <p:ph sz="half" idx="1"/>
-          </p:nvPr>
-        </p:nvSpPr>
-        <p:spPr/>
-        <p:txBody>
-          <a:bodyPr/>
+      <p:pic>
+        <p:nvPicPr>
+          <p:cNvPr id="11" name="Espace réservé du contenu 10" descr="Une image contenant texte, cercle, Police, capture d’écran&#10;&#10;Description générée automatiquement">
+            <a:extLst>
+              <a:ext uri="{FF2B5EF4-FFF2-40B4-BE49-F238E27FC236}">
+                <a16:creationId xmlns:a16="http://schemas.microsoft.com/office/drawing/2014/main" id="{602121B6-C221-9E27-EB1D-7ED7C4988872}"/>
+              </a:ext>
+            </a:extLst>
+          </p:cNvPr>
+          <p:cNvPicPr>
+            <a:picLocks noGrp="1" noChangeAspect="1"/>
+          </p:cNvPicPr>
+          <p:nvPr>
+            <p:ph idx="1"/>
+          </p:nvPr>
+        </p:nvPicPr>
+        <p:blipFill>
+          <a:blip r:embed="rId2"/>
+          <a:stretch>
+            <a:fillRect/>
+          </a:stretch>
+        </p:blipFill>
+        <p:spPr>
+          <a:xfrm>
+            <a:off x="4615225" y="318382"/>
+            <a:ext cx="6738575" cy="6037968"/>
+          </a:xfrm>
+          <a:prstGeom prst="rect">
+            <a:avLst/>
+          </a:prstGeom>
+        </p:spPr>
+      </p:pic>
+      <p:sp>
+        <p:nvSpPr>
+          <p:cNvPr id="5" name="Espace réservé du pied de page 4">
+            <a:extLst>
+              <a:ext uri="{FF2B5EF4-FFF2-40B4-BE49-F238E27FC236}">
+                <a16:creationId xmlns:a16="http://schemas.microsoft.com/office/drawing/2014/main" id="{2D908748-EAFA-6705-763E-67505F094D79}"/>
+              </a:ext>
+            </a:extLst>
+          </p:cNvPr>
+          <p:cNvSpPr>
+            <a:spLocks noGrp="1"/>
+          </p:cNvSpPr>
+          <p:nvPr>
+            <p:ph type="ftr" sz="quarter" idx="11"/>
+          </p:nvPr>
+        </p:nvSpPr>
+        <p:spPr>
+          <a:xfrm>
+            <a:off x="838200" y="6356350"/>
+            <a:ext cx="5960951" cy="365125"/>
+          </a:xfrm>
+          <a:noFill/>
+        </p:spPr>
+        <p:txBody>
+          <a:bodyPr vert="horz" lIns="91440" tIns="45720" rIns="91440" bIns="45720" rtlCol="0" anchor="ctr">
+            <a:normAutofit/>
+          </a:bodyPr>
           <a:lstStyle/>
           <a:p>
-            <a:endParaRPr lang="fr-FR"/>
-          </a:p>
-        </p:txBody>
-      </p:sp>
-      <p:sp>
-        <p:nvSpPr>
-          <p:cNvPr id="4" name="Espace réservé du contenu 3">
-            <a:extLst>
-              <a:ext uri="{FF2B5EF4-FFF2-40B4-BE49-F238E27FC236}">
-                <a16:creationId xmlns:a16="http://schemas.microsoft.com/office/drawing/2014/main" id="{BEB25578-69DE-BB71-7B13-66ED0E8627B8}"/>
-              </a:ext>
-            </a:extLst>
-          </p:cNvPr>
-          <p:cNvSpPr>
-            <a:spLocks noGrp="1"/>
-          </p:cNvSpPr>
-          <p:nvPr>
-            <p:ph sz="half" idx="2"/>
-          </p:nvPr>
-        </p:nvSpPr>
-        <p:spPr/>
-        <p:txBody>
-          <a:bodyPr/>
+            <a:pPr algn="l">
+              <a:spcAft>
+                <a:spcPts val="600"/>
+              </a:spcAft>
+            </a:pPr>
+            <a:r>
+              <a:rPr lang="en-US" kern="1200">
+                <a:solidFill>
+                  <a:schemeClr val="tx1">
+                    <a:tint val="75000"/>
+                  </a:schemeClr>
+                </a:solidFill>
+                <a:latin typeface="+mn-lt"/>
+                <a:ea typeface="+mn-ea"/>
+                <a:cs typeface="+mn-cs"/>
+              </a:rPr>
+              <a:t>Projet Intégrateur L2NEC</a:t>
+            </a:r>
+          </a:p>
+        </p:txBody>
+      </p:sp>
+      <p:sp>
+        <p:nvSpPr>
+          <p:cNvPr id="6" name="Espace réservé du numéro de diapositive 5">
+            <a:extLst>
+              <a:ext uri="{FF2B5EF4-FFF2-40B4-BE49-F238E27FC236}">
+                <a16:creationId xmlns:a16="http://schemas.microsoft.com/office/drawing/2014/main" id="{EC2E1A56-6DD0-E48E-D864-2167282DCDC8}"/>
+              </a:ext>
+            </a:extLst>
+          </p:cNvPr>
+          <p:cNvSpPr>
+            <a:spLocks noGrp="1"/>
+          </p:cNvSpPr>
+          <p:nvPr>
+            <p:ph type="sldNum" sz="quarter" idx="12"/>
+          </p:nvPr>
+        </p:nvSpPr>
+        <p:spPr>
+          <a:xfrm>
+            <a:off x="10926476" y="6356350"/>
+            <a:ext cx="625443" cy="365125"/>
+          </a:xfrm>
+          <a:noFill/>
+        </p:spPr>
+        <p:txBody>
+          <a:bodyPr vert="horz" lIns="91440" tIns="45720" rIns="91440" bIns="45720" rtlCol="0" anchor="ctr">
+            <a:normAutofit/>
+          </a:bodyPr>
           <a:lstStyle/>
           <a:p>
-            <a:endParaRPr lang="fr-FR"/>
-          </a:p>
-        </p:txBody>
-      </p:sp>
-      <p:sp>
-        <p:nvSpPr>
-          <p:cNvPr id="5" name="Espace réservé du pied de page 4">
-            <a:extLst>
-              <a:ext uri="{FF2B5EF4-FFF2-40B4-BE49-F238E27FC236}">
-                <a16:creationId xmlns:a16="http://schemas.microsoft.com/office/drawing/2014/main" id="{2D908748-EAFA-6705-763E-67505F094D79}"/>
-              </a:ext>
-            </a:extLst>
-          </p:cNvPr>
-          <p:cNvSpPr>
-            <a:spLocks noGrp="1"/>
-          </p:cNvSpPr>
-          <p:nvPr>
-            <p:ph type="ftr" sz="quarter" idx="11"/>
-          </p:nvPr>
-        </p:nvSpPr>
-        <p:spPr/>
-        <p:txBody>
-          <a:bodyPr/>
-          <a:lstStyle/>
-          <a:p>
-            <a:r>
-              <a:rPr lang="fr-FR"/>
-              <a:t>Projet Intégrateur L2NEC</a:t>
-            </a:r>
-          </a:p>
-        </p:txBody>
-      </p:sp>
-      <p:sp>
-        <p:nvSpPr>
-          <p:cNvPr id="6" name="Espace réservé du numéro de diapositive 5">
-            <a:extLst>
-              <a:ext uri="{FF2B5EF4-FFF2-40B4-BE49-F238E27FC236}">
-                <a16:creationId xmlns:a16="http://schemas.microsoft.com/office/drawing/2014/main" id="{EC2E1A56-6DD0-E48E-D864-2167282DCDC8}"/>
-              </a:ext>
-            </a:extLst>
-          </p:cNvPr>
-          <p:cNvSpPr>
-            <a:spLocks noGrp="1"/>
-          </p:cNvSpPr>
-          <p:nvPr>
-            <p:ph type="sldNum" sz="quarter" idx="12"/>
-          </p:nvPr>
-        </p:nvSpPr>
-        <p:spPr/>
-        <p:txBody>
-          <a:bodyPr/>
-          <a:lstStyle/>
-          <a:p>
+            <a:pPr algn="l">
+              <a:spcAft>
+                <a:spcPts val="600"/>
+              </a:spcAft>
+            </a:pPr>
             <a:fld id="{915BF9B4-2D6F-7943-B02D-01F59FFE0C5F}" type="slidenum">
-              <a:rPr lang="fr-FR" smtClean="0"/>
+              <a:rPr lang="en-US" smtClean="0">
+                <a:solidFill>
+                  <a:schemeClr val="tx1">
+                    <a:tint val="75000"/>
+                  </a:schemeClr>
+                </a:solidFill>
+              </a:rPr>
+              <a:pPr algn="l">
+                <a:spcAft>
+                  <a:spcPts val="600"/>
+                </a:spcAft>
+              </a:pPr>
               <a:t>6</a:t>
             </a:fld>
-            <a:endParaRPr lang="fr-FR"/>
+            <a:endParaRPr lang="en-US">
+              <a:solidFill>
+                <a:schemeClr val="tx1">
+                  <a:tint val="75000"/>
+                </a:schemeClr>
+              </a:solidFill>
+            </a:endParaRPr>
           </a:p>
         </p:txBody>
       </p:sp>
@@ -8324,6 +8441,417 @@
     <p:extLst>
       <p:ext uri="{BB962C8B-B14F-4D97-AF65-F5344CB8AC3E}">
         <p14:creationId xmlns:p14="http://schemas.microsoft.com/office/powerpoint/2010/main" val="3893676218"/>
+      </p:ext>
+    </p:extLst>
+  </p:cSld>
+  <p:clrMapOvr>
+    <a:masterClrMapping/>
+  </p:clrMapOvr>
+</p:sld>
+</file>
+
+<file path=ppt/slides/slide7.xml><?xml version="1.0" encoding="utf-8"?>
+<p:sld xmlns:a="http://schemas.openxmlformats.org/drawingml/2006/main" xmlns:r="http://schemas.openxmlformats.org/officeDocument/2006/relationships" xmlns:p="http://schemas.openxmlformats.org/presentationml/2006/main">
+  <p:cSld>
+    <p:bg>
+      <p:bgPr>
+        <a:solidFill>
+          <a:schemeClr val="bg1"/>
+        </a:solidFill>
+        <a:effectLst/>
+      </p:bgPr>
+    </p:bg>
+    <p:spTree>
+      <p:nvGrpSpPr>
+        <p:cNvPr id="1" name=""/>
+        <p:cNvGrpSpPr/>
+        <p:nvPr/>
+      </p:nvGrpSpPr>
+      <p:grpSpPr>
+        <a:xfrm>
+          <a:off x="0" y="0"/>
+          <a:ext cx="0" cy="0"/>
+          <a:chOff x="0" y="0"/>
+          <a:chExt cx="0" cy="0"/>
+        </a:xfrm>
+      </p:grpSpPr>
+      <p:sp useBgFill="1">
+        <p:nvSpPr>
+          <p:cNvPr id="21" name="Rectangle 20">
+            <a:extLst>
+              <a:ext uri="{FF2B5EF4-FFF2-40B4-BE49-F238E27FC236}">
+                <a16:creationId xmlns:a16="http://schemas.microsoft.com/office/drawing/2014/main" id="{BAD76F3E-3A97-486B-B402-44400A8B9173}"/>
+              </a:ext>
+              <a:ext uri="{C183D7F6-B498-43B3-948B-1728B52AA6E4}">
+                <adec:decorative xmlns:adec="http://schemas.microsoft.com/office/drawing/2017/decorative" val="1"/>
+              </a:ext>
+            </a:extLst>
+          </p:cNvPr>
+          <p:cNvSpPr>
+            <a:spLocks noGrp="1" noRot="1" noChangeAspect="1" noMove="1" noResize="1" noEditPoints="1" noAdjustHandles="1" noChangeArrowheads="1" noChangeShapeType="1" noTextEdit="1"/>
+          </p:cNvSpPr>
+          <p:nvPr>
+            <p:extLst>
+              <p:ext uri="{386F3935-93C4-4BCD-93E2-E3B085C9AB24}">
+                <p16:designElem xmlns:p16="http://schemas.microsoft.com/office/powerpoint/2015/main" val="1"/>
+              </p:ext>
+            </p:extLst>
+          </p:nvPr>
+        </p:nvSpPr>
+        <p:spPr>
+          <a:xfrm>
+            <a:off x="0" y="0"/>
+            <a:ext cx="12192000" cy="6858000"/>
+          </a:xfrm>
+          <a:prstGeom prst="rect">
+            <a:avLst/>
+          </a:prstGeom>
+          <a:ln>
+            <a:noFill/>
+          </a:ln>
+        </p:spPr>
+        <p:style>
+          <a:lnRef idx="2">
+            <a:schemeClr val="accent1">
+              <a:shade val="50000"/>
+            </a:schemeClr>
+          </a:lnRef>
+          <a:fillRef idx="1">
+            <a:schemeClr val="accent1"/>
+          </a:fillRef>
+          <a:effectRef idx="0">
+            <a:schemeClr val="accent1"/>
+          </a:effectRef>
+          <a:fontRef idx="minor">
+            <a:schemeClr val="lt1"/>
+          </a:fontRef>
+        </p:style>
+        <p:txBody>
+          <a:bodyPr rtlCol="0" anchor="ctr"/>
+          <a:lstStyle/>
+          <a:p>
+            <a:pPr algn="ctr"/>
+            <a:endParaRPr lang="en-US"/>
+          </a:p>
+        </p:txBody>
+      </p:sp>
+      <p:sp>
+        <p:nvSpPr>
+          <p:cNvPr id="7" name="Titre 6">
+            <a:extLst>
+              <a:ext uri="{FF2B5EF4-FFF2-40B4-BE49-F238E27FC236}">
+                <a16:creationId xmlns:a16="http://schemas.microsoft.com/office/drawing/2014/main" id="{D65D80E0-8FA2-B725-C6F2-2E15B6BBC8F7}"/>
+              </a:ext>
+            </a:extLst>
+          </p:cNvPr>
+          <p:cNvSpPr>
+            <a:spLocks noGrp="1"/>
+          </p:cNvSpPr>
+          <p:nvPr>
+            <p:ph type="title"/>
+          </p:nvPr>
+        </p:nvSpPr>
+        <p:spPr>
+          <a:xfrm>
+            <a:off x="838199" y="1093788"/>
+            <a:ext cx="10506455" cy="2967208"/>
+          </a:xfrm>
+        </p:spPr>
+        <p:txBody>
+          <a:bodyPr vert="horz" lIns="91440" tIns="45720" rIns="91440" bIns="45720" rtlCol="0" anchor="b">
+            <a:normAutofit/>
+          </a:bodyPr>
+          <a:lstStyle/>
+          <a:p>
+            <a:r>
+              <a:rPr lang="en-US" sz="8000" kern="1200">
+                <a:solidFill>
+                  <a:schemeClr val="tx1"/>
+                </a:solidFill>
+                <a:latin typeface="+mj-lt"/>
+                <a:ea typeface="+mj-ea"/>
+                <a:cs typeface="+mj-cs"/>
+              </a:rPr>
+              <a:t>Merci pour votre écoute</a:t>
+            </a:r>
+          </a:p>
+        </p:txBody>
+      </p:sp>
+      <p:sp>
+        <p:nvSpPr>
+          <p:cNvPr id="22" name="Rectangle 21">
+            <a:extLst>
+              <a:ext uri="{FF2B5EF4-FFF2-40B4-BE49-F238E27FC236}">
+                <a16:creationId xmlns:a16="http://schemas.microsoft.com/office/drawing/2014/main" id="{391F6B52-91F4-4AEB-B6DB-29FEBCF28C8B}"/>
+              </a:ext>
+              <a:ext uri="{C183D7F6-B498-43B3-948B-1728B52AA6E4}">
+                <adec:decorative xmlns:adec="http://schemas.microsoft.com/office/drawing/2017/decorative" val="1"/>
+              </a:ext>
+            </a:extLst>
+          </p:cNvPr>
+          <p:cNvSpPr>
+            <a:spLocks noGrp="1" noRot="1" noChangeAspect="1" noMove="1" noResize="1" noEditPoints="1" noAdjustHandles="1" noChangeArrowheads="1" noChangeShapeType="1" noTextEdit="1"/>
+          </p:cNvSpPr>
+          <p:nvPr>
+            <p:extLst>
+              <p:ext uri="{386F3935-93C4-4BCD-93E2-E3B085C9AB24}">
+                <p16:designElem xmlns:p16="http://schemas.microsoft.com/office/powerpoint/2015/main" val="1"/>
+              </p:ext>
+            </p:extLst>
+          </p:nvPr>
+        </p:nvSpPr>
+        <p:spPr>
+          <a:xfrm>
+            <a:off x="841248" y="4331166"/>
+            <a:ext cx="10506456" cy="18288"/>
+          </a:xfrm>
+          <a:prstGeom prst="rect">
+            <a:avLst/>
+          </a:prstGeom>
+          <a:solidFill>
+            <a:srgbClr val="D5D5D5"/>
+          </a:solidFill>
+          <a:ln w="3175">
+            <a:noFill/>
+          </a:ln>
+          <a:effectLst/>
+        </p:spPr>
+        <p:style>
+          <a:lnRef idx="2">
+            <a:schemeClr val="accent1">
+              <a:shade val="50000"/>
+            </a:schemeClr>
+          </a:lnRef>
+          <a:fillRef idx="1">
+            <a:schemeClr val="accent1"/>
+          </a:fillRef>
+          <a:effectRef idx="0">
+            <a:schemeClr val="accent1"/>
+          </a:effectRef>
+          <a:fontRef idx="minor">
+            <a:schemeClr val="lt1"/>
+          </a:fontRef>
+        </p:style>
+        <p:txBody>
+          <a:bodyPr rtlCol="0" anchor="ctr"/>
+          <a:lstStyle/>
+          <a:p>
+            <a:pPr algn="ctr"/>
+            <a:endParaRPr lang="en-US">
+              <a:solidFill>
+                <a:prstClr val="white"/>
+              </a:solidFill>
+              <a:latin typeface="Calibri" panose="020F0502020204030204"/>
+            </a:endParaRPr>
+          </a:p>
+        </p:txBody>
+      </p:sp>
+      <p:sp>
+        <p:nvSpPr>
+          <p:cNvPr id="23" name="Rectangle 22">
+            <a:extLst>
+              <a:ext uri="{FF2B5EF4-FFF2-40B4-BE49-F238E27FC236}">
+                <a16:creationId xmlns:a16="http://schemas.microsoft.com/office/drawing/2014/main" id="{2CD6F061-7C53-44F4-9794-953DB70A451B}"/>
+              </a:ext>
+              <a:ext uri="{C183D7F6-B498-43B3-948B-1728B52AA6E4}">
+                <adec:decorative xmlns:adec="http://schemas.microsoft.com/office/drawing/2017/decorative" val="1"/>
+              </a:ext>
+            </a:extLst>
+          </p:cNvPr>
+          <p:cNvSpPr>
+            <a:spLocks noGrp="1" noRot="1" noChangeAspect="1" noMove="1" noResize="1" noEditPoints="1" noAdjustHandles="1" noChangeArrowheads="1" noChangeShapeType="1" noTextEdit="1"/>
+          </p:cNvSpPr>
+          <p:nvPr>
+            <p:extLst>
+              <p:ext uri="{386F3935-93C4-4BCD-93E2-E3B085C9AB24}">
+                <p16:designElem xmlns:p16="http://schemas.microsoft.com/office/powerpoint/2015/main" val="1"/>
+              </p:ext>
+            </p:extLst>
+          </p:nvPr>
+        </p:nvSpPr>
+        <p:spPr>
+          <a:xfrm rot="5400000">
+            <a:off x="9346882" y="2348839"/>
+            <a:ext cx="54864" cy="3946779"/>
+          </a:xfrm>
+          <a:prstGeom prst="rect">
+            <a:avLst/>
+          </a:prstGeom>
+          <a:solidFill>
+            <a:schemeClr val="accent2"/>
+          </a:solidFill>
+          <a:ln>
+            <a:noFill/>
+          </a:ln>
+        </p:spPr>
+        <p:style>
+          <a:lnRef idx="2">
+            <a:schemeClr val="accent1">
+              <a:shade val="50000"/>
+            </a:schemeClr>
+          </a:lnRef>
+          <a:fillRef idx="1">
+            <a:schemeClr val="accent1"/>
+          </a:fillRef>
+          <a:effectRef idx="0">
+            <a:schemeClr val="accent1"/>
+          </a:effectRef>
+          <a:fontRef idx="minor">
+            <a:schemeClr val="lt1"/>
+          </a:fontRef>
+        </p:style>
+        <p:txBody>
+          <a:bodyPr rtlCol="0" anchor="ctr"/>
+          <a:lstStyle/>
+          <a:p>
+            <a:pPr marL="0" marR="0" lvl="0" indent="0" algn="ctr" defTabSz="914400" rtl="0" eaLnBrk="1" fontAlgn="auto" latinLnBrk="0" hangingPunct="1">
+              <a:lnSpc>
+                <a:spcPct val="100000"/>
+              </a:lnSpc>
+              <a:spcBef>
+                <a:spcPts val="0"/>
+              </a:spcBef>
+              <a:spcAft>
+                <a:spcPts val="0"/>
+              </a:spcAft>
+              <a:buClrTx/>
+              <a:buSzTx/>
+              <a:buFontTx/>
+              <a:buNone/>
+              <a:tabLst/>
+              <a:defRPr/>
+            </a:pPr>
+            <a:endParaRPr kumimoji="0" lang="en-US" sz="1800" b="0" i="0" u="none" strike="noStrike" kern="1200" cap="none" spc="0" normalizeH="0" baseline="0" noProof="0">
+              <a:ln>
+                <a:noFill/>
+              </a:ln>
+              <a:solidFill>
+                <a:prstClr val="white"/>
+              </a:solidFill>
+              <a:effectLst/>
+              <a:uLnTx/>
+              <a:uFillTx/>
+              <a:latin typeface="Calibri" panose="020F0502020204030204"/>
+              <a:ea typeface="+mn-ea"/>
+              <a:cs typeface="+mn-cs"/>
+            </a:endParaRPr>
+          </a:p>
+        </p:txBody>
+      </p:sp>
+      <p:sp>
+        <p:nvSpPr>
+          <p:cNvPr id="5" name="Espace réservé du pied de page 4">
+            <a:extLst>
+              <a:ext uri="{FF2B5EF4-FFF2-40B4-BE49-F238E27FC236}">
+                <a16:creationId xmlns:a16="http://schemas.microsoft.com/office/drawing/2014/main" id="{6295C086-9474-4B3C-AC29-35C3C31BCF72}"/>
+              </a:ext>
+            </a:extLst>
+          </p:cNvPr>
+          <p:cNvSpPr>
+            <a:spLocks noGrp="1"/>
+          </p:cNvSpPr>
+          <p:nvPr>
+            <p:ph type="ftr" sz="quarter" idx="11"/>
+          </p:nvPr>
+        </p:nvSpPr>
+        <p:spPr>
+          <a:xfrm>
+            <a:off x="4038600" y="6356350"/>
+            <a:ext cx="4114800" cy="365125"/>
+          </a:xfrm>
+        </p:spPr>
+        <p:txBody>
+          <a:bodyPr vert="horz" lIns="91440" tIns="45720" rIns="91440" bIns="45720" rtlCol="0" anchor="ctr">
+            <a:normAutofit/>
+          </a:bodyPr>
+          <a:lstStyle/>
+          <a:p>
+            <a:pPr>
+              <a:spcAft>
+                <a:spcPts val="600"/>
+              </a:spcAft>
+            </a:pPr>
+            <a:r>
+              <a:rPr lang="en-US" kern="1200">
+                <a:solidFill>
+                  <a:schemeClr val="tx1">
+                    <a:lumMod val="50000"/>
+                    <a:lumOff val="50000"/>
+                  </a:schemeClr>
+                </a:solidFill>
+                <a:latin typeface="+mn-lt"/>
+                <a:ea typeface="+mn-ea"/>
+                <a:cs typeface="+mn-cs"/>
+              </a:rPr>
+              <a:t>Projet Intégrateur L2NEC</a:t>
+            </a:r>
+          </a:p>
+        </p:txBody>
+      </p:sp>
+      <p:sp>
+        <p:nvSpPr>
+          <p:cNvPr id="6" name="Espace réservé du numéro de diapositive 5">
+            <a:extLst>
+              <a:ext uri="{FF2B5EF4-FFF2-40B4-BE49-F238E27FC236}">
+                <a16:creationId xmlns:a16="http://schemas.microsoft.com/office/drawing/2014/main" id="{C3A7F1B7-1A64-259C-EE63-E9FBD21B0E53}"/>
+              </a:ext>
+            </a:extLst>
+          </p:cNvPr>
+          <p:cNvSpPr>
+            <a:spLocks noGrp="1"/>
+          </p:cNvSpPr>
+          <p:nvPr>
+            <p:ph type="sldNum" sz="quarter" idx="12"/>
+          </p:nvPr>
+        </p:nvSpPr>
+        <p:spPr>
+          <a:xfrm>
+            <a:off x="8610600" y="6356350"/>
+            <a:ext cx="2743200" cy="365125"/>
+          </a:xfrm>
+        </p:spPr>
+        <p:txBody>
+          <a:bodyPr vert="horz" lIns="91440" tIns="45720" rIns="91440" bIns="45720" rtlCol="0" anchor="ctr">
+            <a:normAutofit/>
+          </a:bodyPr>
+          <a:lstStyle/>
+          <a:p>
+            <a:pPr>
+              <a:spcAft>
+                <a:spcPts val="600"/>
+              </a:spcAft>
+            </a:pPr>
+            <a:fld id="{915BF9B4-2D6F-7943-B02D-01F59FFE0C5F}" type="slidenum">
+              <a:rPr lang="en-US">
+                <a:solidFill>
+                  <a:schemeClr val="tx1">
+                    <a:lumMod val="50000"/>
+                    <a:lumOff val="50000"/>
+                  </a:schemeClr>
+                </a:solidFill>
+              </a:rPr>
+              <a:pPr>
+                <a:spcAft>
+                  <a:spcPts val="600"/>
+                </a:spcAft>
+              </a:pPr>
+              <a:t>7</a:t>
+            </a:fld>
+            <a:endParaRPr lang="en-US">
+              <a:solidFill>
+                <a:schemeClr val="tx1">
+                  <a:lumMod val="50000"/>
+                  <a:lumOff val="50000"/>
+                </a:schemeClr>
+              </a:solidFill>
+            </a:endParaRPr>
+          </a:p>
+        </p:txBody>
+      </p:sp>
+    </p:spTree>
+    <p:extLst>
+      <p:ext uri="{BB962C8B-B14F-4D97-AF65-F5344CB8AC3E}">
+        <p14:creationId xmlns:p14="http://schemas.microsoft.com/office/powerpoint/2010/main" val="705030205"/>
       </p:ext>
     </p:extLst>
   </p:cSld>

--- a/AVANT-PROJET/PrésentationAvantProjet.pptx
+++ b/AVANT-PROJET/PrésentationAvantProjet.pptx
@@ -5,7 +5,7 @@
     <p:sldMasterId id="2147483648" r:id="rId1"/>
   </p:sldMasterIdLst>
   <p:notesMasterIdLst>
-    <p:notesMasterId r:id="rId9"/>
+    <p:notesMasterId r:id="rId10"/>
   </p:notesMasterIdLst>
   <p:sldIdLst>
     <p:sldId id="256" r:id="rId2"/>
@@ -14,7 +14,8 @@
     <p:sldId id="259" r:id="rId5"/>
     <p:sldId id="260" r:id="rId6"/>
     <p:sldId id="261" r:id="rId7"/>
-    <p:sldId id="262" r:id="rId8"/>
+    <p:sldId id="264" r:id="rId8"/>
+    <p:sldId id="262" r:id="rId9"/>
   </p:sldIdLst>
   <p:sldSz cx="12192000" cy="6858000"/>
   <p:notesSz cx="6858000" cy="9144000"/>
@@ -1033,6 +1034,28 @@
         </a:p>
       </dgm:t>
     </dgm:pt>
+    <dgm:pt modelId="{9FEDCD68-38F6-A043-A977-CD3F0EECE56B}">
+      <dgm:prSet/>
+      <dgm:spPr/>
+      <dgm:t>
+        <a:bodyPr/>
+        <a:lstStyle/>
+        <a:p>
+          <a:r>
+            <a:rPr lang="fr-FR" dirty="0"/>
+            <a:t>V. Présentation DCU</a:t>
+          </a:r>
+        </a:p>
+      </dgm:t>
+    </dgm:pt>
+    <dgm:pt modelId="{5FA2D729-20B9-0342-927A-8B94C16F14C8}" type="parTrans" cxnId="{50E2A181-ACFB-4941-B5B7-0A09B77BF149}">
+      <dgm:prSet/>
+      <dgm:spPr/>
+    </dgm:pt>
+    <dgm:pt modelId="{8A587A74-DF9E-2F41-B392-D3BAABA06D59}" type="sibTrans" cxnId="{50E2A181-ACFB-4941-B5B7-0A09B77BF149}">
+      <dgm:prSet/>
+      <dgm:spPr/>
+    </dgm:pt>
     <dgm:pt modelId="{B414E46A-080F-2146-9FAD-C7241BAC1B9C}" type="pres">
       <dgm:prSet presAssocID="{B1F2FE45-7264-4A45-8A22-49DDA82E6C40}" presName="linear" presStyleCnt="0">
         <dgm:presLayoutVars>
@@ -1043,7 +1066,7 @@
       <dgm:spPr/>
     </dgm:pt>
     <dgm:pt modelId="{EA1A3945-51F7-354D-A4E6-42A7DB224CDE}" type="pres">
-      <dgm:prSet presAssocID="{E489D5AC-7B66-493C-A07B-DC228DB2E7F6}" presName="parentText" presStyleLbl="node1" presStyleIdx="0" presStyleCnt="4">
+      <dgm:prSet presAssocID="{E489D5AC-7B66-493C-A07B-DC228DB2E7F6}" presName="parentText" presStyleLbl="node1" presStyleIdx="0" presStyleCnt="5">
         <dgm:presLayoutVars>
           <dgm:chMax val="0"/>
           <dgm:bulletEnabled val="1"/>
@@ -1056,7 +1079,7 @@
       <dgm:spPr/>
     </dgm:pt>
     <dgm:pt modelId="{E33C7529-B317-CF4A-9A67-1178073A9479}" type="pres">
-      <dgm:prSet presAssocID="{0F7A9DBE-E7A8-408A-8F62-BA1D1B423D96}" presName="parentText" presStyleLbl="node1" presStyleIdx="1" presStyleCnt="4">
+      <dgm:prSet presAssocID="{0F7A9DBE-E7A8-408A-8F62-BA1D1B423D96}" presName="parentText" presStyleLbl="node1" presStyleIdx="1" presStyleCnt="5">
         <dgm:presLayoutVars>
           <dgm:chMax val="0"/>
           <dgm:bulletEnabled val="1"/>
@@ -1069,7 +1092,7 @@
       <dgm:spPr/>
     </dgm:pt>
     <dgm:pt modelId="{AF472B5C-0849-2C4D-B789-7C443E74A1A5}" type="pres">
-      <dgm:prSet presAssocID="{37C79047-7960-4F14-8429-1A6351003642}" presName="parentText" presStyleLbl="node1" presStyleIdx="2" presStyleCnt="4">
+      <dgm:prSet presAssocID="{37C79047-7960-4F14-8429-1A6351003642}" presName="parentText" presStyleLbl="node1" presStyleIdx="2" presStyleCnt="5">
         <dgm:presLayoutVars>
           <dgm:chMax val="0"/>
           <dgm:bulletEnabled val="1"/>
@@ -1082,7 +1105,20 @@
       <dgm:spPr/>
     </dgm:pt>
     <dgm:pt modelId="{584D5366-2E09-DD4C-B3D9-D2FFBBB4D0C4}" type="pres">
-      <dgm:prSet presAssocID="{15C36091-1AB2-452F-8947-A1219372CAF1}" presName="parentText" presStyleLbl="node1" presStyleIdx="3" presStyleCnt="4">
+      <dgm:prSet presAssocID="{15C36091-1AB2-452F-8947-A1219372CAF1}" presName="parentText" presStyleLbl="node1" presStyleIdx="3" presStyleCnt="5">
+        <dgm:presLayoutVars>
+          <dgm:chMax val="0"/>
+          <dgm:bulletEnabled val="1"/>
+        </dgm:presLayoutVars>
+      </dgm:prSet>
+      <dgm:spPr/>
+    </dgm:pt>
+    <dgm:pt modelId="{C6CE6919-C0ED-804B-A875-9B95478093C7}" type="pres">
+      <dgm:prSet presAssocID="{1366DDFD-37AC-4025-85B1-0F2144E40DC0}" presName="spacer" presStyleCnt="0"/>
+      <dgm:spPr/>
+    </dgm:pt>
+    <dgm:pt modelId="{02EE7E10-53F9-ED4B-AA82-06FA500DD9E3}" type="pres">
+      <dgm:prSet presAssocID="{9FEDCD68-38F6-A043-A977-CD3F0EECE56B}" presName="parentText" presStyleLbl="node1" presStyleIdx="4" presStyleCnt="5">
         <dgm:presLayoutVars>
           <dgm:chMax val="0"/>
           <dgm:bulletEnabled val="1"/>
@@ -1095,9 +1131,11 @@
     <dgm:cxn modelId="{2B0EBC0E-05CD-4135-BBF0-1DAA358781FF}" srcId="{B1F2FE45-7264-4A45-8A22-49DDA82E6C40}" destId="{37C79047-7960-4F14-8429-1A6351003642}" srcOrd="2" destOrd="0" parTransId="{9FA10A9E-A6E0-487F-B082-6ED8774C88C6}" sibTransId="{61DCD53D-B298-4928-98A0-DA93E8DD4F90}"/>
     <dgm:cxn modelId="{42FEDC4A-05C8-4903-A552-75DC472CF087}" srcId="{B1F2FE45-7264-4A45-8A22-49DDA82E6C40}" destId="{0F7A9DBE-E7A8-408A-8F62-BA1D1B423D96}" srcOrd="1" destOrd="0" parTransId="{171F5BF0-9958-4879-8FD5-66F402E8C399}" sibTransId="{70CA4F6A-E727-4733-A468-F9E322EBFEA6}"/>
     <dgm:cxn modelId="{DC543C7A-23DA-4DB7-B8BF-5CAE7F1E3503}" srcId="{B1F2FE45-7264-4A45-8A22-49DDA82E6C40}" destId="{15C36091-1AB2-452F-8947-A1219372CAF1}" srcOrd="3" destOrd="0" parTransId="{66B7747F-1588-4086-8009-9D56CD175D4E}" sibTransId="{1366DDFD-37AC-4025-85B1-0F2144E40DC0}"/>
+    <dgm:cxn modelId="{50E2A181-ACFB-4941-B5B7-0A09B77BF149}" srcId="{B1F2FE45-7264-4A45-8A22-49DDA82E6C40}" destId="{9FEDCD68-38F6-A043-A977-CD3F0EECE56B}" srcOrd="4" destOrd="0" parTransId="{5FA2D729-20B9-0342-927A-8B94C16F14C8}" sibTransId="{8A587A74-DF9E-2F41-B392-D3BAABA06D59}"/>
     <dgm:cxn modelId="{A170478E-84C2-2347-B68A-50C2BB2F1DDE}" type="presOf" srcId="{37C79047-7960-4F14-8429-1A6351003642}" destId="{AF472B5C-0849-2C4D-B789-7C443E74A1A5}" srcOrd="0" destOrd="0" presId="urn:microsoft.com/office/officeart/2005/8/layout/vList2"/>
     <dgm:cxn modelId="{59284D9B-9A49-44C4-9294-DB4D66A0BD66}" srcId="{B1F2FE45-7264-4A45-8A22-49DDA82E6C40}" destId="{E489D5AC-7B66-493C-A07B-DC228DB2E7F6}" srcOrd="0" destOrd="0" parTransId="{0033A369-CBD6-45C2-8187-A8420BFE557F}" sibTransId="{B7A58403-F91D-474C-B1ED-A5FC073CE814}"/>
     <dgm:cxn modelId="{BCD031CF-055F-5B41-A254-6EF1C59EBBC0}" type="presOf" srcId="{15C36091-1AB2-452F-8947-A1219372CAF1}" destId="{584D5366-2E09-DD4C-B3D9-D2FFBBB4D0C4}" srcOrd="0" destOrd="0" presId="urn:microsoft.com/office/officeart/2005/8/layout/vList2"/>
+    <dgm:cxn modelId="{82972CE4-3858-C745-B1A5-DA5AAADCA8B2}" type="presOf" srcId="{9FEDCD68-38F6-A043-A977-CD3F0EECE56B}" destId="{02EE7E10-53F9-ED4B-AA82-06FA500DD9E3}" srcOrd="0" destOrd="0" presId="urn:microsoft.com/office/officeart/2005/8/layout/vList2"/>
     <dgm:cxn modelId="{3BE28AE6-6C2C-BD4B-B981-19D2E84678AA}" type="presOf" srcId="{E489D5AC-7B66-493C-A07B-DC228DB2E7F6}" destId="{EA1A3945-51F7-354D-A4E6-42A7DB224CDE}" srcOrd="0" destOrd="0" presId="urn:microsoft.com/office/officeart/2005/8/layout/vList2"/>
     <dgm:cxn modelId="{85AECFF6-4E2D-D247-B91C-6E70164B6EF6}" type="presOf" srcId="{0F7A9DBE-E7A8-408A-8F62-BA1D1B423D96}" destId="{E33C7529-B317-CF4A-9A67-1178073A9479}" srcOrd="0" destOrd="0" presId="urn:microsoft.com/office/officeart/2005/8/layout/vList2"/>
     <dgm:cxn modelId="{9D1527F7-32D6-DE49-9DD0-245071F7939B}" type="presOf" srcId="{B1F2FE45-7264-4A45-8A22-49DDA82E6C40}" destId="{B414E46A-080F-2146-9FAD-C7241BAC1B9C}" srcOrd="0" destOrd="0" presId="urn:microsoft.com/office/officeart/2005/8/layout/vList2"/>
@@ -1108,6 +1146,8 @@
     <dgm:cxn modelId="{7F4D1808-55B4-8646-BF3C-2FEDA9A37739}" type="presParOf" srcId="{B414E46A-080F-2146-9FAD-C7241BAC1B9C}" destId="{AF472B5C-0849-2C4D-B789-7C443E74A1A5}" srcOrd="4" destOrd="0" presId="urn:microsoft.com/office/officeart/2005/8/layout/vList2"/>
     <dgm:cxn modelId="{D8FCCA6A-5156-8849-BDE5-FB923363245B}" type="presParOf" srcId="{B414E46A-080F-2146-9FAD-C7241BAC1B9C}" destId="{0E956D69-E24A-A74E-B96F-533D6503BDA1}" srcOrd="5" destOrd="0" presId="urn:microsoft.com/office/officeart/2005/8/layout/vList2"/>
     <dgm:cxn modelId="{A2854C4C-9076-0547-BF72-4C1074AF7C62}" type="presParOf" srcId="{B414E46A-080F-2146-9FAD-C7241BAC1B9C}" destId="{584D5366-2E09-DD4C-B3D9-D2FFBBB4D0C4}" srcOrd="6" destOrd="0" presId="urn:microsoft.com/office/officeart/2005/8/layout/vList2"/>
+    <dgm:cxn modelId="{E6B3B239-E062-4B4A-AE68-6AEF2E24D8AA}" type="presParOf" srcId="{B414E46A-080F-2146-9FAD-C7241BAC1B9C}" destId="{C6CE6919-C0ED-804B-A875-9B95478093C7}" srcOrd="7" destOrd="0" presId="urn:microsoft.com/office/officeart/2005/8/layout/vList2"/>
+    <dgm:cxn modelId="{3F801D62-9FDB-E243-B287-52871B7581B0}" type="presParOf" srcId="{B414E46A-080F-2146-9FAD-C7241BAC1B9C}" destId="{02EE7E10-53F9-ED4B-AA82-06FA500DD9E3}" srcOrd="8" destOrd="0" presId="urn:microsoft.com/office/officeart/2005/8/layout/vList2"/>
   </dgm:cxnLst>
   <dgm:bg/>
   <dgm:whole/>
@@ -1134,8 +1174,8 @@
       </dsp:nvSpPr>
       <dsp:spPr>
         <a:xfrm>
-          <a:off x="0" y="37268"/>
-          <a:ext cx="10515600" cy="982800"/>
+          <a:off x="0" y="25748"/>
+          <a:ext cx="10515600" cy="786240"/>
         </a:xfrm>
         <a:prstGeom prst="roundRect">
           <a:avLst/>
@@ -1177,12 +1217,12 @@
         </a:fontRef>
       </dsp:style>
       <dsp:txBody>
-        <a:bodyPr spcFirstLastPara="0" vert="horz" wrap="square" lIns="152400" tIns="152400" rIns="152400" bIns="152400" numCol="1" spcCol="1270" anchor="ctr" anchorCtr="0">
+        <a:bodyPr spcFirstLastPara="0" vert="horz" wrap="square" lIns="121920" tIns="121920" rIns="121920" bIns="121920" numCol="1" spcCol="1270" anchor="ctr" anchorCtr="0">
           <a:noAutofit/>
         </a:bodyPr>
         <a:lstStyle/>
         <a:p>
-          <a:pPr marL="0" lvl="0" indent="0" algn="l" defTabSz="1778000">
+          <a:pPr marL="0" lvl="0" indent="0" algn="l" defTabSz="1422400">
             <a:lnSpc>
               <a:spcPct val="90000"/>
             </a:lnSpc>
@@ -1195,23 +1235,23 @@
             <a:buNone/>
           </a:pPr>
           <a:r>
-            <a:rPr lang="fr-FR" sz="4000" kern="1200" dirty="0"/>
+            <a:rPr lang="fr-FR" sz="3200" kern="1200" dirty="0"/>
             <a:t>I. C’est quoi </a:t>
           </a:r>
           <a:r>
-            <a:rPr lang="fr-FR" sz="4000" kern="1200" dirty="0" err="1"/>
+            <a:rPr lang="fr-FR" sz="3200" kern="1200" dirty="0" err="1"/>
             <a:t>NavConnect</a:t>
           </a:r>
           <a:r>
-            <a:rPr lang="fr-FR" sz="4000" kern="1200" dirty="0"/>
+            <a:rPr lang="fr-FR" sz="3200" kern="1200" dirty="0"/>
             <a:t> ?</a:t>
           </a:r>
-          <a:endParaRPr lang="en-US" sz="4000" kern="1200" dirty="0"/>
+          <a:endParaRPr lang="en-US" sz="3200" kern="1200" dirty="0"/>
         </a:p>
       </dsp:txBody>
       <dsp:txXfrm>
-        <a:off x="47976" y="85244"/>
-        <a:ext cx="10419648" cy="886848"/>
+        <a:off x="38381" y="64129"/>
+        <a:ext cx="10438838" cy="709478"/>
       </dsp:txXfrm>
     </dsp:sp>
     <dsp:sp modelId="{E33C7529-B317-CF4A-9A67-1178073A9479}">
@@ -1221,8 +1261,8 @@
       </dsp:nvSpPr>
       <dsp:spPr>
         <a:xfrm>
-          <a:off x="0" y="1135269"/>
-          <a:ext cx="10515600" cy="982800"/>
+          <a:off x="0" y="904148"/>
+          <a:ext cx="10515600" cy="786240"/>
         </a:xfrm>
         <a:prstGeom prst="roundRect">
           <a:avLst/>
@@ -1264,12 +1304,12 @@
         </a:fontRef>
       </dsp:style>
       <dsp:txBody>
-        <a:bodyPr spcFirstLastPara="0" vert="horz" wrap="square" lIns="152400" tIns="152400" rIns="152400" bIns="152400" numCol="1" spcCol="1270" anchor="ctr" anchorCtr="0">
+        <a:bodyPr spcFirstLastPara="0" vert="horz" wrap="square" lIns="121920" tIns="121920" rIns="121920" bIns="121920" numCol="1" spcCol="1270" anchor="ctr" anchorCtr="0">
           <a:noAutofit/>
         </a:bodyPr>
         <a:lstStyle/>
         <a:p>
-          <a:pPr marL="0" lvl="0" indent="0" algn="l" defTabSz="1778000">
+          <a:pPr marL="0" lvl="0" indent="0" algn="l" defTabSz="1422400">
             <a:lnSpc>
               <a:spcPct val="90000"/>
             </a:lnSpc>
@@ -1282,15 +1322,15 @@
             <a:buNone/>
           </a:pPr>
           <a:r>
-            <a:rPr lang="fr-FR" sz="4000" kern="1200" dirty="0"/>
+            <a:rPr lang="fr-FR" sz="3200" kern="1200" dirty="0"/>
             <a:t>II. Présentation du SWOT</a:t>
           </a:r>
-          <a:endParaRPr lang="en-US" sz="4000" kern="1200" dirty="0"/>
+          <a:endParaRPr lang="en-US" sz="3200" kern="1200" dirty="0"/>
         </a:p>
       </dsp:txBody>
       <dsp:txXfrm>
-        <a:off x="47976" y="1183245"/>
-        <a:ext cx="10419648" cy="886848"/>
+        <a:off x="38381" y="942529"/>
+        <a:ext cx="10438838" cy="709478"/>
       </dsp:txXfrm>
     </dsp:sp>
     <dsp:sp modelId="{AF472B5C-0849-2C4D-B789-7C443E74A1A5}">
@@ -1300,8 +1340,8 @@
       </dsp:nvSpPr>
       <dsp:spPr>
         <a:xfrm>
-          <a:off x="0" y="2233269"/>
-          <a:ext cx="10515600" cy="982800"/>
+          <a:off x="0" y="1782549"/>
+          <a:ext cx="10515600" cy="786240"/>
         </a:xfrm>
         <a:prstGeom prst="roundRect">
           <a:avLst/>
@@ -1343,12 +1383,12 @@
         </a:fontRef>
       </dsp:style>
       <dsp:txBody>
-        <a:bodyPr spcFirstLastPara="0" vert="horz" wrap="square" lIns="152400" tIns="152400" rIns="152400" bIns="152400" numCol="1" spcCol="1270" anchor="ctr" anchorCtr="0">
+        <a:bodyPr spcFirstLastPara="0" vert="horz" wrap="square" lIns="121920" tIns="121920" rIns="121920" bIns="121920" numCol="1" spcCol="1270" anchor="ctr" anchorCtr="0">
           <a:noAutofit/>
         </a:bodyPr>
         <a:lstStyle/>
         <a:p>
-          <a:pPr marL="0" lvl="0" indent="0" algn="l" defTabSz="1778000">
+          <a:pPr marL="0" lvl="0" indent="0" algn="l" defTabSz="1422400">
             <a:lnSpc>
               <a:spcPct val="90000"/>
             </a:lnSpc>
@@ -1361,15 +1401,15 @@
             <a:buNone/>
           </a:pPr>
           <a:r>
-            <a:rPr lang="fr-FR" sz="4000" kern="1200" dirty="0"/>
+            <a:rPr lang="fr-FR" sz="3200" kern="1200" dirty="0"/>
             <a:t>III. Présentation du SMART</a:t>
           </a:r>
-          <a:endParaRPr lang="en-US" sz="4000" kern="1200" dirty="0"/>
+          <a:endParaRPr lang="en-US" sz="3200" kern="1200" dirty="0"/>
         </a:p>
       </dsp:txBody>
       <dsp:txXfrm>
-        <a:off x="47976" y="2281245"/>
-        <a:ext cx="10419648" cy="886848"/>
+        <a:off x="38381" y="1820930"/>
+        <a:ext cx="10438838" cy="709478"/>
       </dsp:txXfrm>
     </dsp:sp>
     <dsp:sp modelId="{584D5366-2E09-DD4C-B3D9-D2FFBBB4D0C4}">
@@ -1379,8 +1419,8 @@
       </dsp:nvSpPr>
       <dsp:spPr>
         <a:xfrm>
-          <a:off x="0" y="3331269"/>
-          <a:ext cx="10515600" cy="982800"/>
+          <a:off x="0" y="2660949"/>
+          <a:ext cx="10515600" cy="786240"/>
         </a:xfrm>
         <a:prstGeom prst="roundRect">
           <a:avLst/>
@@ -1422,12 +1462,12 @@
         </a:fontRef>
       </dsp:style>
       <dsp:txBody>
-        <a:bodyPr spcFirstLastPara="0" vert="horz" wrap="square" lIns="152400" tIns="152400" rIns="152400" bIns="152400" numCol="1" spcCol="1270" anchor="ctr" anchorCtr="0">
+        <a:bodyPr spcFirstLastPara="0" vert="horz" wrap="square" lIns="121920" tIns="121920" rIns="121920" bIns="121920" numCol="1" spcCol="1270" anchor="ctr" anchorCtr="0">
           <a:noAutofit/>
         </a:bodyPr>
         <a:lstStyle/>
         <a:p>
-          <a:pPr marL="0" lvl="0" indent="0" algn="l" defTabSz="1778000">
+          <a:pPr marL="0" lvl="0" indent="0" algn="l" defTabSz="1422400">
             <a:lnSpc>
               <a:spcPct val="90000"/>
             </a:lnSpc>
@@ -1440,15 +1480,93 @@
             <a:buNone/>
           </a:pPr>
           <a:r>
-            <a:rPr lang="fr-FR" sz="4000" kern="1200" dirty="0"/>
+            <a:rPr lang="fr-FR" sz="3200" kern="1200" dirty="0"/>
             <a:t>IV. Présentation du QUINTILIEN</a:t>
           </a:r>
-          <a:endParaRPr lang="en-US" sz="4000" kern="1200" dirty="0"/>
+          <a:endParaRPr lang="en-US" sz="3200" kern="1200" dirty="0"/>
         </a:p>
       </dsp:txBody>
       <dsp:txXfrm>
-        <a:off x="47976" y="3379245"/>
-        <a:ext cx="10419648" cy="886848"/>
+        <a:off x="38381" y="2699330"/>
+        <a:ext cx="10438838" cy="709478"/>
+      </dsp:txXfrm>
+    </dsp:sp>
+    <dsp:sp modelId="{02EE7E10-53F9-ED4B-AA82-06FA500DD9E3}">
+      <dsp:nvSpPr>
+        <dsp:cNvPr id="0" name=""/>
+        <dsp:cNvSpPr/>
+      </dsp:nvSpPr>
+      <dsp:spPr>
+        <a:xfrm>
+          <a:off x="0" y="3539349"/>
+          <a:ext cx="10515600" cy="786240"/>
+        </a:xfrm>
+        <a:prstGeom prst="roundRect">
+          <a:avLst/>
+        </a:prstGeom>
+        <a:solidFill>
+          <a:schemeClr val="accent1">
+            <a:hueOff val="0"/>
+            <a:satOff val="0"/>
+            <a:lumOff val="0"/>
+            <a:alphaOff val="0"/>
+          </a:schemeClr>
+        </a:solidFill>
+        <a:ln w="19050" cap="flat" cmpd="sng" algn="ctr">
+          <a:solidFill>
+            <a:schemeClr val="lt1">
+              <a:hueOff val="0"/>
+              <a:satOff val="0"/>
+              <a:lumOff val="0"/>
+              <a:alphaOff val="0"/>
+            </a:schemeClr>
+          </a:solidFill>
+          <a:prstDash val="solid"/>
+          <a:miter lim="800000"/>
+        </a:ln>
+        <a:effectLst/>
+      </dsp:spPr>
+      <dsp:style>
+        <a:lnRef idx="2">
+          <a:scrgbClr r="0" g="0" b="0"/>
+        </a:lnRef>
+        <a:fillRef idx="1">
+          <a:scrgbClr r="0" g="0" b="0"/>
+        </a:fillRef>
+        <a:effectRef idx="0">
+          <a:scrgbClr r="0" g="0" b="0"/>
+        </a:effectRef>
+        <a:fontRef idx="minor">
+          <a:schemeClr val="lt1"/>
+        </a:fontRef>
+      </dsp:style>
+      <dsp:txBody>
+        <a:bodyPr spcFirstLastPara="0" vert="horz" wrap="square" lIns="121920" tIns="121920" rIns="121920" bIns="121920" numCol="1" spcCol="1270" anchor="ctr" anchorCtr="0">
+          <a:noAutofit/>
+        </a:bodyPr>
+        <a:lstStyle/>
+        <a:p>
+          <a:pPr marL="0" lvl="0" indent="0" algn="l" defTabSz="1422400">
+            <a:lnSpc>
+              <a:spcPct val="90000"/>
+            </a:lnSpc>
+            <a:spcBef>
+              <a:spcPct val="0"/>
+            </a:spcBef>
+            <a:spcAft>
+              <a:spcPct val="35000"/>
+            </a:spcAft>
+            <a:buNone/>
+          </a:pPr>
+          <a:r>
+            <a:rPr lang="fr-FR" sz="3200" kern="1200" dirty="0"/>
+            <a:t>V. Présentation DCU</a:t>
+          </a:r>
+        </a:p>
+      </dsp:txBody>
+      <dsp:txXfrm>
+        <a:off x="38381" y="3577730"/>
+        <a:ext cx="10438838" cy="709478"/>
       </dsp:txXfrm>
     </dsp:sp>
   </dsp:spTree>
@@ -6834,7 +6952,7 @@
             <p:ph idx="1"/>
             <p:extLst>
               <p:ext uri="{D42A27DB-BD31-4B8C-83A1-F6EECF244321}">
-                <p14:modId xmlns:p14="http://schemas.microsoft.com/office/powerpoint/2010/main" val="3750247459"/>
+                <p14:modId xmlns:p14="http://schemas.microsoft.com/office/powerpoint/2010/main" val="3085582419"/>
               </p:ext>
             </p:extLst>
           </p:nvPr>
@@ -7899,7 +8017,7 @@
           <a:bodyPr/>
           <a:lstStyle/>
           <a:p>
-            <a:endParaRPr lang="fr-FR"/>
+            <a:endParaRPr lang="fr-FR" dirty="0"/>
           </a:p>
         </p:txBody>
       </p:sp>
@@ -8475,6 +8593,312 @@
           <a:chExt cx="0" cy="0"/>
         </a:xfrm>
       </p:grpSpPr>
+      <p:sp>
+        <p:nvSpPr>
+          <p:cNvPr id="21" name="Flowchart: Document 20">
+            <a:extLst>
+              <a:ext uri="{FF2B5EF4-FFF2-40B4-BE49-F238E27FC236}">
+                <a16:creationId xmlns:a16="http://schemas.microsoft.com/office/drawing/2014/main" id="{D12DDE76-C203-4047-9998-63900085B5E8}"/>
+              </a:ext>
+              <a:ext uri="{C183D7F6-B498-43B3-948B-1728B52AA6E4}">
+                <adec:decorative xmlns:adec="http://schemas.microsoft.com/office/drawing/2017/decorative" val="1"/>
+              </a:ext>
+            </a:extLst>
+          </p:cNvPr>
+          <p:cNvSpPr>
+            <a:spLocks noGrp="1" noRot="1" noChangeAspect="1" noMove="1" noResize="1" noEditPoints="1" noAdjustHandles="1" noChangeArrowheads="1" noChangeShapeType="1" noTextEdit="1"/>
+          </p:cNvSpPr>
+          <p:nvPr>
+            <p:extLst>
+              <p:ext uri="{386F3935-93C4-4BCD-93E2-E3B085C9AB24}">
+                <p16:designElem xmlns:p16="http://schemas.microsoft.com/office/powerpoint/2015/main" val="1"/>
+              </p:ext>
+            </p:extLst>
+          </p:nvPr>
+        </p:nvSpPr>
+        <p:spPr>
+          <a:xfrm>
+            <a:off x="638175" y="0"/>
+            <a:ext cx="3248025" cy="3400426"/>
+          </a:xfrm>
+          <a:prstGeom prst="flowChartDocument">
+            <a:avLst/>
+          </a:prstGeom>
+          <a:solidFill>
+            <a:schemeClr val="accent1"/>
+          </a:solidFill>
+          <a:ln>
+            <a:noFill/>
+          </a:ln>
+        </p:spPr>
+        <p:style>
+          <a:lnRef idx="2">
+            <a:schemeClr val="accent1">
+              <a:shade val="50000"/>
+            </a:schemeClr>
+          </a:lnRef>
+          <a:fillRef idx="1">
+            <a:schemeClr val="accent1"/>
+          </a:fillRef>
+          <a:effectRef idx="0">
+            <a:schemeClr val="accent1"/>
+          </a:effectRef>
+          <a:fontRef idx="minor">
+            <a:schemeClr val="lt1"/>
+          </a:fontRef>
+        </p:style>
+        <p:txBody>
+          <a:bodyPr rtlCol="0" anchor="ctr"/>
+          <a:lstStyle/>
+          <a:p>
+            <a:pPr algn="ctr"/>
+            <a:endParaRPr lang="en-US"/>
+          </a:p>
+        </p:txBody>
+      </p:sp>
+      <p:sp>
+        <p:nvSpPr>
+          <p:cNvPr id="2" name="Titre 1">
+            <a:extLst>
+              <a:ext uri="{FF2B5EF4-FFF2-40B4-BE49-F238E27FC236}">
+                <a16:creationId xmlns:a16="http://schemas.microsoft.com/office/drawing/2014/main" id="{2AEF988E-03ED-203D-A2B1-E6D0277BCFED}"/>
+              </a:ext>
+            </a:extLst>
+          </p:cNvPr>
+          <p:cNvSpPr>
+            <a:spLocks noGrp="1"/>
+          </p:cNvSpPr>
+          <p:nvPr>
+            <p:ph type="title"/>
+          </p:nvPr>
+        </p:nvSpPr>
+        <p:spPr>
+          <a:xfrm>
+            <a:off x="838200" y="171162"/>
+            <a:ext cx="2840182" cy="2371148"/>
+          </a:xfrm>
+        </p:spPr>
+        <p:txBody>
+          <a:bodyPr vert="horz" lIns="91440" tIns="45720" rIns="91440" bIns="45720" rtlCol="0" anchor="ctr">
+            <a:normAutofit/>
+          </a:bodyPr>
+          <a:lstStyle/>
+          <a:p>
+            <a:r>
+              <a:rPr lang="en-US" sz="3200" kern="1200" dirty="0">
+                <a:solidFill>
+                  <a:srgbClr val="FFFFFF"/>
+                </a:solidFill>
+                <a:latin typeface="+mj-lt"/>
+                <a:ea typeface="+mj-ea"/>
+                <a:cs typeface="+mj-cs"/>
+              </a:rPr>
+              <a:t>V. </a:t>
+            </a:r>
+            <a:r>
+              <a:rPr lang="en-US" sz="3200" kern="1200">
+                <a:solidFill>
+                  <a:srgbClr val="FFFFFF"/>
+                </a:solidFill>
+                <a:latin typeface="+mj-lt"/>
+                <a:ea typeface="+mj-ea"/>
+                <a:cs typeface="+mj-cs"/>
+              </a:rPr>
+              <a:t>Présentation</a:t>
+            </a:r>
+            <a:r>
+              <a:rPr lang="en-US" sz="3200" kern="1200" dirty="0">
+                <a:solidFill>
+                  <a:srgbClr val="FFFFFF"/>
+                </a:solidFill>
+                <a:latin typeface="+mj-lt"/>
+                <a:ea typeface="+mj-ea"/>
+                <a:cs typeface="+mj-cs"/>
+              </a:rPr>
+              <a:t> du DCU</a:t>
+            </a:r>
+          </a:p>
+        </p:txBody>
+      </p:sp>
+      <p:pic>
+        <p:nvPicPr>
+          <p:cNvPr id="8" name="Espace réservé du contenu 7" descr="Une image contenant diagramme, cercle, ligne, motif&#10;&#10;Description générée automatiquement">
+            <a:extLst>
+              <a:ext uri="{FF2B5EF4-FFF2-40B4-BE49-F238E27FC236}">
+                <a16:creationId xmlns:a16="http://schemas.microsoft.com/office/drawing/2014/main" id="{7697465E-19D4-6012-C146-C868EB958A34}"/>
+              </a:ext>
+            </a:extLst>
+          </p:cNvPr>
+          <p:cNvPicPr>
+            <a:picLocks noGrp="1" noChangeAspect="1"/>
+          </p:cNvPicPr>
+          <p:nvPr>
+            <p:ph idx="1"/>
+          </p:nvPr>
+        </p:nvPicPr>
+        <p:blipFill>
+          <a:blip r:embed="rId2"/>
+          <a:stretch>
+            <a:fillRect/>
+          </a:stretch>
+        </p:blipFill>
+        <p:spPr>
+          <a:xfrm>
+            <a:off x="4207933" y="738452"/>
+            <a:ext cx="7347537" cy="5382071"/>
+          </a:xfrm>
+          <a:prstGeom prst="rect">
+            <a:avLst/>
+          </a:prstGeom>
+        </p:spPr>
+      </p:pic>
+      <p:sp>
+        <p:nvSpPr>
+          <p:cNvPr id="5" name="Espace réservé du pied de page 4">
+            <a:extLst>
+              <a:ext uri="{FF2B5EF4-FFF2-40B4-BE49-F238E27FC236}">
+                <a16:creationId xmlns:a16="http://schemas.microsoft.com/office/drawing/2014/main" id="{2D908748-EAFA-6705-763E-67505F094D79}"/>
+              </a:ext>
+            </a:extLst>
+          </p:cNvPr>
+          <p:cNvSpPr>
+            <a:spLocks noGrp="1"/>
+          </p:cNvSpPr>
+          <p:nvPr>
+            <p:ph type="ftr" sz="quarter" idx="11"/>
+          </p:nvPr>
+        </p:nvSpPr>
+        <p:spPr>
+          <a:xfrm>
+            <a:off x="838200" y="6356350"/>
+            <a:ext cx="5960951" cy="365125"/>
+          </a:xfrm>
+          <a:noFill/>
+        </p:spPr>
+        <p:txBody>
+          <a:bodyPr vert="horz" lIns="91440" tIns="45720" rIns="91440" bIns="45720" rtlCol="0" anchor="ctr">
+            <a:normAutofit/>
+          </a:bodyPr>
+          <a:lstStyle/>
+          <a:p>
+            <a:pPr algn="l">
+              <a:spcAft>
+                <a:spcPts val="600"/>
+              </a:spcAft>
+            </a:pPr>
+            <a:r>
+              <a:rPr lang="en-US" kern="1200">
+                <a:solidFill>
+                  <a:schemeClr val="tx1">
+                    <a:tint val="75000"/>
+                  </a:schemeClr>
+                </a:solidFill>
+                <a:latin typeface="+mn-lt"/>
+                <a:ea typeface="+mn-ea"/>
+                <a:cs typeface="+mn-cs"/>
+              </a:rPr>
+              <a:t>Projet Intégrateur L2NEC</a:t>
+            </a:r>
+          </a:p>
+        </p:txBody>
+      </p:sp>
+      <p:sp>
+        <p:nvSpPr>
+          <p:cNvPr id="6" name="Espace réservé du numéro de diapositive 5">
+            <a:extLst>
+              <a:ext uri="{FF2B5EF4-FFF2-40B4-BE49-F238E27FC236}">
+                <a16:creationId xmlns:a16="http://schemas.microsoft.com/office/drawing/2014/main" id="{EC2E1A56-6DD0-E48E-D864-2167282DCDC8}"/>
+              </a:ext>
+            </a:extLst>
+          </p:cNvPr>
+          <p:cNvSpPr>
+            <a:spLocks noGrp="1"/>
+          </p:cNvSpPr>
+          <p:nvPr>
+            <p:ph type="sldNum" sz="quarter" idx="12"/>
+          </p:nvPr>
+        </p:nvSpPr>
+        <p:spPr>
+          <a:xfrm>
+            <a:off x="10926476" y="6356350"/>
+            <a:ext cx="625443" cy="365125"/>
+          </a:xfrm>
+          <a:noFill/>
+        </p:spPr>
+        <p:txBody>
+          <a:bodyPr vert="horz" lIns="91440" tIns="45720" rIns="91440" bIns="45720" rtlCol="0" anchor="ctr">
+            <a:normAutofit/>
+          </a:bodyPr>
+          <a:lstStyle/>
+          <a:p>
+            <a:pPr algn="l">
+              <a:spcAft>
+                <a:spcPts val="600"/>
+              </a:spcAft>
+            </a:pPr>
+            <a:fld id="{915BF9B4-2D6F-7943-B02D-01F59FFE0C5F}" type="slidenum">
+              <a:rPr lang="en-US" smtClean="0">
+                <a:solidFill>
+                  <a:schemeClr val="tx1">
+                    <a:tint val="75000"/>
+                  </a:schemeClr>
+                </a:solidFill>
+              </a:rPr>
+              <a:pPr algn="l">
+                <a:spcAft>
+                  <a:spcPts val="600"/>
+                </a:spcAft>
+              </a:pPr>
+              <a:t>7</a:t>
+            </a:fld>
+            <a:endParaRPr lang="en-US">
+              <a:solidFill>
+                <a:schemeClr val="tx1">
+                  <a:tint val="75000"/>
+                </a:schemeClr>
+              </a:solidFill>
+            </a:endParaRPr>
+          </a:p>
+        </p:txBody>
+      </p:sp>
+    </p:spTree>
+    <p:extLst>
+      <p:ext uri="{BB962C8B-B14F-4D97-AF65-F5344CB8AC3E}">
+        <p14:creationId xmlns:p14="http://schemas.microsoft.com/office/powerpoint/2010/main" val="2265596792"/>
+      </p:ext>
+    </p:extLst>
+  </p:cSld>
+  <p:clrMapOvr>
+    <a:masterClrMapping/>
+  </p:clrMapOvr>
+</p:sld>
+</file>
+
+<file path=ppt/slides/slide8.xml><?xml version="1.0" encoding="utf-8"?>
+<p:sld xmlns:a="http://schemas.openxmlformats.org/drawingml/2006/main" xmlns:r="http://schemas.openxmlformats.org/officeDocument/2006/relationships" xmlns:p="http://schemas.openxmlformats.org/presentationml/2006/main">
+  <p:cSld>
+    <p:bg>
+      <p:bgPr>
+        <a:solidFill>
+          <a:schemeClr val="bg1"/>
+        </a:solidFill>
+        <a:effectLst/>
+      </p:bgPr>
+    </p:bg>
+    <p:spTree>
+      <p:nvGrpSpPr>
+        <p:cNvPr id="1" name=""/>
+        <p:cNvGrpSpPr/>
+        <p:nvPr/>
+      </p:nvGrpSpPr>
+      <p:grpSpPr>
+        <a:xfrm>
+          <a:off x="0" y="0"/>
+          <a:ext cx="0" cy="0"/>
+          <a:chOff x="0" y="0"/>
+          <a:chExt cx="0" cy="0"/>
+        </a:xfrm>
+      </p:grpSpPr>
       <p:sp useBgFill="1">
         <p:nvSpPr>
           <p:cNvPr id="21" name="Rectangle 20">
@@ -8835,7 +9259,7 @@
                   <a:spcPts val="600"/>
                 </a:spcAft>
               </a:pPr>
-              <a:t>7</a:t>
+              <a:t>8</a:t>
             </a:fld>
             <a:endParaRPr lang="en-US">
               <a:solidFill>

--- a/AVANT-PROJET/PrésentationAvantProjet.pptx
+++ b/AVANT-PROJET/PrésentationAvantProjet.pptx
@@ -114,6 +114,11 @@
       </a:defRPr>
     </a:lvl9pPr>
   </p:defaultTextStyle>
+  <p:extLst>
+    <p:ext uri="{EFAFB233-063F-42B5-8137-9DF3F51BA10A}">
+      <p15:sldGuideLst xmlns:p15="http://schemas.microsoft.com/office/powerpoint/2012/main"/>
+    </p:ext>
+  </p:extLst>
 </p:presentation>
 </file>
 
@@ -7699,7 +7704,107 @@
           </a:bodyPr>
           <a:lstStyle/>
           <a:p>
-            <a:endParaRPr lang="en-US" sz="2000">
+            <a:r>
+              <a:rPr lang="en-US" sz="2000" dirty="0">
+                <a:solidFill>
+                  <a:schemeClr val="tx1">
+                    <a:alpha val="80000"/>
+                  </a:schemeClr>
+                </a:solidFill>
+              </a:rPr>
+              <a:t>Une application web </a:t>
+            </a:r>
+            <a:r>
+              <a:rPr lang="en-US" sz="2000" dirty="0" err="1">
+                <a:solidFill>
+                  <a:schemeClr val="tx1">
+                    <a:alpha val="80000"/>
+                  </a:schemeClr>
+                </a:solidFill>
+              </a:rPr>
+              <a:t>permettant</a:t>
+            </a:r>
+            <a:r>
+              <a:rPr lang="en-US" sz="2000" dirty="0">
+                <a:solidFill>
+                  <a:schemeClr val="tx1">
+                    <a:alpha val="80000"/>
+                  </a:schemeClr>
+                </a:solidFill>
+              </a:rPr>
+              <a:t> la reservation de </a:t>
+            </a:r>
+            <a:r>
+              <a:rPr lang="en-US" sz="2000" dirty="0" err="1">
+                <a:solidFill>
+                  <a:schemeClr val="tx1">
+                    <a:alpha val="80000"/>
+                  </a:schemeClr>
+                </a:solidFill>
+              </a:rPr>
+              <a:t>trajets</a:t>
+            </a:r>
+            <a:r>
+              <a:rPr lang="en-US" sz="2000" dirty="0">
+                <a:solidFill>
+                  <a:schemeClr val="tx1">
+                    <a:alpha val="80000"/>
+                  </a:schemeClr>
+                </a:solidFill>
+              </a:rPr>
+              <a:t> entre les </a:t>
+            </a:r>
+            <a:r>
+              <a:rPr lang="en-US" sz="2000" dirty="0" err="1">
+                <a:solidFill>
+                  <a:schemeClr val="tx1">
+                    <a:alpha val="80000"/>
+                  </a:schemeClr>
+                </a:solidFill>
+              </a:rPr>
+              <a:t>différentes</a:t>
+            </a:r>
+            <a:r>
+              <a:rPr lang="en-US" sz="2000" dirty="0">
+                <a:solidFill>
+                  <a:schemeClr val="tx1">
+                    <a:alpha val="80000"/>
+                  </a:schemeClr>
+                </a:solidFill>
+              </a:rPr>
+              <a:t> sites </a:t>
+            </a:r>
+            <a:r>
+              <a:rPr lang="en-US" sz="2000" dirty="0" err="1">
+                <a:solidFill>
+                  <a:schemeClr val="tx1">
+                    <a:alpha val="80000"/>
+                  </a:schemeClr>
+                </a:solidFill>
+              </a:rPr>
+              <a:t>principaux</a:t>
+            </a:r>
+            <a:r>
+              <a:rPr lang="en-US" sz="2000" dirty="0">
+                <a:solidFill>
+                  <a:schemeClr val="tx1">
+                    <a:alpha val="80000"/>
+                  </a:schemeClr>
+                </a:solidFill>
+              </a:rPr>
+              <a:t> de </a:t>
+            </a:r>
+            <a:r>
+              <a:rPr lang="en-US" sz="2000" dirty="0" err="1">
+                <a:solidFill>
+                  <a:schemeClr val="tx1">
+                    <a:alpha val="80000"/>
+                  </a:schemeClr>
+                </a:solidFill>
+              </a:rPr>
+              <a:t>l’UPPA</a:t>
+            </a:r>
+            <a:endParaRPr lang="en-US" sz="2000" dirty="0">
               <a:solidFill>
                 <a:schemeClr val="tx1">
                   <a:alpha val="80000"/>
@@ -7998,56 +8103,6 @@
       </p:sp>
       <p:sp>
         <p:nvSpPr>
-          <p:cNvPr id="3" name="Espace réservé du contenu 2">
-            <a:extLst>
-              <a:ext uri="{FF2B5EF4-FFF2-40B4-BE49-F238E27FC236}">
-                <a16:creationId xmlns:a16="http://schemas.microsoft.com/office/drawing/2014/main" id="{2551A646-CBF6-7C2F-129A-2D78A954C0F3}"/>
-              </a:ext>
-            </a:extLst>
-          </p:cNvPr>
-          <p:cNvSpPr>
-            <a:spLocks noGrp="1"/>
-          </p:cNvSpPr>
-          <p:nvPr>
-            <p:ph sz="half" idx="1"/>
-          </p:nvPr>
-        </p:nvSpPr>
-        <p:spPr/>
-        <p:txBody>
-          <a:bodyPr/>
-          <a:lstStyle/>
-          <a:p>
-            <a:endParaRPr lang="fr-FR" dirty="0"/>
-          </a:p>
-        </p:txBody>
-      </p:sp>
-      <p:sp>
-        <p:nvSpPr>
-          <p:cNvPr id="4" name="Espace réservé du contenu 3">
-            <a:extLst>
-              <a:ext uri="{FF2B5EF4-FFF2-40B4-BE49-F238E27FC236}">
-                <a16:creationId xmlns:a16="http://schemas.microsoft.com/office/drawing/2014/main" id="{3CC7F8AF-7F4C-8231-8F6F-EBA019F9F50D}"/>
-              </a:ext>
-            </a:extLst>
-          </p:cNvPr>
-          <p:cNvSpPr>
-            <a:spLocks noGrp="1"/>
-          </p:cNvSpPr>
-          <p:nvPr>
-            <p:ph sz="half" idx="2"/>
-          </p:nvPr>
-        </p:nvSpPr>
-        <p:spPr/>
-        <p:txBody>
-          <a:bodyPr/>
-          <a:lstStyle/>
-          <a:p>
-            <a:endParaRPr lang="fr-FR"/>
-          </a:p>
-        </p:txBody>
-      </p:sp>
-      <p:sp>
-        <p:nvSpPr>
           <p:cNvPr id="5" name="Espace réservé du pied de page 4">
             <a:extLst>
               <a:ext uri="{FF2B5EF4-FFF2-40B4-BE49-F238E27FC236}">
@@ -8103,6 +8158,313 @@
           </a:p>
         </p:txBody>
       </p:sp>
+      <p:graphicFrame>
+        <p:nvGraphicFramePr>
+          <p:cNvPr id="7" name="Tableau 6">
+            <a:extLst>
+              <a:ext uri="{FF2B5EF4-FFF2-40B4-BE49-F238E27FC236}">
+                <a16:creationId xmlns:a16="http://schemas.microsoft.com/office/drawing/2014/main" id="{71471FD8-0204-A0EE-7902-4D66C0A808ED}"/>
+              </a:ext>
+            </a:extLst>
+          </p:cNvPr>
+          <p:cNvGraphicFramePr>
+            <a:graphicFrameLocks noGrp="1"/>
+          </p:cNvGraphicFramePr>
+          <p:nvPr>
+            <p:extLst>
+              <p:ext uri="{D42A27DB-BD31-4B8C-83A1-F6EECF244321}">
+                <p14:modId xmlns:p14="http://schemas.microsoft.com/office/powerpoint/2010/main" val="3210086856"/>
+              </p:ext>
+            </p:extLst>
+          </p:nvPr>
+        </p:nvGraphicFramePr>
+        <p:xfrm>
+          <a:off x="2016369" y="1909237"/>
+          <a:ext cx="8159261" cy="3039526"/>
+        </p:xfrm>
+        <a:graphic>
+          <a:graphicData uri="http://schemas.openxmlformats.org/drawingml/2006/table">
+            <a:tbl>
+              <a:tblPr firstRow="1" firstCol="1" bandRow="1">
+                <a:tableStyleId>{5C22544A-7EE6-4342-B048-85BDC9FD1C3A}</a:tableStyleId>
+              </a:tblPr>
+              <a:tblGrid>
+                <a:gridCol w="2719149">
+                  <a:extLst>
+                    <a:ext uri="{9D8B030D-6E8A-4147-A177-3AD203B41FA5}">
+                      <a16:colId xmlns:a16="http://schemas.microsoft.com/office/drawing/2014/main" val="1401251220"/>
+                    </a:ext>
+                  </a:extLst>
+                </a:gridCol>
+                <a:gridCol w="2720056">
+                  <a:extLst>
+                    <a:ext uri="{9D8B030D-6E8A-4147-A177-3AD203B41FA5}">
+                      <a16:colId xmlns:a16="http://schemas.microsoft.com/office/drawing/2014/main" val="4181370447"/>
+                    </a:ext>
+                  </a:extLst>
+                </a:gridCol>
+                <a:gridCol w="2720056">
+                  <a:extLst>
+                    <a:ext uri="{9D8B030D-6E8A-4147-A177-3AD203B41FA5}">
+                      <a16:colId xmlns:a16="http://schemas.microsoft.com/office/drawing/2014/main" val="4263578601"/>
+                    </a:ext>
+                  </a:extLst>
+                </a:gridCol>
+              </a:tblGrid>
+              <a:tr h="640814">
+                <a:tc>
+                  <a:txBody>
+                    <a:bodyPr/>
+                    <a:lstStyle/>
+                    <a:p>
+                      <a:pPr algn="l">
+                        <a:lnSpc>
+                          <a:spcPct val="107000"/>
+                        </a:lnSpc>
+                        <a:spcAft>
+                          <a:spcPts val="800"/>
+                        </a:spcAft>
+                      </a:pPr>
+                      <a:r>
+                        <a:rPr lang="fr-FR" sz="2400" kern="100" dirty="0">
+                          <a:effectLst/>
+                        </a:rPr>
+                        <a:t> </a:t>
+                      </a:r>
+                      <a:endParaRPr lang="fr-FR" sz="2400" kern="100" dirty="0">
+                        <a:effectLst/>
+                        <a:latin typeface="Aptos" panose="020B0004020202020204" pitchFamily="34" charset="0"/>
+                        <a:ea typeface="Aptos" panose="020B0004020202020204" pitchFamily="34" charset="0"/>
+                        <a:cs typeface="Times New Roman" panose="02020603050405020304" pitchFamily="18" charset="0"/>
+                      </a:endParaRPr>
+                    </a:p>
+                  </a:txBody>
+                  <a:tcPr marL="45041" marR="45041" marT="0" marB="0"/>
+                </a:tc>
+                <a:tc>
+                  <a:txBody>
+                    <a:bodyPr/>
+                    <a:lstStyle/>
+                    <a:p>
+                      <a:r>
+                        <a:rPr lang="fr-FR" sz="2400" dirty="0"/>
+                        <a:t>Positif</a:t>
+                      </a:r>
+                    </a:p>
+                  </a:txBody>
+                  <a:tcPr marL="45041" marR="45041" marT="0" marB="0"/>
+                </a:tc>
+                <a:tc>
+                  <a:txBody>
+                    <a:bodyPr/>
+                    <a:lstStyle/>
+                    <a:p>
+                      <a:r>
+                        <a:rPr lang="fr-FR" sz="2400" dirty="0"/>
+                        <a:t>Négatif</a:t>
+                      </a:r>
+                    </a:p>
+                  </a:txBody>
+                  <a:tcPr marL="60054" marR="60054" marT="30027" marB="30027"/>
+                </a:tc>
+                <a:extLst>
+                  <a:ext uri="{0D108BD9-81ED-4DB2-BD59-A6C34878D82A}">
+                    <a16:rowId xmlns:a16="http://schemas.microsoft.com/office/drawing/2014/main" val="2046048471"/>
+                  </a:ext>
+                </a:extLst>
+              </a:tr>
+              <a:tr h="1164616">
+                <a:tc>
+                  <a:txBody>
+                    <a:bodyPr/>
+                    <a:lstStyle/>
+                    <a:p>
+                      <a:pPr algn="l">
+                        <a:lnSpc>
+                          <a:spcPct val="107000"/>
+                        </a:lnSpc>
+                        <a:spcAft>
+                          <a:spcPts val="800"/>
+                        </a:spcAft>
+                      </a:pPr>
+                      <a:r>
+                        <a:rPr lang="fr-FR" sz="1600" kern="0" dirty="0">
+                          <a:effectLst/>
+                        </a:rPr>
+                        <a:t>Origine interne</a:t>
+                      </a:r>
+                      <a:endParaRPr lang="fr-FR" sz="1600" kern="100" dirty="0">
+                        <a:effectLst/>
+                        <a:latin typeface="Aptos" panose="020B0004020202020204" pitchFamily="34" charset="0"/>
+                        <a:ea typeface="Aptos" panose="020B0004020202020204" pitchFamily="34" charset="0"/>
+                        <a:cs typeface="Times New Roman" panose="02020603050405020304" pitchFamily="18" charset="0"/>
+                      </a:endParaRPr>
+                    </a:p>
+                  </a:txBody>
+                  <a:tcPr marL="45041" marR="45041" marT="0" marB="0"/>
+                </a:tc>
+                <a:tc>
+                  <a:txBody>
+                    <a:bodyPr/>
+                    <a:lstStyle/>
+                    <a:p>
+                      <a:pPr algn="l">
+                        <a:lnSpc>
+                          <a:spcPct val="107000"/>
+                        </a:lnSpc>
+                        <a:spcAft>
+                          <a:spcPts val="800"/>
+                        </a:spcAft>
+                      </a:pPr>
+                      <a:r>
+                        <a:rPr lang="fr-FR" sz="1600" kern="100" dirty="0">
+                          <a:effectLst/>
+                        </a:rPr>
+                        <a:t>Conscience des fonctionnalités nécessaires du site </a:t>
+                      </a:r>
+                      <a:endParaRPr lang="fr-FR" sz="1600" kern="100" dirty="0">
+                        <a:effectLst/>
+                        <a:latin typeface="Aptos" panose="020B0004020202020204" pitchFamily="34" charset="0"/>
+                        <a:ea typeface="Aptos" panose="020B0004020202020204" pitchFamily="34" charset="0"/>
+                        <a:cs typeface="Times New Roman" panose="02020603050405020304" pitchFamily="18" charset="0"/>
+                      </a:endParaRPr>
+                    </a:p>
+                  </a:txBody>
+                  <a:tcPr marL="45041" marR="45041" marT="0" marB="0"/>
+                </a:tc>
+                <a:tc>
+                  <a:txBody>
+                    <a:bodyPr/>
+                    <a:lstStyle/>
+                    <a:p>
+                      <a:pPr algn="l">
+                        <a:lnSpc>
+                          <a:spcPct val="107000"/>
+                        </a:lnSpc>
+                        <a:spcAft>
+                          <a:spcPts val="800"/>
+                        </a:spcAft>
+                      </a:pPr>
+                      <a:r>
+                        <a:rPr lang="fr-FR" sz="1600" kern="100" dirty="0">
+                          <a:effectLst/>
+                        </a:rPr>
+                        <a:t>Fonctionnalités compliquées à mettre en place </a:t>
+                      </a:r>
+                      <a:endParaRPr lang="fr-FR" sz="1600" kern="100" dirty="0">
+                        <a:effectLst/>
+                        <a:latin typeface="Aptos" panose="020B0004020202020204" pitchFamily="34" charset="0"/>
+                        <a:ea typeface="Aptos" panose="020B0004020202020204" pitchFamily="34" charset="0"/>
+                        <a:cs typeface="Times New Roman" panose="02020603050405020304" pitchFamily="18" charset="0"/>
+                      </a:endParaRPr>
+                    </a:p>
+                  </a:txBody>
+                  <a:tcPr marL="45041" marR="45041" marT="0" marB="0"/>
+                </a:tc>
+                <a:extLst>
+                  <a:ext uri="{0D108BD9-81ED-4DB2-BD59-A6C34878D82A}">
+                    <a16:rowId xmlns:a16="http://schemas.microsoft.com/office/drawing/2014/main" val="1532254931"/>
+                  </a:ext>
+                </a:extLst>
+              </a:tr>
+              <a:tr h="1234096">
+                <a:tc>
+                  <a:txBody>
+                    <a:bodyPr/>
+                    <a:lstStyle/>
+                    <a:p>
+                      <a:pPr algn="l">
+                        <a:lnSpc>
+                          <a:spcPct val="107000"/>
+                        </a:lnSpc>
+                        <a:spcAft>
+                          <a:spcPts val="800"/>
+                        </a:spcAft>
+                      </a:pPr>
+                      <a:r>
+                        <a:rPr lang="fr-FR" sz="1600" kern="0">
+                          <a:effectLst/>
+                        </a:rPr>
+                        <a:t>Origine externe</a:t>
+                      </a:r>
+                      <a:endParaRPr lang="fr-FR" sz="1600" kern="100">
+                        <a:effectLst/>
+                        <a:latin typeface="Aptos" panose="020B0004020202020204" pitchFamily="34" charset="0"/>
+                        <a:ea typeface="Aptos" panose="020B0004020202020204" pitchFamily="34" charset="0"/>
+                        <a:cs typeface="Times New Roman" panose="02020603050405020304" pitchFamily="18" charset="0"/>
+                      </a:endParaRPr>
+                    </a:p>
+                  </a:txBody>
+                  <a:tcPr marL="45041" marR="45041" marT="0" marB="0"/>
+                </a:tc>
+                <a:tc>
+                  <a:txBody>
+                    <a:bodyPr/>
+                    <a:lstStyle/>
+                    <a:p>
+                      <a:pPr algn="l">
+                        <a:lnSpc>
+                          <a:spcPct val="107000"/>
+                        </a:lnSpc>
+                        <a:spcAft>
+                          <a:spcPts val="800"/>
+                        </a:spcAft>
+                      </a:pPr>
+                      <a:r>
+                        <a:rPr lang="fr-FR" sz="1600" kern="100" dirty="0">
+                          <a:effectLst/>
+                        </a:rPr>
+                        <a:t>Utilité concrète et besoin immédiat d’un site </a:t>
+                      </a:r>
+                      <a:endParaRPr lang="fr-FR" sz="1600" kern="100" dirty="0">
+                        <a:effectLst/>
+                        <a:latin typeface="Aptos" panose="020B0004020202020204" pitchFamily="34" charset="0"/>
+                        <a:ea typeface="Aptos" panose="020B0004020202020204" pitchFamily="34" charset="0"/>
+                        <a:cs typeface="Times New Roman" panose="02020603050405020304" pitchFamily="18" charset="0"/>
+                      </a:endParaRPr>
+                    </a:p>
+                  </a:txBody>
+                  <a:tcPr marL="45041" marR="45041" marT="0" marB="0"/>
+                </a:tc>
+                <a:tc>
+                  <a:txBody>
+                    <a:bodyPr/>
+                    <a:lstStyle/>
+                    <a:p>
+                      <a:pPr algn="l">
+                        <a:lnSpc>
+                          <a:spcPct val="107000"/>
+                        </a:lnSpc>
+                        <a:spcAft>
+                          <a:spcPts val="800"/>
+                        </a:spcAft>
+                      </a:pPr>
+                      <a:r>
+                        <a:rPr lang="fr-FR" sz="1600" kern="100" dirty="0">
+                          <a:effectLst/>
+                        </a:rPr>
+                        <a:t>Repose sur l’UPPA, si le projet est annulé, plus d’utilité pour notre site</a:t>
+                      </a:r>
+                      <a:endParaRPr lang="fr-FR" sz="1600" kern="100" dirty="0">
+                        <a:effectLst/>
+                        <a:latin typeface="Aptos" panose="020B0004020202020204" pitchFamily="34" charset="0"/>
+                        <a:ea typeface="Aptos" panose="020B0004020202020204" pitchFamily="34" charset="0"/>
+                        <a:cs typeface="Times New Roman" panose="02020603050405020304" pitchFamily="18" charset="0"/>
+                      </a:endParaRPr>
+                    </a:p>
+                  </a:txBody>
+                  <a:tcPr marL="45041" marR="45041" marT="0" marB="0"/>
+                </a:tc>
+                <a:extLst>
+                  <a:ext uri="{0D108BD9-81ED-4DB2-BD59-A6C34878D82A}">
+                    <a16:rowId xmlns:a16="http://schemas.microsoft.com/office/drawing/2014/main" val="100518582"/>
+                  </a:ext>
+                </a:extLst>
+              </a:tr>
+            </a:tbl>
+          </a:graphicData>
+        </a:graphic>
+      </p:graphicFrame>
     </p:spTree>
     <p:extLst>
       <p:ext uri="{BB962C8B-B14F-4D97-AF65-F5344CB8AC3E}">
@@ -8166,56 +8528,6 @@
       </p:sp>
       <p:sp>
         <p:nvSpPr>
-          <p:cNvPr id="3" name="Espace réservé du contenu 2">
-            <a:extLst>
-              <a:ext uri="{FF2B5EF4-FFF2-40B4-BE49-F238E27FC236}">
-                <a16:creationId xmlns:a16="http://schemas.microsoft.com/office/drawing/2014/main" id="{6FCC2CF2-F62F-E695-5F52-C92C05F736B6}"/>
-              </a:ext>
-            </a:extLst>
-          </p:cNvPr>
-          <p:cNvSpPr>
-            <a:spLocks noGrp="1"/>
-          </p:cNvSpPr>
-          <p:nvPr>
-            <p:ph sz="half" idx="1"/>
-          </p:nvPr>
-        </p:nvSpPr>
-        <p:spPr/>
-        <p:txBody>
-          <a:bodyPr/>
-          <a:lstStyle/>
-          <a:p>
-            <a:endParaRPr lang="fr-FR"/>
-          </a:p>
-        </p:txBody>
-      </p:sp>
-      <p:sp>
-        <p:nvSpPr>
-          <p:cNvPr id="4" name="Espace réservé du contenu 3">
-            <a:extLst>
-              <a:ext uri="{FF2B5EF4-FFF2-40B4-BE49-F238E27FC236}">
-                <a16:creationId xmlns:a16="http://schemas.microsoft.com/office/drawing/2014/main" id="{82F96B8B-D3AC-418E-4550-2B022787B8E6}"/>
-              </a:ext>
-            </a:extLst>
-          </p:cNvPr>
-          <p:cNvSpPr>
-            <a:spLocks noGrp="1"/>
-          </p:cNvSpPr>
-          <p:nvPr>
-            <p:ph sz="half" idx="2"/>
-          </p:nvPr>
-        </p:nvSpPr>
-        <p:spPr/>
-        <p:txBody>
-          <a:bodyPr/>
-          <a:lstStyle/>
-          <a:p>
-            <a:endParaRPr lang="fr-FR"/>
-          </a:p>
-        </p:txBody>
-      </p:sp>
-      <p:sp>
-        <p:nvSpPr>
           <p:cNvPr id="5" name="Espace réservé du pied de page 4">
             <a:extLst>
               <a:ext uri="{FF2B5EF4-FFF2-40B4-BE49-F238E27FC236}">
@@ -8271,6 +8583,454 @@
           </a:p>
         </p:txBody>
       </p:sp>
+      <p:graphicFrame>
+        <p:nvGraphicFramePr>
+          <p:cNvPr id="7" name="Tableau 6">
+            <a:extLst>
+              <a:ext uri="{FF2B5EF4-FFF2-40B4-BE49-F238E27FC236}">
+                <a16:creationId xmlns:a16="http://schemas.microsoft.com/office/drawing/2014/main" id="{3FCEAEBF-B9AE-DCA1-1638-3D0F52AADFDA}"/>
+              </a:ext>
+            </a:extLst>
+          </p:cNvPr>
+          <p:cNvGraphicFramePr>
+            <a:graphicFrameLocks noGrp="1"/>
+          </p:cNvGraphicFramePr>
+          <p:nvPr>
+            <p:extLst>
+              <p:ext uri="{D42A27DB-BD31-4B8C-83A1-F6EECF244321}">
+                <p14:modId xmlns:p14="http://schemas.microsoft.com/office/powerpoint/2010/main" val="2573137740"/>
+              </p:ext>
+            </p:extLst>
+          </p:nvPr>
+        </p:nvGraphicFramePr>
+        <p:xfrm>
+          <a:off x="2590800" y="1680395"/>
+          <a:ext cx="7010400" cy="4130296"/>
+        </p:xfrm>
+        <a:graphic>
+          <a:graphicData uri="http://schemas.openxmlformats.org/drawingml/2006/table">
+            <a:tbl>
+              <a:tblPr firstRow="1" firstCol="1" bandRow="1">
+                <a:tableStyleId>{5C22544A-7EE6-4342-B048-85BDC9FD1C3A}</a:tableStyleId>
+              </a:tblPr>
+              <a:tblGrid>
+                <a:gridCol w="3505200">
+                  <a:extLst>
+                    <a:ext uri="{9D8B030D-6E8A-4147-A177-3AD203B41FA5}">
+                      <a16:colId xmlns:a16="http://schemas.microsoft.com/office/drawing/2014/main" val="3073079697"/>
+                    </a:ext>
+                  </a:extLst>
+                </a:gridCol>
+                <a:gridCol w="3505200">
+                  <a:extLst>
+                    <a:ext uri="{9D8B030D-6E8A-4147-A177-3AD203B41FA5}">
+                      <a16:colId xmlns:a16="http://schemas.microsoft.com/office/drawing/2014/main" val="2834109006"/>
+                    </a:ext>
+                  </a:extLst>
+                </a:gridCol>
+              </a:tblGrid>
+              <a:tr h="0">
+                <a:tc>
+                  <a:txBody>
+                    <a:bodyPr/>
+                    <a:lstStyle/>
+                    <a:p>
+                      <a:pPr>
+                        <a:lnSpc>
+                          <a:spcPct val="107000"/>
+                        </a:lnSpc>
+                        <a:spcAft>
+                          <a:spcPts val="800"/>
+                        </a:spcAft>
+                      </a:pPr>
+                      <a:r>
+                        <a:rPr lang="fr-FR" sz="1600" kern="100" dirty="0" err="1">
+                          <a:effectLst/>
+                        </a:rPr>
+                        <a:t>S-pecifique</a:t>
+                      </a:r>
+                      <a:endParaRPr lang="fr-FR" sz="1600" kern="100" dirty="0">
+                        <a:effectLst/>
+                        <a:latin typeface="Aptos" panose="020B0004020202020204" pitchFamily="34" charset="0"/>
+                        <a:ea typeface="Aptos" panose="020B0004020202020204" pitchFamily="34" charset="0"/>
+                        <a:cs typeface="Times New Roman" panose="02020603050405020304" pitchFamily="18" charset="0"/>
+                      </a:endParaRPr>
+                    </a:p>
+                  </a:txBody>
+                  <a:tcPr marL="68580" marR="68580" marT="0" marB="0"/>
+                </a:tc>
+                <a:tc>
+                  <a:txBody>
+                    <a:bodyPr/>
+                    <a:lstStyle/>
+                    <a:p>
+                      <a:pPr>
+                        <a:lnSpc>
+                          <a:spcPct val="107000"/>
+                        </a:lnSpc>
+                        <a:spcAft>
+                          <a:spcPts val="800"/>
+                        </a:spcAft>
+                      </a:pPr>
+                      <a:r>
+                        <a:rPr lang="fr-FR" sz="1600" b="0" kern="100" dirty="0">
+                          <a:solidFill>
+                            <a:schemeClr val="tx1"/>
+                          </a:solidFill>
+                          <a:effectLst/>
+                        </a:rPr>
+                        <a:t>créer un site qui permettrai à des utilisateurs de l’</a:t>
+                      </a:r>
+                      <a:r>
+                        <a:rPr lang="fr-FR" sz="1600" b="0" kern="100" dirty="0" err="1">
+                          <a:solidFill>
+                            <a:schemeClr val="tx1"/>
+                          </a:solidFill>
+                          <a:effectLst/>
+                        </a:rPr>
+                        <a:t>uppa</a:t>
+                      </a:r>
+                      <a:r>
+                        <a:rPr lang="fr-FR" sz="1600" b="0" kern="100" dirty="0">
+                          <a:solidFill>
+                            <a:schemeClr val="tx1"/>
+                          </a:solidFill>
+                          <a:effectLst/>
+                        </a:rPr>
+                        <a:t> de réserver des trajets de navette (Anglet</a:t>
+                      </a:r>
+                      <a:r>
+                        <a:rPr lang="fr-FR" sz="1600" b="0" kern="100" dirty="0">
+                          <a:solidFill>
+                            <a:schemeClr val="tx1"/>
+                          </a:solidFill>
+                          <a:effectLst/>
+                          <a:sym typeface="Wingdings" panose="05000000000000000000" pitchFamily="2" charset="2"/>
+                        </a:rPr>
+                        <a:t></a:t>
+                      </a:r>
+                      <a:r>
+                        <a:rPr lang="fr-FR" sz="1600" b="0" kern="100" dirty="0">
+                          <a:solidFill>
+                            <a:schemeClr val="tx1"/>
+                          </a:solidFill>
+                          <a:effectLst/>
+                        </a:rPr>
+                        <a:t>Pau) simplement </a:t>
+                      </a:r>
+                      <a:endParaRPr lang="fr-FR" sz="1600" b="0" kern="100" dirty="0">
+                        <a:solidFill>
+                          <a:schemeClr val="tx1"/>
+                        </a:solidFill>
+                        <a:effectLst/>
+                        <a:latin typeface="Aptos" panose="020B0004020202020204" pitchFamily="34" charset="0"/>
+                        <a:ea typeface="Aptos" panose="020B0004020202020204" pitchFamily="34" charset="0"/>
+                        <a:cs typeface="Times New Roman" panose="02020603050405020304" pitchFamily="18" charset="0"/>
+                      </a:endParaRPr>
+                    </a:p>
+                  </a:txBody>
+                  <a:tcPr marL="68580" marR="68580" marT="0" marB="0">
+                    <a:solidFill>
+                      <a:schemeClr val="bg1">
+                        <a:lumMod val="95000"/>
+                      </a:schemeClr>
+                    </a:solidFill>
+                  </a:tcPr>
+                </a:tc>
+                <a:extLst>
+                  <a:ext uri="{0D108BD9-81ED-4DB2-BD59-A6C34878D82A}">
+                    <a16:rowId xmlns:a16="http://schemas.microsoft.com/office/drawing/2014/main" val="858802567"/>
+                  </a:ext>
+                </a:extLst>
+              </a:tr>
+              <a:tr h="0">
+                <a:tc>
+                  <a:txBody>
+                    <a:bodyPr/>
+                    <a:lstStyle/>
+                    <a:p>
+                      <a:pPr>
+                        <a:lnSpc>
+                          <a:spcPct val="107000"/>
+                        </a:lnSpc>
+                        <a:spcAft>
+                          <a:spcPts val="800"/>
+                        </a:spcAft>
+                      </a:pPr>
+                      <a:r>
+                        <a:rPr lang="fr-FR" sz="1600" kern="100" dirty="0" err="1">
+                          <a:effectLst/>
+                        </a:rPr>
+                        <a:t>M-esurable</a:t>
+                      </a:r>
+                      <a:endParaRPr lang="fr-FR" sz="1600" kern="100" dirty="0">
+                        <a:effectLst/>
+                        <a:latin typeface="Aptos" panose="020B0004020202020204" pitchFamily="34" charset="0"/>
+                        <a:ea typeface="Aptos" panose="020B0004020202020204" pitchFamily="34" charset="0"/>
+                        <a:cs typeface="Times New Roman" panose="02020603050405020304" pitchFamily="18" charset="0"/>
+                      </a:endParaRPr>
+                    </a:p>
+                  </a:txBody>
+                  <a:tcPr marL="68580" marR="68580" marT="0" marB="0"/>
+                </a:tc>
+                <a:tc>
+                  <a:txBody>
+                    <a:bodyPr/>
+                    <a:lstStyle/>
+                    <a:p>
+                      <a:pPr>
+                        <a:lnSpc>
+                          <a:spcPct val="107000"/>
+                        </a:lnSpc>
+                        <a:spcAft>
+                          <a:spcPts val="800"/>
+                        </a:spcAft>
+                      </a:pPr>
+                      <a:r>
+                        <a:rPr lang="fr-FR" sz="1600" kern="100" dirty="0">
+                          <a:effectLst/>
+                        </a:rPr>
+                        <a:t>Il faut que les réservations persistent, soient annulables, modifiables, consultables</a:t>
+                      </a:r>
+                      <a:endParaRPr lang="fr-FR" sz="1600" kern="100" dirty="0">
+                        <a:effectLst/>
+                        <a:latin typeface="Aptos" panose="020B0004020202020204" pitchFamily="34" charset="0"/>
+                        <a:ea typeface="Aptos" panose="020B0004020202020204" pitchFamily="34" charset="0"/>
+                        <a:cs typeface="Times New Roman" panose="02020603050405020304" pitchFamily="18" charset="0"/>
+                      </a:endParaRPr>
+                    </a:p>
+                  </a:txBody>
+                  <a:tcPr marL="68580" marR="68580" marT="0" marB="0">
+                    <a:solidFill>
+                      <a:schemeClr val="bg1">
+                        <a:lumMod val="95000"/>
+                      </a:schemeClr>
+                    </a:solidFill>
+                  </a:tcPr>
+                </a:tc>
+                <a:extLst>
+                  <a:ext uri="{0D108BD9-81ED-4DB2-BD59-A6C34878D82A}">
+                    <a16:rowId xmlns:a16="http://schemas.microsoft.com/office/drawing/2014/main" val="3551205002"/>
+                  </a:ext>
+                </a:extLst>
+              </a:tr>
+              <a:tr h="0">
+                <a:tc>
+                  <a:txBody>
+                    <a:bodyPr/>
+                    <a:lstStyle/>
+                    <a:p>
+                      <a:pPr>
+                        <a:lnSpc>
+                          <a:spcPct val="107000"/>
+                        </a:lnSpc>
+                        <a:spcAft>
+                          <a:spcPts val="800"/>
+                        </a:spcAft>
+                      </a:pPr>
+                      <a:r>
+                        <a:rPr lang="fr-FR" sz="1600" kern="100" dirty="0" err="1">
+                          <a:effectLst/>
+                        </a:rPr>
+                        <a:t>A-tteignable</a:t>
+                      </a:r>
+                      <a:endParaRPr lang="fr-FR" sz="1600" kern="100" dirty="0">
+                        <a:effectLst/>
+                        <a:latin typeface="Aptos" panose="020B0004020202020204" pitchFamily="34" charset="0"/>
+                        <a:ea typeface="Aptos" panose="020B0004020202020204" pitchFamily="34" charset="0"/>
+                        <a:cs typeface="Times New Roman" panose="02020603050405020304" pitchFamily="18" charset="0"/>
+                      </a:endParaRPr>
+                    </a:p>
+                  </a:txBody>
+                  <a:tcPr marL="68580" marR="68580" marT="0" marB="0"/>
+                </a:tc>
+                <a:tc>
+                  <a:txBody>
+                    <a:bodyPr/>
+                    <a:lstStyle/>
+                    <a:p>
+                      <a:pPr>
+                        <a:lnSpc>
+                          <a:spcPct val="107000"/>
+                        </a:lnSpc>
+                        <a:spcAft>
+                          <a:spcPts val="800"/>
+                        </a:spcAft>
+                      </a:pPr>
+                      <a:r>
+                        <a:rPr lang="fr-FR" sz="1600" kern="100" dirty="0">
+                          <a:effectLst/>
+                        </a:rPr>
+                        <a:t>Avoir un site qui fonctionne et permet de faire des réservations, de les afficher, et de remplir un BD</a:t>
+                      </a:r>
+                      <a:endParaRPr lang="fr-FR" sz="1600" kern="100" dirty="0">
+                        <a:effectLst/>
+                        <a:latin typeface="Aptos" panose="020B0004020202020204" pitchFamily="34" charset="0"/>
+                        <a:ea typeface="Aptos" panose="020B0004020202020204" pitchFamily="34" charset="0"/>
+                        <a:cs typeface="Times New Roman" panose="02020603050405020304" pitchFamily="18" charset="0"/>
+                      </a:endParaRPr>
+                    </a:p>
+                  </a:txBody>
+                  <a:tcPr marL="68580" marR="68580" marT="0" marB="0">
+                    <a:solidFill>
+                      <a:schemeClr val="bg1">
+                        <a:lumMod val="95000"/>
+                      </a:schemeClr>
+                    </a:solidFill>
+                  </a:tcPr>
+                </a:tc>
+                <a:extLst>
+                  <a:ext uri="{0D108BD9-81ED-4DB2-BD59-A6C34878D82A}">
+                    <a16:rowId xmlns:a16="http://schemas.microsoft.com/office/drawing/2014/main" val="159999712"/>
+                  </a:ext>
+                </a:extLst>
+              </a:tr>
+              <a:tr h="0">
+                <a:tc>
+                  <a:txBody>
+                    <a:bodyPr/>
+                    <a:lstStyle/>
+                    <a:p>
+                      <a:pPr>
+                        <a:lnSpc>
+                          <a:spcPct val="107000"/>
+                        </a:lnSpc>
+                        <a:spcAft>
+                          <a:spcPts val="800"/>
+                        </a:spcAft>
+                      </a:pPr>
+                      <a:r>
+                        <a:rPr lang="fr-FR" sz="1600" kern="100">
+                          <a:effectLst/>
+                        </a:rPr>
+                        <a:t>R-elevant</a:t>
+                      </a:r>
+                      <a:endParaRPr lang="fr-FR" sz="1600" kern="100">
+                        <a:effectLst/>
+                        <a:latin typeface="Aptos" panose="020B0004020202020204" pitchFamily="34" charset="0"/>
+                        <a:ea typeface="Aptos" panose="020B0004020202020204" pitchFamily="34" charset="0"/>
+                        <a:cs typeface="Times New Roman" panose="02020603050405020304" pitchFamily="18" charset="0"/>
+                      </a:endParaRPr>
+                    </a:p>
+                  </a:txBody>
+                  <a:tcPr marL="68580" marR="68580" marT="0" marB="0"/>
+                </a:tc>
+                <a:tc>
+                  <a:txBody>
+                    <a:bodyPr/>
+                    <a:lstStyle/>
+                    <a:p>
+                      <a:pPr>
+                        <a:lnSpc>
+                          <a:spcPct val="107000"/>
+                        </a:lnSpc>
+                        <a:spcAft>
+                          <a:spcPts val="800"/>
+                        </a:spcAft>
+                      </a:pPr>
+                      <a:r>
+                        <a:rPr lang="fr-FR" sz="1600" kern="100" dirty="0">
+                          <a:effectLst/>
+                        </a:rPr>
+                        <a:t> </a:t>
+                      </a:r>
+                      <a:endParaRPr lang="fr-FR" sz="1600" kern="100" dirty="0">
+                        <a:effectLst/>
+                        <a:latin typeface="Aptos" panose="020B0004020202020204" pitchFamily="34" charset="0"/>
+                        <a:ea typeface="Aptos" panose="020B0004020202020204" pitchFamily="34" charset="0"/>
+                        <a:cs typeface="Times New Roman" panose="02020603050405020304" pitchFamily="18" charset="0"/>
+                      </a:endParaRPr>
+                    </a:p>
+                  </a:txBody>
+                  <a:tcPr marL="68580" marR="68580" marT="0" marB="0">
+                    <a:solidFill>
+                      <a:schemeClr val="bg1">
+                        <a:lumMod val="95000"/>
+                      </a:schemeClr>
+                    </a:solidFill>
+                  </a:tcPr>
+                </a:tc>
+                <a:extLst>
+                  <a:ext uri="{0D108BD9-81ED-4DB2-BD59-A6C34878D82A}">
+                    <a16:rowId xmlns:a16="http://schemas.microsoft.com/office/drawing/2014/main" val="2208766348"/>
+                  </a:ext>
+                </a:extLst>
+              </a:tr>
+              <a:tr h="0">
+                <a:tc>
+                  <a:txBody>
+                    <a:bodyPr/>
+                    <a:lstStyle/>
+                    <a:p>
+                      <a:pPr>
+                        <a:lnSpc>
+                          <a:spcPct val="107000"/>
+                        </a:lnSpc>
+                        <a:spcAft>
+                          <a:spcPts val="800"/>
+                        </a:spcAft>
+                      </a:pPr>
+                      <a:r>
+                        <a:rPr lang="fr-FR" sz="1600" kern="100">
+                          <a:effectLst/>
+                        </a:rPr>
+                        <a:t>T-emporellement</a:t>
+                      </a:r>
+                      <a:endParaRPr lang="fr-FR" sz="1600" kern="100">
+                        <a:effectLst/>
+                        <a:latin typeface="Aptos" panose="020B0004020202020204" pitchFamily="34" charset="0"/>
+                        <a:ea typeface="Aptos" panose="020B0004020202020204" pitchFamily="34" charset="0"/>
+                        <a:cs typeface="Times New Roman" panose="02020603050405020304" pitchFamily="18" charset="0"/>
+                      </a:endParaRPr>
+                    </a:p>
+                  </a:txBody>
+                  <a:tcPr marL="68580" marR="68580" marT="0" marB="0"/>
+                </a:tc>
+                <a:tc>
+                  <a:txBody>
+                    <a:bodyPr/>
+                    <a:lstStyle/>
+                    <a:p>
+                      <a:pPr>
+                        <a:lnSpc>
+                          <a:spcPct val="107000"/>
+                        </a:lnSpc>
+                        <a:spcAft>
+                          <a:spcPts val="800"/>
+                        </a:spcAft>
+                      </a:pPr>
+                      <a:r>
+                        <a:rPr lang="fr-FR" sz="1600" kern="100" dirty="0">
+                          <a:effectLst/>
+                        </a:rPr>
+                        <a:t>Une bonne ébauche pour le 18 mars (?) pour le présenter et motiver l’administration à garder la navette et finir projet pour le 7 mai (dernier cours)</a:t>
+                      </a:r>
+                      <a:endParaRPr lang="fr-FR" sz="1600" kern="100" dirty="0">
+                        <a:effectLst/>
+                        <a:latin typeface="Aptos" panose="020B0004020202020204" pitchFamily="34" charset="0"/>
+                        <a:ea typeface="Aptos" panose="020B0004020202020204" pitchFamily="34" charset="0"/>
+                        <a:cs typeface="Times New Roman" panose="02020603050405020304" pitchFamily="18" charset="0"/>
+                      </a:endParaRPr>
+                    </a:p>
+                  </a:txBody>
+                  <a:tcPr marL="68580" marR="68580" marT="0" marB="0">
+                    <a:solidFill>
+                      <a:schemeClr val="bg1">
+                        <a:lumMod val="95000"/>
+                      </a:schemeClr>
+                    </a:solidFill>
+                  </a:tcPr>
+                </a:tc>
+                <a:extLst>
+                  <a:ext uri="{0D108BD9-81ED-4DB2-BD59-A6C34878D82A}">
+                    <a16:rowId xmlns:a16="http://schemas.microsoft.com/office/drawing/2014/main" val="1951482758"/>
+                  </a:ext>
+                </a:extLst>
+              </a:tr>
+            </a:tbl>
+          </a:graphicData>
+        </a:graphic>
+      </p:graphicFrame>
     </p:spTree>
     <p:extLst>
       <p:ext uri="{BB962C8B-B14F-4D97-AF65-F5344CB8AC3E}">
@@ -8720,38 +9480,6 @@
           </a:p>
         </p:txBody>
       </p:sp>
-      <p:pic>
-        <p:nvPicPr>
-          <p:cNvPr id="8" name="Espace réservé du contenu 7" descr="Une image contenant diagramme, cercle, ligne, motif&#10;&#10;Description générée automatiquement">
-            <a:extLst>
-              <a:ext uri="{FF2B5EF4-FFF2-40B4-BE49-F238E27FC236}">
-                <a16:creationId xmlns:a16="http://schemas.microsoft.com/office/drawing/2014/main" id="{7697465E-19D4-6012-C146-C868EB958A34}"/>
-              </a:ext>
-            </a:extLst>
-          </p:cNvPr>
-          <p:cNvPicPr>
-            <a:picLocks noGrp="1" noChangeAspect="1"/>
-          </p:cNvPicPr>
-          <p:nvPr>
-            <p:ph idx="1"/>
-          </p:nvPr>
-        </p:nvPicPr>
-        <p:blipFill>
-          <a:blip r:embed="rId2"/>
-          <a:stretch>
-            <a:fillRect/>
-          </a:stretch>
-        </p:blipFill>
-        <p:spPr>
-          <a:xfrm>
-            <a:off x="4207933" y="738452"/>
-            <a:ext cx="7347537" cy="5382071"/>
-          </a:xfrm>
-          <a:prstGeom prst="rect">
-            <a:avLst/>
-          </a:prstGeom>
-        </p:spPr>
-      </p:pic>
       <p:sp>
         <p:nvSpPr>
           <p:cNvPr id="5" name="Espace réservé du pied de page 4">
@@ -8861,6 +9589,36 @@
           </a:p>
         </p:txBody>
       </p:sp>
+      <p:pic>
+        <p:nvPicPr>
+          <p:cNvPr id="4" name="Image 3" descr="Une image contenant texte, croquis, Parallèle, diagramme&#10;&#10;Description générée automatiquement">
+            <a:extLst>
+              <a:ext uri="{FF2B5EF4-FFF2-40B4-BE49-F238E27FC236}">
+                <a16:creationId xmlns:a16="http://schemas.microsoft.com/office/drawing/2014/main" id="{A90258FB-11D0-19A0-4E20-A80182B2B704}"/>
+              </a:ext>
+            </a:extLst>
+          </p:cNvPr>
+          <p:cNvPicPr>
+            <a:picLocks noChangeAspect="1"/>
+          </p:cNvPicPr>
+          <p:nvPr/>
+        </p:nvPicPr>
+        <p:blipFill>
+          <a:blip r:embed="rId2"/>
+          <a:stretch>
+            <a:fillRect/>
+          </a:stretch>
+        </p:blipFill>
+        <p:spPr>
+          <a:xfrm>
+            <a:off x="4182068" y="99030"/>
+            <a:ext cx="6269622" cy="6602791"/>
+          </a:xfrm>
+          <a:prstGeom prst="rect">
+            <a:avLst/>
+          </a:prstGeom>
+        </p:spPr>
+      </p:pic>
     </p:spTree>
     <p:extLst>
       <p:ext uri="{BB962C8B-B14F-4D97-AF65-F5344CB8AC3E}">

--- a/AVANT-PROJET/PrésentationAvantProjet.pptx
+++ b/AVANT-PROJET/PrésentationAvantProjet.pptx
@@ -5,17 +5,16 @@
     <p:sldMasterId id="2147483648" r:id="rId1"/>
   </p:sldMasterIdLst>
   <p:notesMasterIdLst>
-    <p:notesMasterId r:id="rId10"/>
+    <p:notesMasterId r:id="rId9"/>
   </p:notesMasterIdLst>
   <p:sldIdLst>
     <p:sldId id="256" r:id="rId2"/>
     <p:sldId id="257" r:id="rId3"/>
     <p:sldId id="258" r:id="rId4"/>
-    <p:sldId id="259" r:id="rId5"/>
-    <p:sldId id="260" r:id="rId6"/>
-    <p:sldId id="261" r:id="rId7"/>
-    <p:sldId id="264" r:id="rId8"/>
-    <p:sldId id="262" r:id="rId9"/>
+    <p:sldId id="261" r:id="rId5"/>
+    <p:sldId id="259" r:id="rId6"/>
+    <p:sldId id="260" r:id="rId7"/>
+    <p:sldId id="262" r:id="rId8"/>
   </p:sldIdLst>
   <p:sldSz cx="12192000" cy="6858000"/>
   <p:notesSz cx="6858000" cy="9144000"/>
@@ -1039,28 +1038,6 @@
         </a:p>
       </dgm:t>
     </dgm:pt>
-    <dgm:pt modelId="{9FEDCD68-38F6-A043-A977-CD3F0EECE56B}">
-      <dgm:prSet/>
-      <dgm:spPr/>
-      <dgm:t>
-        <a:bodyPr/>
-        <a:lstStyle/>
-        <a:p>
-          <a:r>
-            <a:rPr lang="fr-FR" dirty="0"/>
-            <a:t>V. Présentation DCU</a:t>
-          </a:r>
-        </a:p>
-      </dgm:t>
-    </dgm:pt>
-    <dgm:pt modelId="{5FA2D729-20B9-0342-927A-8B94C16F14C8}" type="parTrans" cxnId="{50E2A181-ACFB-4941-B5B7-0A09B77BF149}">
-      <dgm:prSet/>
-      <dgm:spPr/>
-    </dgm:pt>
-    <dgm:pt modelId="{8A587A74-DF9E-2F41-B392-D3BAABA06D59}" type="sibTrans" cxnId="{50E2A181-ACFB-4941-B5B7-0A09B77BF149}">
-      <dgm:prSet/>
-      <dgm:spPr/>
-    </dgm:pt>
     <dgm:pt modelId="{B414E46A-080F-2146-9FAD-C7241BAC1B9C}" type="pres">
       <dgm:prSet presAssocID="{B1F2FE45-7264-4A45-8A22-49DDA82E6C40}" presName="linear" presStyleCnt="0">
         <dgm:presLayoutVars>
@@ -1071,7 +1048,7 @@
       <dgm:spPr/>
     </dgm:pt>
     <dgm:pt modelId="{EA1A3945-51F7-354D-A4E6-42A7DB224CDE}" type="pres">
-      <dgm:prSet presAssocID="{E489D5AC-7B66-493C-A07B-DC228DB2E7F6}" presName="parentText" presStyleLbl="node1" presStyleIdx="0" presStyleCnt="5">
+      <dgm:prSet presAssocID="{E489D5AC-7B66-493C-A07B-DC228DB2E7F6}" presName="parentText" presStyleLbl="node1" presStyleIdx="0" presStyleCnt="4">
         <dgm:presLayoutVars>
           <dgm:chMax val="0"/>
           <dgm:bulletEnabled val="1"/>
@@ -1084,7 +1061,7 @@
       <dgm:spPr/>
     </dgm:pt>
     <dgm:pt modelId="{E33C7529-B317-CF4A-9A67-1178073A9479}" type="pres">
-      <dgm:prSet presAssocID="{0F7A9DBE-E7A8-408A-8F62-BA1D1B423D96}" presName="parentText" presStyleLbl="node1" presStyleIdx="1" presStyleCnt="5">
+      <dgm:prSet presAssocID="{0F7A9DBE-E7A8-408A-8F62-BA1D1B423D96}" presName="parentText" presStyleLbl="node1" presStyleIdx="1" presStyleCnt="4">
         <dgm:presLayoutVars>
           <dgm:chMax val="0"/>
           <dgm:bulletEnabled val="1"/>
@@ -1097,7 +1074,7 @@
       <dgm:spPr/>
     </dgm:pt>
     <dgm:pt modelId="{AF472B5C-0849-2C4D-B789-7C443E74A1A5}" type="pres">
-      <dgm:prSet presAssocID="{37C79047-7960-4F14-8429-1A6351003642}" presName="parentText" presStyleLbl="node1" presStyleIdx="2" presStyleCnt="5">
+      <dgm:prSet presAssocID="{37C79047-7960-4F14-8429-1A6351003642}" presName="parentText" presStyleLbl="node1" presStyleIdx="2" presStyleCnt="4">
         <dgm:presLayoutVars>
           <dgm:chMax val="0"/>
           <dgm:bulletEnabled val="1"/>
@@ -1110,20 +1087,7 @@
       <dgm:spPr/>
     </dgm:pt>
     <dgm:pt modelId="{584D5366-2E09-DD4C-B3D9-D2FFBBB4D0C4}" type="pres">
-      <dgm:prSet presAssocID="{15C36091-1AB2-452F-8947-A1219372CAF1}" presName="parentText" presStyleLbl="node1" presStyleIdx="3" presStyleCnt="5">
-        <dgm:presLayoutVars>
-          <dgm:chMax val="0"/>
-          <dgm:bulletEnabled val="1"/>
-        </dgm:presLayoutVars>
-      </dgm:prSet>
-      <dgm:spPr/>
-    </dgm:pt>
-    <dgm:pt modelId="{C6CE6919-C0ED-804B-A875-9B95478093C7}" type="pres">
-      <dgm:prSet presAssocID="{1366DDFD-37AC-4025-85B1-0F2144E40DC0}" presName="spacer" presStyleCnt="0"/>
-      <dgm:spPr/>
-    </dgm:pt>
-    <dgm:pt modelId="{02EE7E10-53F9-ED4B-AA82-06FA500DD9E3}" type="pres">
-      <dgm:prSet presAssocID="{9FEDCD68-38F6-A043-A977-CD3F0EECE56B}" presName="parentText" presStyleLbl="node1" presStyleIdx="4" presStyleCnt="5">
+      <dgm:prSet presAssocID="{15C36091-1AB2-452F-8947-A1219372CAF1}" presName="parentText" presStyleLbl="node1" presStyleIdx="3" presStyleCnt="4">
         <dgm:presLayoutVars>
           <dgm:chMax val="0"/>
           <dgm:bulletEnabled val="1"/>
@@ -1136,11 +1100,9 @@
     <dgm:cxn modelId="{2B0EBC0E-05CD-4135-BBF0-1DAA358781FF}" srcId="{B1F2FE45-7264-4A45-8A22-49DDA82E6C40}" destId="{37C79047-7960-4F14-8429-1A6351003642}" srcOrd="2" destOrd="0" parTransId="{9FA10A9E-A6E0-487F-B082-6ED8774C88C6}" sibTransId="{61DCD53D-B298-4928-98A0-DA93E8DD4F90}"/>
     <dgm:cxn modelId="{42FEDC4A-05C8-4903-A552-75DC472CF087}" srcId="{B1F2FE45-7264-4A45-8A22-49DDA82E6C40}" destId="{0F7A9DBE-E7A8-408A-8F62-BA1D1B423D96}" srcOrd="1" destOrd="0" parTransId="{171F5BF0-9958-4879-8FD5-66F402E8C399}" sibTransId="{70CA4F6A-E727-4733-A468-F9E322EBFEA6}"/>
     <dgm:cxn modelId="{DC543C7A-23DA-4DB7-B8BF-5CAE7F1E3503}" srcId="{B1F2FE45-7264-4A45-8A22-49DDA82E6C40}" destId="{15C36091-1AB2-452F-8947-A1219372CAF1}" srcOrd="3" destOrd="0" parTransId="{66B7747F-1588-4086-8009-9D56CD175D4E}" sibTransId="{1366DDFD-37AC-4025-85B1-0F2144E40DC0}"/>
-    <dgm:cxn modelId="{50E2A181-ACFB-4941-B5B7-0A09B77BF149}" srcId="{B1F2FE45-7264-4A45-8A22-49DDA82E6C40}" destId="{9FEDCD68-38F6-A043-A977-CD3F0EECE56B}" srcOrd="4" destOrd="0" parTransId="{5FA2D729-20B9-0342-927A-8B94C16F14C8}" sibTransId="{8A587A74-DF9E-2F41-B392-D3BAABA06D59}"/>
     <dgm:cxn modelId="{A170478E-84C2-2347-B68A-50C2BB2F1DDE}" type="presOf" srcId="{37C79047-7960-4F14-8429-1A6351003642}" destId="{AF472B5C-0849-2C4D-B789-7C443E74A1A5}" srcOrd="0" destOrd="0" presId="urn:microsoft.com/office/officeart/2005/8/layout/vList2"/>
     <dgm:cxn modelId="{59284D9B-9A49-44C4-9294-DB4D66A0BD66}" srcId="{B1F2FE45-7264-4A45-8A22-49DDA82E6C40}" destId="{E489D5AC-7B66-493C-A07B-DC228DB2E7F6}" srcOrd="0" destOrd="0" parTransId="{0033A369-CBD6-45C2-8187-A8420BFE557F}" sibTransId="{B7A58403-F91D-474C-B1ED-A5FC073CE814}"/>
     <dgm:cxn modelId="{BCD031CF-055F-5B41-A254-6EF1C59EBBC0}" type="presOf" srcId="{15C36091-1AB2-452F-8947-A1219372CAF1}" destId="{584D5366-2E09-DD4C-B3D9-D2FFBBB4D0C4}" srcOrd="0" destOrd="0" presId="urn:microsoft.com/office/officeart/2005/8/layout/vList2"/>
-    <dgm:cxn modelId="{82972CE4-3858-C745-B1A5-DA5AAADCA8B2}" type="presOf" srcId="{9FEDCD68-38F6-A043-A977-CD3F0EECE56B}" destId="{02EE7E10-53F9-ED4B-AA82-06FA500DD9E3}" srcOrd="0" destOrd="0" presId="urn:microsoft.com/office/officeart/2005/8/layout/vList2"/>
     <dgm:cxn modelId="{3BE28AE6-6C2C-BD4B-B981-19D2E84678AA}" type="presOf" srcId="{E489D5AC-7B66-493C-A07B-DC228DB2E7F6}" destId="{EA1A3945-51F7-354D-A4E6-42A7DB224CDE}" srcOrd="0" destOrd="0" presId="urn:microsoft.com/office/officeart/2005/8/layout/vList2"/>
     <dgm:cxn modelId="{85AECFF6-4E2D-D247-B91C-6E70164B6EF6}" type="presOf" srcId="{0F7A9DBE-E7A8-408A-8F62-BA1D1B423D96}" destId="{E33C7529-B317-CF4A-9A67-1178073A9479}" srcOrd="0" destOrd="0" presId="urn:microsoft.com/office/officeart/2005/8/layout/vList2"/>
     <dgm:cxn modelId="{9D1527F7-32D6-DE49-9DD0-245071F7939B}" type="presOf" srcId="{B1F2FE45-7264-4A45-8A22-49DDA82E6C40}" destId="{B414E46A-080F-2146-9FAD-C7241BAC1B9C}" srcOrd="0" destOrd="0" presId="urn:microsoft.com/office/officeart/2005/8/layout/vList2"/>
@@ -1151,8 +1113,6 @@
     <dgm:cxn modelId="{7F4D1808-55B4-8646-BF3C-2FEDA9A37739}" type="presParOf" srcId="{B414E46A-080F-2146-9FAD-C7241BAC1B9C}" destId="{AF472B5C-0849-2C4D-B789-7C443E74A1A5}" srcOrd="4" destOrd="0" presId="urn:microsoft.com/office/officeart/2005/8/layout/vList2"/>
     <dgm:cxn modelId="{D8FCCA6A-5156-8849-BDE5-FB923363245B}" type="presParOf" srcId="{B414E46A-080F-2146-9FAD-C7241BAC1B9C}" destId="{0E956D69-E24A-A74E-B96F-533D6503BDA1}" srcOrd="5" destOrd="0" presId="urn:microsoft.com/office/officeart/2005/8/layout/vList2"/>
     <dgm:cxn modelId="{A2854C4C-9076-0547-BF72-4C1074AF7C62}" type="presParOf" srcId="{B414E46A-080F-2146-9FAD-C7241BAC1B9C}" destId="{584D5366-2E09-DD4C-B3D9-D2FFBBB4D0C4}" srcOrd="6" destOrd="0" presId="urn:microsoft.com/office/officeart/2005/8/layout/vList2"/>
-    <dgm:cxn modelId="{E6B3B239-E062-4B4A-AE68-6AEF2E24D8AA}" type="presParOf" srcId="{B414E46A-080F-2146-9FAD-C7241BAC1B9C}" destId="{C6CE6919-C0ED-804B-A875-9B95478093C7}" srcOrd="7" destOrd="0" presId="urn:microsoft.com/office/officeart/2005/8/layout/vList2"/>
-    <dgm:cxn modelId="{3F801D62-9FDB-E243-B287-52871B7581B0}" type="presParOf" srcId="{B414E46A-080F-2146-9FAD-C7241BAC1B9C}" destId="{02EE7E10-53F9-ED4B-AA82-06FA500DD9E3}" srcOrd="8" destOrd="0" presId="urn:microsoft.com/office/officeart/2005/8/layout/vList2"/>
   </dgm:cxnLst>
   <dgm:bg/>
   <dgm:whole/>
@@ -1179,8 +1139,8 @@
       </dsp:nvSpPr>
       <dsp:spPr>
         <a:xfrm>
-          <a:off x="0" y="25748"/>
-          <a:ext cx="10515600" cy="786240"/>
+          <a:off x="0" y="37268"/>
+          <a:ext cx="10515600" cy="982800"/>
         </a:xfrm>
         <a:prstGeom prst="roundRect">
           <a:avLst/>
@@ -1222,12 +1182,12 @@
         </a:fontRef>
       </dsp:style>
       <dsp:txBody>
-        <a:bodyPr spcFirstLastPara="0" vert="horz" wrap="square" lIns="121920" tIns="121920" rIns="121920" bIns="121920" numCol="1" spcCol="1270" anchor="ctr" anchorCtr="0">
+        <a:bodyPr spcFirstLastPara="0" vert="horz" wrap="square" lIns="152400" tIns="152400" rIns="152400" bIns="152400" numCol="1" spcCol="1270" anchor="ctr" anchorCtr="0">
           <a:noAutofit/>
         </a:bodyPr>
         <a:lstStyle/>
         <a:p>
-          <a:pPr marL="0" lvl="0" indent="0" algn="l" defTabSz="1422400">
+          <a:pPr marL="0" lvl="0" indent="0" algn="l" defTabSz="1778000">
             <a:lnSpc>
               <a:spcPct val="90000"/>
             </a:lnSpc>
@@ -1240,23 +1200,23 @@
             <a:buNone/>
           </a:pPr>
           <a:r>
-            <a:rPr lang="fr-FR" sz="3200" kern="1200" dirty="0"/>
+            <a:rPr lang="fr-FR" sz="4000" kern="1200" dirty="0"/>
             <a:t>I. C’est quoi </a:t>
           </a:r>
           <a:r>
-            <a:rPr lang="fr-FR" sz="3200" kern="1200" dirty="0" err="1"/>
+            <a:rPr lang="fr-FR" sz="4000" kern="1200" dirty="0" err="1"/>
             <a:t>NavConnect</a:t>
           </a:r>
           <a:r>
-            <a:rPr lang="fr-FR" sz="3200" kern="1200" dirty="0"/>
+            <a:rPr lang="fr-FR" sz="4000" kern="1200" dirty="0"/>
             <a:t> ?</a:t>
           </a:r>
-          <a:endParaRPr lang="en-US" sz="3200" kern="1200" dirty="0"/>
+          <a:endParaRPr lang="en-US" sz="4000" kern="1200" dirty="0"/>
         </a:p>
       </dsp:txBody>
       <dsp:txXfrm>
-        <a:off x="38381" y="64129"/>
-        <a:ext cx="10438838" cy="709478"/>
+        <a:off x="47976" y="85244"/>
+        <a:ext cx="10419648" cy="886848"/>
       </dsp:txXfrm>
     </dsp:sp>
     <dsp:sp modelId="{E33C7529-B317-CF4A-9A67-1178073A9479}">
@@ -1266,8 +1226,8 @@
       </dsp:nvSpPr>
       <dsp:spPr>
         <a:xfrm>
-          <a:off x="0" y="904148"/>
-          <a:ext cx="10515600" cy="786240"/>
+          <a:off x="0" y="1135269"/>
+          <a:ext cx="10515600" cy="982800"/>
         </a:xfrm>
         <a:prstGeom prst="roundRect">
           <a:avLst/>
@@ -1309,12 +1269,12 @@
         </a:fontRef>
       </dsp:style>
       <dsp:txBody>
-        <a:bodyPr spcFirstLastPara="0" vert="horz" wrap="square" lIns="121920" tIns="121920" rIns="121920" bIns="121920" numCol="1" spcCol="1270" anchor="ctr" anchorCtr="0">
+        <a:bodyPr spcFirstLastPara="0" vert="horz" wrap="square" lIns="152400" tIns="152400" rIns="152400" bIns="152400" numCol="1" spcCol="1270" anchor="ctr" anchorCtr="0">
           <a:noAutofit/>
         </a:bodyPr>
         <a:lstStyle/>
         <a:p>
-          <a:pPr marL="0" lvl="0" indent="0" algn="l" defTabSz="1422400">
+          <a:pPr marL="0" lvl="0" indent="0" algn="l" defTabSz="1778000">
             <a:lnSpc>
               <a:spcPct val="90000"/>
             </a:lnSpc>
@@ -1327,15 +1287,15 @@
             <a:buNone/>
           </a:pPr>
           <a:r>
-            <a:rPr lang="fr-FR" sz="3200" kern="1200" dirty="0"/>
+            <a:rPr lang="fr-FR" sz="4000" kern="1200" dirty="0"/>
             <a:t>II. Présentation du SWOT</a:t>
           </a:r>
-          <a:endParaRPr lang="en-US" sz="3200" kern="1200" dirty="0"/>
+          <a:endParaRPr lang="en-US" sz="4000" kern="1200" dirty="0"/>
         </a:p>
       </dsp:txBody>
       <dsp:txXfrm>
-        <a:off x="38381" y="942529"/>
-        <a:ext cx="10438838" cy="709478"/>
+        <a:off x="47976" y="1183245"/>
+        <a:ext cx="10419648" cy="886848"/>
       </dsp:txXfrm>
     </dsp:sp>
     <dsp:sp modelId="{AF472B5C-0849-2C4D-B789-7C443E74A1A5}">
@@ -1345,8 +1305,8 @@
       </dsp:nvSpPr>
       <dsp:spPr>
         <a:xfrm>
-          <a:off x="0" y="1782549"/>
-          <a:ext cx="10515600" cy="786240"/>
+          <a:off x="0" y="2233269"/>
+          <a:ext cx="10515600" cy="982800"/>
         </a:xfrm>
         <a:prstGeom prst="roundRect">
           <a:avLst/>
@@ -1388,12 +1348,12 @@
         </a:fontRef>
       </dsp:style>
       <dsp:txBody>
-        <a:bodyPr spcFirstLastPara="0" vert="horz" wrap="square" lIns="121920" tIns="121920" rIns="121920" bIns="121920" numCol="1" spcCol="1270" anchor="ctr" anchorCtr="0">
+        <a:bodyPr spcFirstLastPara="0" vert="horz" wrap="square" lIns="152400" tIns="152400" rIns="152400" bIns="152400" numCol="1" spcCol="1270" anchor="ctr" anchorCtr="0">
           <a:noAutofit/>
         </a:bodyPr>
         <a:lstStyle/>
         <a:p>
-          <a:pPr marL="0" lvl="0" indent="0" algn="l" defTabSz="1422400">
+          <a:pPr marL="0" lvl="0" indent="0" algn="l" defTabSz="1778000">
             <a:lnSpc>
               <a:spcPct val="90000"/>
             </a:lnSpc>
@@ -1406,15 +1366,15 @@
             <a:buNone/>
           </a:pPr>
           <a:r>
-            <a:rPr lang="fr-FR" sz="3200" kern="1200" dirty="0"/>
+            <a:rPr lang="fr-FR" sz="4000" kern="1200" dirty="0"/>
             <a:t>III. Présentation du SMART</a:t>
           </a:r>
-          <a:endParaRPr lang="en-US" sz="3200" kern="1200" dirty="0"/>
+          <a:endParaRPr lang="en-US" sz="4000" kern="1200" dirty="0"/>
         </a:p>
       </dsp:txBody>
       <dsp:txXfrm>
-        <a:off x="38381" y="1820930"/>
-        <a:ext cx="10438838" cy="709478"/>
+        <a:off x="47976" y="2281245"/>
+        <a:ext cx="10419648" cy="886848"/>
       </dsp:txXfrm>
     </dsp:sp>
     <dsp:sp modelId="{584D5366-2E09-DD4C-B3D9-D2FFBBB4D0C4}">
@@ -1424,8 +1384,8 @@
       </dsp:nvSpPr>
       <dsp:spPr>
         <a:xfrm>
-          <a:off x="0" y="2660949"/>
-          <a:ext cx="10515600" cy="786240"/>
+          <a:off x="0" y="3331269"/>
+          <a:ext cx="10515600" cy="982800"/>
         </a:xfrm>
         <a:prstGeom prst="roundRect">
           <a:avLst/>
@@ -1467,12 +1427,12 @@
         </a:fontRef>
       </dsp:style>
       <dsp:txBody>
-        <a:bodyPr spcFirstLastPara="0" vert="horz" wrap="square" lIns="121920" tIns="121920" rIns="121920" bIns="121920" numCol="1" spcCol="1270" anchor="ctr" anchorCtr="0">
+        <a:bodyPr spcFirstLastPara="0" vert="horz" wrap="square" lIns="152400" tIns="152400" rIns="152400" bIns="152400" numCol="1" spcCol="1270" anchor="ctr" anchorCtr="0">
           <a:noAutofit/>
         </a:bodyPr>
         <a:lstStyle/>
         <a:p>
-          <a:pPr marL="0" lvl="0" indent="0" algn="l" defTabSz="1422400">
+          <a:pPr marL="0" lvl="0" indent="0" algn="l" defTabSz="1778000">
             <a:lnSpc>
               <a:spcPct val="90000"/>
             </a:lnSpc>
@@ -1485,93 +1445,15 @@
             <a:buNone/>
           </a:pPr>
           <a:r>
-            <a:rPr lang="fr-FR" sz="3200" kern="1200" dirty="0"/>
+            <a:rPr lang="fr-FR" sz="4000" kern="1200" dirty="0"/>
             <a:t>IV. Présentation du QUINTILIEN</a:t>
           </a:r>
-          <a:endParaRPr lang="en-US" sz="3200" kern="1200" dirty="0"/>
+          <a:endParaRPr lang="en-US" sz="4000" kern="1200" dirty="0"/>
         </a:p>
       </dsp:txBody>
       <dsp:txXfrm>
-        <a:off x="38381" y="2699330"/>
-        <a:ext cx="10438838" cy="709478"/>
-      </dsp:txXfrm>
-    </dsp:sp>
-    <dsp:sp modelId="{02EE7E10-53F9-ED4B-AA82-06FA500DD9E3}">
-      <dsp:nvSpPr>
-        <dsp:cNvPr id="0" name=""/>
-        <dsp:cNvSpPr/>
-      </dsp:nvSpPr>
-      <dsp:spPr>
-        <a:xfrm>
-          <a:off x="0" y="3539349"/>
-          <a:ext cx="10515600" cy="786240"/>
-        </a:xfrm>
-        <a:prstGeom prst="roundRect">
-          <a:avLst/>
-        </a:prstGeom>
-        <a:solidFill>
-          <a:schemeClr val="accent1">
-            <a:hueOff val="0"/>
-            <a:satOff val="0"/>
-            <a:lumOff val="0"/>
-            <a:alphaOff val="0"/>
-          </a:schemeClr>
-        </a:solidFill>
-        <a:ln w="19050" cap="flat" cmpd="sng" algn="ctr">
-          <a:solidFill>
-            <a:schemeClr val="lt1">
-              <a:hueOff val="0"/>
-              <a:satOff val="0"/>
-              <a:lumOff val="0"/>
-              <a:alphaOff val="0"/>
-            </a:schemeClr>
-          </a:solidFill>
-          <a:prstDash val="solid"/>
-          <a:miter lim="800000"/>
-        </a:ln>
-        <a:effectLst/>
-      </dsp:spPr>
-      <dsp:style>
-        <a:lnRef idx="2">
-          <a:scrgbClr r="0" g="0" b="0"/>
-        </a:lnRef>
-        <a:fillRef idx="1">
-          <a:scrgbClr r="0" g="0" b="0"/>
-        </a:fillRef>
-        <a:effectRef idx="0">
-          <a:scrgbClr r="0" g="0" b="0"/>
-        </a:effectRef>
-        <a:fontRef idx="minor">
-          <a:schemeClr val="lt1"/>
-        </a:fontRef>
-      </dsp:style>
-      <dsp:txBody>
-        <a:bodyPr spcFirstLastPara="0" vert="horz" wrap="square" lIns="121920" tIns="121920" rIns="121920" bIns="121920" numCol="1" spcCol="1270" anchor="ctr" anchorCtr="0">
-          <a:noAutofit/>
-        </a:bodyPr>
-        <a:lstStyle/>
-        <a:p>
-          <a:pPr marL="0" lvl="0" indent="0" algn="l" defTabSz="1422400">
-            <a:lnSpc>
-              <a:spcPct val="90000"/>
-            </a:lnSpc>
-            <a:spcBef>
-              <a:spcPct val="0"/>
-            </a:spcBef>
-            <a:spcAft>
-              <a:spcPct val="35000"/>
-            </a:spcAft>
-            <a:buNone/>
-          </a:pPr>
-          <a:r>
-            <a:rPr lang="fr-FR" sz="3200" kern="1200" dirty="0"/>
-            <a:t>V. Présentation DCU</a:t>
-          </a:r>
-        </a:p>
-      </dsp:txBody>
-      <dsp:txXfrm>
-        <a:off x="38381" y="3577730"/>
-        <a:ext cx="10438838" cy="709478"/>
+        <a:off x="47976" y="3379245"/>
+        <a:ext cx="10419648" cy="886848"/>
       </dsp:txXfrm>
     </dsp:sp>
   </dsp:spTree>
@@ -6882,6 +6764,53 @@
           </a:p>
         </p:txBody>
       </p:sp>
+      <p:pic>
+        <p:nvPicPr>
+          <p:cNvPr id="3074" name="Picture 2">
+            <a:extLst>
+              <a:ext uri="{FF2B5EF4-FFF2-40B4-BE49-F238E27FC236}">
+                <a16:creationId xmlns:a16="http://schemas.microsoft.com/office/drawing/2014/main" id="{0D9D92BF-8ABC-148B-3137-594BEE72A9C8}"/>
+              </a:ext>
+            </a:extLst>
+          </p:cNvPr>
+          <p:cNvPicPr>
+            <a:picLocks noChangeAspect="1" noChangeArrowheads="1"/>
+          </p:cNvPicPr>
+          <p:nvPr/>
+        </p:nvPicPr>
+        <p:blipFill>
+          <a:blip r:embed="rId2">
+            <a:extLst>
+              <a:ext uri="{28A0092B-C50C-407E-A947-70E740481C1C}">
+                <a14:useLocalDpi xmlns:a14="http://schemas.microsoft.com/office/drawing/2010/main" val="0"/>
+              </a:ext>
+            </a:extLst>
+          </a:blip>
+          <a:srcRect/>
+          <a:stretch>
+            <a:fillRect/>
+          </a:stretch>
+        </p:blipFill>
+        <p:spPr bwMode="auto">
+          <a:xfrm>
+            <a:off x="818515" y="752711"/>
+            <a:ext cx="2622113" cy="1178408"/>
+          </a:xfrm>
+          <a:prstGeom prst="rect">
+            <a:avLst/>
+          </a:prstGeom>
+          <a:noFill/>
+          <a:extLst>
+            <a:ext uri="{909E8E84-426E-40DD-AFC4-6F175D3DCCD1}">
+              <a14:hiddenFill xmlns:a14="http://schemas.microsoft.com/office/drawing/2010/main">
+                <a:solidFill>
+                  <a:srgbClr val="FFFFFF"/>
+                </a:solidFill>
+              </a14:hiddenFill>
+            </a:ext>
+          </a:extLst>
+        </p:spPr>
+      </p:pic>
     </p:spTree>
     <p:extLst>
       <p:ext uri="{BB962C8B-B14F-4D97-AF65-F5344CB8AC3E}">
@@ -6957,7 +6886,7 @@
             <p:ph idx="1"/>
             <p:extLst>
               <p:ext uri="{D42A27DB-BD31-4B8C-83A1-F6EECF244321}">
-                <p14:modId xmlns:p14="http://schemas.microsoft.com/office/powerpoint/2010/main" val="3085582419"/>
+                <p14:modId xmlns:p14="http://schemas.microsoft.com/office/powerpoint/2010/main" val="2948365228"/>
               </p:ext>
             </p:extLst>
           </p:nvPr>
@@ -7704,6 +7633,19 @@
           </a:bodyPr>
           <a:lstStyle/>
           <a:p>
+            <a:pPr marL="0" indent="0">
+              <a:buNone/>
+            </a:pPr>
+            <a:r>
+              <a:rPr lang="en-US" sz="2000" dirty="0" err="1">
+                <a:solidFill>
+                  <a:schemeClr val="tx1">
+                    <a:alpha val="80000"/>
+                  </a:schemeClr>
+                </a:solidFill>
+              </a:rPr>
+              <a:t>NavConnect</a:t>
+            </a:r>
             <a:r>
               <a:rPr lang="en-US" sz="2000" dirty="0">
                 <a:solidFill>
@@ -7712,7 +7654,47 @@
                   </a:schemeClr>
                 </a:solidFill>
               </a:rPr>
-              <a:t>Une application web </a:t>
+              <a:t> </a:t>
+            </a:r>
+            <a:r>
+              <a:rPr lang="en-US" sz="2000" dirty="0" err="1">
+                <a:solidFill>
+                  <a:schemeClr val="tx1">
+                    <a:alpha val="80000"/>
+                  </a:schemeClr>
+                </a:solidFill>
+              </a:rPr>
+              <a:t>est</a:t>
+            </a:r>
+            <a:r>
+              <a:rPr lang="en-US" sz="2000" dirty="0">
+                <a:solidFill>
+                  <a:schemeClr val="tx1">
+                    <a:alpha val="80000"/>
+                  </a:schemeClr>
+                </a:solidFill>
+              </a:rPr>
+              <a:t> </a:t>
+            </a:r>
+            <a:r>
+              <a:rPr lang="en-US" sz="2000" dirty="0" err="1">
+                <a:solidFill>
+                  <a:schemeClr val="tx1">
+                    <a:alpha val="80000"/>
+                  </a:schemeClr>
+                </a:solidFill>
+              </a:rPr>
+              <a:t>une</a:t>
+            </a:r>
+            <a:r>
+              <a:rPr lang="en-US" sz="2000" dirty="0">
+                <a:solidFill>
+                  <a:schemeClr val="tx1">
+                    <a:alpha val="80000"/>
+                  </a:schemeClr>
+                </a:solidFill>
+              </a:rPr>
+              <a:t> application web </a:t>
             </a:r>
             <a:r>
               <a:rPr lang="en-US" sz="2000" dirty="0" err="1">
@@ -8056,6 +8038,14 @@
 <file path=ppt/slides/slide4.xml><?xml version="1.0" encoding="utf-8"?>
 <p:sld xmlns:a="http://schemas.openxmlformats.org/drawingml/2006/main" xmlns:r="http://schemas.openxmlformats.org/officeDocument/2006/relationships" xmlns:p="http://schemas.openxmlformats.org/presentationml/2006/main">
   <p:cSld>
+    <p:bg>
+      <p:bgPr>
+        <a:solidFill>
+          <a:schemeClr val="bg1"/>
+        </a:solidFill>
+        <a:effectLst/>
+      </p:bgPr>
+    </p:bg>
     <p:spTree>
       <p:nvGrpSpPr>
         <p:cNvPr id="1" name=""/>
@@ -8072,6 +8062,351 @@
       </p:grpSpPr>
       <p:sp>
         <p:nvSpPr>
+          <p:cNvPr id="16" name="Flowchart: Document 15">
+            <a:extLst>
+              <a:ext uri="{FF2B5EF4-FFF2-40B4-BE49-F238E27FC236}">
+                <a16:creationId xmlns:a16="http://schemas.microsoft.com/office/drawing/2014/main" id="{D12DDE76-C203-4047-9998-63900085B5E8}"/>
+              </a:ext>
+              <a:ext uri="{C183D7F6-B498-43B3-948B-1728B52AA6E4}">
+                <adec:decorative xmlns:adec="http://schemas.microsoft.com/office/drawing/2017/decorative" val="1"/>
+              </a:ext>
+            </a:extLst>
+          </p:cNvPr>
+          <p:cNvSpPr>
+            <a:spLocks noGrp="1" noRot="1" noChangeAspect="1" noMove="1" noResize="1" noEditPoints="1" noAdjustHandles="1" noChangeArrowheads="1" noChangeShapeType="1" noTextEdit="1"/>
+          </p:cNvSpPr>
+          <p:nvPr>
+            <p:extLst>
+              <p:ext uri="{386F3935-93C4-4BCD-93E2-E3B085C9AB24}">
+                <p16:designElem xmlns:p16="http://schemas.microsoft.com/office/powerpoint/2015/main" val="1"/>
+              </p:ext>
+            </p:extLst>
+          </p:nvPr>
+        </p:nvSpPr>
+        <p:spPr>
+          <a:xfrm>
+            <a:off x="638175" y="0"/>
+            <a:ext cx="3248025" cy="3400426"/>
+          </a:xfrm>
+          <a:prstGeom prst="flowChartDocument">
+            <a:avLst/>
+          </a:prstGeom>
+          <a:solidFill>
+            <a:schemeClr val="accent1"/>
+          </a:solidFill>
+          <a:ln>
+            <a:noFill/>
+          </a:ln>
+        </p:spPr>
+        <p:style>
+          <a:lnRef idx="2">
+            <a:schemeClr val="accent1">
+              <a:shade val="50000"/>
+            </a:schemeClr>
+          </a:lnRef>
+          <a:fillRef idx="1">
+            <a:schemeClr val="accent1"/>
+          </a:fillRef>
+          <a:effectRef idx="0">
+            <a:schemeClr val="accent1"/>
+          </a:effectRef>
+          <a:fontRef idx="minor">
+            <a:schemeClr val="lt1"/>
+          </a:fontRef>
+        </p:style>
+        <p:txBody>
+          <a:bodyPr rtlCol="0" anchor="ctr"/>
+          <a:lstStyle/>
+          <a:p>
+            <a:pPr algn="ctr"/>
+            <a:endParaRPr lang="en-US"/>
+          </a:p>
+        </p:txBody>
+      </p:sp>
+      <p:sp>
+        <p:nvSpPr>
+          <p:cNvPr id="2" name="Titre 1">
+            <a:extLst>
+              <a:ext uri="{FF2B5EF4-FFF2-40B4-BE49-F238E27FC236}">
+                <a16:creationId xmlns:a16="http://schemas.microsoft.com/office/drawing/2014/main" id="{2AEF988E-03ED-203D-A2B1-E6D0277BCFED}"/>
+              </a:ext>
+            </a:extLst>
+          </p:cNvPr>
+          <p:cNvSpPr>
+            <a:spLocks noGrp="1"/>
+          </p:cNvSpPr>
+          <p:nvPr>
+            <p:ph type="title"/>
+          </p:nvPr>
+        </p:nvSpPr>
+        <p:spPr>
+          <a:xfrm>
+            <a:off x="838200" y="171162"/>
+            <a:ext cx="2840182" cy="2371148"/>
+          </a:xfrm>
+        </p:spPr>
+        <p:txBody>
+          <a:bodyPr vert="horz" lIns="91440" tIns="45720" rIns="91440" bIns="45720" rtlCol="0" anchor="ctr">
+            <a:normAutofit/>
+          </a:bodyPr>
+          <a:lstStyle/>
+          <a:p>
+            <a:r>
+              <a:rPr lang="en-US" sz="3200" dirty="0">
+                <a:solidFill>
+                  <a:srgbClr val="FFFFFF"/>
+                </a:solidFill>
+              </a:rPr>
+              <a:t>II</a:t>
+            </a:r>
+            <a:r>
+              <a:rPr lang="en-US" sz="3200" kern="1200" dirty="0">
+                <a:solidFill>
+                  <a:srgbClr val="FFFFFF"/>
+                </a:solidFill>
+                <a:latin typeface="+mj-lt"/>
+                <a:ea typeface="+mj-ea"/>
+                <a:cs typeface="+mj-cs"/>
+              </a:rPr>
+              <a:t>. </a:t>
+            </a:r>
+            <a:r>
+              <a:rPr lang="en-US" sz="3200" kern="1200" dirty="0" err="1">
+                <a:solidFill>
+                  <a:srgbClr val="FFFFFF"/>
+                </a:solidFill>
+                <a:latin typeface="+mj-lt"/>
+                <a:ea typeface="+mj-ea"/>
+                <a:cs typeface="+mj-cs"/>
+              </a:rPr>
+              <a:t>Présentation</a:t>
+            </a:r>
+            <a:r>
+              <a:rPr lang="en-US" sz="3200" kern="1200" dirty="0">
+                <a:solidFill>
+                  <a:srgbClr val="FFFFFF"/>
+                </a:solidFill>
+                <a:latin typeface="+mj-lt"/>
+                <a:ea typeface="+mj-ea"/>
+                <a:cs typeface="+mj-cs"/>
+              </a:rPr>
+              <a:t> du QUINTILIEN</a:t>
+            </a:r>
+          </a:p>
+        </p:txBody>
+      </p:sp>
+      <p:pic>
+        <p:nvPicPr>
+          <p:cNvPr id="11" name="Espace réservé du contenu 10" descr="Une image contenant texte, cercle, Police, capture d’écran&#10;&#10;Description générée automatiquement">
+            <a:extLst>
+              <a:ext uri="{FF2B5EF4-FFF2-40B4-BE49-F238E27FC236}">
+                <a16:creationId xmlns:a16="http://schemas.microsoft.com/office/drawing/2014/main" id="{602121B6-C221-9E27-EB1D-7ED7C4988872}"/>
+              </a:ext>
+            </a:extLst>
+          </p:cNvPr>
+          <p:cNvPicPr>
+            <a:picLocks noGrp="1" noChangeAspect="1"/>
+          </p:cNvPicPr>
+          <p:nvPr>
+            <p:ph idx="1"/>
+          </p:nvPr>
+        </p:nvPicPr>
+        <p:blipFill>
+          <a:blip r:embed="rId2"/>
+          <a:stretch>
+            <a:fillRect/>
+          </a:stretch>
+        </p:blipFill>
+        <p:spPr>
+          <a:xfrm>
+            <a:off x="4372856" y="136525"/>
+            <a:ext cx="6980944" cy="6255138"/>
+          </a:xfrm>
+          <a:prstGeom prst="rect">
+            <a:avLst/>
+          </a:prstGeom>
+        </p:spPr>
+      </p:pic>
+      <p:sp>
+        <p:nvSpPr>
+          <p:cNvPr id="5" name="Espace réservé du pied de page 4">
+            <a:extLst>
+              <a:ext uri="{FF2B5EF4-FFF2-40B4-BE49-F238E27FC236}">
+                <a16:creationId xmlns:a16="http://schemas.microsoft.com/office/drawing/2014/main" id="{2D908748-EAFA-6705-763E-67505F094D79}"/>
+              </a:ext>
+            </a:extLst>
+          </p:cNvPr>
+          <p:cNvSpPr>
+            <a:spLocks noGrp="1"/>
+          </p:cNvSpPr>
+          <p:nvPr>
+            <p:ph type="ftr" sz="quarter" idx="11"/>
+          </p:nvPr>
+        </p:nvSpPr>
+        <p:spPr>
+          <a:xfrm>
+            <a:off x="838200" y="6356350"/>
+            <a:ext cx="5960951" cy="365125"/>
+          </a:xfrm>
+          <a:noFill/>
+        </p:spPr>
+        <p:txBody>
+          <a:bodyPr vert="horz" lIns="91440" tIns="45720" rIns="91440" bIns="45720" rtlCol="0" anchor="ctr">
+            <a:normAutofit/>
+          </a:bodyPr>
+          <a:lstStyle/>
+          <a:p>
+            <a:pPr algn="l">
+              <a:spcAft>
+                <a:spcPts val="600"/>
+              </a:spcAft>
+            </a:pPr>
+            <a:r>
+              <a:rPr lang="en-US" kern="1200" dirty="0" err="1">
+                <a:solidFill>
+                  <a:schemeClr val="tx1">
+                    <a:tint val="75000"/>
+                  </a:schemeClr>
+                </a:solidFill>
+                <a:latin typeface="+mn-lt"/>
+                <a:ea typeface="+mn-ea"/>
+                <a:cs typeface="+mn-cs"/>
+              </a:rPr>
+              <a:t>Projet</a:t>
+            </a:r>
+            <a:r>
+              <a:rPr lang="en-US" kern="1200" dirty="0">
+                <a:solidFill>
+                  <a:schemeClr val="tx1">
+                    <a:tint val="75000"/>
+                  </a:schemeClr>
+                </a:solidFill>
+                <a:latin typeface="+mn-lt"/>
+                <a:ea typeface="+mn-ea"/>
+                <a:cs typeface="+mn-cs"/>
+              </a:rPr>
+              <a:t> </a:t>
+            </a:r>
+            <a:r>
+              <a:rPr lang="en-US" kern="1200" dirty="0" err="1">
+                <a:solidFill>
+                  <a:schemeClr val="tx1">
+                    <a:tint val="75000"/>
+                  </a:schemeClr>
+                </a:solidFill>
+                <a:latin typeface="+mn-lt"/>
+                <a:ea typeface="+mn-ea"/>
+                <a:cs typeface="+mn-cs"/>
+              </a:rPr>
+              <a:t>Intégrateur</a:t>
+            </a:r>
+            <a:r>
+              <a:rPr lang="en-US" kern="1200" dirty="0">
+                <a:solidFill>
+                  <a:schemeClr val="tx1">
+                    <a:tint val="75000"/>
+                  </a:schemeClr>
+                </a:solidFill>
+                <a:latin typeface="+mn-lt"/>
+                <a:ea typeface="+mn-ea"/>
+                <a:cs typeface="+mn-cs"/>
+              </a:rPr>
+              <a:t> L2 NEC</a:t>
+            </a:r>
+          </a:p>
+        </p:txBody>
+      </p:sp>
+      <p:sp>
+        <p:nvSpPr>
+          <p:cNvPr id="6" name="Espace réservé du numéro de diapositive 5">
+            <a:extLst>
+              <a:ext uri="{FF2B5EF4-FFF2-40B4-BE49-F238E27FC236}">
+                <a16:creationId xmlns:a16="http://schemas.microsoft.com/office/drawing/2014/main" id="{EC2E1A56-6DD0-E48E-D864-2167282DCDC8}"/>
+              </a:ext>
+            </a:extLst>
+          </p:cNvPr>
+          <p:cNvSpPr>
+            <a:spLocks noGrp="1"/>
+          </p:cNvSpPr>
+          <p:nvPr>
+            <p:ph type="sldNum" sz="quarter" idx="12"/>
+          </p:nvPr>
+        </p:nvSpPr>
+        <p:spPr>
+          <a:xfrm>
+            <a:off x="10926476" y="6356350"/>
+            <a:ext cx="625443" cy="365125"/>
+          </a:xfrm>
+          <a:noFill/>
+        </p:spPr>
+        <p:txBody>
+          <a:bodyPr vert="horz" lIns="91440" tIns="45720" rIns="91440" bIns="45720" rtlCol="0" anchor="ctr">
+            <a:normAutofit/>
+          </a:bodyPr>
+          <a:lstStyle/>
+          <a:p>
+            <a:pPr algn="l">
+              <a:spcAft>
+                <a:spcPts val="600"/>
+              </a:spcAft>
+            </a:pPr>
+            <a:fld id="{915BF9B4-2D6F-7943-B02D-01F59FFE0C5F}" type="slidenum">
+              <a:rPr lang="en-US" smtClean="0">
+                <a:solidFill>
+                  <a:schemeClr val="tx1">
+                    <a:tint val="75000"/>
+                  </a:schemeClr>
+                </a:solidFill>
+              </a:rPr>
+              <a:pPr algn="l">
+                <a:spcAft>
+                  <a:spcPts val="600"/>
+                </a:spcAft>
+              </a:pPr>
+              <a:t>4</a:t>
+            </a:fld>
+            <a:endParaRPr lang="en-US">
+              <a:solidFill>
+                <a:schemeClr val="tx1">
+                  <a:tint val="75000"/>
+                </a:schemeClr>
+              </a:solidFill>
+            </a:endParaRPr>
+          </a:p>
+        </p:txBody>
+      </p:sp>
+    </p:spTree>
+    <p:extLst>
+      <p:ext uri="{BB962C8B-B14F-4D97-AF65-F5344CB8AC3E}">
+        <p14:creationId xmlns:p14="http://schemas.microsoft.com/office/powerpoint/2010/main" val="3893676218"/>
+      </p:ext>
+    </p:extLst>
+  </p:cSld>
+  <p:clrMapOvr>
+    <a:masterClrMapping/>
+  </p:clrMapOvr>
+</p:sld>
+</file>
+
+<file path=ppt/slides/slide5.xml><?xml version="1.0" encoding="utf-8"?>
+<p:sld xmlns:a="http://schemas.openxmlformats.org/drawingml/2006/main" xmlns:r="http://schemas.openxmlformats.org/officeDocument/2006/relationships" xmlns:p="http://schemas.openxmlformats.org/presentationml/2006/main">
+  <p:cSld>
+    <p:spTree>
+      <p:nvGrpSpPr>
+        <p:cNvPr id="1" name=""/>
+        <p:cNvGrpSpPr/>
+        <p:nvPr/>
+      </p:nvGrpSpPr>
+      <p:grpSpPr>
+        <a:xfrm>
+          <a:off x="0" y="0"/>
+          <a:ext cx="0" cy="0"/>
+          <a:chOff x="0" y="0"/>
+          <a:chExt cx="0" cy="0"/>
+        </a:xfrm>
+      </p:grpSpPr>
+      <p:sp>
+        <p:nvSpPr>
           <p:cNvPr id="2" name="Titre 1">
             <a:extLst>
               <a:ext uri="{FF2B5EF4-FFF2-40B4-BE49-F238E27FC236}">
@@ -8096,7 +8431,7 @@
             <a:pPr algn="ctr"/>
             <a:r>
               <a:rPr lang="fr-FR" sz="4000" dirty="0"/>
-              <a:t>II. Présentation du SWOT</a:t>
+              <a:t>III. Présentation du SWOT</a:t>
             </a:r>
           </a:p>
         </p:txBody>
@@ -8152,7 +8487,7 @@
           <a:p>
             <a:fld id="{915BF9B4-2D6F-7943-B02D-01F59FFE0C5F}" type="slidenum">
               <a:rPr lang="fr-FR" smtClean="0"/>
-              <a:t>4</a:t>
+              <a:t>5</a:t>
             </a:fld>
             <a:endParaRPr lang="fr-FR"/>
           </a:p>
@@ -8173,14 +8508,14 @@
           <p:nvPr>
             <p:extLst>
               <p:ext uri="{D42A27DB-BD31-4B8C-83A1-F6EECF244321}">
-                <p14:modId xmlns:p14="http://schemas.microsoft.com/office/powerpoint/2010/main" val="3210086856"/>
+                <p14:modId xmlns:p14="http://schemas.microsoft.com/office/powerpoint/2010/main" val="2097234161"/>
               </p:ext>
             </p:extLst>
           </p:nvPr>
         </p:nvGraphicFramePr>
         <p:xfrm>
           <a:off x="2016369" y="1909237"/>
-          <a:ext cx="8159261" cy="3039526"/>
+          <a:ext cx="8159261" cy="3433962"/>
         </p:xfrm>
         <a:graphic>
           <a:graphicData uri="http://schemas.openxmlformats.org/drawingml/2006/table">
@@ -8288,12 +8623,12 @@
                         </a:spcAft>
                       </a:pPr>
                       <a:r>
-                        <a:rPr lang="fr-FR" sz="1600" kern="0" dirty="0">
+                        <a:rPr lang="fr-FR" sz="1800" kern="0" dirty="0">
                           <a:effectLst/>
                         </a:rPr>
                         <a:t>Origine interne</a:t>
                       </a:r>
-                      <a:endParaRPr lang="fr-FR" sz="1600" kern="100" dirty="0">
+                      <a:endParaRPr lang="fr-FR" sz="1800" kern="100" dirty="0">
                         <a:effectLst/>
                         <a:latin typeface="Aptos" panose="020B0004020202020204" pitchFamily="34" charset="0"/>
                         <a:ea typeface="Aptos" panose="020B0004020202020204" pitchFamily="34" charset="0"/>
@@ -8317,12 +8652,12 @@
                         </a:spcAft>
                       </a:pPr>
                       <a:r>
-                        <a:rPr lang="fr-FR" sz="1600" kern="100" dirty="0">
+                        <a:rPr lang="fr-FR" sz="1800" kern="100" dirty="0">
                           <a:effectLst/>
                         </a:rPr>
                         <a:t>Conscience des fonctionnalités nécessaires du site </a:t>
                       </a:r>
-                      <a:endParaRPr lang="fr-FR" sz="1600" kern="100" dirty="0">
+                      <a:endParaRPr lang="fr-FR" sz="1800" kern="100" dirty="0">
                         <a:effectLst/>
                         <a:latin typeface="Aptos" panose="020B0004020202020204" pitchFamily="34" charset="0"/>
                         <a:ea typeface="Aptos" panose="020B0004020202020204" pitchFamily="34" charset="0"/>
@@ -8346,17 +8681,30 @@
                         </a:spcAft>
                       </a:pPr>
                       <a:r>
-                        <a:rPr lang="fr-FR" sz="1600" kern="100" dirty="0">
+                        <a:rPr lang="fr-FR" sz="1800" kern="100" dirty="0">
                           <a:effectLst/>
                         </a:rPr>
-                        <a:t>Fonctionnalités compliquées à mettre en place </a:t>
+                        <a:t>Fonctionnalités compliquées à mettre en place.</a:t>
                       </a:r>
-                      <a:endParaRPr lang="fr-FR" sz="1600" kern="100" dirty="0">
-                        <a:effectLst/>
-                        <a:latin typeface="Aptos" panose="020B0004020202020204" pitchFamily="34" charset="0"/>
-                        <a:ea typeface="Aptos" panose="020B0004020202020204" pitchFamily="34" charset="0"/>
-                        <a:cs typeface="Times New Roman" panose="02020603050405020304" pitchFamily="18" charset="0"/>
-                      </a:endParaRPr>
+                    </a:p>
+                    <a:p>
+                      <a:pPr algn="l">
+                        <a:lnSpc>
+                          <a:spcPct val="107000"/>
+                        </a:lnSpc>
+                        <a:spcAft>
+                          <a:spcPts val="800"/>
+                        </a:spcAft>
+                      </a:pPr>
+                      <a:r>
+                        <a:rPr lang="fr-FR" sz="1800" kern="100" dirty="0">
+                          <a:effectLst/>
+                          <a:latin typeface="Aptos" panose="020B0004020202020204" pitchFamily="34" charset="0"/>
+                          <a:ea typeface="Aptos" panose="020B0004020202020204" pitchFamily="34" charset="0"/>
+                          <a:cs typeface="Times New Roman" panose="02020603050405020304" pitchFamily="18" charset="0"/>
+                        </a:rPr>
+                        <a:t>Pas de contact direct avec le client.</a:t>
+                      </a:r>
                     </a:p>
                   </a:txBody>
                   <a:tcPr marL="45041" marR="45041" marT="0" marB="0"/>
@@ -8382,12 +8730,12 @@
                         </a:spcAft>
                       </a:pPr>
                       <a:r>
-                        <a:rPr lang="fr-FR" sz="1600" kern="0">
+                        <a:rPr lang="fr-FR" sz="1800" kern="0">
                           <a:effectLst/>
                         </a:rPr>
                         <a:t>Origine externe</a:t>
                       </a:r>
-                      <a:endParaRPr lang="fr-FR" sz="1600" kern="100">
+                      <a:endParaRPr lang="fr-FR" sz="1800" kern="100">
                         <a:effectLst/>
                         <a:latin typeface="Aptos" panose="020B0004020202020204" pitchFamily="34" charset="0"/>
                         <a:ea typeface="Aptos" panose="020B0004020202020204" pitchFamily="34" charset="0"/>
@@ -8411,17 +8759,11 @@
                         </a:spcAft>
                       </a:pPr>
                       <a:r>
-                        <a:rPr lang="fr-FR" sz="1600" kern="100" dirty="0">
+                        <a:rPr lang="fr-FR" sz="1800" kern="100" dirty="0">
                           <a:effectLst/>
                         </a:rPr>
-                        <a:t>Utilité concrète et besoin immédiat d’un site </a:t>
+                        <a:t>Utilité concrète et besoin immédiat d’un site.</a:t>
                       </a:r>
-                      <a:endParaRPr lang="fr-FR" sz="1600" kern="100" dirty="0">
-                        <a:effectLst/>
-                        <a:latin typeface="Aptos" panose="020B0004020202020204" pitchFamily="34" charset="0"/>
-                        <a:ea typeface="Aptos" panose="020B0004020202020204" pitchFamily="34" charset="0"/>
-                        <a:cs typeface="Times New Roman" panose="02020603050405020304" pitchFamily="18" charset="0"/>
-                      </a:endParaRPr>
                     </a:p>
                   </a:txBody>
                   <a:tcPr marL="45041" marR="45041" marT="0" marB="0"/>
@@ -8440,12 +8782,12 @@
                         </a:spcAft>
                       </a:pPr>
                       <a:r>
-                        <a:rPr lang="fr-FR" sz="1600" kern="100" dirty="0">
+                        <a:rPr lang="fr-FR" sz="1800" kern="100" dirty="0">
                           <a:effectLst/>
                         </a:rPr>
                         <a:t>Repose sur l’UPPA, si le projet est annulé, plus d’utilité pour notre site</a:t>
                       </a:r>
-                      <a:endParaRPr lang="fr-FR" sz="1600" kern="100" dirty="0">
+                      <a:endParaRPr lang="fr-FR" sz="1800" kern="100" dirty="0">
                         <a:effectLst/>
                         <a:latin typeface="Aptos" panose="020B0004020202020204" pitchFamily="34" charset="0"/>
                         <a:ea typeface="Aptos" panose="020B0004020202020204" pitchFamily="34" charset="0"/>
@@ -8478,7 +8820,7 @@
 </p:sld>
 </file>
 
-<file path=ppt/slides/slide5.xml><?xml version="1.0" encoding="utf-8"?>
+<file path=ppt/slides/slide6.xml><?xml version="1.0" encoding="utf-8"?>
 <p:sld xmlns:a="http://schemas.openxmlformats.org/drawingml/2006/main" xmlns:r="http://schemas.openxmlformats.org/officeDocument/2006/relationships" xmlns:p="http://schemas.openxmlformats.org/presentationml/2006/main">
   <p:cSld>
     <p:spTree>
@@ -8521,7 +8863,7 @@
             <a:pPr algn="ctr"/>
             <a:r>
               <a:rPr lang="fr-FR" sz="4000" dirty="0"/>
-              <a:t>III. Présentation du SMART</a:t>
+              <a:t>IV. Présentation du SMART</a:t>
             </a:r>
           </a:p>
         </p:txBody>
@@ -8577,7 +8919,7 @@
           <a:p>
             <a:fld id="{915BF9B4-2D6F-7943-B02D-01F59FFE0C5F}" type="slidenum">
               <a:rPr lang="fr-FR" smtClean="0"/>
-              <a:t>5</a:t>
+              <a:t>6</a:t>
             </a:fld>
             <a:endParaRPr lang="fr-FR"/>
           </a:p>
@@ -8598,14 +8940,14 @@
           <p:nvPr>
             <p:extLst>
               <p:ext uri="{D42A27DB-BD31-4B8C-83A1-F6EECF244321}">
-                <p14:modId xmlns:p14="http://schemas.microsoft.com/office/powerpoint/2010/main" val="2573137740"/>
+                <p14:modId xmlns:p14="http://schemas.microsoft.com/office/powerpoint/2010/main" val="179449679"/>
               </p:ext>
             </p:extLst>
           </p:nvPr>
         </p:nvGraphicFramePr>
         <p:xfrm>
-          <a:off x="2590800" y="1680395"/>
-          <a:ext cx="7010400" cy="4130296"/>
+          <a:off x="2054860" y="1889760"/>
+          <a:ext cx="8082280" cy="3866896"/>
         </p:xfrm>
         <a:graphic>
           <a:graphicData uri="http://schemas.openxmlformats.org/drawingml/2006/table">
@@ -8614,14 +8956,14 @@
                 <a:tableStyleId>{5C22544A-7EE6-4342-B048-85BDC9FD1C3A}</a:tableStyleId>
               </a:tblPr>
               <a:tblGrid>
-                <a:gridCol w="3505200">
+                <a:gridCol w="3069841">
                   <a:extLst>
                     <a:ext uri="{9D8B030D-6E8A-4147-A177-3AD203B41FA5}">
                       <a16:colId xmlns:a16="http://schemas.microsoft.com/office/drawing/2014/main" val="3073079697"/>
                     </a:ext>
                   </a:extLst>
                 </a:gridCol>
-                <a:gridCol w="3505200">
+                <a:gridCol w="5012439">
                   <a:extLst>
                     <a:ext uri="{9D8B030D-6E8A-4147-A177-3AD203B41FA5}">
                       <a16:colId xmlns:a16="http://schemas.microsoft.com/office/drawing/2014/main" val="2834109006"/>
@@ -8629,7 +8971,7 @@
                   </a:extLst>
                 </a:gridCol>
               </a:tblGrid>
-              <a:tr h="0">
+              <a:tr h="1547682">
                 <a:tc>
                   <a:txBody>
                     <a:bodyPr/>
@@ -8644,12 +8986,12 @@
                         </a:spcAft>
                       </a:pPr>
                       <a:r>
-                        <a:rPr lang="fr-FR" sz="1600" kern="100" dirty="0" err="1">
+                        <a:rPr lang="fr-FR" sz="1800" kern="100" dirty="0" err="1">
                           <a:effectLst/>
                         </a:rPr>
                         <a:t>S-pecifique</a:t>
                       </a:r>
-                      <a:endParaRPr lang="fr-FR" sz="1600" kern="100" dirty="0">
+                      <a:endParaRPr lang="fr-FR" sz="1800" kern="100" dirty="0">
                         <a:effectLst/>
                         <a:latin typeface="Aptos" panose="020B0004020202020204" pitchFamily="34" charset="0"/>
                         <a:ea typeface="Aptos" panose="020B0004020202020204" pitchFamily="34" charset="0"/>
@@ -8673,7 +9015,7 @@
                         </a:spcAft>
                       </a:pPr>
                       <a:r>
-                        <a:rPr lang="fr-FR" sz="1600" b="0" kern="100" dirty="0">
+                        <a:rPr lang="fr-FR" sz="1800" b="0" kern="100" dirty="0">
                           <a:solidFill>
                             <a:schemeClr val="tx1"/>
                           </a:solidFill>
@@ -8682,7 +9024,7 @@
                         <a:t>créer un site qui permettrai à des utilisateurs de l’</a:t>
                       </a:r>
                       <a:r>
-                        <a:rPr lang="fr-FR" sz="1600" b="0" kern="100" dirty="0" err="1">
+                        <a:rPr lang="fr-FR" sz="1800" b="0" kern="100" dirty="0" err="1">
                           <a:solidFill>
                             <a:schemeClr val="tx1"/>
                           </a:solidFill>
@@ -8691,7 +9033,7 @@
                         <a:t>uppa</a:t>
                       </a:r>
                       <a:r>
-                        <a:rPr lang="fr-FR" sz="1600" b="0" kern="100" dirty="0">
+                        <a:rPr lang="fr-FR" sz="1800" b="0" kern="100" dirty="0">
                           <a:solidFill>
                             <a:schemeClr val="tx1"/>
                           </a:solidFill>
@@ -8700,7 +9042,7 @@
                         <a:t> de réserver des trajets de navette (Anglet</a:t>
                       </a:r>
                       <a:r>
-                        <a:rPr lang="fr-FR" sz="1600" b="0" kern="100" dirty="0">
+                        <a:rPr lang="fr-FR" sz="1800" b="0" kern="100" dirty="0">
                           <a:solidFill>
                             <a:schemeClr val="tx1"/>
                           </a:solidFill>
@@ -8710,7 +9052,7 @@
                         <a:t></a:t>
                       </a:r>
                       <a:r>
-                        <a:rPr lang="fr-FR" sz="1600" b="0" kern="100" dirty="0">
+                        <a:rPr lang="fr-FR" sz="1800" b="0" kern="100" dirty="0">
                           <a:solidFill>
                             <a:schemeClr val="tx1"/>
                           </a:solidFill>
@@ -8718,7 +9060,35 @@
                         </a:rPr>
                         <a:t>Pau) simplement </a:t>
                       </a:r>
-                      <a:endParaRPr lang="fr-FR" sz="1600" b="0" kern="100" dirty="0">
+                    </a:p>
+                    <a:p>
+                      <a:pPr marL="0" marR="0" lvl="0" indent="0" algn="l" defTabSz="914400" rtl="0" eaLnBrk="1" fontAlgn="auto" latinLnBrk="0" hangingPunct="1">
+                        <a:lnSpc>
+                          <a:spcPct val="107000"/>
+                        </a:lnSpc>
+                        <a:spcBef>
+                          <a:spcPts val="0"/>
+                        </a:spcBef>
+                        <a:spcAft>
+                          <a:spcPts val="800"/>
+                        </a:spcAft>
+                        <a:buClrTx/>
+                        <a:buSzTx/>
+                        <a:buFontTx/>
+                        <a:buNone/>
+                        <a:tabLst/>
+                        <a:defRPr/>
+                      </a:pPr>
+                      <a:r>
+                        <a:rPr lang="fr-FR" sz="1800" b="0" kern="100" dirty="0">
+                          <a:solidFill>
+                            <a:schemeClr val="tx1"/>
+                          </a:solidFill>
+                          <a:effectLst/>
+                        </a:rPr>
+                        <a:t>Il faut que les réservations persistent, soient annulables, modifiables, consultables</a:t>
+                      </a:r>
+                      <a:endParaRPr lang="fr-FR" sz="1800" b="0" kern="100" dirty="0">
                         <a:solidFill>
                           <a:schemeClr val="tx1"/>
                         </a:solidFill>
@@ -8743,7 +9113,7 @@
                   </a:ext>
                 </a:extLst>
               </a:tr>
-              <a:tr h="0">
+              <a:tr h="568151">
                 <a:tc>
                   <a:txBody>
                     <a:bodyPr/>
@@ -8758,12 +9128,12 @@
                         </a:spcAft>
                       </a:pPr>
                       <a:r>
-                        <a:rPr lang="fr-FR" sz="1600" kern="100" dirty="0" err="1">
+                        <a:rPr lang="fr-FR" sz="1800" kern="100" dirty="0" err="1">
                           <a:effectLst/>
                         </a:rPr>
                         <a:t>M-esurable</a:t>
                       </a:r>
-                      <a:endParaRPr lang="fr-FR" sz="1600" kern="100" dirty="0">
+                      <a:endParaRPr lang="fr-FR" sz="1800" kern="100" dirty="0">
                         <a:effectLst/>
                         <a:latin typeface="Aptos" panose="020B0004020202020204" pitchFamily="34" charset="0"/>
                         <a:ea typeface="Aptos" panose="020B0004020202020204" pitchFamily="34" charset="0"/>
@@ -8787,17 +9157,14 @@
                         </a:spcAft>
                       </a:pPr>
                       <a:r>
-                        <a:rPr lang="fr-FR" sz="1600" kern="100" dirty="0">
+                        <a:rPr lang="fr-FR" sz="1800" kern="100" dirty="0">
                           <a:effectLst/>
+                          <a:latin typeface="Aptos" panose="020B0004020202020204" pitchFamily="34" charset="0"/>
+                          <a:ea typeface="Aptos" panose="020B0004020202020204" pitchFamily="34" charset="0"/>
+                          <a:cs typeface="Times New Roman" panose="02020603050405020304" pitchFamily="18" charset="0"/>
                         </a:rPr>
-                        <a:t>Il faut que les réservations persistent, soient annulables, modifiables, consultables</a:t>
+                        <a:t>Récolte de données en tout genre, comme le nombre de réservations moyen, etc…</a:t>
                       </a:r>
-                      <a:endParaRPr lang="fr-FR" sz="1600" kern="100" dirty="0">
-                        <a:effectLst/>
-                        <a:latin typeface="Aptos" panose="020B0004020202020204" pitchFamily="34" charset="0"/>
-                        <a:ea typeface="Aptos" panose="020B0004020202020204" pitchFamily="34" charset="0"/>
-                        <a:cs typeface="Times New Roman" panose="02020603050405020304" pitchFamily="18" charset="0"/>
-                      </a:endParaRPr>
                     </a:p>
                   </a:txBody>
                   <a:tcPr marL="68580" marR="68580" marT="0" marB="0">
@@ -8814,7 +9181,7 @@
                   </a:ext>
                 </a:extLst>
               </a:tr>
-              <a:tr h="0">
+              <a:tr h="568151">
                 <a:tc>
                   <a:txBody>
                     <a:bodyPr/>
@@ -8829,12 +9196,12 @@
                         </a:spcAft>
                       </a:pPr>
                       <a:r>
-                        <a:rPr lang="fr-FR" sz="1600" kern="100" dirty="0" err="1">
+                        <a:rPr lang="fr-FR" sz="1800" kern="100" dirty="0" err="1">
                           <a:effectLst/>
                         </a:rPr>
                         <a:t>A-tteignable</a:t>
                       </a:r>
-                      <a:endParaRPr lang="fr-FR" sz="1600" kern="100" dirty="0">
+                      <a:endParaRPr lang="fr-FR" sz="1800" kern="100" dirty="0">
                         <a:effectLst/>
                         <a:latin typeface="Aptos" panose="020B0004020202020204" pitchFamily="34" charset="0"/>
                         <a:ea typeface="Aptos" panose="020B0004020202020204" pitchFamily="34" charset="0"/>
@@ -8858,12 +9225,12 @@
                         </a:spcAft>
                       </a:pPr>
                       <a:r>
-                        <a:rPr lang="fr-FR" sz="1600" kern="100" dirty="0">
+                        <a:rPr lang="fr-FR" sz="1800" kern="100" dirty="0">
                           <a:effectLst/>
                         </a:rPr>
                         <a:t>Avoir un site qui fonctionne et permet de faire des réservations, de les afficher, et de remplir un BD</a:t>
                       </a:r>
-                      <a:endParaRPr lang="fr-FR" sz="1600" kern="100" dirty="0">
+                      <a:endParaRPr lang="fr-FR" sz="1800" kern="100" dirty="0">
                         <a:effectLst/>
                         <a:latin typeface="Aptos" panose="020B0004020202020204" pitchFamily="34" charset="0"/>
                         <a:ea typeface="Aptos" panose="020B0004020202020204" pitchFamily="34" charset="0"/>
@@ -8885,7 +9252,7 @@
                   </a:ext>
                 </a:extLst>
               </a:tr>
-              <a:tr h="0">
+              <a:tr h="279153">
                 <a:tc>
                   <a:txBody>
                     <a:bodyPr/>
@@ -8900,12 +9267,12 @@
                         </a:spcAft>
                       </a:pPr>
                       <a:r>
-                        <a:rPr lang="fr-FR" sz="1600" kern="100">
+                        <a:rPr lang="fr-FR" sz="1800" kern="100" dirty="0" err="1">
                           <a:effectLst/>
                         </a:rPr>
-                        <a:t>R-elevant</a:t>
+                        <a:t>R-éalisable</a:t>
                       </a:r>
-                      <a:endParaRPr lang="fr-FR" sz="1600" kern="100">
+                      <a:endParaRPr lang="fr-FR" sz="1800" kern="100" dirty="0">
                         <a:effectLst/>
                         <a:latin typeface="Aptos" panose="020B0004020202020204" pitchFamily="34" charset="0"/>
                         <a:ea typeface="Aptos" panose="020B0004020202020204" pitchFamily="34" charset="0"/>
@@ -8929,17 +9296,14 @@
                         </a:spcAft>
                       </a:pPr>
                       <a:r>
-                        <a:rPr lang="fr-FR" sz="1600" kern="100" dirty="0">
+                        <a:rPr lang="fr-FR" sz="1800" kern="100" dirty="0">
                           <a:effectLst/>
+                          <a:latin typeface="Aptos" panose="020B0004020202020204" pitchFamily="34" charset="0"/>
+                          <a:ea typeface="Aptos" panose="020B0004020202020204" pitchFamily="34" charset="0"/>
+                          <a:cs typeface="Times New Roman" panose="02020603050405020304" pitchFamily="18" charset="0"/>
                         </a:rPr>
-                        <a:t> </a:t>
+                        <a:t>Pas de difficulté évidente </a:t>
                       </a:r>
-                      <a:endParaRPr lang="fr-FR" sz="1600" kern="100" dirty="0">
-                        <a:effectLst/>
-                        <a:latin typeface="Aptos" panose="020B0004020202020204" pitchFamily="34" charset="0"/>
-                        <a:ea typeface="Aptos" panose="020B0004020202020204" pitchFamily="34" charset="0"/>
-                        <a:cs typeface="Times New Roman" panose="02020603050405020304" pitchFamily="18" charset="0"/>
-                      </a:endParaRPr>
                     </a:p>
                   </a:txBody>
                   <a:tcPr marL="68580" marR="68580" marT="0" marB="0">
@@ -8956,7 +9320,7 @@
                   </a:ext>
                 </a:extLst>
               </a:tr>
-              <a:tr h="0">
+              <a:tr h="857151">
                 <a:tc>
                   <a:txBody>
                     <a:bodyPr/>
@@ -8971,12 +9335,12 @@
                         </a:spcAft>
                       </a:pPr>
                       <a:r>
-                        <a:rPr lang="fr-FR" sz="1600" kern="100">
+                        <a:rPr lang="fr-FR" sz="1800" kern="100">
                           <a:effectLst/>
                         </a:rPr>
                         <a:t>T-emporellement</a:t>
                       </a:r>
-                      <a:endParaRPr lang="fr-FR" sz="1600" kern="100">
+                      <a:endParaRPr lang="fr-FR" sz="1800" kern="100">
                         <a:effectLst/>
                         <a:latin typeface="Aptos" panose="020B0004020202020204" pitchFamily="34" charset="0"/>
                         <a:ea typeface="Aptos" panose="020B0004020202020204" pitchFamily="34" charset="0"/>
@@ -9000,12 +9364,12 @@
                         </a:spcAft>
                       </a:pPr>
                       <a:r>
-                        <a:rPr lang="fr-FR" sz="1600" kern="100" dirty="0">
+                        <a:rPr lang="fr-FR" sz="1800" kern="100" dirty="0">
                           <a:effectLst/>
                         </a:rPr>
                         <a:t>Une bonne ébauche pour le 18 mars (?) pour le présenter et motiver l’administration à garder la navette et finir projet pour le 7 mai (dernier cours)</a:t>
                       </a:r>
-                      <a:endParaRPr lang="fr-FR" sz="1600" kern="100" dirty="0">
+                      <a:endParaRPr lang="fr-FR" sz="1800" kern="100" dirty="0">
                         <a:effectLst/>
                         <a:latin typeface="Aptos" panose="020B0004020202020204" pitchFamily="34" charset="0"/>
                         <a:ea typeface="Aptos" panose="020B0004020202020204" pitchFamily="34" charset="0"/>
@@ -9044,595 +9408,7 @@
 </p:sld>
 </file>
 
-<file path=ppt/slides/slide6.xml><?xml version="1.0" encoding="utf-8"?>
-<p:sld xmlns:a="http://schemas.openxmlformats.org/drawingml/2006/main" xmlns:r="http://schemas.openxmlformats.org/officeDocument/2006/relationships" xmlns:p="http://schemas.openxmlformats.org/presentationml/2006/main">
-  <p:cSld>
-    <p:bg>
-      <p:bgPr>
-        <a:solidFill>
-          <a:schemeClr val="bg1"/>
-        </a:solidFill>
-        <a:effectLst/>
-      </p:bgPr>
-    </p:bg>
-    <p:spTree>
-      <p:nvGrpSpPr>
-        <p:cNvPr id="1" name=""/>
-        <p:cNvGrpSpPr/>
-        <p:nvPr/>
-      </p:nvGrpSpPr>
-      <p:grpSpPr>
-        <a:xfrm>
-          <a:off x="0" y="0"/>
-          <a:ext cx="0" cy="0"/>
-          <a:chOff x="0" y="0"/>
-          <a:chExt cx="0" cy="0"/>
-        </a:xfrm>
-      </p:grpSpPr>
-      <p:sp>
-        <p:nvSpPr>
-          <p:cNvPr id="16" name="Flowchart: Document 15">
-            <a:extLst>
-              <a:ext uri="{FF2B5EF4-FFF2-40B4-BE49-F238E27FC236}">
-                <a16:creationId xmlns:a16="http://schemas.microsoft.com/office/drawing/2014/main" id="{D12DDE76-C203-4047-9998-63900085B5E8}"/>
-              </a:ext>
-              <a:ext uri="{C183D7F6-B498-43B3-948B-1728B52AA6E4}">
-                <adec:decorative xmlns:adec="http://schemas.microsoft.com/office/drawing/2017/decorative" val="1"/>
-              </a:ext>
-            </a:extLst>
-          </p:cNvPr>
-          <p:cNvSpPr>
-            <a:spLocks noGrp="1" noRot="1" noChangeAspect="1" noMove="1" noResize="1" noEditPoints="1" noAdjustHandles="1" noChangeArrowheads="1" noChangeShapeType="1" noTextEdit="1"/>
-          </p:cNvSpPr>
-          <p:nvPr>
-            <p:extLst>
-              <p:ext uri="{386F3935-93C4-4BCD-93E2-E3B085C9AB24}">
-                <p16:designElem xmlns:p16="http://schemas.microsoft.com/office/powerpoint/2015/main" val="1"/>
-              </p:ext>
-            </p:extLst>
-          </p:nvPr>
-        </p:nvSpPr>
-        <p:spPr>
-          <a:xfrm>
-            <a:off x="638175" y="0"/>
-            <a:ext cx="3248025" cy="3400426"/>
-          </a:xfrm>
-          <a:prstGeom prst="flowChartDocument">
-            <a:avLst/>
-          </a:prstGeom>
-          <a:solidFill>
-            <a:schemeClr val="accent1"/>
-          </a:solidFill>
-          <a:ln>
-            <a:noFill/>
-          </a:ln>
-        </p:spPr>
-        <p:style>
-          <a:lnRef idx="2">
-            <a:schemeClr val="accent1">
-              <a:shade val="50000"/>
-            </a:schemeClr>
-          </a:lnRef>
-          <a:fillRef idx="1">
-            <a:schemeClr val="accent1"/>
-          </a:fillRef>
-          <a:effectRef idx="0">
-            <a:schemeClr val="accent1"/>
-          </a:effectRef>
-          <a:fontRef idx="minor">
-            <a:schemeClr val="lt1"/>
-          </a:fontRef>
-        </p:style>
-        <p:txBody>
-          <a:bodyPr rtlCol="0" anchor="ctr"/>
-          <a:lstStyle/>
-          <a:p>
-            <a:pPr algn="ctr"/>
-            <a:endParaRPr lang="en-US"/>
-          </a:p>
-        </p:txBody>
-      </p:sp>
-      <p:sp>
-        <p:nvSpPr>
-          <p:cNvPr id="2" name="Titre 1">
-            <a:extLst>
-              <a:ext uri="{FF2B5EF4-FFF2-40B4-BE49-F238E27FC236}">
-                <a16:creationId xmlns:a16="http://schemas.microsoft.com/office/drawing/2014/main" id="{2AEF988E-03ED-203D-A2B1-E6D0277BCFED}"/>
-              </a:ext>
-            </a:extLst>
-          </p:cNvPr>
-          <p:cNvSpPr>
-            <a:spLocks noGrp="1"/>
-          </p:cNvSpPr>
-          <p:nvPr>
-            <p:ph type="title"/>
-          </p:nvPr>
-        </p:nvSpPr>
-        <p:spPr>
-          <a:xfrm>
-            <a:off x="838200" y="171162"/>
-            <a:ext cx="2840182" cy="2371148"/>
-          </a:xfrm>
-        </p:spPr>
-        <p:txBody>
-          <a:bodyPr vert="horz" lIns="91440" tIns="45720" rIns="91440" bIns="45720" rtlCol="0" anchor="ctr">
-            <a:normAutofit/>
-          </a:bodyPr>
-          <a:lstStyle/>
-          <a:p>
-            <a:r>
-              <a:rPr lang="en-US" sz="3200" kern="1200">
-                <a:solidFill>
-                  <a:srgbClr val="FFFFFF"/>
-                </a:solidFill>
-                <a:latin typeface="+mj-lt"/>
-                <a:ea typeface="+mj-ea"/>
-                <a:cs typeface="+mj-cs"/>
-              </a:rPr>
-              <a:t>IV. Présentation du QUINTILIEN</a:t>
-            </a:r>
-          </a:p>
-        </p:txBody>
-      </p:sp>
-      <p:pic>
-        <p:nvPicPr>
-          <p:cNvPr id="11" name="Espace réservé du contenu 10" descr="Une image contenant texte, cercle, Police, capture d’écran&#10;&#10;Description générée automatiquement">
-            <a:extLst>
-              <a:ext uri="{FF2B5EF4-FFF2-40B4-BE49-F238E27FC236}">
-                <a16:creationId xmlns:a16="http://schemas.microsoft.com/office/drawing/2014/main" id="{602121B6-C221-9E27-EB1D-7ED7C4988872}"/>
-              </a:ext>
-            </a:extLst>
-          </p:cNvPr>
-          <p:cNvPicPr>
-            <a:picLocks noGrp="1" noChangeAspect="1"/>
-          </p:cNvPicPr>
-          <p:nvPr>
-            <p:ph idx="1"/>
-          </p:nvPr>
-        </p:nvPicPr>
-        <p:blipFill>
-          <a:blip r:embed="rId2"/>
-          <a:stretch>
-            <a:fillRect/>
-          </a:stretch>
-        </p:blipFill>
-        <p:spPr>
-          <a:xfrm>
-            <a:off x="4615225" y="318382"/>
-            <a:ext cx="6738575" cy="6037968"/>
-          </a:xfrm>
-          <a:prstGeom prst="rect">
-            <a:avLst/>
-          </a:prstGeom>
-        </p:spPr>
-      </p:pic>
-      <p:sp>
-        <p:nvSpPr>
-          <p:cNvPr id="5" name="Espace réservé du pied de page 4">
-            <a:extLst>
-              <a:ext uri="{FF2B5EF4-FFF2-40B4-BE49-F238E27FC236}">
-                <a16:creationId xmlns:a16="http://schemas.microsoft.com/office/drawing/2014/main" id="{2D908748-EAFA-6705-763E-67505F094D79}"/>
-              </a:ext>
-            </a:extLst>
-          </p:cNvPr>
-          <p:cNvSpPr>
-            <a:spLocks noGrp="1"/>
-          </p:cNvSpPr>
-          <p:nvPr>
-            <p:ph type="ftr" sz="quarter" idx="11"/>
-          </p:nvPr>
-        </p:nvSpPr>
-        <p:spPr>
-          <a:xfrm>
-            <a:off x="838200" y="6356350"/>
-            <a:ext cx="5960951" cy="365125"/>
-          </a:xfrm>
-          <a:noFill/>
-        </p:spPr>
-        <p:txBody>
-          <a:bodyPr vert="horz" lIns="91440" tIns="45720" rIns="91440" bIns="45720" rtlCol="0" anchor="ctr">
-            <a:normAutofit/>
-          </a:bodyPr>
-          <a:lstStyle/>
-          <a:p>
-            <a:pPr algn="l">
-              <a:spcAft>
-                <a:spcPts val="600"/>
-              </a:spcAft>
-            </a:pPr>
-            <a:r>
-              <a:rPr lang="en-US" kern="1200">
-                <a:solidFill>
-                  <a:schemeClr val="tx1">
-                    <a:tint val="75000"/>
-                  </a:schemeClr>
-                </a:solidFill>
-                <a:latin typeface="+mn-lt"/>
-                <a:ea typeface="+mn-ea"/>
-                <a:cs typeface="+mn-cs"/>
-              </a:rPr>
-              <a:t>Projet Intégrateur L2NEC</a:t>
-            </a:r>
-          </a:p>
-        </p:txBody>
-      </p:sp>
-      <p:sp>
-        <p:nvSpPr>
-          <p:cNvPr id="6" name="Espace réservé du numéro de diapositive 5">
-            <a:extLst>
-              <a:ext uri="{FF2B5EF4-FFF2-40B4-BE49-F238E27FC236}">
-                <a16:creationId xmlns:a16="http://schemas.microsoft.com/office/drawing/2014/main" id="{EC2E1A56-6DD0-E48E-D864-2167282DCDC8}"/>
-              </a:ext>
-            </a:extLst>
-          </p:cNvPr>
-          <p:cNvSpPr>
-            <a:spLocks noGrp="1"/>
-          </p:cNvSpPr>
-          <p:nvPr>
-            <p:ph type="sldNum" sz="quarter" idx="12"/>
-          </p:nvPr>
-        </p:nvSpPr>
-        <p:spPr>
-          <a:xfrm>
-            <a:off x="10926476" y="6356350"/>
-            <a:ext cx="625443" cy="365125"/>
-          </a:xfrm>
-          <a:noFill/>
-        </p:spPr>
-        <p:txBody>
-          <a:bodyPr vert="horz" lIns="91440" tIns="45720" rIns="91440" bIns="45720" rtlCol="0" anchor="ctr">
-            <a:normAutofit/>
-          </a:bodyPr>
-          <a:lstStyle/>
-          <a:p>
-            <a:pPr algn="l">
-              <a:spcAft>
-                <a:spcPts val="600"/>
-              </a:spcAft>
-            </a:pPr>
-            <a:fld id="{915BF9B4-2D6F-7943-B02D-01F59FFE0C5F}" type="slidenum">
-              <a:rPr lang="en-US" smtClean="0">
-                <a:solidFill>
-                  <a:schemeClr val="tx1">
-                    <a:tint val="75000"/>
-                  </a:schemeClr>
-                </a:solidFill>
-              </a:rPr>
-              <a:pPr algn="l">
-                <a:spcAft>
-                  <a:spcPts val="600"/>
-                </a:spcAft>
-              </a:pPr>
-              <a:t>6</a:t>
-            </a:fld>
-            <a:endParaRPr lang="en-US">
-              <a:solidFill>
-                <a:schemeClr val="tx1">
-                  <a:tint val="75000"/>
-                </a:schemeClr>
-              </a:solidFill>
-            </a:endParaRPr>
-          </a:p>
-        </p:txBody>
-      </p:sp>
-    </p:spTree>
-    <p:extLst>
-      <p:ext uri="{BB962C8B-B14F-4D97-AF65-F5344CB8AC3E}">
-        <p14:creationId xmlns:p14="http://schemas.microsoft.com/office/powerpoint/2010/main" val="3893676218"/>
-      </p:ext>
-    </p:extLst>
-  </p:cSld>
-  <p:clrMapOvr>
-    <a:masterClrMapping/>
-  </p:clrMapOvr>
-</p:sld>
-</file>
-
 <file path=ppt/slides/slide7.xml><?xml version="1.0" encoding="utf-8"?>
-<p:sld xmlns:a="http://schemas.openxmlformats.org/drawingml/2006/main" xmlns:r="http://schemas.openxmlformats.org/officeDocument/2006/relationships" xmlns:p="http://schemas.openxmlformats.org/presentationml/2006/main">
-  <p:cSld>
-    <p:bg>
-      <p:bgPr>
-        <a:solidFill>
-          <a:schemeClr val="bg1"/>
-        </a:solidFill>
-        <a:effectLst/>
-      </p:bgPr>
-    </p:bg>
-    <p:spTree>
-      <p:nvGrpSpPr>
-        <p:cNvPr id="1" name=""/>
-        <p:cNvGrpSpPr/>
-        <p:nvPr/>
-      </p:nvGrpSpPr>
-      <p:grpSpPr>
-        <a:xfrm>
-          <a:off x="0" y="0"/>
-          <a:ext cx="0" cy="0"/>
-          <a:chOff x="0" y="0"/>
-          <a:chExt cx="0" cy="0"/>
-        </a:xfrm>
-      </p:grpSpPr>
-      <p:sp>
-        <p:nvSpPr>
-          <p:cNvPr id="21" name="Flowchart: Document 20">
-            <a:extLst>
-              <a:ext uri="{FF2B5EF4-FFF2-40B4-BE49-F238E27FC236}">
-                <a16:creationId xmlns:a16="http://schemas.microsoft.com/office/drawing/2014/main" id="{D12DDE76-C203-4047-9998-63900085B5E8}"/>
-              </a:ext>
-              <a:ext uri="{C183D7F6-B498-43B3-948B-1728B52AA6E4}">
-                <adec:decorative xmlns:adec="http://schemas.microsoft.com/office/drawing/2017/decorative" val="1"/>
-              </a:ext>
-            </a:extLst>
-          </p:cNvPr>
-          <p:cNvSpPr>
-            <a:spLocks noGrp="1" noRot="1" noChangeAspect="1" noMove="1" noResize="1" noEditPoints="1" noAdjustHandles="1" noChangeArrowheads="1" noChangeShapeType="1" noTextEdit="1"/>
-          </p:cNvSpPr>
-          <p:nvPr>
-            <p:extLst>
-              <p:ext uri="{386F3935-93C4-4BCD-93E2-E3B085C9AB24}">
-                <p16:designElem xmlns:p16="http://schemas.microsoft.com/office/powerpoint/2015/main" val="1"/>
-              </p:ext>
-            </p:extLst>
-          </p:nvPr>
-        </p:nvSpPr>
-        <p:spPr>
-          <a:xfrm>
-            <a:off x="638175" y="0"/>
-            <a:ext cx="3248025" cy="3400426"/>
-          </a:xfrm>
-          <a:prstGeom prst="flowChartDocument">
-            <a:avLst/>
-          </a:prstGeom>
-          <a:solidFill>
-            <a:schemeClr val="accent1"/>
-          </a:solidFill>
-          <a:ln>
-            <a:noFill/>
-          </a:ln>
-        </p:spPr>
-        <p:style>
-          <a:lnRef idx="2">
-            <a:schemeClr val="accent1">
-              <a:shade val="50000"/>
-            </a:schemeClr>
-          </a:lnRef>
-          <a:fillRef idx="1">
-            <a:schemeClr val="accent1"/>
-          </a:fillRef>
-          <a:effectRef idx="0">
-            <a:schemeClr val="accent1"/>
-          </a:effectRef>
-          <a:fontRef idx="minor">
-            <a:schemeClr val="lt1"/>
-          </a:fontRef>
-        </p:style>
-        <p:txBody>
-          <a:bodyPr rtlCol="0" anchor="ctr"/>
-          <a:lstStyle/>
-          <a:p>
-            <a:pPr algn="ctr"/>
-            <a:endParaRPr lang="en-US"/>
-          </a:p>
-        </p:txBody>
-      </p:sp>
-      <p:sp>
-        <p:nvSpPr>
-          <p:cNvPr id="2" name="Titre 1">
-            <a:extLst>
-              <a:ext uri="{FF2B5EF4-FFF2-40B4-BE49-F238E27FC236}">
-                <a16:creationId xmlns:a16="http://schemas.microsoft.com/office/drawing/2014/main" id="{2AEF988E-03ED-203D-A2B1-E6D0277BCFED}"/>
-              </a:ext>
-            </a:extLst>
-          </p:cNvPr>
-          <p:cNvSpPr>
-            <a:spLocks noGrp="1"/>
-          </p:cNvSpPr>
-          <p:nvPr>
-            <p:ph type="title"/>
-          </p:nvPr>
-        </p:nvSpPr>
-        <p:spPr>
-          <a:xfrm>
-            <a:off x="838200" y="171162"/>
-            <a:ext cx="2840182" cy="2371148"/>
-          </a:xfrm>
-        </p:spPr>
-        <p:txBody>
-          <a:bodyPr vert="horz" lIns="91440" tIns="45720" rIns="91440" bIns="45720" rtlCol="0" anchor="ctr">
-            <a:normAutofit/>
-          </a:bodyPr>
-          <a:lstStyle/>
-          <a:p>
-            <a:r>
-              <a:rPr lang="en-US" sz="3200" kern="1200" dirty="0">
-                <a:solidFill>
-                  <a:srgbClr val="FFFFFF"/>
-                </a:solidFill>
-                <a:latin typeface="+mj-lt"/>
-                <a:ea typeface="+mj-ea"/>
-                <a:cs typeface="+mj-cs"/>
-              </a:rPr>
-              <a:t>V. </a:t>
-            </a:r>
-            <a:r>
-              <a:rPr lang="en-US" sz="3200" kern="1200">
-                <a:solidFill>
-                  <a:srgbClr val="FFFFFF"/>
-                </a:solidFill>
-                <a:latin typeface="+mj-lt"/>
-                <a:ea typeface="+mj-ea"/>
-                <a:cs typeface="+mj-cs"/>
-              </a:rPr>
-              <a:t>Présentation</a:t>
-            </a:r>
-            <a:r>
-              <a:rPr lang="en-US" sz="3200" kern="1200" dirty="0">
-                <a:solidFill>
-                  <a:srgbClr val="FFFFFF"/>
-                </a:solidFill>
-                <a:latin typeface="+mj-lt"/>
-                <a:ea typeface="+mj-ea"/>
-                <a:cs typeface="+mj-cs"/>
-              </a:rPr>
-              <a:t> du DCU</a:t>
-            </a:r>
-          </a:p>
-        </p:txBody>
-      </p:sp>
-      <p:sp>
-        <p:nvSpPr>
-          <p:cNvPr id="5" name="Espace réservé du pied de page 4">
-            <a:extLst>
-              <a:ext uri="{FF2B5EF4-FFF2-40B4-BE49-F238E27FC236}">
-                <a16:creationId xmlns:a16="http://schemas.microsoft.com/office/drawing/2014/main" id="{2D908748-EAFA-6705-763E-67505F094D79}"/>
-              </a:ext>
-            </a:extLst>
-          </p:cNvPr>
-          <p:cNvSpPr>
-            <a:spLocks noGrp="1"/>
-          </p:cNvSpPr>
-          <p:nvPr>
-            <p:ph type="ftr" sz="quarter" idx="11"/>
-          </p:nvPr>
-        </p:nvSpPr>
-        <p:spPr>
-          <a:xfrm>
-            <a:off x="838200" y="6356350"/>
-            <a:ext cx="5960951" cy="365125"/>
-          </a:xfrm>
-          <a:noFill/>
-        </p:spPr>
-        <p:txBody>
-          <a:bodyPr vert="horz" lIns="91440" tIns="45720" rIns="91440" bIns="45720" rtlCol="0" anchor="ctr">
-            <a:normAutofit/>
-          </a:bodyPr>
-          <a:lstStyle/>
-          <a:p>
-            <a:pPr algn="l">
-              <a:spcAft>
-                <a:spcPts val="600"/>
-              </a:spcAft>
-            </a:pPr>
-            <a:r>
-              <a:rPr lang="en-US" kern="1200">
-                <a:solidFill>
-                  <a:schemeClr val="tx1">
-                    <a:tint val="75000"/>
-                  </a:schemeClr>
-                </a:solidFill>
-                <a:latin typeface="+mn-lt"/>
-                <a:ea typeface="+mn-ea"/>
-                <a:cs typeface="+mn-cs"/>
-              </a:rPr>
-              <a:t>Projet Intégrateur L2NEC</a:t>
-            </a:r>
-          </a:p>
-        </p:txBody>
-      </p:sp>
-      <p:sp>
-        <p:nvSpPr>
-          <p:cNvPr id="6" name="Espace réservé du numéro de diapositive 5">
-            <a:extLst>
-              <a:ext uri="{FF2B5EF4-FFF2-40B4-BE49-F238E27FC236}">
-                <a16:creationId xmlns:a16="http://schemas.microsoft.com/office/drawing/2014/main" id="{EC2E1A56-6DD0-E48E-D864-2167282DCDC8}"/>
-              </a:ext>
-            </a:extLst>
-          </p:cNvPr>
-          <p:cNvSpPr>
-            <a:spLocks noGrp="1"/>
-          </p:cNvSpPr>
-          <p:nvPr>
-            <p:ph type="sldNum" sz="quarter" idx="12"/>
-          </p:nvPr>
-        </p:nvSpPr>
-        <p:spPr>
-          <a:xfrm>
-            <a:off x="10926476" y="6356350"/>
-            <a:ext cx="625443" cy="365125"/>
-          </a:xfrm>
-          <a:noFill/>
-        </p:spPr>
-        <p:txBody>
-          <a:bodyPr vert="horz" lIns="91440" tIns="45720" rIns="91440" bIns="45720" rtlCol="0" anchor="ctr">
-            <a:normAutofit/>
-          </a:bodyPr>
-          <a:lstStyle/>
-          <a:p>
-            <a:pPr algn="l">
-              <a:spcAft>
-                <a:spcPts val="600"/>
-              </a:spcAft>
-            </a:pPr>
-            <a:fld id="{915BF9B4-2D6F-7943-B02D-01F59FFE0C5F}" type="slidenum">
-              <a:rPr lang="en-US" smtClean="0">
-                <a:solidFill>
-                  <a:schemeClr val="tx1">
-                    <a:tint val="75000"/>
-                  </a:schemeClr>
-                </a:solidFill>
-              </a:rPr>
-              <a:pPr algn="l">
-                <a:spcAft>
-                  <a:spcPts val="600"/>
-                </a:spcAft>
-              </a:pPr>
-              <a:t>7</a:t>
-            </a:fld>
-            <a:endParaRPr lang="en-US">
-              <a:solidFill>
-                <a:schemeClr val="tx1">
-                  <a:tint val="75000"/>
-                </a:schemeClr>
-              </a:solidFill>
-            </a:endParaRPr>
-          </a:p>
-        </p:txBody>
-      </p:sp>
-      <p:pic>
-        <p:nvPicPr>
-          <p:cNvPr id="4" name="Image 3" descr="Une image contenant texte, croquis, Parallèle, diagramme&#10;&#10;Description générée automatiquement">
-            <a:extLst>
-              <a:ext uri="{FF2B5EF4-FFF2-40B4-BE49-F238E27FC236}">
-                <a16:creationId xmlns:a16="http://schemas.microsoft.com/office/drawing/2014/main" id="{A90258FB-11D0-19A0-4E20-A80182B2B704}"/>
-              </a:ext>
-            </a:extLst>
-          </p:cNvPr>
-          <p:cNvPicPr>
-            <a:picLocks noChangeAspect="1"/>
-          </p:cNvPicPr>
-          <p:nvPr/>
-        </p:nvPicPr>
-        <p:blipFill>
-          <a:blip r:embed="rId2"/>
-          <a:stretch>
-            <a:fillRect/>
-          </a:stretch>
-        </p:blipFill>
-        <p:spPr>
-          <a:xfrm>
-            <a:off x="4182068" y="99030"/>
-            <a:ext cx="6269622" cy="6602791"/>
-          </a:xfrm>
-          <a:prstGeom prst="rect">
-            <a:avLst/>
-          </a:prstGeom>
-        </p:spPr>
-      </p:pic>
-    </p:spTree>
-    <p:extLst>
-      <p:ext uri="{BB962C8B-B14F-4D97-AF65-F5344CB8AC3E}">
-        <p14:creationId xmlns:p14="http://schemas.microsoft.com/office/powerpoint/2010/main" val="2265596792"/>
-      </p:ext>
-    </p:extLst>
-  </p:cSld>
-  <p:clrMapOvr>
-    <a:masterClrMapping/>
-  </p:clrMapOvr>
-</p:sld>
-</file>
-
-<file path=ppt/slides/slide8.xml><?xml version="1.0" encoding="utf-8"?>
 <p:sld xmlns:a="http://schemas.openxmlformats.org/drawingml/2006/main" xmlns:r="http://schemas.openxmlformats.org/officeDocument/2006/relationships" xmlns:p="http://schemas.openxmlformats.org/presentationml/2006/main">
   <p:cSld>
     <p:bg>
@@ -10017,7 +9793,7 @@
                   <a:spcPts val="600"/>
                 </a:spcAft>
               </a:pPr>
-              <a:t>8</a:t>
+              <a:t>7</a:t>
             </a:fld>
             <a:endParaRPr lang="en-US">
               <a:solidFill>

--- a/AVANT-PROJET/PrésentationAvantProjet.pptx
+++ b/AVANT-PROJET/PrésentationAvantProjet.pptx
@@ -936,7 +936,7 @@
         <a:p>
           <a:r>
             <a:rPr lang="fr-FR" dirty="0"/>
-            <a:t>II. Présentation du SWOT</a:t>
+            <a:t>II. Présentation du QUINTILIEN</a:t>
           </a:r>
           <a:endParaRPr lang="en-US" dirty="0"/>
         </a:p>
@@ -1010,7 +1010,7 @@
         <a:p>
           <a:r>
             <a:rPr lang="fr-FR" dirty="0"/>
-            <a:t>IV. Présentation du QUINTILIEN</a:t>
+            <a:t>IV. Présentation du SWOT</a:t>
           </a:r>
           <a:endParaRPr lang="en-US" dirty="0"/>
         </a:p>
@@ -1087,7 +1087,7 @@
       <dgm:spPr/>
     </dgm:pt>
     <dgm:pt modelId="{584D5366-2E09-DD4C-B3D9-D2FFBBB4D0C4}" type="pres">
-      <dgm:prSet presAssocID="{15C36091-1AB2-452F-8947-A1219372CAF1}" presName="parentText" presStyleLbl="node1" presStyleIdx="3" presStyleCnt="4">
+      <dgm:prSet presAssocID="{15C36091-1AB2-452F-8947-A1219372CAF1}" presName="parentText" presStyleLbl="node1" presStyleIdx="3" presStyleCnt="4" custLinFactNeighborX="-2705" custLinFactNeighborY="8819">
         <dgm:presLayoutVars>
           <dgm:chMax val="0"/>
           <dgm:bulletEnabled val="1"/>
@@ -1288,7 +1288,7 @@
           </a:pPr>
           <a:r>
             <a:rPr lang="fr-FR" sz="4000" kern="1200" dirty="0"/>
-            <a:t>II. Présentation du SWOT</a:t>
+            <a:t>II. Présentation du QUINTILIEN</a:t>
           </a:r>
           <a:endParaRPr lang="en-US" sz="4000" kern="1200" dirty="0"/>
         </a:p>
@@ -1384,7 +1384,7 @@
       </dsp:nvSpPr>
       <dsp:spPr>
         <a:xfrm>
-          <a:off x="0" y="3331269"/>
+          <a:off x="0" y="3341428"/>
           <a:ext cx="10515600" cy="982800"/>
         </a:xfrm>
         <a:prstGeom prst="roundRect">
@@ -1446,13 +1446,13 @@
           </a:pPr>
           <a:r>
             <a:rPr lang="fr-FR" sz="4000" kern="1200" dirty="0"/>
-            <a:t>IV. Présentation du QUINTILIEN</a:t>
+            <a:t>IV. Présentation du SWOT</a:t>
           </a:r>
           <a:endParaRPr lang="en-US" sz="4000" kern="1200" dirty="0"/>
         </a:p>
       </dsp:txBody>
       <dsp:txXfrm>
-        <a:off x="47976" y="3379245"/>
+        <a:off x="47976" y="3389404"/>
         <a:ext cx="10419648" cy="886848"/>
       </dsp:txXfrm>
     </dsp:sp>
@@ -6886,7 +6886,7 @@
             <p:ph idx="1"/>
             <p:extLst>
               <p:ext uri="{D42A27DB-BD31-4B8C-83A1-F6EECF244321}">
-                <p14:modId xmlns:p14="http://schemas.microsoft.com/office/powerpoint/2010/main" val="2948365228"/>
+                <p14:modId xmlns:p14="http://schemas.microsoft.com/office/powerpoint/2010/main" val="9393106"/>
               </p:ext>
             </p:extLst>
           </p:nvPr>

--- a/AVANT-PROJET/PrésentationAvantProjet.pptx
+++ b/AVANT-PROJET/PrésentationAvantProjet.pptx
@@ -2743,7 +2743,7 @@
           <a:p>
             <a:fld id="{396732D2-A960-8D41-B4D4-34EE00E05655}" type="datetimeFigureOut">
               <a:rPr lang="fr-FR" smtClean="0"/>
-              <a:t>12/03/2024</a:t>
+              <a:t>29/04/2024</a:t>
             </a:fld>
             <a:endParaRPr lang="fr-FR"/>
           </a:p>
@@ -3241,7 +3241,7 @@
           <a:p>
             <a:fld id="{83BBB925-0357-7C42-BC19-92EA8206C694}" type="datetime1">
               <a:rPr lang="fr-FR" smtClean="0"/>
-              <a:t>12/03/2024</a:t>
+              <a:t>29/04/2024</a:t>
             </a:fld>
             <a:endParaRPr lang="fr-FR"/>
           </a:p>
@@ -3442,7 +3442,7 @@
           <a:p>
             <a:fld id="{FBAE193A-1F38-8649-9FC0-E0C761FCA719}" type="datetime1">
               <a:rPr lang="fr-FR" smtClean="0"/>
-              <a:t>12/03/2024</a:t>
+              <a:t>29/04/2024</a:t>
             </a:fld>
             <a:endParaRPr lang="fr-FR"/>
           </a:p>
@@ -3653,7 +3653,7 @@
           <a:p>
             <a:fld id="{EBA184A2-50D2-FA4D-99C1-6CA6B3AAFE85}" type="datetime1">
               <a:rPr lang="fr-FR" smtClean="0"/>
-              <a:t>12/03/2024</a:t>
+              <a:t>29/04/2024</a:t>
             </a:fld>
             <a:endParaRPr lang="fr-FR"/>
           </a:p>
@@ -3854,7 +3854,7 @@
           <a:p>
             <a:fld id="{318832A5-9581-684F-A9B5-0849972E2F0B}" type="datetime1">
               <a:rPr lang="fr-FR" smtClean="0"/>
-              <a:t>12/03/2024</a:t>
+              <a:t>29/04/2024</a:t>
             </a:fld>
             <a:endParaRPr lang="fr-FR"/>
           </a:p>
@@ -4132,7 +4132,7 @@
           <a:p>
             <a:fld id="{8333DD57-D154-5443-B083-C5E90EDAF09A}" type="datetime1">
               <a:rPr lang="fr-FR" smtClean="0"/>
-              <a:t>12/03/2024</a:t>
+              <a:t>29/04/2024</a:t>
             </a:fld>
             <a:endParaRPr lang="fr-FR"/>
           </a:p>
@@ -4400,7 +4400,7 @@
           <a:p>
             <a:fld id="{966F7442-F5B9-6F49-B900-C95FDBD58208}" type="datetime1">
               <a:rPr lang="fr-FR" smtClean="0"/>
-              <a:t>12/03/2024</a:t>
+              <a:t>29/04/2024</a:t>
             </a:fld>
             <a:endParaRPr lang="fr-FR"/>
           </a:p>
@@ -4815,7 +4815,7 @@
           <a:p>
             <a:fld id="{AA4F6EE9-0153-0244-A982-12E5E0968490}" type="datetime1">
               <a:rPr lang="fr-FR" smtClean="0"/>
-              <a:t>12/03/2024</a:t>
+              <a:t>29/04/2024</a:t>
             </a:fld>
             <a:endParaRPr lang="fr-FR"/>
           </a:p>
@@ -4959,7 +4959,7 @@
           <a:p>
             <a:fld id="{CCB655AA-9D30-FB4F-9B9C-54245ED12204}" type="datetime1">
               <a:rPr lang="fr-FR" smtClean="0"/>
-              <a:t>12/03/2024</a:t>
+              <a:t>29/04/2024</a:t>
             </a:fld>
             <a:endParaRPr lang="fr-FR"/>
           </a:p>
@@ -5075,7 +5075,7 @@
           <a:p>
             <a:fld id="{8F2D3CCA-8988-524B-BCF7-2335CC0A01FF}" type="datetime1">
               <a:rPr lang="fr-FR" smtClean="0"/>
-              <a:t>12/03/2024</a:t>
+              <a:t>29/04/2024</a:t>
             </a:fld>
             <a:endParaRPr lang="fr-FR"/>
           </a:p>
@@ -5389,7 +5389,7 @@
           <a:p>
             <a:fld id="{1D9EBCCF-DCFD-7843-A324-7573BAB161B6}" type="datetime1">
               <a:rPr lang="fr-FR" smtClean="0"/>
-              <a:t>12/03/2024</a:t>
+              <a:t>29/04/2024</a:t>
             </a:fld>
             <a:endParaRPr lang="fr-FR"/>
           </a:p>
@@ -5680,7 +5680,7 @@
           <a:p>
             <a:fld id="{C1D65440-EA86-EE41-B0F2-C6FB46256D29}" type="datetime1">
               <a:rPr lang="fr-FR" smtClean="0"/>
-              <a:t>12/03/2024</a:t>
+              <a:t>29/04/2024</a:t>
             </a:fld>
             <a:endParaRPr lang="fr-FR"/>
           </a:p>
@@ -5924,7 +5924,7 @@
           <a:p>
             <a:fld id="{6432950A-CB6D-5C41-8D80-8037A3573A8E}" type="datetime1">
               <a:rPr lang="fr-FR" smtClean="0"/>
-              <a:t>12/03/2024</a:t>
+              <a:t>29/04/2024</a:t>
             </a:fld>
             <a:endParaRPr lang="fr-FR"/>
           </a:p>
@@ -8940,14 +8940,14 @@
           <p:nvPr>
             <p:extLst>
               <p:ext uri="{D42A27DB-BD31-4B8C-83A1-F6EECF244321}">
-                <p14:modId xmlns:p14="http://schemas.microsoft.com/office/powerpoint/2010/main" val="179449679"/>
+                <p14:modId xmlns:p14="http://schemas.microsoft.com/office/powerpoint/2010/main" val="2021365050"/>
               </p:ext>
             </p:extLst>
           </p:nvPr>
         </p:nvGraphicFramePr>
         <p:xfrm>
           <a:off x="2054860" y="1889760"/>
-          <a:ext cx="8082280" cy="3866896"/>
+          <a:ext cx="8082280" cy="4160393"/>
         </p:xfrm>
         <a:graphic>
           <a:graphicData uri="http://schemas.openxmlformats.org/drawingml/2006/table">
@@ -9021,25 +9021,7 @@
                           </a:solidFill>
                           <a:effectLst/>
                         </a:rPr>
-                        <a:t>créer un site qui permettrai à des utilisateurs de l’</a:t>
-                      </a:r>
-                      <a:r>
-                        <a:rPr lang="fr-FR" sz="1800" b="0" kern="100" dirty="0" err="1">
-                          <a:solidFill>
-                            <a:schemeClr val="tx1"/>
-                          </a:solidFill>
-                          <a:effectLst/>
-                        </a:rPr>
-                        <a:t>uppa</a:t>
-                      </a:r>
-                      <a:r>
-                        <a:rPr lang="fr-FR" sz="1800" b="0" kern="100" dirty="0">
-                          <a:solidFill>
-                            <a:schemeClr val="tx1"/>
-                          </a:solidFill>
-                          <a:effectLst/>
-                        </a:rPr>
-                        <a:t> de réserver des trajets de navette (Anglet</a:t>
+                        <a:t>créer un site qui permettrait à des utilisateurs de l’UPPA de réserver des trajets de navette (Anglet</a:t>
                       </a:r>
                       <a:r>
                         <a:rPr lang="fr-FR" sz="1800" b="0" kern="100" dirty="0">
@@ -9228,7 +9210,13 @@
                         <a:rPr lang="fr-FR" sz="1800" kern="100" dirty="0">
                           <a:effectLst/>
                         </a:rPr>
-                        <a:t>Avoir un site qui fonctionne et permet de faire des réservations, de les afficher, et de remplir un BD</a:t>
+                        <a:t>Avoir un site qui fonctionne et qui permette de faire des réservations, de les afficher, et de valoriser une base </a:t>
+                      </a:r>
+                      <a:r>
+                        <a:rPr lang="fr-FR" sz="1800" kern="100">
+                          <a:effectLst/>
+                        </a:rPr>
+                        <a:t>de données</a:t>
                       </a:r>
                       <a:endParaRPr lang="fr-FR" sz="1800" kern="100" dirty="0">
                         <a:effectLst/>
